--- a/pracownia/Etrych.pptx
+++ b/pracownia/Etrych.pptx
@@ -8,6 +8,12 @@
     <p:sldId id="256" r:id="rId2"/>
     <p:sldId id="258" r:id="rId3"/>
     <p:sldId id="259" r:id="rId4"/>
+    <p:sldId id="260" r:id="rId5"/>
+    <p:sldId id="265" r:id="rId6"/>
+    <p:sldId id="263" r:id="rId7"/>
+    <p:sldId id="261" r:id="rId8"/>
+    <p:sldId id="262" r:id="rId9"/>
+    <p:sldId id="264" r:id="rId10"/>
   </p:sldIdLst>
   <p:sldSz cx="12192000" cy="6858000"/>
   <p:notesSz cx="6858000" cy="9144000"/>
@@ -279,7 +285,7 @@
           <a:p>
             <a:fld id="{72EA7947-E287-4738-8C82-07CE4F01EF03}" type="datetime2">
               <a:rPr lang="en-US" smtClean="0"/>
-              <a:t>Wednesday, October 23, 2024</a:t>
+              <a:t>Saturday, November 23, 2024</a:t>
             </a:fld>
             <a:endParaRPr lang="en-US" dirty="0"/>
           </a:p>
@@ -1315,7 +1321,7 @@
           <a:p>
             <a:fld id="{EE2EBD84-71F4-4271-8C46-0D47C0A9B12E}" type="datetime2">
               <a:rPr lang="en-US" smtClean="0"/>
-              <a:t>Wednesday, October 23, 2024</a:t>
+              <a:t>Saturday, November 23, 2024</a:t>
             </a:fld>
             <a:endParaRPr lang="en-US"/>
           </a:p>
@@ -1526,7 +1532,7 @@
           <a:p>
             <a:fld id="{ABAE0CE1-F450-4107-B2CB-17B18F8A3F4A}" type="datetime2">
               <a:rPr lang="en-US" smtClean="0"/>
-              <a:t>Wednesday, October 23, 2024</a:t>
+              <a:t>Saturday, November 23, 2024</a:t>
             </a:fld>
             <a:endParaRPr lang="en-US"/>
           </a:p>
@@ -2191,7 +2197,7 @@
           <a:p>
             <a:fld id="{6FE8C025-CD7A-4966-867E-81CF82B15267}" type="datetime2">
               <a:rPr lang="en-US" smtClean="0"/>
-              <a:t>Wednesday, October 23, 2024</a:t>
+              <a:t>Saturday, November 23, 2024</a:t>
             </a:fld>
             <a:endParaRPr lang="en-US"/>
           </a:p>
@@ -2811,7 +2817,7 @@
           <a:p>
             <a:fld id="{FE809929-0719-4517-94D6-FDF7F99E70F6}" type="datetime2">
               <a:rPr lang="en-US" smtClean="0"/>
-              <a:t>Wednesday, October 23, 2024</a:t>
+              <a:t>Saturday, November 23, 2024</a:t>
             </a:fld>
             <a:endParaRPr lang="en-US"/>
           </a:p>
@@ -3929,7 +3935,7 @@
           <a:p>
             <a:fld id="{20E95673-5512-4AAA-9AEB-E00C61EC65D5}" type="datetime2">
               <a:rPr lang="en-US" smtClean="0"/>
-              <a:t>Wednesday, October 23, 2024</a:t>
+              <a:t>Saturday, November 23, 2024</a:t>
             </a:fld>
             <a:endParaRPr lang="en-US"/>
           </a:p>
@@ -4476,7 +4482,7 @@
           <a:p>
             <a:fld id="{C13138FA-2E87-4873-8BBA-13E447C9A99A}" type="datetime2">
               <a:rPr lang="en-US" smtClean="0"/>
-              <a:t>Wednesday, October 23, 2024</a:t>
+              <a:t>Saturday, November 23, 2024</a:t>
             </a:fld>
             <a:endParaRPr lang="en-US"/>
           </a:p>
@@ -4637,7 +4643,7 @@
           <a:p>
             <a:fld id="{D75BB40A-97BD-4BFB-B639-0BFF95FDE8B7}" type="datetime2">
               <a:rPr lang="en-US" smtClean="0"/>
-              <a:t>Wednesday, October 23, 2024</a:t>
+              <a:t>Saturday, November 23, 2024</a:t>
             </a:fld>
             <a:endParaRPr lang="en-US"/>
           </a:p>
@@ -5672,7 +5678,7 @@
           <a:p>
             <a:fld id="{9EE9E0E3-ECF6-4CFE-8698-AEFEBCECC3C0}" type="datetime2">
               <a:rPr lang="en-US" smtClean="0"/>
-              <a:t>Wednesday, October 23, 2024</a:t>
+              <a:t>Saturday, November 23, 2024</a:t>
             </a:fld>
             <a:endParaRPr lang="en-US"/>
           </a:p>
@@ -6318,7 +6324,7 @@
           <a:p>
             <a:fld id="{251462FC-960E-4740-921F-B36862979F21}" type="datetime2">
               <a:rPr lang="en-US" smtClean="0"/>
-              <a:t>Wednesday, October 23, 2024</a:t>
+              <a:t>Saturday, November 23, 2024</a:t>
             </a:fld>
             <a:endParaRPr lang="en-US"/>
           </a:p>
@@ -7082,7 +7088,7 @@
           <a:p>
             <a:fld id="{E50BC9E2-CB44-4C05-9BB5-496C18A241E0}" type="datetime2">
               <a:rPr lang="en-US" smtClean="0"/>
-              <a:t>Wednesday, October 23, 2024</a:t>
+              <a:t>Saturday, November 23, 2024</a:t>
             </a:fld>
             <a:endParaRPr lang="en-US"/>
           </a:p>
@@ -7335,7 +7341,7 @@
           <a:p>
             <a:fld id="{246CB39B-5F4C-4A7E-9BE3-AAFD45576D16}" type="datetime2">
               <a:rPr lang="en-US" smtClean="0"/>
-              <a:t>Wednesday, October 23, 2024</a:t>
+              <a:t>Saturday, November 23, 2024</a:t>
             </a:fld>
             <a:endParaRPr lang="en-US" dirty="0"/>
           </a:p>
@@ -9016,7 +9022,15 @@
             </a:pPr>
             <a:r>
               <a:rPr lang="pl-PL" sz="2000" dirty="0"/>
-              <a:t>Porównanie klasycznych i nowoczesnych metod uczenia ciągłego na standardowych   i rzeczywistych zbiorach danych.</a:t>
+              <a:t>Porównanie konwencjonalnych i </a:t>
+            </a:r>
+            <a:r>
+              <a:rPr lang="pl-PL" sz="2000" dirty="0" err="1"/>
+              <a:t>najnowcześnie-jszych</a:t>
+            </a:r>
+            <a:r>
+              <a:rPr lang="pl-PL" sz="2000" dirty="0"/>
+              <a:t> metod uczenia ciągłego na standardowych i rzeczywistych zbiorach danych.</a:t>
             </a:r>
           </a:p>
           <a:p>
@@ -9480,6 +9494,1331 @@
     <p:extLst>
       <p:ext uri="{BB962C8B-B14F-4D97-AF65-F5344CB8AC3E}">
         <p14:creationId xmlns:p14="http://schemas.microsoft.com/office/powerpoint/2010/main" val="1375626679"/>
+      </p:ext>
+    </p:extLst>
+  </p:cSld>
+  <p:clrMapOvr>
+    <a:masterClrMapping/>
+  </p:clrMapOvr>
+</p:sld>
+</file>
+
+<file path=ppt/slides/slide4.xml><?xml version="1.0" encoding="utf-8"?>
+<p:sld xmlns:a="http://schemas.openxmlformats.org/drawingml/2006/main" xmlns:r="http://schemas.openxmlformats.org/officeDocument/2006/relationships" xmlns:p="http://schemas.openxmlformats.org/presentationml/2006/main">
+  <p:cSld>
+    <p:spTree>
+      <p:nvGrpSpPr>
+        <p:cNvPr id="1" name=""/>
+        <p:cNvGrpSpPr/>
+        <p:nvPr/>
+      </p:nvGrpSpPr>
+      <p:grpSpPr>
+        <a:xfrm>
+          <a:off x="0" y="0"/>
+          <a:ext cx="0" cy="0"/>
+          <a:chOff x="0" y="0"/>
+          <a:chExt cx="0" cy="0"/>
+        </a:xfrm>
+      </p:grpSpPr>
+      <p:sp>
+        <p:nvSpPr>
+          <p:cNvPr id="2" name="Tytuł 1">
+            <a:extLst>
+              <a:ext uri="{FF2B5EF4-FFF2-40B4-BE49-F238E27FC236}">
+                <a16:creationId xmlns:a16="http://schemas.microsoft.com/office/drawing/2014/main" id="{C4FA78BE-46A3-3EE1-C411-313018397DC8}"/>
+              </a:ext>
+            </a:extLst>
+          </p:cNvPr>
+          <p:cNvSpPr>
+            <a:spLocks noGrp="1"/>
+          </p:cNvSpPr>
+          <p:nvPr>
+            <p:ph type="title"/>
+          </p:nvPr>
+        </p:nvSpPr>
+        <p:spPr/>
+        <p:txBody>
+          <a:bodyPr>
+            <a:normAutofit fontScale="90000"/>
+          </a:bodyPr>
+          <a:lstStyle/>
+          <a:p>
+            <a:r>
+              <a:rPr lang="pl-PL" dirty="0"/>
+              <a:t>Trzy typy </a:t>
+            </a:r>
+            <a:r>
+              <a:rPr lang="pl-PL" dirty="0" err="1"/>
+              <a:t>class</a:t>
+            </a:r>
+            <a:r>
+              <a:rPr lang="pl-PL" dirty="0"/>
+              <a:t> </a:t>
+            </a:r>
+            <a:r>
+              <a:rPr lang="pl-PL" dirty="0" err="1"/>
+              <a:t>incremental</a:t>
+            </a:r>
+            <a:r>
+              <a:rPr lang="pl-PL" dirty="0"/>
+              <a:t>:</a:t>
+            </a:r>
+            <a:br>
+              <a:rPr lang="pl-PL" dirty="0"/>
+            </a:br>
+            <a:endParaRPr lang="pl-PL" dirty="0"/>
+          </a:p>
+        </p:txBody>
+      </p:sp>
+      <p:sp>
+        <p:nvSpPr>
+          <p:cNvPr id="3" name="Symbol zastępczy zawartości 2">
+            <a:extLst>
+              <a:ext uri="{FF2B5EF4-FFF2-40B4-BE49-F238E27FC236}">
+                <a16:creationId xmlns:a16="http://schemas.microsoft.com/office/drawing/2014/main" id="{F71DA003-5ADC-A734-B314-081997269320}"/>
+              </a:ext>
+            </a:extLst>
+          </p:cNvPr>
+          <p:cNvSpPr>
+            <a:spLocks noGrp="1"/>
+          </p:cNvSpPr>
+          <p:nvPr>
+            <p:ph idx="1"/>
+          </p:nvPr>
+        </p:nvSpPr>
+        <p:spPr>
+          <a:xfrm>
+            <a:off x="549538" y="1636949"/>
+            <a:ext cx="11090274" cy="3979625"/>
+          </a:xfrm>
+        </p:spPr>
+        <p:txBody>
+          <a:bodyPr/>
+          <a:lstStyle/>
+          <a:p>
+            <a:r>
+              <a:rPr lang="pl-PL" dirty="0"/>
+              <a:t>Class-IL</a:t>
+            </a:r>
+          </a:p>
+          <a:p>
+            <a:pPr marL="0" indent="0">
+              <a:buNone/>
+            </a:pPr>
+            <a:endParaRPr lang="pl-PL" dirty="0"/>
+          </a:p>
+          <a:p>
+            <a:r>
+              <a:rPr lang="pl-PL" dirty="0"/>
+              <a:t>Task-IL</a:t>
+            </a:r>
+          </a:p>
+          <a:p>
+            <a:pPr marL="0" indent="0">
+              <a:buNone/>
+            </a:pPr>
+            <a:endParaRPr lang="pl-PL" dirty="0"/>
+          </a:p>
+          <a:p>
+            <a:r>
+              <a:rPr lang="pl-PL" dirty="0" err="1"/>
+              <a:t>Domain</a:t>
+            </a:r>
+            <a:r>
+              <a:rPr lang="pl-PL" dirty="0"/>
+              <a:t>-IL</a:t>
+            </a:r>
+          </a:p>
+        </p:txBody>
+      </p:sp>
+      <p:pic>
+        <p:nvPicPr>
+          <p:cNvPr id="5" name="Obraz 4">
+            <a:extLst>
+              <a:ext uri="{FF2B5EF4-FFF2-40B4-BE49-F238E27FC236}">
+                <a16:creationId xmlns:a16="http://schemas.microsoft.com/office/drawing/2014/main" id="{F4DA1FEF-F89A-BB60-E7A9-9E150D34601B}"/>
+              </a:ext>
+            </a:extLst>
+          </p:cNvPr>
+          <p:cNvPicPr>
+            <a:picLocks noChangeAspect="1"/>
+          </p:cNvPicPr>
+          <p:nvPr/>
+        </p:nvPicPr>
+        <p:blipFill>
+          <a:blip r:embed="rId2"/>
+          <a:stretch>
+            <a:fillRect/>
+          </a:stretch>
+        </p:blipFill>
+        <p:spPr>
+          <a:xfrm>
+            <a:off x="8067233" y="2561169"/>
+            <a:ext cx="2847975" cy="1200150"/>
+          </a:xfrm>
+          <a:prstGeom prst="rect">
+            <a:avLst/>
+          </a:prstGeom>
+        </p:spPr>
+      </p:pic>
+      <p:pic>
+        <p:nvPicPr>
+          <p:cNvPr id="7" name="Obraz 6">
+            <a:extLst>
+              <a:ext uri="{FF2B5EF4-FFF2-40B4-BE49-F238E27FC236}">
+                <a16:creationId xmlns:a16="http://schemas.microsoft.com/office/drawing/2014/main" id="{B78ED139-54EC-C7E0-777D-9DA20F276535}"/>
+              </a:ext>
+            </a:extLst>
+          </p:cNvPr>
+          <p:cNvPicPr>
+            <a:picLocks noChangeAspect="1"/>
+          </p:cNvPicPr>
+          <p:nvPr/>
+        </p:nvPicPr>
+        <p:blipFill>
+          <a:blip r:embed="rId3"/>
+          <a:stretch>
+            <a:fillRect/>
+          </a:stretch>
+        </p:blipFill>
+        <p:spPr>
+          <a:xfrm>
+            <a:off x="8067233" y="3941533"/>
+            <a:ext cx="2847974" cy="1297940"/>
+          </a:xfrm>
+          <a:prstGeom prst="rect">
+            <a:avLst/>
+          </a:prstGeom>
+        </p:spPr>
+      </p:pic>
+      <p:pic>
+        <p:nvPicPr>
+          <p:cNvPr id="9" name="Obraz 8">
+            <a:extLst>
+              <a:ext uri="{FF2B5EF4-FFF2-40B4-BE49-F238E27FC236}">
+                <a16:creationId xmlns:a16="http://schemas.microsoft.com/office/drawing/2014/main" id="{2538EEAB-1190-DC0A-51E4-4DAA1296ABAA}"/>
+              </a:ext>
+            </a:extLst>
+          </p:cNvPr>
+          <p:cNvPicPr>
+            <a:picLocks noChangeAspect="1"/>
+          </p:cNvPicPr>
+          <p:nvPr/>
+        </p:nvPicPr>
+        <p:blipFill>
+          <a:blip r:embed="rId4"/>
+          <a:stretch>
+            <a:fillRect/>
+          </a:stretch>
+        </p:blipFill>
+        <p:spPr>
+          <a:xfrm>
+            <a:off x="7576696" y="1514180"/>
+            <a:ext cx="3829050" cy="866775"/>
+          </a:xfrm>
+          <a:prstGeom prst="rect">
+            <a:avLst/>
+          </a:prstGeom>
+        </p:spPr>
+      </p:pic>
+    </p:spTree>
+    <p:extLst>
+      <p:ext uri="{BB962C8B-B14F-4D97-AF65-F5344CB8AC3E}">
+        <p14:creationId xmlns:p14="http://schemas.microsoft.com/office/powerpoint/2010/main" val="2540906494"/>
+      </p:ext>
+    </p:extLst>
+  </p:cSld>
+  <p:clrMapOvr>
+    <a:masterClrMapping/>
+  </p:clrMapOvr>
+</p:sld>
+</file>
+
+<file path=ppt/slides/slide5.xml><?xml version="1.0" encoding="utf-8"?>
+<p:sld xmlns:a="http://schemas.openxmlformats.org/drawingml/2006/main" xmlns:r="http://schemas.openxmlformats.org/officeDocument/2006/relationships" xmlns:p="http://schemas.openxmlformats.org/presentationml/2006/main">
+  <p:cSld>
+    <p:spTree>
+      <p:nvGrpSpPr>
+        <p:cNvPr id="1" name=""/>
+        <p:cNvGrpSpPr/>
+        <p:nvPr/>
+      </p:nvGrpSpPr>
+      <p:grpSpPr>
+        <a:xfrm>
+          <a:off x="0" y="0"/>
+          <a:ext cx="0" cy="0"/>
+          <a:chOff x="0" y="0"/>
+          <a:chExt cx="0" cy="0"/>
+        </a:xfrm>
+      </p:grpSpPr>
+      <p:sp>
+        <p:nvSpPr>
+          <p:cNvPr id="2" name="Tytuł 1">
+            <a:extLst>
+              <a:ext uri="{FF2B5EF4-FFF2-40B4-BE49-F238E27FC236}">
+                <a16:creationId xmlns:a16="http://schemas.microsoft.com/office/drawing/2014/main" id="{2934D39F-3798-0C4E-E567-17A60C798F93}"/>
+              </a:ext>
+            </a:extLst>
+          </p:cNvPr>
+          <p:cNvSpPr>
+            <a:spLocks noGrp="1"/>
+          </p:cNvSpPr>
+          <p:nvPr>
+            <p:ph type="title"/>
+          </p:nvPr>
+        </p:nvSpPr>
+        <p:spPr/>
+        <p:txBody>
+          <a:bodyPr>
+            <a:normAutofit/>
+          </a:bodyPr>
+          <a:lstStyle/>
+          <a:p>
+            <a:r>
+              <a:rPr lang="pl-PL" dirty="0"/>
+              <a:t>Metody:</a:t>
+            </a:r>
+          </a:p>
+        </p:txBody>
+      </p:sp>
+      <p:sp>
+        <p:nvSpPr>
+          <p:cNvPr id="3" name="Symbol zastępczy zawartości 2">
+            <a:extLst>
+              <a:ext uri="{FF2B5EF4-FFF2-40B4-BE49-F238E27FC236}">
+                <a16:creationId xmlns:a16="http://schemas.microsoft.com/office/drawing/2014/main" id="{1C323946-6556-7824-C4BE-8EAB29153252}"/>
+              </a:ext>
+            </a:extLst>
+          </p:cNvPr>
+          <p:cNvSpPr>
+            <a:spLocks noGrp="1"/>
+          </p:cNvSpPr>
+          <p:nvPr>
+            <p:ph idx="1"/>
+          </p:nvPr>
+        </p:nvSpPr>
+        <p:spPr/>
+        <p:txBody>
+          <a:bodyPr/>
+          <a:lstStyle/>
+          <a:p>
+            <a:r>
+              <a:rPr lang="pl-PL" dirty="0" err="1"/>
+              <a:t>Elastic</a:t>
+            </a:r>
+            <a:r>
+              <a:rPr lang="pl-PL" dirty="0"/>
+              <a:t> </a:t>
+            </a:r>
+            <a:r>
+              <a:rPr lang="pl-PL" dirty="0" err="1"/>
+              <a:t>Weight</a:t>
+            </a:r>
+            <a:r>
+              <a:rPr lang="pl-PL" dirty="0"/>
+              <a:t> </a:t>
+            </a:r>
+            <a:r>
+              <a:rPr lang="pl-PL" dirty="0" err="1"/>
+              <a:t>Consolidation</a:t>
+            </a:r>
+            <a:r>
+              <a:rPr lang="pl-PL" dirty="0"/>
+              <a:t> (EWC)</a:t>
+            </a:r>
+          </a:p>
+          <a:p>
+            <a:r>
+              <a:rPr lang="pl-PL" dirty="0"/>
+              <a:t>Knowledge </a:t>
+            </a:r>
+            <a:r>
+              <a:rPr lang="pl-PL" dirty="0" err="1"/>
+              <a:t>Distillation</a:t>
+            </a:r>
+            <a:r>
+              <a:rPr lang="pl-PL" dirty="0"/>
+              <a:t> (KD)</a:t>
+            </a:r>
+          </a:p>
+          <a:p>
+            <a:r>
+              <a:rPr lang="pl-PL" dirty="0"/>
+              <a:t>Fine </a:t>
+            </a:r>
+            <a:r>
+              <a:rPr lang="pl-PL" dirty="0" err="1"/>
+              <a:t>tuning</a:t>
+            </a:r>
+            <a:endParaRPr lang="pl-PL" dirty="0"/>
+          </a:p>
+          <a:p>
+            <a:r>
+              <a:rPr lang="pl-PL" dirty="0"/>
+              <a:t>Learning </a:t>
+            </a:r>
+            <a:r>
+              <a:rPr lang="pl-PL" dirty="0" err="1"/>
+              <a:t>without</a:t>
+            </a:r>
+            <a:r>
+              <a:rPr lang="pl-PL" dirty="0"/>
+              <a:t> </a:t>
+            </a:r>
+            <a:r>
+              <a:rPr lang="pl-PL" dirty="0" err="1"/>
+              <a:t>forgetting</a:t>
+            </a:r>
+            <a:endParaRPr lang="pl-PL" dirty="0"/>
+          </a:p>
+          <a:p>
+            <a:r>
+              <a:rPr lang="pl-PL" dirty="0"/>
+              <a:t>Learning </a:t>
+            </a:r>
+            <a:r>
+              <a:rPr lang="pl-PL" dirty="0" err="1"/>
+              <a:t>without</a:t>
+            </a:r>
+            <a:r>
+              <a:rPr lang="pl-PL" dirty="0"/>
+              <a:t> </a:t>
+            </a:r>
+            <a:r>
+              <a:rPr lang="pl-PL" dirty="0" err="1"/>
+              <a:t>memorizing</a:t>
+            </a:r>
+            <a:endParaRPr lang="pl-PL" dirty="0"/>
+          </a:p>
+        </p:txBody>
+      </p:sp>
+    </p:spTree>
+    <p:extLst>
+      <p:ext uri="{BB962C8B-B14F-4D97-AF65-F5344CB8AC3E}">
+        <p14:creationId xmlns:p14="http://schemas.microsoft.com/office/powerpoint/2010/main" val="881907111"/>
+      </p:ext>
+    </p:extLst>
+  </p:cSld>
+  <p:clrMapOvr>
+    <a:masterClrMapping/>
+  </p:clrMapOvr>
+</p:sld>
+</file>
+
+<file path=ppt/slides/slide6.xml><?xml version="1.0" encoding="utf-8"?>
+<p:sld xmlns:a="http://schemas.openxmlformats.org/drawingml/2006/main" xmlns:r="http://schemas.openxmlformats.org/officeDocument/2006/relationships" xmlns:p="http://schemas.openxmlformats.org/presentationml/2006/main">
+  <p:cSld>
+    <p:spTree>
+      <p:nvGrpSpPr>
+        <p:cNvPr id="1" name=""/>
+        <p:cNvGrpSpPr/>
+        <p:nvPr/>
+      </p:nvGrpSpPr>
+      <p:grpSpPr>
+        <a:xfrm>
+          <a:off x="0" y="0"/>
+          <a:ext cx="0" cy="0"/>
+          <a:chOff x="0" y="0"/>
+          <a:chExt cx="0" cy="0"/>
+        </a:xfrm>
+      </p:grpSpPr>
+      <p:sp>
+        <p:nvSpPr>
+          <p:cNvPr id="2" name="Tytuł 1">
+            <a:extLst>
+              <a:ext uri="{FF2B5EF4-FFF2-40B4-BE49-F238E27FC236}">
+                <a16:creationId xmlns:a16="http://schemas.microsoft.com/office/drawing/2014/main" id="{05AA669C-3A0F-D904-ADEC-5725DB7926E9}"/>
+              </a:ext>
+            </a:extLst>
+          </p:cNvPr>
+          <p:cNvSpPr>
+            <a:spLocks noGrp="1"/>
+          </p:cNvSpPr>
+          <p:nvPr>
+            <p:ph type="title"/>
+          </p:nvPr>
+        </p:nvSpPr>
+        <p:spPr/>
+        <p:txBody>
+          <a:bodyPr/>
+          <a:lstStyle/>
+          <a:p>
+            <a:r>
+              <a:rPr lang="pl-PL"/>
+              <a:t>Problem dokładniej, wyzwania</a:t>
+            </a:r>
+          </a:p>
+        </p:txBody>
+      </p:sp>
+      <p:sp>
+        <p:nvSpPr>
+          <p:cNvPr id="3" name="Symbol zastępczy zawartości 2">
+            <a:extLst>
+              <a:ext uri="{FF2B5EF4-FFF2-40B4-BE49-F238E27FC236}">
+                <a16:creationId xmlns:a16="http://schemas.microsoft.com/office/drawing/2014/main" id="{64248597-9E2D-A986-3995-754689FF2F48}"/>
+              </a:ext>
+            </a:extLst>
+          </p:cNvPr>
+          <p:cNvSpPr>
+            <a:spLocks noGrp="1"/>
+          </p:cNvSpPr>
+          <p:nvPr>
+            <p:ph idx="1"/>
+          </p:nvPr>
+        </p:nvSpPr>
+        <p:spPr/>
+        <p:txBody>
+          <a:bodyPr/>
+          <a:lstStyle/>
+          <a:p>
+            <a:endParaRPr lang="pl-PL"/>
+          </a:p>
+        </p:txBody>
+      </p:sp>
+    </p:spTree>
+    <p:extLst>
+      <p:ext uri="{BB962C8B-B14F-4D97-AF65-F5344CB8AC3E}">
+        <p14:creationId xmlns:p14="http://schemas.microsoft.com/office/powerpoint/2010/main" val="1589515699"/>
+      </p:ext>
+    </p:extLst>
+  </p:cSld>
+  <p:clrMapOvr>
+    <a:masterClrMapping/>
+  </p:clrMapOvr>
+</p:sld>
+</file>
+
+<file path=ppt/slides/slide7.xml><?xml version="1.0" encoding="utf-8"?>
+<p:sld xmlns:a="http://schemas.openxmlformats.org/drawingml/2006/main" xmlns:r="http://schemas.openxmlformats.org/officeDocument/2006/relationships" xmlns:p="http://schemas.openxmlformats.org/presentationml/2006/main">
+  <p:cSld>
+    <p:spTree>
+      <p:nvGrpSpPr>
+        <p:cNvPr id="1" name=""/>
+        <p:cNvGrpSpPr/>
+        <p:nvPr/>
+      </p:nvGrpSpPr>
+      <p:grpSpPr>
+        <a:xfrm>
+          <a:off x="0" y="0"/>
+          <a:ext cx="0" cy="0"/>
+          <a:chOff x="0" y="0"/>
+          <a:chExt cx="0" cy="0"/>
+        </a:xfrm>
+      </p:grpSpPr>
+      <p:sp>
+        <p:nvSpPr>
+          <p:cNvPr id="2" name="Tytuł 1">
+            <a:extLst>
+              <a:ext uri="{FF2B5EF4-FFF2-40B4-BE49-F238E27FC236}">
+                <a16:creationId xmlns:a16="http://schemas.microsoft.com/office/drawing/2014/main" id="{ADB6C13A-CBB4-5DFE-7D25-4B99C245D642}"/>
+              </a:ext>
+            </a:extLst>
+          </p:cNvPr>
+          <p:cNvSpPr>
+            <a:spLocks noGrp="1"/>
+          </p:cNvSpPr>
+          <p:nvPr>
+            <p:ph type="title"/>
+          </p:nvPr>
+        </p:nvSpPr>
+        <p:spPr/>
+        <p:txBody>
+          <a:bodyPr>
+            <a:normAutofit/>
+          </a:bodyPr>
+          <a:lstStyle/>
+          <a:p>
+            <a:r>
+              <a:rPr lang="pl-PL" dirty="0"/>
+              <a:t>Przegląd publikacji</a:t>
+            </a:r>
+          </a:p>
+        </p:txBody>
+      </p:sp>
+      <p:sp>
+        <p:nvSpPr>
+          <p:cNvPr id="3" name="Symbol zastępczy zawartości 2">
+            <a:extLst>
+              <a:ext uri="{FF2B5EF4-FFF2-40B4-BE49-F238E27FC236}">
+                <a16:creationId xmlns:a16="http://schemas.microsoft.com/office/drawing/2014/main" id="{8BC0ACFA-B0A5-8BB1-ADE1-12B0E0F6A937}"/>
+              </a:ext>
+            </a:extLst>
+          </p:cNvPr>
+          <p:cNvSpPr>
+            <a:spLocks noGrp="1"/>
+          </p:cNvSpPr>
+          <p:nvPr>
+            <p:ph idx="1"/>
+          </p:nvPr>
+        </p:nvSpPr>
+        <p:spPr/>
+        <p:txBody>
+          <a:bodyPr>
+            <a:normAutofit fontScale="92500" lnSpcReduction="20000"/>
+          </a:bodyPr>
+          <a:lstStyle/>
+          <a:p>
+            <a:pPr indent="449580" algn="just">
+              <a:lnSpc>
+                <a:spcPct val="107000"/>
+              </a:lnSpc>
+              <a:spcAft>
+                <a:spcPts val="800"/>
+              </a:spcAft>
+            </a:pPr>
+            <a:r>
+              <a:rPr lang="pl-PL" sz="1800" kern="100" dirty="0">
+                <a:effectLst/>
+                <a:latin typeface="Aptos" panose="020B0004020202020204" pitchFamily="34" charset="0"/>
+                <a:ea typeface="Aptos" panose="020B0004020202020204" pitchFamily="34" charset="0"/>
+                <a:cs typeface="Times New Roman" panose="02020603050405020304" pitchFamily="18" charset="0"/>
+              </a:rPr>
+              <a:t>Artykuł</a:t>
+            </a:r>
+            <a:r>
+              <a:rPr lang="pl-PL" sz="1800" b="1" kern="100" dirty="0">
+                <a:effectLst/>
+                <a:latin typeface="Aptos" panose="020B0004020202020204" pitchFamily="34" charset="0"/>
+                <a:ea typeface="Aptos" panose="020B0004020202020204" pitchFamily="34" charset="0"/>
+                <a:cs typeface="Times New Roman" panose="02020603050405020304" pitchFamily="18" charset="0"/>
+              </a:rPr>
+              <a:t> „</a:t>
+            </a:r>
+            <a:r>
+              <a:rPr lang="pl-PL" sz="1800" b="1" kern="100" dirty="0" err="1">
+                <a:effectLst/>
+                <a:latin typeface="Aptos" panose="020B0004020202020204" pitchFamily="34" charset="0"/>
+                <a:ea typeface="Aptos" panose="020B0004020202020204" pitchFamily="34" charset="0"/>
+                <a:cs typeface="Times New Roman" panose="02020603050405020304" pitchFamily="18" charset="0"/>
+              </a:rPr>
+              <a:t>Continual</a:t>
+            </a:r>
+            <a:r>
+              <a:rPr lang="pl-PL" sz="1800" b="1" kern="100" dirty="0">
+                <a:effectLst/>
+                <a:latin typeface="Aptos" panose="020B0004020202020204" pitchFamily="34" charset="0"/>
+                <a:ea typeface="Aptos" panose="020B0004020202020204" pitchFamily="34" charset="0"/>
+                <a:cs typeface="Times New Roman" panose="02020603050405020304" pitchFamily="18" charset="0"/>
+              </a:rPr>
+              <a:t> Learning with Knowledge </a:t>
+            </a:r>
+            <a:r>
+              <a:rPr lang="pl-PL" sz="1800" b="1" kern="100" dirty="0" err="1">
+                <a:effectLst/>
+                <a:latin typeface="Aptos" panose="020B0004020202020204" pitchFamily="34" charset="0"/>
+                <a:ea typeface="Aptos" panose="020B0004020202020204" pitchFamily="34" charset="0"/>
+                <a:cs typeface="Times New Roman" panose="02020603050405020304" pitchFamily="18" charset="0"/>
+              </a:rPr>
+              <a:t>Distillation</a:t>
+            </a:r>
+            <a:r>
+              <a:rPr lang="pl-PL" sz="1800" b="1" kern="100" dirty="0">
+                <a:effectLst/>
+                <a:latin typeface="Aptos" panose="020B0004020202020204" pitchFamily="34" charset="0"/>
+                <a:ea typeface="Aptos" panose="020B0004020202020204" pitchFamily="34" charset="0"/>
+                <a:cs typeface="Times New Roman" panose="02020603050405020304" pitchFamily="18" charset="0"/>
+              </a:rPr>
+              <a:t>: A </a:t>
+            </a:r>
+            <a:r>
+              <a:rPr lang="pl-PL" sz="1800" b="1" kern="100" dirty="0" err="1">
+                <a:effectLst/>
+                <a:latin typeface="Aptos" panose="020B0004020202020204" pitchFamily="34" charset="0"/>
+                <a:ea typeface="Aptos" panose="020B0004020202020204" pitchFamily="34" charset="0"/>
+                <a:cs typeface="Times New Roman" panose="02020603050405020304" pitchFamily="18" charset="0"/>
+              </a:rPr>
+              <a:t>Survey</a:t>
+            </a:r>
+            <a:r>
+              <a:rPr lang="pl-PL" sz="1800" b="1" kern="100" dirty="0">
+                <a:effectLst/>
+                <a:latin typeface="Aptos" panose="020B0004020202020204" pitchFamily="34" charset="0"/>
+                <a:ea typeface="Aptos" panose="020B0004020202020204" pitchFamily="34" charset="0"/>
+                <a:cs typeface="Times New Roman" panose="02020603050405020304" pitchFamily="18" charset="0"/>
+              </a:rPr>
+              <a:t>” (2024r.)</a:t>
+            </a:r>
+            <a:r>
+              <a:rPr lang="pl-PL" sz="1800" kern="100" dirty="0">
+                <a:effectLst/>
+                <a:latin typeface="Aptos" panose="020B0004020202020204" pitchFamily="34" charset="0"/>
+                <a:ea typeface="Aptos" panose="020B0004020202020204" pitchFamily="34" charset="0"/>
+                <a:cs typeface="Times New Roman" panose="02020603050405020304" pitchFamily="18" charset="0"/>
+              </a:rPr>
+              <a:t> analizuje metody ciągłego uczenia maszynowego oparte na destylacji wiedzy, które redukują problem katastroficznego zapominania. Autorzy eksperymentalnie potwierdzają skuteczność destylacji wiedzy w kontekście klasyfikacji obrazów, takich jak CIFAR-100, </a:t>
+            </a:r>
+            <a:r>
+              <a:rPr lang="pl-PL" sz="1800" kern="100" dirty="0" err="1">
+                <a:effectLst/>
+                <a:latin typeface="Aptos" panose="020B0004020202020204" pitchFamily="34" charset="0"/>
+                <a:ea typeface="Aptos" panose="020B0004020202020204" pitchFamily="34" charset="0"/>
+                <a:cs typeface="Times New Roman" panose="02020603050405020304" pitchFamily="18" charset="0"/>
+              </a:rPr>
+              <a:t>Tiny-ImageNet</a:t>
+            </a:r>
+            <a:r>
+              <a:rPr lang="pl-PL" sz="1800" kern="100" dirty="0">
+                <a:effectLst/>
+                <a:latin typeface="Aptos" panose="020B0004020202020204" pitchFamily="34" charset="0"/>
+                <a:ea typeface="Aptos" panose="020B0004020202020204" pitchFamily="34" charset="0"/>
+                <a:cs typeface="Times New Roman" panose="02020603050405020304" pitchFamily="18" charset="0"/>
+              </a:rPr>
+              <a:t> i ImageNet-100, gdzie mniej złożony model (student) jest uczony na podstawie wyjść bardziej złożonego modelu (</a:t>
+            </a:r>
+            <a:r>
+              <a:rPr lang="pl-PL" sz="1800" kern="100" dirty="0" err="1">
+                <a:effectLst/>
+                <a:latin typeface="Aptos" panose="020B0004020202020204" pitchFamily="34" charset="0"/>
+                <a:ea typeface="Aptos" panose="020B0004020202020204" pitchFamily="34" charset="0"/>
+                <a:cs typeface="Times New Roman" panose="02020603050405020304" pitchFamily="18" charset="0"/>
+              </a:rPr>
+              <a:t>teacher</a:t>
+            </a:r>
+            <a:r>
+              <a:rPr lang="pl-PL" sz="1800" kern="100" dirty="0">
+                <a:effectLst/>
+                <a:latin typeface="Aptos" panose="020B0004020202020204" pitchFamily="34" charset="0"/>
+                <a:ea typeface="Aptos" panose="020B0004020202020204" pitchFamily="34" charset="0"/>
+                <a:cs typeface="Times New Roman" panose="02020603050405020304" pitchFamily="18" charset="0"/>
+              </a:rPr>
+              <a:t>).</a:t>
+            </a:r>
+          </a:p>
+          <a:p>
+            <a:pPr indent="449580" algn="just">
+              <a:lnSpc>
+                <a:spcPct val="107000"/>
+              </a:lnSpc>
+              <a:spcAft>
+                <a:spcPts val="800"/>
+              </a:spcAft>
+            </a:pPr>
+            <a:r>
+              <a:rPr lang="pl-PL" sz="1800" kern="100" dirty="0">
+                <a:effectLst/>
+                <a:latin typeface="Aptos" panose="020B0004020202020204" pitchFamily="34" charset="0"/>
+                <a:ea typeface="Aptos" panose="020B0004020202020204" pitchFamily="34" charset="0"/>
+                <a:cs typeface="Times New Roman" panose="02020603050405020304" pitchFamily="18" charset="0"/>
+              </a:rPr>
+              <a:t>Przegląd</a:t>
+            </a:r>
+            <a:r>
+              <a:rPr lang="pl-PL" sz="1800" kern="100" dirty="0">
+                <a:effectLst/>
+                <a:latin typeface="Aptos" panose="020B0004020202020204" pitchFamily="34" charset="0"/>
+                <a:ea typeface="NimbusRomNo9L-Regu"/>
+                <a:cs typeface="Times New Roman" panose="02020603050405020304" pitchFamily="18" charset="0"/>
+              </a:rPr>
+              <a:t> „</a:t>
+            </a:r>
+            <a:r>
+              <a:rPr lang="pl-PL" sz="1800" b="1" kern="100" dirty="0">
+                <a:effectLst/>
+                <a:latin typeface="Aptos" panose="020B0004020202020204" pitchFamily="34" charset="0"/>
+                <a:ea typeface="Aptos" panose="020B0004020202020204" pitchFamily="34" charset="0"/>
+                <a:cs typeface="Times New Roman" panose="02020603050405020304" pitchFamily="18" charset="0"/>
+              </a:rPr>
+              <a:t>A Comprehensive </a:t>
+            </a:r>
+            <a:r>
+              <a:rPr lang="pl-PL" sz="1800" b="1" kern="100" dirty="0" err="1">
+                <a:effectLst/>
+                <a:latin typeface="Aptos" panose="020B0004020202020204" pitchFamily="34" charset="0"/>
+                <a:ea typeface="Aptos" panose="020B0004020202020204" pitchFamily="34" charset="0"/>
+                <a:cs typeface="Times New Roman" panose="02020603050405020304" pitchFamily="18" charset="0"/>
+              </a:rPr>
+              <a:t>Survey</a:t>
+            </a:r>
+            <a:r>
+              <a:rPr lang="pl-PL" sz="1800" b="1" kern="100" dirty="0">
+                <a:effectLst/>
+                <a:latin typeface="Aptos" panose="020B0004020202020204" pitchFamily="34" charset="0"/>
+                <a:ea typeface="Aptos" panose="020B0004020202020204" pitchFamily="34" charset="0"/>
+                <a:cs typeface="Times New Roman" panose="02020603050405020304" pitchFamily="18" charset="0"/>
+              </a:rPr>
+              <a:t> of </a:t>
+            </a:r>
+            <a:r>
+              <a:rPr lang="pl-PL" sz="1800" b="1" kern="100" dirty="0" err="1">
+                <a:effectLst/>
+                <a:latin typeface="Aptos" panose="020B0004020202020204" pitchFamily="34" charset="0"/>
+                <a:ea typeface="Aptos" panose="020B0004020202020204" pitchFamily="34" charset="0"/>
+                <a:cs typeface="Times New Roman" panose="02020603050405020304" pitchFamily="18" charset="0"/>
+              </a:rPr>
+              <a:t>Continual</a:t>
+            </a:r>
+            <a:r>
+              <a:rPr lang="pl-PL" sz="1800" b="1" kern="100" dirty="0">
+                <a:effectLst/>
+                <a:latin typeface="Aptos" panose="020B0004020202020204" pitchFamily="34" charset="0"/>
+                <a:ea typeface="Aptos" panose="020B0004020202020204" pitchFamily="34" charset="0"/>
+                <a:cs typeface="Times New Roman" panose="02020603050405020304" pitchFamily="18" charset="0"/>
+              </a:rPr>
+              <a:t> Learning: </a:t>
+            </a:r>
+            <a:r>
+              <a:rPr lang="pl-PL" sz="1800" b="1" kern="100" dirty="0" err="1">
+                <a:effectLst/>
+                <a:latin typeface="Aptos" panose="020B0004020202020204" pitchFamily="34" charset="0"/>
+                <a:ea typeface="Aptos" panose="020B0004020202020204" pitchFamily="34" charset="0"/>
+                <a:cs typeface="Times New Roman" panose="02020603050405020304" pitchFamily="18" charset="0"/>
+              </a:rPr>
+              <a:t>Theory</a:t>
+            </a:r>
+            <a:r>
+              <a:rPr lang="pl-PL" sz="1800" b="1" kern="100" dirty="0">
+                <a:effectLst/>
+                <a:latin typeface="Aptos" panose="020B0004020202020204" pitchFamily="34" charset="0"/>
+                <a:ea typeface="Aptos" panose="020B0004020202020204" pitchFamily="34" charset="0"/>
+                <a:cs typeface="Times New Roman" panose="02020603050405020304" pitchFamily="18" charset="0"/>
+              </a:rPr>
+              <a:t>, Method and Application” (2015r.)</a:t>
+            </a:r>
+            <a:r>
+              <a:rPr lang="pl-PL" sz="1800" kern="100" dirty="0">
+                <a:effectLst/>
+                <a:latin typeface="Aptos" panose="020B0004020202020204" pitchFamily="34" charset="0"/>
+                <a:ea typeface="Aptos" panose="020B0004020202020204" pitchFamily="34" charset="0"/>
+                <a:cs typeface="Times New Roman" panose="02020603050405020304" pitchFamily="18" charset="0"/>
+              </a:rPr>
+              <a:t>  przedstawia połączenie uczenia ciągłego z innymi zagadnieniami sztucznej inteligencji takimi jak: modele dyfuzyjne, modele fundamentowe, architektury oparte na transformerach, uczenie wielomodalne, sztuczna inteligencja osadzona.</a:t>
+            </a:r>
+          </a:p>
+          <a:p>
+            <a:pPr indent="449580" algn="just">
+              <a:lnSpc>
+                <a:spcPct val="107000"/>
+              </a:lnSpc>
+              <a:spcAft>
+                <a:spcPts val="800"/>
+              </a:spcAft>
+            </a:pPr>
+            <a:r>
+              <a:rPr lang="pl-PL" sz="1800" kern="100" dirty="0">
+                <a:effectLst/>
+                <a:latin typeface="Aptos" panose="020B0004020202020204" pitchFamily="34" charset="0"/>
+                <a:ea typeface="Aptos" panose="020B0004020202020204" pitchFamily="34" charset="0"/>
+                <a:cs typeface="Times New Roman" panose="02020603050405020304" pitchFamily="18" charset="0"/>
+              </a:rPr>
+              <a:t>W artykule „</a:t>
+            </a:r>
+            <a:r>
+              <a:rPr lang="pl-PL" sz="1800" b="1" kern="100" dirty="0" err="1">
+                <a:effectLst/>
+                <a:latin typeface="Aptos" panose="020B0004020202020204" pitchFamily="34" charset="0"/>
+                <a:ea typeface="Aptos" panose="020B0004020202020204" pitchFamily="34" charset="0"/>
+                <a:cs typeface="Times New Roman" panose="02020603050405020304" pitchFamily="18" charset="0"/>
+              </a:rPr>
+              <a:t>Continual</a:t>
+            </a:r>
+            <a:r>
+              <a:rPr lang="pl-PL" sz="1800" b="1" kern="100" dirty="0">
+                <a:effectLst/>
+                <a:latin typeface="Aptos" panose="020B0004020202020204" pitchFamily="34" charset="0"/>
+                <a:ea typeface="Aptos" panose="020B0004020202020204" pitchFamily="34" charset="0"/>
+                <a:cs typeface="Times New Roman" panose="02020603050405020304" pitchFamily="18" charset="0"/>
+              </a:rPr>
+              <a:t> </a:t>
+            </a:r>
+            <a:r>
+              <a:rPr lang="pl-PL" sz="1800" b="1" kern="100" dirty="0" err="1">
+                <a:effectLst/>
+                <a:latin typeface="Aptos" panose="020B0004020202020204" pitchFamily="34" charset="0"/>
+                <a:ea typeface="Aptos" panose="020B0004020202020204" pitchFamily="34" charset="0"/>
+                <a:cs typeface="Times New Roman" panose="02020603050405020304" pitchFamily="18" charset="0"/>
+              </a:rPr>
+              <a:t>Lifelong</a:t>
+            </a:r>
+            <a:r>
+              <a:rPr lang="pl-PL" sz="1800" b="1" kern="100" dirty="0">
+                <a:effectLst/>
+                <a:latin typeface="Aptos" panose="020B0004020202020204" pitchFamily="34" charset="0"/>
+                <a:ea typeface="Aptos" panose="020B0004020202020204" pitchFamily="34" charset="0"/>
+                <a:cs typeface="Times New Roman" panose="02020603050405020304" pitchFamily="18" charset="0"/>
+              </a:rPr>
+              <a:t> Learning with </a:t>
+            </a:r>
+            <a:r>
+              <a:rPr lang="pl-PL" sz="1800" b="1" kern="100" dirty="0" err="1">
+                <a:effectLst/>
+                <a:latin typeface="Aptos" panose="020B0004020202020204" pitchFamily="34" charset="0"/>
+                <a:ea typeface="Aptos" panose="020B0004020202020204" pitchFamily="34" charset="0"/>
+                <a:cs typeface="Times New Roman" panose="02020603050405020304" pitchFamily="18" charset="0"/>
+              </a:rPr>
+              <a:t>Neural</a:t>
+            </a:r>
+            <a:r>
+              <a:rPr lang="pl-PL" sz="1800" b="1" kern="100" dirty="0">
+                <a:effectLst/>
+                <a:latin typeface="Aptos" panose="020B0004020202020204" pitchFamily="34" charset="0"/>
+                <a:ea typeface="Aptos" panose="020B0004020202020204" pitchFamily="34" charset="0"/>
+                <a:cs typeface="Times New Roman" panose="02020603050405020304" pitchFamily="18" charset="0"/>
+              </a:rPr>
+              <a:t> Networks: A </a:t>
+            </a:r>
+            <a:r>
+              <a:rPr lang="pl-PL" sz="1800" b="1" kern="100" dirty="0" err="1">
+                <a:effectLst/>
+                <a:latin typeface="Aptos" panose="020B0004020202020204" pitchFamily="34" charset="0"/>
+                <a:ea typeface="Aptos" panose="020B0004020202020204" pitchFamily="34" charset="0"/>
+                <a:cs typeface="Times New Roman" panose="02020603050405020304" pitchFamily="18" charset="0"/>
+              </a:rPr>
+              <a:t>Review</a:t>
+            </a:r>
+            <a:r>
+              <a:rPr lang="pl-PL" sz="1800" b="1" kern="100" dirty="0">
+                <a:effectLst/>
+                <a:latin typeface="Aptos" panose="020B0004020202020204" pitchFamily="34" charset="0"/>
+                <a:ea typeface="Aptos" panose="020B0004020202020204" pitchFamily="34" charset="0"/>
+                <a:cs typeface="Times New Roman" panose="02020603050405020304" pitchFamily="18" charset="0"/>
+              </a:rPr>
+              <a:t>” (2019r.)</a:t>
+            </a:r>
+            <a:r>
+              <a:rPr lang="pl-PL" sz="1800" kern="100" dirty="0">
+                <a:effectLst/>
+                <a:latin typeface="Aptos" panose="020B0004020202020204" pitchFamily="34" charset="0"/>
+                <a:ea typeface="Aptos" panose="020B0004020202020204" pitchFamily="34" charset="0"/>
+                <a:cs typeface="Times New Roman" panose="02020603050405020304" pitchFamily="18" charset="0"/>
+              </a:rPr>
+              <a:t> dokonano porównania wyników wybranych modeli na różnych zbiorach danych obrazowych takich jak MNIST, CUB-200 i CORe50. </a:t>
+            </a:r>
+            <a:r>
+              <a:rPr lang="en-US" sz="1800" kern="100" dirty="0" err="1">
+                <a:effectLst/>
+                <a:latin typeface="Aptos" panose="020B0004020202020204" pitchFamily="34" charset="0"/>
+                <a:ea typeface="Aptos" panose="020B0004020202020204" pitchFamily="34" charset="0"/>
+                <a:cs typeface="Times New Roman" panose="02020603050405020304" pitchFamily="18" charset="0"/>
+              </a:rPr>
+              <a:t>Przedstawione</a:t>
+            </a:r>
+            <a:r>
+              <a:rPr lang="en-US" sz="1800" kern="100" dirty="0">
+                <a:effectLst/>
+                <a:latin typeface="Aptos" panose="020B0004020202020204" pitchFamily="34" charset="0"/>
+                <a:ea typeface="Aptos" panose="020B0004020202020204" pitchFamily="34" charset="0"/>
+                <a:cs typeface="Times New Roman" panose="02020603050405020304" pitchFamily="18" charset="0"/>
+              </a:rPr>
+              <a:t> </a:t>
+            </a:r>
+            <a:r>
+              <a:rPr lang="en-US" sz="1800" kern="100" dirty="0" err="1">
+                <a:effectLst/>
+                <a:latin typeface="Aptos" panose="020B0004020202020204" pitchFamily="34" charset="0"/>
+                <a:ea typeface="Aptos" panose="020B0004020202020204" pitchFamily="34" charset="0"/>
+                <a:cs typeface="Times New Roman" panose="02020603050405020304" pitchFamily="18" charset="0"/>
+              </a:rPr>
+              <a:t>metody</a:t>
+            </a:r>
+            <a:r>
+              <a:rPr lang="en-US" sz="1800" kern="100" dirty="0">
+                <a:effectLst/>
+                <a:latin typeface="Aptos" panose="020B0004020202020204" pitchFamily="34" charset="0"/>
+                <a:ea typeface="Aptos" panose="020B0004020202020204" pitchFamily="34" charset="0"/>
+                <a:cs typeface="Times New Roman" panose="02020603050405020304" pitchFamily="18" charset="0"/>
+              </a:rPr>
+              <a:t> to EWC (Elastic Weight Consolidation), FEL (Forget-Extra Learning), MLP (Multi-Layer Perceptron), </a:t>
+            </a:r>
+            <a:r>
+              <a:rPr lang="en-US" sz="1800" kern="100" dirty="0" err="1">
+                <a:effectLst/>
+                <a:latin typeface="Aptos" panose="020B0004020202020204" pitchFamily="34" charset="0"/>
+                <a:ea typeface="Aptos" panose="020B0004020202020204" pitchFamily="34" charset="0"/>
+                <a:cs typeface="Times New Roman" panose="02020603050405020304" pitchFamily="18" charset="0"/>
+              </a:rPr>
+              <a:t>GeppNet</a:t>
+            </a:r>
+            <a:r>
+              <a:rPr lang="en-US" sz="1800" kern="100" dirty="0">
+                <a:effectLst/>
+                <a:latin typeface="Aptos" panose="020B0004020202020204" pitchFamily="34" charset="0"/>
+                <a:ea typeface="Aptos" panose="020B0004020202020204" pitchFamily="34" charset="0"/>
+                <a:cs typeface="Times New Roman" panose="02020603050405020304" pitchFamily="18" charset="0"/>
+              </a:rPr>
+              <a:t> (Generalized Episodic Parameter Propagation Network) </a:t>
+            </a:r>
+            <a:r>
+              <a:rPr lang="en-US" sz="1800" kern="100" dirty="0" err="1">
+                <a:effectLst/>
+                <a:latin typeface="Aptos" panose="020B0004020202020204" pitchFamily="34" charset="0"/>
+                <a:ea typeface="Aptos" panose="020B0004020202020204" pitchFamily="34" charset="0"/>
+                <a:cs typeface="Times New Roman" panose="02020603050405020304" pitchFamily="18" charset="0"/>
+              </a:rPr>
+              <a:t>oraz</a:t>
+            </a:r>
+            <a:r>
+              <a:rPr lang="en-US" sz="1800" kern="100" dirty="0">
+                <a:effectLst/>
+                <a:latin typeface="Aptos" panose="020B0004020202020204" pitchFamily="34" charset="0"/>
+                <a:ea typeface="Aptos" panose="020B0004020202020204" pitchFamily="34" charset="0"/>
+                <a:cs typeface="Times New Roman" panose="02020603050405020304" pitchFamily="18" charset="0"/>
+              </a:rPr>
+              <a:t> </a:t>
+            </a:r>
+            <a:r>
+              <a:rPr lang="en-US" sz="1800" kern="100" dirty="0" err="1">
+                <a:effectLst/>
+                <a:latin typeface="Aptos" panose="020B0004020202020204" pitchFamily="34" charset="0"/>
+                <a:ea typeface="Aptos" panose="020B0004020202020204" pitchFamily="34" charset="0"/>
+                <a:cs typeface="Times New Roman" panose="02020603050405020304" pitchFamily="18" charset="0"/>
+              </a:rPr>
+              <a:t>GeppNet</a:t>
+            </a:r>
+            <a:r>
+              <a:rPr lang="en-US" sz="1800" kern="100" dirty="0">
+                <a:effectLst/>
+                <a:latin typeface="Aptos" panose="020B0004020202020204" pitchFamily="34" charset="0"/>
+                <a:ea typeface="Aptos" panose="020B0004020202020204" pitchFamily="34" charset="0"/>
+                <a:cs typeface="Times New Roman" panose="02020603050405020304" pitchFamily="18" charset="0"/>
+              </a:rPr>
+              <a:t> + STM (Short-Term Memory). </a:t>
+            </a:r>
+            <a:r>
+              <a:rPr lang="pl-PL" sz="1800" kern="100" dirty="0">
+                <a:effectLst/>
+                <a:latin typeface="Aptos" panose="020B0004020202020204" pitchFamily="34" charset="0"/>
+                <a:ea typeface="Aptos" panose="020B0004020202020204" pitchFamily="34" charset="0"/>
+                <a:cs typeface="Times New Roman" panose="02020603050405020304" pitchFamily="18" charset="0"/>
+              </a:rPr>
+              <a:t>Artykuł wskazuje, że </a:t>
+            </a:r>
+            <a:r>
+              <a:rPr lang="pl-PL" sz="1800" kern="100" dirty="0" err="1">
+                <a:effectLst/>
+                <a:latin typeface="Aptos" panose="020B0004020202020204" pitchFamily="34" charset="0"/>
+                <a:ea typeface="Aptos" panose="020B0004020202020204" pitchFamily="34" charset="0"/>
+                <a:cs typeface="Times New Roman" panose="02020603050405020304" pitchFamily="18" charset="0"/>
+              </a:rPr>
+              <a:t>GeppNet</a:t>
+            </a:r>
+            <a:r>
+              <a:rPr lang="pl-PL" sz="1800" kern="100" dirty="0">
+                <a:effectLst/>
+                <a:latin typeface="Aptos" panose="020B0004020202020204" pitchFamily="34" charset="0"/>
+                <a:ea typeface="Aptos" panose="020B0004020202020204" pitchFamily="34" charset="0"/>
+                <a:cs typeface="Times New Roman" panose="02020603050405020304" pitchFamily="18" charset="0"/>
+              </a:rPr>
+              <a:t> osiąga najlepsze wyniki na zbiorze MNIST, a </a:t>
+            </a:r>
+            <a:r>
+              <a:rPr lang="pl-PL" sz="1800" kern="100" dirty="0" err="1">
+                <a:effectLst/>
+                <a:latin typeface="Aptos" panose="020B0004020202020204" pitchFamily="34" charset="0"/>
+                <a:ea typeface="Aptos" panose="020B0004020202020204" pitchFamily="34" charset="0"/>
+                <a:cs typeface="Times New Roman" panose="02020603050405020304" pitchFamily="18" charset="0"/>
+              </a:rPr>
+              <a:t>GeppNet</a:t>
+            </a:r>
+            <a:r>
+              <a:rPr lang="pl-PL" sz="1800" kern="100" dirty="0">
+                <a:effectLst/>
+                <a:latin typeface="Aptos" panose="020B0004020202020204" pitchFamily="34" charset="0"/>
+                <a:ea typeface="Aptos" panose="020B0004020202020204" pitchFamily="34" charset="0"/>
+                <a:cs typeface="Times New Roman" panose="02020603050405020304" pitchFamily="18" charset="0"/>
+              </a:rPr>
+              <a:t> + STM na zbiorze CUB-200 oraz </a:t>
+            </a:r>
+            <a:r>
+              <a:rPr lang="pl-PL" sz="1800" kern="100" dirty="0" err="1">
+                <a:effectLst/>
+                <a:latin typeface="Aptos" panose="020B0004020202020204" pitchFamily="34" charset="0"/>
+                <a:ea typeface="Aptos" panose="020B0004020202020204" pitchFamily="34" charset="0"/>
+                <a:cs typeface="Times New Roman" panose="02020603050405020304" pitchFamily="18" charset="0"/>
+              </a:rPr>
+              <a:t>AudioSet</a:t>
+            </a:r>
+            <a:r>
+              <a:rPr lang="pl-PL" sz="1800" kern="100" dirty="0">
+                <a:effectLst/>
+                <a:latin typeface="Aptos" panose="020B0004020202020204" pitchFamily="34" charset="0"/>
+                <a:ea typeface="Aptos" panose="020B0004020202020204" pitchFamily="34" charset="0"/>
+                <a:cs typeface="Times New Roman" panose="02020603050405020304" pitchFamily="18" charset="0"/>
+              </a:rPr>
+              <a:t>.</a:t>
+            </a:r>
+          </a:p>
+          <a:p>
+            <a:endParaRPr lang="pl-PL" dirty="0"/>
+          </a:p>
+        </p:txBody>
+      </p:sp>
+    </p:spTree>
+    <p:extLst>
+      <p:ext uri="{BB962C8B-B14F-4D97-AF65-F5344CB8AC3E}">
+        <p14:creationId xmlns:p14="http://schemas.microsoft.com/office/powerpoint/2010/main" val="803108911"/>
+      </p:ext>
+    </p:extLst>
+  </p:cSld>
+  <p:clrMapOvr>
+    <a:masterClrMapping/>
+  </p:clrMapOvr>
+</p:sld>
+</file>
+
+<file path=ppt/slides/slide8.xml><?xml version="1.0" encoding="utf-8"?>
+<p:sld xmlns:a="http://schemas.openxmlformats.org/drawingml/2006/main" xmlns:r="http://schemas.openxmlformats.org/officeDocument/2006/relationships" xmlns:p="http://schemas.openxmlformats.org/presentationml/2006/main">
+  <p:cSld>
+    <p:spTree>
+      <p:nvGrpSpPr>
+        <p:cNvPr id="1" name=""/>
+        <p:cNvGrpSpPr/>
+        <p:nvPr/>
+      </p:nvGrpSpPr>
+      <p:grpSpPr>
+        <a:xfrm>
+          <a:off x="0" y="0"/>
+          <a:ext cx="0" cy="0"/>
+          <a:chOff x="0" y="0"/>
+          <a:chExt cx="0" cy="0"/>
+        </a:xfrm>
+      </p:grpSpPr>
+      <p:sp>
+        <p:nvSpPr>
+          <p:cNvPr id="2" name="Tytuł 1">
+            <a:extLst>
+              <a:ext uri="{FF2B5EF4-FFF2-40B4-BE49-F238E27FC236}">
+                <a16:creationId xmlns:a16="http://schemas.microsoft.com/office/drawing/2014/main" id="{B52E7B5E-0A61-6F69-AEF5-F642D71B5BD8}"/>
+              </a:ext>
+            </a:extLst>
+          </p:cNvPr>
+          <p:cNvSpPr>
+            <a:spLocks noGrp="1"/>
+          </p:cNvSpPr>
+          <p:nvPr>
+            <p:ph type="title"/>
+          </p:nvPr>
+        </p:nvSpPr>
+        <p:spPr/>
+        <p:txBody>
+          <a:bodyPr/>
+          <a:lstStyle/>
+          <a:p>
+            <a:endParaRPr lang="pl-PL"/>
+          </a:p>
+        </p:txBody>
+      </p:sp>
+      <p:sp>
+        <p:nvSpPr>
+          <p:cNvPr id="3" name="Symbol zastępczy zawartości 2">
+            <a:extLst>
+              <a:ext uri="{FF2B5EF4-FFF2-40B4-BE49-F238E27FC236}">
+                <a16:creationId xmlns:a16="http://schemas.microsoft.com/office/drawing/2014/main" id="{E489297B-4EF8-39D4-4B6A-483087E4AE10}"/>
+              </a:ext>
+            </a:extLst>
+          </p:cNvPr>
+          <p:cNvSpPr>
+            <a:spLocks noGrp="1"/>
+          </p:cNvSpPr>
+          <p:nvPr>
+            <p:ph idx="1"/>
+          </p:nvPr>
+        </p:nvSpPr>
+        <p:spPr/>
+        <p:txBody>
+          <a:bodyPr/>
+          <a:lstStyle/>
+          <a:p>
+            <a:endParaRPr lang="pl-PL" dirty="0"/>
+          </a:p>
+        </p:txBody>
+      </p:sp>
+      <p:sp>
+        <p:nvSpPr>
+          <p:cNvPr id="5" name="pole tekstowe 4">
+            <a:extLst>
+              <a:ext uri="{FF2B5EF4-FFF2-40B4-BE49-F238E27FC236}">
+                <a16:creationId xmlns:a16="http://schemas.microsoft.com/office/drawing/2014/main" id="{42EB2CA9-81A1-8B14-CD28-47B165D85B96}"/>
+              </a:ext>
+            </a:extLst>
+          </p:cNvPr>
+          <p:cNvSpPr txBox="1"/>
+          <p:nvPr/>
+        </p:nvSpPr>
+        <p:spPr>
+          <a:xfrm>
+            <a:off x="550862" y="2671795"/>
+            <a:ext cx="6097508" cy="1477328"/>
+          </a:xfrm>
+          <a:prstGeom prst="rect">
+            <a:avLst/>
+          </a:prstGeom>
+          <a:noFill/>
+        </p:spPr>
+        <p:txBody>
+          <a:bodyPr wrap="square">
+            <a:spAutoFit/>
+          </a:bodyPr>
+          <a:lstStyle/>
+          <a:p>
+            <a:pPr algn="l" rtl="0"/>
+            <a:r>
+              <a:rPr lang="pl-PL" dirty="0">
+                <a:effectLst/>
+              </a:rPr>
+              <a:t>Wraz prezentacją proszę o dostarczenie szkiców rozdziałów pracy (w postaci plików PDF):</a:t>
+            </a:r>
+          </a:p>
+          <a:p>
+            <a:pPr>
+              <a:buFont typeface="+mj-lt"/>
+              <a:buAutoNum type="arabicPeriod"/>
+            </a:pPr>
+            <a:r>
+              <a:rPr lang="pl-PL" dirty="0"/>
+              <a:t>Cel i motywacja</a:t>
+            </a:r>
+          </a:p>
+          <a:p>
+            <a:pPr>
+              <a:buFont typeface="+mj-lt"/>
+              <a:buAutoNum type="arabicPeriod"/>
+            </a:pPr>
+            <a:r>
+              <a:rPr lang="pl-PL" dirty="0"/>
+              <a:t>Przedstawienie problemu</a:t>
+            </a:r>
+          </a:p>
+          <a:p>
+            <a:pPr>
+              <a:buFont typeface="+mj-lt"/>
+              <a:buAutoNum type="arabicPeriod"/>
+            </a:pPr>
+            <a:r>
+              <a:rPr lang="pl-PL" dirty="0"/>
+              <a:t>Przegląd literatury tematu </a:t>
+            </a:r>
+          </a:p>
+        </p:txBody>
+      </p:sp>
+    </p:spTree>
+    <p:extLst>
+      <p:ext uri="{BB962C8B-B14F-4D97-AF65-F5344CB8AC3E}">
+        <p14:creationId xmlns:p14="http://schemas.microsoft.com/office/powerpoint/2010/main" val="51280751"/>
+      </p:ext>
+    </p:extLst>
+  </p:cSld>
+  <p:clrMapOvr>
+    <a:masterClrMapping/>
+  </p:clrMapOvr>
+</p:sld>
+</file>
+
+<file path=ppt/slides/slide9.xml><?xml version="1.0" encoding="utf-8"?>
+<p:sld xmlns:a="http://schemas.openxmlformats.org/drawingml/2006/main" xmlns:r="http://schemas.openxmlformats.org/officeDocument/2006/relationships" xmlns:p="http://schemas.openxmlformats.org/presentationml/2006/main">
+  <p:cSld>
+    <p:spTree>
+      <p:nvGrpSpPr>
+        <p:cNvPr id="1" name=""/>
+        <p:cNvGrpSpPr/>
+        <p:nvPr/>
+      </p:nvGrpSpPr>
+      <p:grpSpPr>
+        <a:xfrm>
+          <a:off x="0" y="0"/>
+          <a:ext cx="0" cy="0"/>
+          <a:chOff x="0" y="0"/>
+          <a:chExt cx="0" cy="0"/>
+        </a:xfrm>
+      </p:grpSpPr>
+      <p:sp>
+        <p:nvSpPr>
+          <p:cNvPr id="2" name="Tytuł 1">
+            <a:extLst>
+              <a:ext uri="{FF2B5EF4-FFF2-40B4-BE49-F238E27FC236}">
+                <a16:creationId xmlns:a16="http://schemas.microsoft.com/office/drawing/2014/main" id="{0A0CC2F2-7C3D-57E3-13A9-FC0B0B0E5AC0}"/>
+              </a:ext>
+            </a:extLst>
+          </p:cNvPr>
+          <p:cNvSpPr>
+            <a:spLocks noGrp="1"/>
+          </p:cNvSpPr>
+          <p:nvPr>
+            <p:ph type="title"/>
+          </p:nvPr>
+        </p:nvSpPr>
+        <p:spPr/>
+        <p:txBody>
+          <a:bodyPr>
+            <a:normAutofit/>
+          </a:bodyPr>
+          <a:lstStyle/>
+          <a:p>
+            <a:r>
+              <a:rPr lang="pl-PL" dirty="0"/>
+              <a:t>Źródła:</a:t>
+            </a:r>
+          </a:p>
+        </p:txBody>
+      </p:sp>
+      <p:sp>
+        <p:nvSpPr>
+          <p:cNvPr id="3" name="Symbol zastępczy zawartości 2">
+            <a:extLst>
+              <a:ext uri="{FF2B5EF4-FFF2-40B4-BE49-F238E27FC236}">
+                <a16:creationId xmlns:a16="http://schemas.microsoft.com/office/drawing/2014/main" id="{9B08F21B-9AD6-B711-7F44-14F533D67D8C}"/>
+              </a:ext>
+            </a:extLst>
+          </p:cNvPr>
+          <p:cNvSpPr>
+            <a:spLocks noGrp="1"/>
+          </p:cNvSpPr>
+          <p:nvPr>
+            <p:ph idx="1"/>
+          </p:nvPr>
+        </p:nvSpPr>
+        <p:spPr/>
+        <p:txBody>
+          <a:bodyPr/>
+          <a:lstStyle/>
+          <a:p>
+            <a:r>
+              <a:rPr lang="pl-PL" dirty="0"/>
+              <a:t>Three </a:t>
+            </a:r>
+            <a:r>
+              <a:rPr lang="pl-PL" dirty="0" err="1"/>
+              <a:t>types</a:t>
+            </a:r>
+            <a:r>
+              <a:rPr lang="pl-PL" dirty="0"/>
+              <a:t> of </a:t>
+            </a:r>
+            <a:r>
+              <a:rPr lang="pl-PL" dirty="0" err="1"/>
+              <a:t>incremental</a:t>
+            </a:r>
+            <a:r>
+              <a:rPr lang="pl-PL" dirty="0"/>
+              <a:t> learning: a framework for </a:t>
+            </a:r>
+            <a:r>
+              <a:rPr lang="pl-PL" dirty="0" err="1"/>
+              <a:t>continual</a:t>
+            </a:r>
+            <a:r>
+              <a:rPr lang="pl-PL" dirty="0"/>
+              <a:t> learning – </a:t>
+            </a:r>
+            <a:r>
+              <a:rPr lang="pl-PL" dirty="0" err="1"/>
+              <a:t>Gido</a:t>
+            </a:r>
+            <a:r>
+              <a:rPr lang="pl-PL" dirty="0"/>
+              <a:t> van de </a:t>
+            </a:r>
+            <a:r>
+              <a:rPr lang="pl-PL" dirty="0" err="1"/>
+              <a:t>Ven</a:t>
+            </a:r>
+            <a:endParaRPr lang="pl-PL" dirty="0"/>
+          </a:p>
+        </p:txBody>
+      </p:sp>
+    </p:spTree>
+    <p:extLst>
+      <p:ext uri="{BB962C8B-B14F-4D97-AF65-F5344CB8AC3E}">
+        <p14:creationId xmlns:p14="http://schemas.microsoft.com/office/powerpoint/2010/main" val="1559685266"/>
       </p:ext>
     </p:extLst>
   </p:cSld>

--- a/pracownia/Etrych.pptx
+++ b/pracownia/Etrych.pptx
@@ -6,14 +6,17 @@
   </p:sldMasterIdLst>
   <p:sldIdLst>
     <p:sldId id="256" r:id="rId2"/>
-    <p:sldId id="258" r:id="rId3"/>
-    <p:sldId id="259" r:id="rId4"/>
-    <p:sldId id="260" r:id="rId5"/>
-    <p:sldId id="265" r:id="rId6"/>
-    <p:sldId id="263" r:id="rId7"/>
-    <p:sldId id="261" r:id="rId8"/>
-    <p:sldId id="262" r:id="rId9"/>
-    <p:sldId id="264" r:id="rId10"/>
+    <p:sldId id="269" r:id="rId3"/>
+    <p:sldId id="258" r:id="rId4"/>
+    <p:sldId id="267" r:id="rId5"/>
+    <p:sldId id="259" r:id="rId6"/>
+    <p:sldId id="272" r:id="rId7"/>
+    <p:sldId id="268" r:id="rId8"/>
+    <p:sldId id="260" r:id="rId9"/>
+    <p:sldId id="265" r:id="rId10"/>
+    <p:sldId id="271" r:id="rId11"/>
+    <p:sldId id="270" r:id="rId12"/>
+    <p:sldId id="264" r:id="rId13"/>
   </p:sldIdLst>
   <p:sldSz cx="12192000" cy="6858000"/>
   <p:notesSz cx="6858000" cy="9144000"/>
@@ -120,6 +123,2690 @@
 </p:presentation>
 </file>
 
+<file path=ppt/diagrams/colors1.xml><?xml version="1.0" encoding="utf-8"?>
+<dgm:colorsDef xmlns:dgm="http://schemas.openxmlformats.org/drawingml/2006/diagram" xmlns:a="http://schemas.openxmlformats.org/drawingml/2006/main" uniqueId="urn:microsoft.com/office/officeart/2005/8/colors/accent1_2">
+  <dgm:title val=""/>
+  <dgm:desc val=""/>
+  <dgm:catLst>
+    <dgm:cat type="accent1" pri="11200"/>
+  </dgm:catLst>
+  <dgm:styleLbl name="node0">
+    <dgm:fillClrLst meth="repeat">
+      <a:schemeClr val="accent1"/>
+    </dgm:fillClrLst>
+    <dgm:linClrLst meth="repeat">
+      <a:schemeClr val="lt1"/>
+    </dgm:linClrLst>
+    <dgm:effectClrLst/>
+    <dgm:txLinClrLst/>
+    <dgm:txFillClrLst/>
+    <dgm:txEffectClrLst/>
+  </dgm:styleLbl>
+  <dgm:styleLbl name="alignNode1">
+    <dgm:fillClrLst meth="repeat">
+      <a:schemeClr val="accent1"/>
+    </dgm:fillClrLst>
+    <dgm:linClrLst meth="repeat">
+      <a:schemeClr val="accent1"/>
+    </dgm:linClrLst>
+    <dgm:effectClrLst/>
+    <dgm:txLinClrLst/>
+    <dgm:txFillClrLst/>
+    <dgm:txEffectClrLst/>
+  </dgm:styleLbl>
+  <dgm:styleLbl name="node1">
+    <dgm:fillClrLst meth="repeat">
+      <a:schemeClr val="accent1"/>
+    </dgm:fillClrLst>
+    <dgm:linClrLst meth="repeat">
+      <a:schemeClr val="lt1"/>
+    </dgm:linClrLst>
+    <dgm:effectClrLst/>
+    <dgm:txLinClrLst/>
+    <dgm:txFillClrLst/>
+    <dgm:txEffectClrLst/>
+  </dgm:styleLbl>
+  <dgm:styleLbl name="lnNode1">
+    <dgm:fillClrLst meth="repeat">
+      <a:schemeClr val="accent1"/>
+    </dgm:fillClrLst>
+    <dgm:linClrLst meth="repeat">
+      <a:schemeClr val="lt1"/>
+    </dgm:linClrLst>
+    <dgm:effectClrLst/>
+    <dgm:txLinClrLst/>
+    <dgm:txFillClrLst/>
+    <dgm:txEffectClrLst/>
+  </dgm:styleLbl>
+  <dgm:styleLbl name="vennNode1">
+    <dgm:fillClrLst meth="repeat">
+      <a:schemeClr val="accent1">
+        <a:alpha val="50000"/>
+      </a:schemeClr>
+    </dgm:fillClrLst>
+    <dgm:linClrLst meth="repeat">
+      <a:schemeClr val="lt1"/>
+    </dgm:linClrLst>
+    <dgm:effectClrLst/>
+    <dgm:txLinClrLst/>
+    <dgm:txFillClrLst/>
+    <dgm:txEffectClrLst/>
+  </dgm:styleLbl>
+  <dgm:styleLbl name="node2">
+    <dgm:fillClrLst meth="repeat">
+      <a:schemeClr val="accent1"/>
+    </dgm:fillClrLst>
+    <dgm:linClrLst meth="repeat">
+      <a:schemeClr val="lt1"/>
+    </dgm:linClrLst>
+    <dgm:effectClrLst/>
+    <dgm:txLinClrLst/>
+    <dgm:txFillClrLst/>
+    <dgm:txEffectClrLst/>
+  </dgm:styleLbl>
+  <dgm:styleLbl name="node3">
+    <dgm:fillClrLst meth="repeat">
+      <a:schemeClr val="accent1"/>
+    </dgm:fillClrLst>
+    <dgm:linClrLst meth="repeat">
+      <a:schemeClr val="lt1"/>
+    </dgm:linClrLst>
+    <dgm:effectClrLst/>
+    <dgm:txLinClrLst/>
+    <dgm:txFillClrLst/>
+    <dgm:txEffectClrLst/>
+  </dgm:styleLbl>
+  <dgm:styleLbl name="node4">
+    <dgm:fillClrLst meth="repeat">
+      <a:schemeClr val="accent1"/>
+    </dgm:fillClrLst>
+    <dgm:linClrLst meth="repeat">
+      <a:schemeClr val="lt1"/>
+    </dgm:linClrLst>
+    <dgm:effectClrLst/>
+    <dgm:txLinClrLst/>
+    <dgm:txFillClrLst/>
+    <dgm:txEffectClrLst/>
+  </dgm:styleLbl>
+  <dgm:styleLbl name="fgImgPlace1">
+    <dgm:fillClrLst meth="repeat">
+      <a:schemeClr val="accent1">
+        <a:tint val="50000"/>
+      </a:schemeClr>
+    </dgm:fillClrLst>
+    <dgm:linClrLst meth="repeat">
+      <a:schemeClr val="lt1"/>
+    </dgm:linClrLst>
+    <dgm:effectClrLst/>
+    <dgm:txLinClrLst/>
+    <dgm:txFillClrLst meth="repeat">
+      <a:schemeClr val="lt1"/>
+    </dgm:txFillClrLst>
+    <dgm:txEffectClrLst/>
+  </dgm:styleLbl>
+  <dgm:styleLbl name="alignImgPlace1">
+    <dgm:fillClrLst meth="repeat">
+      <a:schemeClr val="accent1">
+        <a:tint val="50000"/>
+      </a:schemeClr>
+    </dgm:fillClrLst>
+    <dgm:linClrLst meth="repeat">
+      <a:schemeClr val="lt1"/>
+    </dgm:linClrLst>
+    <dgm:effectClrLst/>
+    <dgm:txLinClrLst/>
+    <dgm:txFillClrLst meth="repeat">
+      <a:schemeClr val="lt1"/>
+    </dgm:txFillClrLst>
+    <dgm:txEffectClrLst/>
+  </dgm:styleLbl>
+  <dgm:styleLbl name="bgImgPlace1">
+    <dgm:fillClrLst meth="repeat">
+      <a:schemeClr val="accent1">
+        <a:tint val="50000"/>
+      </a:schemeClr>
+    </dgm:fillClrLst>
+    <dgm:linClrLst meth="repeat">
+      <a:schemeClr val="lt1"/>
+    </dgm:linClrLst>
+    <dgm:effectClrLst/>
+    <dgm:txLinClrLst/>
+    <dgm:txFillClrLst meth="repeat">
+      <a:schemeClr val="lt1"/>
+    </dgm:txFillClrLst>
+    <dgm:txEffectClrLst/>
+  </dgm:styleLbl>
+  <dgm:styleLbl name="sibTrans2D1">
+    <dgm:fillClrLst meth="repeat">
+      <a:schemeClr val="accent1">
+        <a:tint val="60000"/>
+      </a:schemeClr>
+    </dgm:fillClrLst>
+    <dgm:linClrLst meth="repeat">
+      <a:schemeClr val="accent1">
+        <a:tint val="60000"/>
+      </a:schemeClr>
+    </dgm:linClrLst>
+    <dgm:effectClrLst/>
+    <dgm:txLinClrLst/>
+    <dgm:txFillClrLst/>
+    <dgm:txEffectClrLst/>
+  </dgm:styleLbl>
+  <dgm:styleLbl name="fgSibTrans2D1">
+    <dgm:fillClrLst meth="repeat">
+      <a:schemeClr val="accent1">
+        <a:tint val="60000"/>
+      </a:schemeClr>
+    </dgm:fillClrLst>
+    <dgm:linClrLst meth="repeat">
+      <a:schemeClr val="accent1">
+        <a:tint val="60000"/>
+      </a:schemeClr>
+    </dgm:linClrLst>
+    <dgm:effectClrLst/>
+    <dgm:txLinClrLst/>
+    <dgm:txFillClrLst/>
+    <dgm:txEffectClrLst/>
+  </dgm:styleLbl>
+  <dgm:styleLbl name="bgSibTrans2D1">
+    <dgm:fillClrLst meth="repeat">
+      <a:schemeClr val="accent1">
+        <a:tint val="60000"/>
+      </a:schemeClr>
+    </dgm:fillClrLst>
+    <dgm:linClrLst meth="repeat">
+      <a:schemeClr val="accent1">
+        <a:tint val="60000"/>
+      </a:schemeClr>
+    </dgm:linClrLst>
+    <dgm:effectClrLst/>
+    <dgm:txLinClrLst/>
+    <dgm:txFillClrLst/>
+    <dgm:txEffectClrLst/>
+  </dgm:styleLbl>
+  <dgm:styleLbl name="sibTrans1D1">
+    <dgm:fillClrLst meth="repeat">
+      <a:schemeClr val="accent1"/>
+    </dgm:fillClrLst>
+    <dgm:linClrLst meth="repeat">
+      <a:schemeClr val="accent1"/>
+    </dgm:linClrLst>
+    <dgm:effectClrLst/>
+    <dgm:txLinClrLst/>
+    <dgm:txFillClrLst meth="repeat">
+      <a:schemeClr val="tx1"/>
+    </dgm:txFillClrLst>
+    <dgm:txEffectClrLst/>
+  </dgm:styleLbl>
+  <dgm:styleLbl name="callout">
+    <dgm:fillClrLst meth="repeat">
+      <a:schemeClr val="accent1"/>
+    </dgm:fillClrLst>
+    <dgm:linClrLst meth="repeat">
+      <a:schemeClr val="accent1">
+        <a:tint val="50000"/>
+      </a:schemeClr>
+    </dgm:linClrLst>
+    <dgm:effectClrLst/>
+    <dgm:txLinClrLst/>
+    <dgm:txFillClrLst meth="repeat">
+      <a:schemeClr val="tx1"/>
+    </dgm:txFillClrLst>
+    <dgm:txEffectClrLst/>
+  </dgm:styleLbl>
+  <dgm:styleLbl name="asst0">
+    <dgm:fillClrLst meth="repeat">
+      <a:schemeClr val="accent1"/>
+    </dgm:fillClrLst>
+    <dgm:linClrLst meth="repeat">
+      <a:schemeClr val="lt1"/>
+    </dgm:linClrLst>
+    <dgm:effectClrLst/>
+    <dgm:txLinClrLst/>
+    <dgm:txFillClrLst/>
+    <dgm:txEffectClrLst/>
+  </dgm:styleLbl>
+  <dgm:styleLbl name="asst1">
+    <dgm:fillClrLst meth="repeat">
+      <a:schemeClr val="accent1"/>
+    </dgm:fillClrLst>
+    <dgm:linClrLst meth="repeat">
+      <a:schemeClr val="lt1"/>
+    </dgm:linClrLst>
+    <dgm:effectClrLst/>
+    <dgm:txLinClrLst/>
+    <dgm:txFillClrLst/>
+    <dgm:txEffectClrLst/>
+  </dgm:styleLbl>
+  <dgm:styleLbl name="asst2">
+    <dgm:fillClrLst meth="repeat">
+      <a:schemeClr val="accent1"/>
+    </dgm:fillClrLst>
+    <dgm:linClrLst meth="repeat">
+      <a:schemeClr val="lt1"/>
+    </dgm:linClrLst>
+    <dgm:effectClrLst/>
+    <dgm:txLinClrLst/>
+    <dgm:txFillClrLst/>
+    <dgm:txEffectClrLst/>
+  </dgm:styleLbl>
+  <dgm:styleLbl name="asst3">
+    <dgm:fillClrLst meth="repeat">
+      <a:schemeClr val="accent1"/>
+    </dgm:fillClrLst>
+    <dgm:linClrLst meth="repeat">
+      <a:schemeClr val="lt1"/>
+    </dgm:linClrLst>
+    <dgm:effectClrLst/>
+    <dgm:txLinClrLst/>
+    <dgm:txFillClrLst/>
+    <dgm:txEffectClrLst/>
+  </dgm:styleLbl>
+  <dgm:styleLbl name="asst4">
+    <dgm:fillClrLst meth="repeat">
+      <a:schemeClr val="accent1"/>
+    </dgm:fillClrLst>
+    <dgm:linClrLst meth="repeat">
+      <a:schemeClr val="lt1"/>
+    </dgm:linClrLst>
+    <dgm:effectClrLst/>
+    <dgm:txLinClrLst/>
+    <dgm:txFillClrLst/>
+    <dgm:txEffectClrLst/>
+  </dgm:styleLbl>
+  <dgm:styleLbl name="parChTrans2D1">
+    <dgm:fillClrLst meth="repeat">
+      <a:schemeClr val="accent1">
+        <a:tint val="60000"/>
+      </a:schemeClr>
+    </dgm:fillClrLst>
+    <dgm:linClrLst meth="repeat">
+      <a:schemeClr val="accent1">
+        <a:tint val="60000"/>
+      </a:schemeClr>
+    </dgm:linClrLst>
+    <dgm:effectClrLst/>
+    <dgm:txLinClrLst/>
+    <dgm:txFillClrLst meth="repeat">
+      <a:schemeClr val="lt1"/>
+    </dgm:txFillClrLst>
+    <dgm:txEffectClrLst/>
+  </dgm:styleLbl>
+  <dgm:styleLbl name="parChTrans2D2">
+    <dgm:fillClrLst meth="repeat">
+      <a:schemeClr val="accent1"/>
+    </dgm:fillClrLst>
+    <dgm:linClrLst meth="repeat">
+      <a:schemeClr val="accent1"/>
+    </dgm:linClrLst>
+    <dgm:effectClrLst/>
+    <dgm:txLinClrLst/>
+    <dgm:txFillClrLst meth="repeat">
+      <a:schemeClr val="lt1"/>
+    </dgm:txFillClrLst>
+    <dgm:txEffectClrLst/>
+  </dgm:styleLbl>
+  <dgm:styleLbl name="parChTrans2D3">
+    <dgm:fillClrLst meth="repeat">
+      <a:schemeClr val="accent1"/>
+    </dgm:fillClrLst>
+    <dgm:linClrLst meth="repeat">
+      <a:schemeClr val="accent1"/>
+    </dgm:linClrLst>
+    <dgm:effectClrLst/>
+    <dgm:txLinClrLst/>
+    <dgm:txFillClrLst meth="repeat">
+      <a:schemeClr val="lt1"/>
+    </dgm:txFillClrLst>
+    <dgm:txEffectClrLst/>
+  </dgm:styleLbl>
+  <dgm:styleLbl name="parChTrans2D4">
+    <dgm:fillClrLst meth="repeat">
+      <a:schemeClr val="accent1"/>
+    </dgm:fillClrLst>
+    <dgm:linClrLst meth="repeat">
+      <a:schemeClr val="accent1"/>
+    </dgm:linClrLst>
+    <dgm:effectClrLst/>
+    <dgm:txLinClrLst/>
+    <dgm:txFillClrLst meth="repeat">
+      <a:schemeClr val="lt1"/>
+    </dgm:txFillClrLst>
+    <dgm:txEffectClrLst/>
+  </dgm:styleLbl>
+  <dgm:styleLbl name="parChTrans1D1">
+    <dgm:fillClrLst meth="repeat">
+      <a:schemeClr val="accent1"/>
+    </dgm:fillClrLst>
+    <dgm:linClrLst meth="repeat">
+      <a:schemeClr val="accent1">
+        <a:shade val="60000"/>
+      </a:schemeClr>
+    </dgm:linClrLst>
+    <dgm:effectClrLst/>
+    <dgm:txLinClrLst/>
+    <dgm:txFillClrLst meth="repeat">
+      <a:schemeClr val="tx1"/>
+    </dgm:txFillClrLst>
+    <dgm:txEffectClrLst/>
+  </dgm:styleLbl>
+  <dgm:styleLbl name="parChTrans1D2">
+    <dgm:fillClrLst meth="repeat">
+      <a:schemeClr val="accent1"/>
+    </dgm:fillClrLst>
+    <dgm:linClrLst meth="repeat">
+      <a:schemeClr val="accent1">
+        <a:shade val="60000"/>
+      </a:schemeClr>
+    </dgm:linClrLst>
+    <dgm:effectClrLst/>
+    <dgm:txLinClrLst/>
+    <dgm:txFillClrLst meth="repeat">
+      <a:schemeClr val="tx1"/>
+    </dgm:txFillClrLst>
+    <dgm:txEffectClrLst/>
+  </dgm:styleLbl>
+  <dgm:styleLbl name="parChTrans1D3">
+    <dgm:fillClrLst meth="repeat">
+      <a:schemeClr val="accent1"/>
+    </dgm:fillClrLst>
+    <dgm:linClrLst meth="repeat">
+      <a:schemeClr val="accent1">
+        <a:shade val="80000"/>
+      </a:schemeClr>
+    </dgm:linClrLst>
+    <dgm:effectClrLst/>
+    <dgm:txLinClrLst/>
+    <dgm:txFillClrLst meth="repeat">
+      <a:schemeClr val="tx1"/>
+    </dgm:txFillClrLst>
+    <dgm:txEffectClrLst/>
+  </dgm:styleLbl>
+  <dgm:styleLbl name="parChTrans1D4">
+    <dgm:fillClrLst meth="repeat">
+      <a:schemeClr val="accent1"/>
+    </dgm:fillClrLst>
+    <dgm:linClrLst meth="repeat">
+      <a:schemeClr val="accent1">
+        <a:shade val="80000"/>
+      </a:schemeClr>
+    </dgm:linClrLst>
+    <dgm:effectClrLst/>
+    <dgm:txLinClrLst/>
+    <dgm:txFillClrLst meth="repeat">
+      <a:schemeClr val="tx1"/>
+    </dgm:txFillClrLst>
+    <dgm:txEffectClrLst/>
+  </dgm:styleLbl>
+  <dgm:styleLbl name="fgAcc1">
+    <dgm:fillClrLst meth="repeat">
+      <a:schemeClr val="lt1">
+        <a:alpha val="90000"/>
+      </a:schemeClr>
+    </dgm:fillClrLst>
+    <dgm:linClrLst meth="repeat">
+      <a:schemeClr val="accent1"/>
+    </dgm:linClrLst>
+    <dgm:effectClrLst/>
+    <dgm:txLinClrLst/>
+    <dgm:txFillClrLst meth="repeat">
+      <a:schemeClr val="dk1"/>
+    </dgm:txFillClrLst>
+    <dgm:txEffectClrLst/>
+  </dgm:styleLbl>
+  <dgm:styleLbl name="conFgAcc1">
+    <dgm:fillClrLst meth="repeat">
+      <a:schemeClr val="lt1">
+        <a:alpha val="90000"/>
+      </a:schemeClr>
+    </dgm:fillClrLst>
+    <dgm:linClrLst meth="repeat">
+      <a:schemeClr val="accent1"/>
+    </dgm:linClrLst>
+    <dgm:effectClrLst/>
+    <dgm:txLinClrLst/>
+    <dgm:txFillClrLst meth="repeat">
+      <a:schemeClr val="dk1"/>
+    </dgm:txFillClrLst>
+    <dgm:txEffectClrLst/>
+  </dgm:styleLbl>
+  <dgm:styleLbl name="alignAcc1">
+    <dgm:fillClrLst meth="repeat">
+      <a:schemeClr val="lt1">
+        <a:alpha val="90000"/>
+      </a:schemeClr>
+    </dgm:fillClrLst>
+    <dgm:linClrLst meth="repeat">
+      <a:schemeClr val="accent1"/>
+    </dgm:linClrLst>
+    <dgm:effectClrLst/>
+    <dgm:txLinClrLst/>
+    <dgm:txFillClrLst meth="repeat">
+      <a:schemeClr val="dk1"/>
+    </dgm:txFillClrLst>
+    <dgm:txEffectClrLst/>
+  </dgm:styleLbl>
+  <dgm:styleLbl name="trAlignAcc1">
+    <dgm:fillClrLst meth="repeat">
+      <a:schemeClr val="lt1">
+        <a:alpha val="40000"/>
+      </a:schemeClr>
+    </dgm:fillClrLst>
+    <dgm:linClrLst meth="repeat">
+      <a:schemeClr val="accent1"/>
+    </dgm:linClrLst>
+    <dgm:effectClrLst/>
+    <dgm:txLinClrLst/>
+    <dgm:txFillClrLst meth="repeat">
+      <a:schemeClr val="dk1"/>
+    </dgm:txFillClrLst>
+    <dgm:txEffectClrLst/>
+  </dgm:styleLbl>
+  <dgm:styleLbl name="bgAcc1">
+    <dgm:fillClrLst meth="repeat">
+      <a:schemeClr val="lt1">
+        <a:alpha val="90000"/>
+      </a:schemeClr>
+    </dgm:fillClrLst>
+    <dgm:linClrLst meth="repeat">
+      <a:schemeClr val="accent1"/>
+    </dgm:linClrLst>
+    <dgm:effectClrLst/>
+    <dgm:txLinClrLst/>
+    <dgm:txFillClrLst meth="repeat">
+      <a:schemeClr val="dk1"/>
+    </dgm:txFillClrLst>
+    <dgm:txEffectClrLst/>
+  </dgm:styleLbl>
+  <dgm:styleLbl name="solidFgAcc1">
+    <dgm:fillClrLst meth="repeat">
+      <a:schemeClr val="lt1"/>
+    </dgm:fillClrLst>
+    <dgm:linClrLst meth="repeat">
+      <a:schemeClr val="accent1"/>
+    </dgm:linClrLst>
+    <dgm:effectClrLst/>
+    <dgm:txLinClrLst/>
+    <dgm:txFillClrLst meth="repeat">
+      <a:schemeClr val="dk1"/>
+    </dgm:txFillClrLst>
+    <dgm:txEffectClrLst/>
+  </dgm:styleLbl>
+  <dgm:styleLbl name="solidAlignAcc1">
+    <dgm:fillClrLst meth="repeat">
+      <a:schemeClr val="lt1"/>
+    </dgm:fillClrLst>
+    <dgm:linClrLst meth="repeat">
+      <a:schemeClr val="accent1"/>
+    </dgm:linClrLst>
+    <dgm:effectClrLst/>
+    <dgm:txLinClrLst/>
+    <dgm:txFillClrLst meth="repeat">
+      <a:schemeClr val="dk1"/>
+    </dgm:txFillClrLst>
+    <dgm:txEffectClrLst/>
+  </dgm:styleLbl>
+  <dgm:styleLbl name="solidBgAcc1">
+    <dgm:fillClrLst meth="repeat">
+      <a:schemeClr val="lt1"/>
+    </dgm:fillClrLst>
+    <dgm:linClrLst meth="repeat">
+      <a:schemeClr val="accent1"/>
+    </dgm:linClrLst>
+    <dgm:effectClrLst/>
+    <dgm:txLinClrLst/>
+    <dgm:txFillClrLst meth="repeat">
+      <a:schemeClr val="dk1"/>
+    </dgm:txFillClrLst>
+    <dgm:txEffectClrLst/>
+  </dgm:styleLbl>
+  <dgm:styleLbl name="fgAccFollowNode1">
+    <dgm:fillClrLst meth="repeat">
+      <a:schemeClr val="accent1">
+        <a:alpha val="90000"/>
+        <a:tint val="40000"/>
+      </a:schemeClr>
+    </dgm:fillClrLst>
+    <dgm:linClrLst meth="repeat">
+      <a:schemeClr val="accent1">
+        <a:alpha val="90000"/>
+        <a:tint val="40000"/>
+      </a:schemeClr>
+    </dgm:linClrLst>
+    <dgm:effectClrLst/>
+    <dgm:txLinClrLst/>
+    <dgm:txFillClrLst meth="repeat">
+      <a:schemeClr val="dk1"/>
+    </dgm:txFillClrLst>
+    <dgm:txEffectClrLst/>
+  </dgm:styleLbl>
+  <dgm:styleLbl name="alignAccFollowNode1">
+    <dgm:fillClrLst meth="repeat">
+      <a:schemeClr val="accent1">
+        <a:alpha val="90000"/>
+        <a:tint val="40000"/>
+      </a:schemeClr>
+    </dgm:fillClrLst>
+    <dgm:linClrLst meth="repeat">
+      <a:schemeClr val="accent1">
+        <a:alpha val="90000"/>
+        <a:tint val="40000"/>
+      </a:schemeClr>
+    </dgm:linClrLst>
+    <dgm:effectClrLst/>
+    <dgm:txLinClrLst/>
+    <dgm:txFillClrLst meth="repeat">
+      <a:schemeClr val="dk1"/>
+    </dgm:txFillClrLst>
+    <dgm:txEffectClrLst/>
+  </dgm:styleLbl>
+  <dgm:styleLbl name="bgAccFollowNode1">
+    <dgm:fillClrLst meth="repeat">
+      <a:schemeClr val="accent1">
+        <a:alpha val="90000"/>
+        <a:tint val="40000"/>
+      </a:schemeClr>
+    </dgm:fillClrLst>
+    <dgm:linClrLst meth="repeat">
+      <a:schemeClr val="accent1">
+        <a:alpha val="90000"/>
+        <a:tint val="40000"/>
+      </a:schemeClr>
+    </dgm:linClrLst>
+    <dgm:effectClrLst/>
+    <dgm:txLinClrLst/>
+    <dgm:txFillClrLst meth="repeat">
+      <a:schemeClr val="dk1"/>
+    </dgm:txFillClrLst>
+    <dgm:txEffectClrLst/>
+  </dgm:styleLbl>
+  <dgm:styleLbl name="fgAcc0">
+    <dgm:fillClrLst meth="repeat">
+      <a:schemeClr val="lt1">
+        <a:alpha val="90000"/>
+      </a:schemeClr>
+    </dgm:fillClrLst>
+    <dgm:linClrLst meth="repeat">
+      <a:schemeClr val="accent1"/>
+    </dgm:linClrLst>
+    <dgm:effectClrLst/>
+    <dgm:txLinClrLst/>
+    <dgm:txFillClrLst meth="repeat">
+      <a:schemeClr val="dk1"/>
+    </dgm:txFillClrLst>
+    <dgm:txEffectClrLst/>
+  </dgm:styleLbl>
+  <dgm:styleLbl name="fgAcc2">
+    <dgm:fillClrLst meth="repeat">
+      <a:schemeClr val="lt1">
+        <a:alpha val="90000"/>
+      </a:schemeClr>
+    </dgm:fillClrLst>
+    <dgm:linClrLst meth="repeat">
+      <a:schemeClr val="accent1"/>
+    </dgm:linClrLst>
+    <dgm:effectClrLst/>
+    <dgm:txLinClrLst/>
+    <dgm:txFillClrLst meth="repeat">
+      <a:schemeClr val="dk1"/>
+    </dgm:txFillClrLst>
+    <dgm:txEffectClrLst/>
+  </dgm:styleLbl>
+  <dgm:styleLbl name="fgAcc3">
+    <dgm:fillClrLst meth="repeat">
+      <a:schemeClr val="lt1">
+        <a:alpha val="90000"/>
+      </a:schemeClr>
+    </dgm:fillClrLst>
+    <dgm:linClrLst meth="repeat">
+      <a:schemeClr val="accent1"/>
+    </dgm:linClrLst>
+    <dgm:effectClrLst/>
+    <dgm:txLinClrLst/>
+    <dgm:txFillClrLst meth="repeat">
+      <a:schemeClr val="dk1"/>
+    </dgm:txFillClrLst>
+    <dgm:txEffectClrLst/>
+  </dgm:styleLbl>
+  <dgm:styleLbl name="fgAcc4">
+    <dgm:fillClrLst meth="repeat">
+      <a:schemeClr val="lt1">
+        <a:alpha val="90000"/>
+      </a:schemeClr>
+    </dgm:fillClrLst>
+    <dgm:linClrLst meth="repeat">
+      <a:schemeClr val="accent1"/>
+    </dgm:linClrLst>
+    <dgm:effectClrLst/>
+    <dgm:txLinClrLst/>
+    <dgm:txFillClrLst meth="repeat">
+      <a:schemeClr val="dk1"/>
+    </dgm:txFillClrLst>
+    <dgm:txEffectClrLst/>
+  </dgm:styleLbl>
+  <dgm:styleLbl name="bgShp">
+    <dgm:fillClrLst meth="repeat">
+      <a:schemeClr val="accent1">
+        <a:tint val="40000"/>
+      </a:schemeClr>
+    </dgm:fillClrLst>
+    <dgm:linClrLst meth="repeat">
+      <a:schemeClr val="accent1"/>
+    </dgm:linClrLst>
+    <dgm:effectClrLst/>
+    <dgm:txLinClrLst/>
+    <dgm:txFillClrLst meth="repeat">
+      <a:schemeClr val="dk1"/>
+    </dgm:txFillClrLst>
+    <dgm:txEffectClrLst/>
+  </dgm:styleLbl>
+  <dgm:styleLbl name="dkBgShp">
+    <dgm:fillClrLst meth="repeat">
+      <a:schemeClr val="accent1">
+        <a:shade val="80000"/>
+      </a:schemeClr>
+    </dgm:fillClrLst>
+    <dgm:linClrLst meth="repeat">
+      <a:schemeClr val="accent1"/>
+    </dgm:linClrLst>
+    <dgm:effectClrLst/>
+    <dgm:txLinClrLst/>
+    <dgm:txFillClrLst meth="repeat">
+      <a:schemeClr val="lt1"/>
+    </dgm:txFillClrLst>
+    <dgm:txEffectClrLst/>
+  </dgm:styleLbl>
+  <dgm:styleLbl name="trBgShp">
+    <dgm:fillClrLst meth="repeat">
+      <a:schemeClr val="accent1">
+        <a:tint val="50000"/>
+        <a:alpha val="40000"/>
+      </a:schemeClr>
+    </dgm:fillClrLst>
+    <dgm:linClrLst meth="repeat">
+      <a:schemeClr val="accent1"/>
+    </dgm:linClrLst>
+    <dgm:effectClrLst/>
+    <dgm:txLinClrLst/>
+    <dgm:txFillClrLst meth="repeat">
+      <a:schemeClr val="lt1"/>
+    </dgm:txFillClrLst>
+    <dgm:txEffectClrLst/>
+  </dgm:styleLbl>
+  <dgm:styleLbl name="fgShp">
+    <dgm:fillClrLst meth="repeat">
+      <a:schemeClr val="accent1">
+        <a:tint val="60000"/>
+      </a:schemeClr>
+    </dgm:fillClrLst>
+    <dgm:linClrLst meth="repeat">
+      <a:schemeClr val="lt1"/>
+    </dgm:linClrLst>
+    <dgm:effectClrLst/>
+    <dgm:txLinClrLst/>
+    <dgm:txFillClrLst meth="repeat">
+      <a:schemeClr val="dk1"/>
+    </dgm:txFillClrLst>
+    <dgm:txEffectClrLst/>
+  </dgm:styleLbl>
+  <dgm:styleLbl name="revTx">
+    <dgm:fillClrLst meth="repeat">
+      <a:schemeClr val="lt1">
+        <a:alpha val="0"/>
+      </a:schemeClr>
+    </dgm:fillClrLst>
+    <dgm:linClrLst meth="repeat">
+      <a:schemeClr val="dk1">
+        <a:alpha val="0"/>
+      </a:schemeClr>
+    </dgm:linClrLst>
+    <dgm:effectClrLst/>
+    <dgm:txLinClrLst/>
+    <dgm:txFillClrLst meth="repeat">
+      <a:schemeClr val="tx1"/>
+    </dgm:txFillClrLst>
+    <dgm:txEffectClrLst/>
+  </dgm:styleLbl>
+</dgm:colorsDef>
+</file>
+
+<file path=ppt/diagrams/data1.xml><?xml version="1.0" encoding="utf-8"?>
+<dgm:dataModel xmlns:dgm="http://schemas.openxmlformats.org/drawingml/2006/diagram" xmlns:a="http://schemas.openxmlformats.org/drawingml/2006/main">
+  <dgm:ptLst>
+    <dgm:pt modelId="{011597FD-6CDD-4822-AF32-525ACBCECF2D}" type="doc">
+      <dgm:prSet loTypeId="urn:microsoft.com/office/officeart/2018/2/layout/IconLabelList" loCatId="icon" qsTypeId="urn:microsoft.com/office/officeart/2005/8/quickstyle/simple1" qsCatId="simple" csTypeId="urn:microsoft.com/office/officeart/2005/8/colors/accent1_2" csCatId="accent1" phldr="1"/>
+      <dgm:spPr/>
+      <dgm:t>
+        <a:bodyPr/>
+        <a:lstStyle/>
+        <a:p>
+          <a:endParaRPr lang="en-US"/>
+        </a:p>
+      </dgm:t>
+    </dgm:pt>
+    <dgm:pt modelId="{D126F918-F1E2-430A-AB78-F9D98553B569}">
+      <dgm:prSet/>
+      <dgm:spPr/>
+      <dgm:t>
+        <a:bodyPr/>
+        <a:lstStyle/>
+        <a:p>
+          <a:pPr>
+            <a:lnSpc>
+              <a:spcPct val="100000"/>
+            </a:lnSpc>
+          </a:pPr>
+          <a:r>
+            <a:rPr lang="pl-PL"/>
+            <a:t>Regularization-base</a:t>
+          </a:r>
+          <a:endParaRPr lang="en-US"/>
+        </a:p>
+      </dgm:t>
+    </dgm:pt>
+    <dgm:pt modelId="{EE464640-1FE6-4675-BDA5-2D6879A2E09D}" type="parTrans" cxnId="{909265DE-C987-4910-9B36-4C672BB38D25}">
+      <dgm:prSet/>
+      <dgm:spPr/>
+      <dgm:t>
+        <a:bodyPr/>
+        <a:lstStyle/>
+        <a:p>
+          <a:endParaRPr lang="en-US"/>
+        </a:p>
+      </dgm:t>
+    </dgm:pt>
+    <dgm:pt modelId="{676E754F-5F31-4738-B3F3-334EABB69131}" type="sibTrans" cxnId="{909265DE-C987-4910-9B36-4C672BB38D25}">
+      <dgm:prSet/>
+      <dgm:spPr/>
+      <dgm:t>
+        <a:bodyPr/>
+        <a:lstStyle/>
+        <a:p>
+          <a:endParaRPr lang="en-US"/>
+        </a:p>
+      </dgm:t>
+    </dgm:pt>
+    <dgm:pt modelId="{2B723391-DA03-4F9C-B069-C41ACBA0EE0C}">
+      <dgm:prSet/>
+      <dgm:spPr/>
+      <dgm:t>
+        <a:bodyPr/>
+        <a:lstStyle/>
+        <a:p>
+          <a:pPr>
+            <a:lnSpc>
+              <a:spcPct val="100000"/>
+            </a:lnSpc>
+          </a:pPr>
+          <a:r>
+            <a:rPr lang="pl-PL" dirty="0"/>
+            <a:t>Memory-</a:t>
+          </a:r>
+          <a:r>
+            <a:rPr lang="pl-PL" dirty="0" err="1"/>
+            <a:t>base</a:t>
+          </a:r>
+          <a:r>
+            <a:rPr lang="pl-PL" dirty="0"/>
+            <a:t> [1]</a:t>
+          </a:r>
+        </a:p>
+      </dgm:t>
+    </dgm:pt>
+    <dgm:pt modelId="{71701E66-165B-4EAA-BF08-A5C026F595C3}" type="parTrans" cxnId="{3B517C7D-9637-41D4-8287-00699B72A36F}">
+      <dgm:prSet/>
+      <dgm:spPr/>
+      <dgm:t>
+        <a:bodyPr/>
+        <a:lstStyle/>
+        <a:p>
+          <a:endParaRPr lang="en-US"/>
+        </a:p>
+      </dgm:t>
+    </dgm:pt>
+    <dgm:pt modelId="{E3CFC824-6DE4-41B2-B16F-0BE720499AD5}" type="sibTrans" cxnId="{3B517C7D-9637-41D4-8287-00699B72A36F}">
+      <dgm:prSet/>
+      <dgm:spPr/>
+      <dgm:t>
+        <a:bodyPr/>
+        <a:lstStyle/>
+        <a:p>
+          <a:endParaRPr lang="en-US"/>
+        </a:p>
+      </dgm:t>
+    </dgm:pt>
+    <dgm:pt modelId="{F6C82F1F-DAD6-4E3B-B625-1EA8F986D260}">
+      <dgm:prSet/>
+      <dgm:spPr/>
+      <dgm:t>
+        <a:bodyPr/>
+        <a:lstStyle/>
+        <a:p>
+          <a:pPr>
+            <a:lnSpc>
+              <a:spcPct val="100000"/>
+            </a:lnSpc>
+          </a:pPr>
+          <a:r>
+            <a:rPr lang="pl-PL" dirty="0" err="1"/>
+            <a:t>Dynamic</a:t>
+          </a:r>
+          <a:r>
+            <a:rPr lang="pl-PL" dirty="0"/>
+            <a:t> </a:t>
+          </a:r>
+          <a:r>
+            <a:rPr lang="pl-PL" dirty="0" err="1"/>
+            <a:t>architecture</a:t>
+          </a:r>
+          <a:endParaRPr lang="en-US" dirty="0"/>
+        </a:p>
+      </dgm:t>
+    </dgm:pt>
+    <dgm:pt modelId="{FC072FD0-9B3E-4023-BF6F-F910BC7EFEFF}" type="parTrans" cxnId="{50F683A5-94F7-413C-A5F5-60AC0B8369F3}">
+      <dgm:prSet/>
+      <dgm:spPr/>
+      <dgm:t>
+        <a:bodyPr/>
+        <a:lstStyle/>
+        <a:p>
+          <a:endParaRPr lang="en-US"/>
+        </a:p>
+      </dgm:t>
+    </dgm:pt>
+    <dgm:pt modelId="{B9419F92-34C2-4025-BA0D-F65BB96211AA}" type="sibTrans" cxnId="{50F683A5-94F7-413C-A5F5-60AC0B8369F3}">
+      <dgm:prSet/>
+      <dgm:spPr/>
+      <dgm:t>
+        <a:bodyPr/>
+        <a:lstStyle/>
+        <a:p>
+          <a:endParaRPr lang="en-US"/>
+        </a:p>
+      </dgm:t>
+    </dgm:pt>
+    <dgm:pt modelId="{0961EE02-6F07-431D-BCCE-03ADF7F9752F}" type="pres">
+      <dgm:prSet presAssocID="{011597FD-6CDD-4822-AF32-525ACBCECF2D}" presName="root" presStyleCnt="0">
+        <dgm:presLayoutVars>
+          <dgm:dir/>
+          <dgm:resizeHandles val="exact"/>
+        </dgm:presLayoutVars>
+      </dgm:prSet>
+      <dgm:spPr/>
+    </dgm:pt>
+    <dgm:pt modelId="{1275A54E-58A8-4592-859B-C3005135C961}" type="pres">
+      <dgm:prSet presAssocID="{D126F918-F1E2-430A-AB78-F9D98553B569}" presName="compNode" presStyleCnt="0"/>
+      <dgm:spPr/>
+    </dgm:pt>
+    <dgm:pt modelId="{E358DCB4-4A98-4BB0-89FA-718CF5D23138}" type="pres">
+      <dgm:prSet presAssocID="{D126F918-F1E2-430A-AB78-F9D98553B569}" presName="iconRect" presStyleLbl="node1" presStyleIdx="0" presStyleCnt="3"/>
+      <dgm:spPr>
+        <a:blipFill>
+          <a:blip xmlns:r="http://schemas.openxmlformats.org/officeDocument/2006/relationships" r:embed="rId1">
+            <a:extLst>
+              <a:ext uri="{28A0092B-C50C-407E-A947-70E740481C1C}">
+                <a14:useLocalDpi xmlns:a14="http://schemas.microsoft.com/office/drawing/2010/main" val="0"/>
+              </a:ext>
+              <a:ext uri="{96DAC541-7B7A-43D3-8B79-37D633B846F1}">
+                <asvg:svgBlip xmlns:asvg="http://schemas.microsoft.com/office/drawing/2016/SVG/main" r:embed="rId2"/>
+              </a:ext>
+            </a:extLst>
+          </a:blip>
+          <a:stretch>
+            <a:fillRect/>
+          </a:stretch>
+        </a:blipFill>
+      </dgm:spPr>
+      <dgm:extLst>
+        <a:ext uri="{E40237B7-FDA0-4F09-8148-C483321AD2D9}">
+          <dgm14:cNvPr xmlns:dgm14="http://schemas.microsoft.com/office/drawing/2010/diagram" id="0" name="" descr="Koła zębate"/>
+        </a:ext>
+      </dgm:extLst>
+    </dgm:pt>
+    <dgm:pt modelId="{1571B3C1-148C-41B7-95C4-625CCF03CCAC}" type="pres">
+      <dgm:prSet presAssocID="{D126F918-F1E2-430A-AB78-F9D98553B569}" presName="spaceRect" presStyleCnt="0"/>
+      <dgm:spPr/>
+    </dgm:pt>
+    <dgm:pt modelId="{8801F191-9837-4761-8496-FC6806681C19}" type="pres">
+      <dgm:prSet presAssocID="{D126F918-F1E2-430A-AB78-F9D98553B569}" presName="textRect" presStyleLbl="revTx" presStyleIdx="0" presStyleCnt="3">
+        <dgm:presLayoutVars>
+          <dgm:chMax val="1"/>
+          <dgm:chPref val="1"/>
+        </dgm:presLayoutVars>
+      </dgm:prSet>
+      <dgm:spPr/>
+    </dgm:pt>
+    <dgm:pt modelId="{FA80E0BF-0F12-47A3-B87D-476651487298}" type="pres">
+      <dgm:prSet presAssocID="{676E754F-5F31-4738-B3F3-334EABB69131}" presName="sibTrans" presStyleCnt="0"/>
+      <dgm:spPr/>
+    </dgm:pt>
+    <dgm:pt modelId="{BEEF1435-0360-4C92-9C82-F9F63446E830}" type="pres">
+      <dgm:prSet presAssocID="{2B723391-DA03-4F9C-B069-C41ACBA0EE0C}" presName="compNode" presStyleCnt="0"/>
+      <dgm:spPr/>
+    </dgm:pt>
+    <dgm:pt modelId="{A0847ADC-12BC-47C5-864B-CFF7CC012B02}" type="pres">
+      <dgm:prSet presAssocID="{2B723391-DA03-4F9C-B069-C41ACBA0EE0C}" presName="iconRect" presStyleLbl="node1" presStyleIdx="1" presStyleCnt="3"/>
+      <dgm:spPr>
+        <a:blipFill>
+          <a:blip xmlns:r="http://schemas.openxmlformats.org/officeDocument/2006/relationships" r:embed="rId3">
+            <a:extLst>
+              <a:ext uri="{28A0092B-C50C-407E-A947-70E740481C1C}">
+                <a14:useLocalDpi xmlns:a14="http://schemas.microsoft.com/office/drawing/2010/main" val="0"/>
+              </a:ext>
+              <a:ext uri="{96DAC541-7B7A-43D3-8B79-37D633B846F1}">
+                <asvg:svgBlip xmlns:asvg="http://schemas.microsoft.com/office/drawing/2016/SVG/main" r:embed="rId4"/>
+              </a:ext>
+            </a:extLst>
+          </a:blip>
+          <a:stretch>
+            <a:fillRect/>
+          </a:stretch>
+        </a:blipFill>
+      </dgm:spPr>
+      <dgm:extLst>
+        <a:ext uri="{E40237B7-FDA0-4F09-8148-C483321AD2D9}">
+          <dgm14:cNvPr xmlns:dgm14="http://schemas.microsoft.com/office/drawing/2010/diagram" id="0" name="" descr="Baza danych"/>
+        </a:ext>
+      </dgm:extLst>
+    </dgm:pt>
+    <dgm:pt modelId="{9506CBB2-59C3-4E75-A5E9-ACFC0129C4CA}" type="pres">
+      <dgm:prSet presAssocID="{2B723391-DA03-4F9C-B069-C41ACBA0EE0C}" presName="spaceRect" presStyleCnt="0"/>
+      <dgm:spPr/>
+    </dgm:pt>
+    <dgm:pt modelId="{7E4AE45F-F698-4E4A-BF68-CF0CB0E3ADF8}" type="pres">
+      <dgm:prSet presAssocID="{2B723391-DA03-4F9C-B069-C41ACBA0EE0C}" presName="textRect" presStyleLbl="revTx" presStyleIdx="1" presStyleCnt="3">
+        <dgm:presLayoutVars>
+          <dgm:chMax val="1"/>
+          <dgm:chPref val="1"/>
+        </dgm:presLayoutVars>
+      </dgm:prSet>
+      <dgm:spPr/>
+    </dgm:pt>
+    <dgm:pt modelId="{3BD43AE9-7935-4A45-AB26-B0FEA1A489BC}" type="pres">
+      <dgm:prSet presAssocID="{E3CFC824-6DE4-41B2-B16F-0BE720499AD5}" presName="sibTrans" presStyleCnt="0"/>
+      <dgm:spPr/>
+    </dgm:pt>
+    <dgm:pt modelId="{27A9CBBF-6E09-44B8-A703-ABAA13DCEB53}" type="pres">
+      <dgm:prSet presAssocID="{F6C82F1F-DAD6-4E3B-B625-1EA8F986D260}" presName="compNode" presStyleCnt="0"/>
+      <dgm:spPr/>
+    </dgm:pt>
+    <dgm:pt modelId="{AC106534-2A09-47EC-ACD2-4967B4858F25}" type="pres">
+      <dgm:prSet presAssocID="{F6C82F1F-DAD6-4E3B-B625-1EA8F986D260}" presName="iconRect" presStyleLbl="node1" presStyleIdx="2" presStyleCnt="3"/>
+      <dgm:spPr>
+        <a:blipFill>
+          <a:blip xmlns:r="http://schemas.openxmlformats.org/officeDocument/2006/relationships" r:embed="rId5">
+            <a:extLst>
+              <a:ext uri="{28A0092B-C50C-407E-A947-70E740481C1C}">
+                <a14:useLocalDpi xmlns:a14="http://schemas.microsoft.com/office/drawing/2010/main" val="0"/>
+              </a:ext>
+              <a:ext uri="{96DAC541-7B7A-43D3-8B79-37D633B846F1}">
+                <asvg:svgBlip xmlns:asvg="http://schemas.microsoft.com/office/drawing/2016/SVG/main" r:embed="rId6"/>
+              </a:ext>
+            </a:extLst>
+          </a:blip>
+          <a:stretch>
+            <a:fillRect/>
+          </a:stretch>
+        </a:blipFill>
+      </dgm:spPr>
+      <dgm:extLst>
+        <a:ext uri="{E40237B7-FDA0-4F09-8148-C483321AD2D9}">
+          <dgm14:cNvPr xmlns:dgm14="http://schemas.microsoft.com/office/drawing/2010/diagram" id="0" name="" descr="Smart Phone"/>
+        </a:ext>
+      </dgm:extLst>
+    </dgm:pt>
+    <dgm:pt modelId="{628C1AF0-D116-42C9-8666-575E56A545C4}" type="pres">
+      <dgm:prSet presAssocID="{F6C82F1F-DAD6-4E3B-B625-1EA8F986D260}" presName="spaceRect" presStyleCnt="0"/>
+      <dgm:spPr/>
+    </dgm:pt>
+    <dgm:pt modelId="{43FDA0B7-4D1D-4AC4-B6FA-47797BDED05F}" type="pres">
+      <dgm:prSet presAssocID="{F6C82F1F-DAD6-4E3B-B625-1EA8F986D260}" presName="textRect" presStyleLbl="revTx" presStyleIdx="2" presStyleCnt="3">
+        <dgm:presLayoutVars>
+          <dgm:chMax val="1"/>
+          <dgm:chPref val="1"/>
+        </dgm:presLayoutVars>
+      </dgm:prSet>
+      <dgm:spPr/>
+    </dgm:pt>
+  </dgm:ptLst>
+  <dgm:cxnLst>
+    <dgm:cxn modelId="{B74C4220-82CD-4B15-88A0-2A0324B53D46}" type="presOf" srcId="{F6C82F1F-DAD6-4E3B-B625-1EA8F986D260}" destId="{43FDA0B7-4D1D-4AC4-B6FA-47797BDED05F}" srcOrd="0" destOrd="0" presId="urn:microsoft.com/office/officeart/2018/2/layout/IconLabelList"/>
+    <dgm:cxn modelId="{E3EB8830-2904-4BDB-8571-552B8C153F36}" type="presOf" srcId="{011597FD-6CDD-4822-AF32-525ACBCECF2D}" destId="{0961EE02-6F07-431D-BCCE-03ADF7F9752F}" srcOrd="0" destOrd="0" presId="urn:microsoft.com/office/officeart/2018/2/layout/IconLabelList"/>
+    <dgm:cxn modelId="{AD9A8243-ACAD-4CCD-B95F-6BA766B37FDA}" type="presOf" srcId="{D126F918-F1E2-430A-AB78-F9D98553B569}" destId="{8801F191-9837-4761-8496-FC6806681C19}" srcOrd="0" destOrd="0" presId="urn:microsoft.com/office/officeart/2018/2/layout/IconLabelList"/>
+    <dgm:cxn modelId="{3B517C7D-9637-41D4-8287-00699B72A36F}" srcId="{011597FD-6CDD-4822-AF32-525ACBCECF2D}" destId="{2B723391-DA03-4F9C-B069-C41ACBA0EE0C}" srcOrd="1" destOrd="0" parTransId="{71701E66-165B-4EAA-BF08-A5C026F595C3}" sibTransId="{E3CFC824-6DE4-41B2-B16F-0BE720499AD5}"/>
+    <dgm:cxn modelId="{50F683A5-94F7-413C-A5F5-60AC0B8369F3}" srcId="{011597FD-6CDD-4822-AF32-525ACBCECF2D}" destId="{F6C82F1F-DAD6-4E3B-B625-1EA8F986D260}" srcOrd="2" destOrd="0" parTransId="{FC072FD0-9B3E-4023-BF6F-F910BC7EFEFF}" sibTransId="{B9419F92-34C2-4025-BA0D-F65BB96211AA}"/>
+    <dgm:cxn modelId="{909265DE-C987-4910-9B36-4C672BB38D25}" srcId="{011597FD-6CDD-4822-AF32-525ACBCECF2D}" destId="{D126F918-F1E2-430A-AB78-F9D98553B569}" srcOrd="0" destOrd="0" parTransId="{EE464640-1FE6-4675-BDA5-2D6879A2E09D}" sibTransId="{676E754F-5F31-4738-B3F3-334EABB69131}"/>
+    <dgm:cxn modelId="{BA35A2FC-EA12-4367-9CA5-FDB794EF208B}" type="presOf" srcId="{2B723391-DA03-4F9C-B069-C41ACBA0EE0C}" destId="{7E4AE45F-F698-4E4A-BF68-CF0CB0E3ADF8}" srcOrd="0" destOrd="0" presId="urn:microsoft.com/office/officeart/2018/2/layout/IconLabelList"/>
+    <dgm:cxn modelId="{893EC010-4063-4EF3-96E2-9D993F284E7B}" type="presParOf" srcId="{0961EE02-6F07-431D-BCCE-03ADF7F9752F}" destId="{1275A54E-58A8-4592-859B-C3005135C961}" srcOrd="0" destOrd="0" presId="urn:microsoft.com/office/officeart/2018/2/layout/IconLabelList"/>
+    <dgm:cxn modelId="{65D8DE1E-440F-4B4B-9F36-0D5091E43670}" type="presParOf" srcId="{1275A54E-58A8-4592-859B-C3005135C961}" destId="{E358DCB4-4A98-4BB0-89FA-718CF5D23138}" srcOrd="0" destOrd="0" presId="urn:microsoft.com/office/officeart/2018/2/layout/IconLabelList"/>
+    <dgm:cxn modelId="{23F7AF94-F84A-4BA4-848A-19C5DC085BE5}" type="presParOf" srcId="{1275A54E-58A8-4592-859B-C3005135C961}" destId="{1571B3C1-148C-41B7-95C4-625CCF03CCAC}" srcOrd="1" destOrd="0" presId="urn:microsoft.com/office/officeart/2018/2/layout/IconLabelList"/>
+    <dgm:cxn modelId="{DF84A630-D1C6-4F52-A12F-E60C9138C732}" type="presParOf" srcId="{1275A54E-58A8-4592-859B-C3005135C961}" destId="{8801F191-9837-4761-8496-FC6806681C19}" srcOrd="2" destOrd="0" presId="urn:microsoft.com/office/officeart/2018/2/layout/IconLabelList"/>
+    <dgm:cxn modelId="{92928B01-A81D-478D-B390-167AFCABB741}" type="presParOf" srcId="{0961EE02-6F07-431D-BCCE-03ADF7F9752F}" destId="{FA80E0BF-0F12-47A3-B87D-476651487298}" srcOrd="1" destOrd="0" presId="urn:microsoft.com/office/officeart/2018/2/layout/IconLabelList"/>
+    <dgm:cxn modelId="{E9E3F301-8D03-4F34-9269-6F38059873CB}" type="presParOf" srcId="{0961EE02-6F07-431D-BCCE-03ADF7F9752F}" destId="{BEEF1435-0360-4C92-9C82-F9F63446E830}" srcOrd="2" destOrd="0" presId="urn:microsoft.com/office/officeart/2018/2/layout/IconLabelList"/>
+    <dgm:cxn modelId="{6A6EDAE6-4EBB-4E68-B2EC-F6F68F7296EF}" type="presParOf" srcId="{BEEF1435-0360-4C92-9C82-F9F63446E830}" destId="{A0847ADC-12BC-47C5-864B-CFF7CC012B02}" srcOrd="0" destOrd="0" presId="urn:microsoft.com/office/officeart/2018/2/layout/IconLabelList"/>
+    <dgm:cxn modelId="{555580D3-073A-480A-B76C-4C6589AB6124}" type="presParOf" srcId="{BEEF1435-0360-4C92-9C82-F9F63446E830}" destId="{9506CBB2-59C3-4E75-A5E9-ACFC0129C4CA}" srcOrd="1" destOrd="0" presId="urn:microsoft.com/office/officeart/2018/2/layout/IconLabelList"/>
+    <dgm:cxn modelId="{66207479-4870-44A7-9E29-577D09D1DCDD}" type="presParOf" srcId="{BEEF1435-0360-4C92-9C82-F9F63446E830}" destId="{7E4AE45F-F698-4E4A-BF68-CF0CB0E3ADF8}" srcOrd="2" destOrd="0" presId="urn:microsoft.com/office/officeart/2018/2/layout/IconLabelList"/>
+    <dgm:cxn modelId="{B66E5B6C-7CAE-4AB1-AA7F-307C6CF5EDD4}" type="presParOf" srcId="{0961EE02-6F07-431D-BCCE-03ADF7F9752F}" destId="{3BD43AE9-7935-4A45-AB26-B0FEA1A489BC}" srcOrd="3" destOrd="0" presId="urn:microsoft.com/office/officeart/2018/2/layout/IconLabelList"/>
+    <dgm:cxn modelId="{0D8816B9-0A0C-4F4E-A590-08E4BC5D9FDF}" type="presParOf" srcId="{0961EE02-6F07-431D-BCCE-03ADF7F9752F}" destId="{27A9CBBF-6E09-44B8-A703-ABAA13DCEB53}" srcOrd="4" destOrd="0" presId="urn:microsoft.com/office/officeart/2018/2/layout/IconLabelList"/>
+    <dgm:cxn modelId="{DC4BF85C-055B-4903-8EB6-3EC287BF9CB8}" type="presParOf" srcId="{27A9CBBF-6E09-44B8-A703-ABAA13DCEB53}" destId="{AC106534-2A09-47EC-ACD2-4967B4858F25}" srcOrd="0" destOrd="0" presId="urn:microsoft.com/office/officeart/2018/2/layout/IconLabelList"/>
+    <dgm:cxn modelId="{48EDACC2-93BD-4658-9FBA-CA0EA420823D}" type="presParOf" srcId="{27A9CBBF-6E09-44B8-A703-ABAA13DCEB53}" destId="{628C1AF0-D116-42C9-8666-575E56A545C4}" srcOrd="1" destOrd="0" presId="urn:microsoft.com/office/officeart/2018/2/layout/IconLabelList"/>
+    <dgm:cxn modelId="{38DE2736-B98D-408B-AF44-64766AF9FBDA}" type="presParOf" srcId="{27A9CBBF-6E09-44B8-A703-ABAA13DCEB53}" destId="{43FDA0B7-4D1D-4AC4-B6FA-47797BDED05F}" srcOrd="2" destOrd="0" presId="urn:microsoft.com/office/officeart/2018/2/layout/IconLabelList"/>
+  </dgm:cxnLst>
+  <dgm:bg/>
+  <dgm:whole/>
+  <dgm:extLst>
+    <a:ext uri="http://schemas.microsoft.com/office/drawing/2008/diagram">
+      <dsp:dataModelExt xmlns:dsp="http://schemas.microsoft.com/office/drawing/2008/diagram" relId="rId6" minVer="http://schemas.openxmlformats.org/drawingml/2006/diagram"/>
+    </a:ext>
+  </dgm:extLst>
+</dgm:dataModel>
+</file>
+
+<file path=ppt/diagrams/drawing1.xml><?xml version="1.0" encoding="utf-8"?>
+<dsp:drawing xmlns:dgm="http://schemas.openxmlformats.org/drawingml/2006/diagram" xmlns:dsp="http://schemas.microsoft.com/office/drawing/2008/diagram" xmlns:a="http://schemas.openxmlformats.org/drawingml/2006/main">
+  <dsp:spTree>
+    <dsp:nvGrpSpPr>
+      <dsp:cNvPr id="0" name=""/>
+      <dsp:cNvGrpSpPr/>
+    </dsp:nvGrpSpPr>
+    <dsp:grpSpPr/>
+    <dsp:sp modelId="{E358DCB4-4A98-4BB0-89FA-718CF5D23138}">
+      <dsp:nvSpPr>
+        <dsp:cNvPr id="0" name=""/>
+        <dsp:cNvSpPr/>
+      </dsp:nvSpPr>
+      <dsp:spPr>
+        <a:xfrm>
+          <a:off x="992889" y="705477"/>
+          <a:ext cx="1463222" cy="1463222"/>
+        </a:xfrm>
+        <a:prstGeom prst="rect">
+          <a:avLst/>
+        </a:prstGeom>
+        <a:blipFill>
+          <a:blip xmlns:r="http://schemas.openxmlformats.org/officeDocument/2006/relationships" r:embed="rId1">
+            <a:extLst>
+              <a:ext uri="{28A0092B-C50C-407E-A947-70E740481C1C}">
+                <a14:useLocalDpi xmlns:a14="http://schemas.microsoft.com/office/drawing/2010/main" val="0"/>
+              </a:ext>
+              <a:ext uri="{96DAC541-7B7A-43D3-8B79-37D633B846F1}">
+                <asvg:svgBlip xmlns:asvg="http://schemas.microsoft.com/office/drawing/2016/SVG/main" r:embed="rId2"/>
+              </a:ext>
+            </a:extLst>
+          </a:blip>
+          <a:stretch>
+            <a:fillRect/>
+          </a:stretch>
+        </a:blipFill>
+        <a:ln w="12700" cap="flat" cmpd="sng" algn="ctr">
+          <a:solidFill>
+            <a:schemeClr val="lt1">
+              <a:hueOff val="0"/>
+              <a:satOff val="0"/>
+              <a:lumOff val="0"/>
+              <a:alphaOff val="0"/>
+            </a:schemeClr>
+          </a:solidFill>
+          <a:prstDash val="solid"/>
+          <a:miter lim="800000"/>
+        </a:ln>
+        <a:effectLst/>
+      </dsp:spPr>
+      <dsp:style>
+        <a:lnRef idx="2">
+          <a:scrgbClr r="0" g="0" b="0"/>
+        </a:lnRef>
+        <a:fillRef idx="1">
+          <a:scrgbClr r="0" g="0" b="0"/>
+        </a:fillRef>
+        <a:effectRef idx="0">
+          <a:scrgbClr r="0" g="0" b="0"/>
+        </a:effectRef>
+        <a:fontRef idx="minor">
+          <a:schemeClr val="lt1"/>
+        </a:fontRef>
+      </dsp:style>
+    </dsp:sp>
+    <dsp:sp modelId="{8801F191-9837-4761-8496-FC6806681C19}">
+      <dsp:nvSpPr>
+        <dsp:cNvPr id="0" name=""/>
+        <dsp:cNvSpPr/>
+      </dsp:nvSpPr>
+      <dsp:spPr>
+        <a:xfrm>
+          <a:off x="98698" y="2554147"/>
+          <a:ext cx="3251605" cy="720000"/>
+        </a:xfrm>
+        <a:prstGeom prst="rect">
+          <a:avLst/>
+        </a:prstGeom>
+        <a:noFill/>
+        <a:ln>
+          <a:noFill/>
+        </a:ln>
+        <a:effectLst/>
+      </dsp:spPr>
+      <dsp:style>
+        <a:lnRef idx="0">
+          <a:scrgbClr r="0" g="0" b="0"/>
+        </a:lnRef>
+        <a:fillRef idx="0">
+          <a:scrgbClr r="0" g="0" b="0"/>
+        </a:fillRef>
+        <a:effectRef idx="0">
+          <a:scrgbClr r="0" g="0" b="0"/>
+        </a:effectRef>
+        <a:fontRef idx="minor"/>
+      </dsp:style>
+      <dsp:txBody>
+        <a:bodyPr spcFirstLastPara="0" vert="horz" wrap="square" lIns="0" tIns="0" rIns="0" bIns="0" numCol="1" spcCol="1270" anchor="t" anchorCtr="0">
+          <a:noAutofit/>
+        </a:bodyPr>
+        <a:lstStyle/>
+        <a:p>
+          <a:pPr marL="0" lvl="0" indent="0" algn="ctr" defTabSz="1155700">
+            <a:lnSpc>
+              <a:spcPct val="100000"/>
+            </a:lnSpc>
+            <a:spcBef>
+              <a:spcPct val="0"/>
+            </a:spcBef>
+            <a:spcAft>
+              <a:spcPct val="35000"/>
+            </a:spcAft>
+            <a:buNone/>
+          </a:pPr>
+          <a:r>
+            <a:rPr lang="pl-PL" sz="2600" kern="1200"/>
+            <a:t>Regularization-base</a:t>
+          </a:r>
+          <a:endParaRPr lang="en-US" sz="2600" kern="1200"/>
+        </a:p>
+      </dsp:txBody>
+      <dsp:txXfrm>
+        <a:off x="98698" y="2554147"/>
+        <a:ext cx="3251605" cy="720000"/>
+      </dsp:txXfrm>
+    </dsp:sp>
+    <dsp:sp modelId="{A0847ADC-12BC-47C5-864B-CFF7CC012B02}">
+      <dsp:nvSpPr>
+        <dsp:cNvPr id="0" name=""/>
+        <dsp:cNvSpPr/>
+      </dsp:nvSpPr>
+      <dsp:spPr>
+        <a:xfrm>
+          <a:off x="4813525" y="705477"/>
+          <a:ext cx="1463222" cy="1463222"/>
+        </a:xfrm>
+        <a:prstGeom prst="rect">
+          <a:avLst/>
+        </a:prstGeom>
+        <a:blipFill>
+          <a:blip xmlns:r="http://schemas.openxmlformats.org/officeDocument/2006/relationships" r:embed="rId3">
+            <a:extLst>
+              <a:ext uri="{28A0092B-C50C-407E-A947-70E740481C1C}">
+                <a14:useLocalDpi xmlns:a14="http://schemas.microsoft.com/office/drawing/2010/main" val="0"/>
+              </a:ext>
+              <a:ext uri="{96DAC541-7B7A-43D3-8B79-37D633B846F1}">
+                <asvg:svgBlip xmlns:asvg="http://schemas.microsoft.com/office/drawing/2016/SVG/main" r:embed="rId4"/>
+              </a:ext>
+            </a:extLst>
+          </a:blip>
+          <a:stretch>
+            <a:fillRect/>
+          </a:stretch>
+        </a:blipFill>
+        <a:ln w="12700" cap="flat" cmpd="sng" algn="ctr">
+          <a:solidFill>
+            <a:schemeClr val="lt1">
+              <a:hueOff val="0"/>
+              <a:satOff val="0"/>
+              <a:lumOff val="0"/>
+              <a:alphaOff val="0"/>
+            </a:schemeClr>
+          </a:solidFill>
+          <a:prstDash val="solid"/>
+          <a:miter lim="800000"/>
+        </a:ln>
+        <a:effectLst/>
+      </dsp:spPr>
+      <dsp:style>
+        <a:lnRef idx="2">
+          <a:scrgbClr r="0" g="0" b="0"/>
+        </a:lnRef>
+        <a:fillRef idx="1">
+          <a:scrgbClr r="0" g="0" b="0"/>
+        </a:fillRef>
+        <a:effectRef idx="0">
+          <a:scrgbClr r="0" g="0" b="0"/>
+        </a:effectRef>
+        <a:fontRef idx="minor">
+          <a:schemeClr val="lt1"/>
+        </a:fontRef>
+      </dsp:style>
+    </dsp:sp>
+    <dsp:sp modelId="{7E4AE45F-F698-4E4A-BF68-CF0CB0E3ADF8}">
+      <dsp:nvSpPr>
+        <dsp:cNvPr id="0" name=""/>
+        <dsp:cNvSpPr/>
+      </dsp:nvSpPr>
+      <dsp:spPr>
+        <a:xfrm>
+          <a:off x="3919334" y="2554147"/>
+          <a:ext cx="3251605" cy="720000"/>
+        </a:xfrm>
+        <a:prstGeom prst="rect">
+          <a:avLst/>
+        </a:prstGeom>
+        <a:noFill/>
+        <a:ln>
+          <a:noFill/>
+        </a:ln>
+        <a:effectLst/>
+      </dsp:spPr>
+      <dsp:style>
+        <a:lnRef idx="0">
+          <a:scrgbClr r="0" g="0" b="0"/>
+        </a:lnRef>
+        <a:fillRef idx="0">
+          <a:scrgbClr r="0" g="0" b="0"/>
+        </a:fillRef>
+        <a:effectRef idx="0">
+          <a:scrgbClr r="0" g="0" b="0"/>
+        </a:effectRef>
+        <a:fontRef idx="minor"/>
+      </dsp:style>
+      <dsp:txBody>
+        <a:bodyPr spcFirstLastPara="0" vert="horz" wrap="square" lIns="0" tIns="0" rIns="0" bIns="0" numCol="1" spcCol="1270" anchor="t" anchorCtr="0">
+          <a:noAutofit/>
+        </a:bodyPr>
+        <a:lstStyle/>
+        <a:p>
+          <a:pPr marL="0" lvl="0" indent="0" algn="ctr" defTabSz="1155700">
+            <a:lnSpc>
+              <a:spcPct val="100000"/>
+            </a:lnSpc>
+            <a:spcBef>
+              <a:spcPct val="0"/>
+            </a:spcBef>
+            <a:spcAft>
+              <a:spcPct val="35000"/>
+            </a:spcAft>
+            <a:buNone/>
+          </a:pPr>
+          <a:r>
+            <a:rPr lang="pl-PL" sz="2600" kern="1200" dirty="0"/>
+            <a:t>Memory-</a:t>
+          </a:r>
+          <a:r>
+            <a:rPr lang="pl-PL" sz="2600" kern="1200" dirty="0" err="1"/>
+            <a:t>base</a:t>
+          </a:r>
+          <a:r>
+            <a:rPr lang="pl-PL" sz="2600" kern="1200" dirty="0"/>
+            <a:t> [1]</a:t>
+          </a:r>
+        </a:p>
+      </dsp:txBody>
+      <dsp:txXfrm>
+        <a:off x="3919334" y="2554147"/>
+        <a:ext cx="3251605" cy="720000"/>
+      </dsp:txXfrm>
+    </dsp:sp>
+    <dsp:sp modelId="{AC106534-2A09-47EC-ACD2-4967B4858F25}">
+      <dsp:nvSpPr>
+        <dsp:cNvPr id="0" name=""/>
+        <dsp:cNvSpPr/>
+      </dsp:nvSpPr>
+      <dsp:spPr>
+        <a:xfrm>
+          <a:off x="8634162" y="705477"/>
+          <a:ext cx="1463222" cy="1463222"/>
+        </a:xfrm>
+        <a:prstGeom prst="rect">
+          <a:avLst/>
+        </a:prstGeom>
+        <a:blipFill>
+          <a:blip xmlns:r="http://schemas.openxmlformats.org/officeDocument/2006/relationships" r:embed="rId5">
+            <a:extLst>
+              <a:ext uri="{28A0092B-C50C-407E-A947-70E740481C1C}">
+                <a14:useLocalDpi xmlns:a14="http://schemas.microsoft.com/office/drawing/2010/main" val="0"/>
+              </a:ext>
+              <a:ext uri="{96DAC541-7B7A-43D3-8B79-37D633B846F1}">
+                <asvg:svgBlip xmlns:asvg="http://schemas.microsoft.com/office/drawing/2016/SVG/main" r:embed="rId6"/>
+              </a:ext>
+            </a:extLst>
+          </a:blip>
+          <a:stretch>
+            <a:fillRect/>
+          </a:stretch>
+        </a:blipFill>
+        <a:ln w="12700" cap="flat" cmpd="sng" algn="ctr">
+          <a:solidFill>
+            <a:schemeClr val="lt1">
+              <a:hueOff val="0"/>
+              <a:satOff val="0"/>
+              <a:lumOff val="0"/>
+              <a:alphaOff val="0"/>
+            </a:schemeClr>
+          </a:solidFill>
+          <a:prstDash val="solid"/>
+          <a:miter lim="800000"/>
+        </a:ln>
+        <a:effectLst/>
+      </dsp:spPr>
+      <dsp:style>
+        <a:lnRef idx="2">
+          <a:scrgbClr r="0" g="0" b="0"/>
+        </a:lnRef>
+        <a:fillRef idx="1">
+          <a:scrgbClr r="0" g="0" b="0"/>
+        </a:fillRef>
+        <a:effectRef idx="0">
+          <a:scrgbClr r="0" g="0" b="0"/>
+        </a:effectRef>
+        <a:fontRef idx="minor">
+          <a:schemeClr val="lt1"/>
+        </a:fontRef>
+      </dsp:style>
+    </dsp:sp>
+    <dsp:sp modelId="{43FDA0B7-4D1D-4AC4-B6FA-47797BDED05F}">
+      <dsp:nvSpPr>
+        <dsp:cNvPr id="0" name=""/>
+        <dsp:cNvSpPr/>
+      </dsp:nvSpPr>
+      <dsp:spPr>
+        <a:xfrm>
+          <a:off x="7739970" y="2554147"/>
+          <a:ext cx="3251605" cy="720000"/>
+        </a:xfrm>
+        <a:prstGeom prst="rect">
+          <a:avLst/>
+        </a:prstGeom>
+        <a:noFill/>
+        <a:ln>
+          <a:noFill/>
+        </a:ln>
+        <a:effectLst/>
+      </dsp:spPr>
+      <dsp:style>
+        <a:lnRef idx="0">
+          <a:scrgbClr r="0" g="0" b="0"/>
+        </a:lnRef>
+        <a:fillRef idx="0">
+          <a:scrgbClr r="0" g="0" b="0"/>
+        </a:fillRef>
+        <a:effectRef idx="0">
+          <a:scrgbClr r="0" g="0" b="0"/>
+        </a:effectRef>
+        <a:fontRef idx="minor"/>
+      </dsp:style>
+      <dsp:txBody>
+        <a:bodyPr spcFirstLastPara="0" vert="horz" wrap="square" lIns="0" tIns="0" rIns="0" bIns="0" numCol="1" spcCol="1270" anchor="t" anchorCtr="0">
+          <a:noAutofit/>
+        </a:bodyPr>
+        <a:lstStyle/>
+        <a:p>
+          <a:pPr marL="0" lvl="0" indent="0" algn="ctr" defTabSz="1155700">
+            <a:lnSpc>
+              <a:spcPct val="100000"/>
+            </a:lnSpc>
+            <a:spcBef>
+              <a:spcPct val="0"/>
+            </a:spcBef>
+            <a:spcAft>
+              <a:spcPct val="35000"/>
+            </a:spcAft>
+            <a:buNone/>
+          </a:pPr>
+          <a:r>
+            <a:rPr lang="pl-PL" sz="2600" kern="1200" dirty="0" err="1"/>
+            <a:t>Dynamic</a:t>
+          </a:r>
+          <a:r>
+            <a:rPr lang="pl-PL" sz="2600" kern="1200" dirty="0"/>
+            <a:t> </a:t>
+          </a:r>
+          <a:r>
+            <a:rPr lang="pl-PL" sz="2600" kern="1200" dirty="0" err="1"/>
+            <a:t>architecture</a:t>
+          </a:r>
+          <a:endParaRPr lang="en-US" sz="2600" kern="1200" dirty="0"/>
+        </a:p>
+      </dsp:txBody>
+      <dsp:txXfrm>
+        <a:off x="7739970" y="2554147"/>
+        <a:ext cx="3251605" cy="720000"/>
+      </dsp:txXfrm>
+    </dsp:sp>
+  </dsp:spTree>
+</dsp:drawing>
+</file>
+
+<file path=ppt/diagrams/layout1.xml><?xml version="1.0" encoding="utf-8"?>
+<dgm:layoutDef xmlns:dgm="http://schemas.openxmlformats.org/drawingml/2006/diagram" xmlns:a="http://schemas.openxmlformats.org/drawingml/2006/main" uniqueId="urn:microsoft.com/office/officeart/2018/2/layout/IconLabelList">
+  <dgm:title val="Icon Label List"/>
+  <dgm:desc val="Use to show non-sequential or grouped chunks of information accompanied by a related visuals. Works best with icons or small pictures with short text captions."/>
+  <dgm:catLst>
+    <dgm:cat type="icon" pri="500"/>
+  </dgm:catLst>
+  <dgm:sampData useDef="1">
+    <dgm:dataModel>
+      <dgm:ptLst/>
+      <dgm:bg/>
+      <dgm:whole/>
+    </dgm:dataModel>
+  </dgm:sampData>
+  <dgm:styleData useDef="1">
+    <dgm:dataModel>
+      <dgm:ptLst/>
+      <dgm:bg/>
+      <dgm:whole/>
+    </dgm:dataModel>
+  </dgm:styleData>
+  <dgm:clrData useDef="1">
+    <dgm:dataModel>
+      <dgm:ptLst/>
+      <dgm:bg/>
+      <dgm:whole/>
+    </dgm:dataModel>
+  </dgm:clrData>
+  <dgm:layoutNode name="root">
+    <dgm:varLst>
+      <dgm:dir/>
+      <dgm:resizeHandles val="exact"/>
+    </dgm:varLst>
+    <dgm:choose name="Name0">
+      <dgm:if name="Name1" axis="self" func="var" arg="dir" op="equ" val="norm">
+        <dgm:alg type="snake">
+          <dgm:param type="grDir" val="tL"/>
+          <dgm:param type="flowDir" val="row"/>
+          <dgm:param type="contDir" val="sameDir"/>
+          <dgm:param type="off" val="ctr"/>
+          <dgm:param type="vertAlign" val="mid"/>
+          <dgm:param type="horzAlign" val="ctr"/>
+        </dgm:alg>
+      </dgm:if>
+      <dgm:else name="Name2">
+        <dgm:alg type="snake">
+          <dgm:param type="grDir" val="tR"/>
+          <dgm:param type="flowDir" val="row"/>
+          <dgm:param type="contDir" val="sameDir"/>
+          <dgm:param type="off" val="ctr"/>
+          <dgm:param type="vertAlign" val="mid"/>
+          <dgm:param type="horzAlign" val="ctr"/>
+        </dgm:alg>
+      </dgm:else>
+    </dgm:choose>
+    <dgm:shape xmlns:r="http://schemas.openxmlformats.org/officeDocument/2006/relationships" r:blip="">
+      <dgm:adjLst/>
+    </dgm:shape>
+    <dgm:presOf/>
+    <dgm:choose name="Name3">
+      <dgm:if name="Name4" axis="ch" ptType="node" func="cnt" op="lte" val="2">
+        <dgm:constrLst>
+          <dgm:constr type="h" for="ch" forName="compNode" refType="h" fact="0.4"/>
+          <dgm:constr type="w" for="ch" forName="compNode" val="120"/>
+          <dgm:constr type="w" for="ch" forName="sibTrans" refType="w" refFor="ch" refForName="compNode" fact="0.175"/>
+          <dgm:constr type="sp" refType="w" refFor="ch" refForName="compNode" op="equ" fact="0.25"/>
+          <dgm:constr type="primFontSz" for="des" ptType="node" op="equ" val="50"/>
+          <dgm:constr type="h" for="des" forName="compNode" op="equ"/>
+          <dgm:constr type="h" for="des" forName="textRect" op="equ"/>
+        </dgm:constrLst>
+      </dgm:if>
+      <dgm:if name="Name5" axis="ch" ptType="node" func="cnt" op="lte" val="4">
+        <dgm:constrLst>
+          <dgm:constr type="h" for="ch" forName="compNode" refType="h" fact="0.4"/>
+          <dgm:constr type="w" for="ch" forName="compNode" refType="w"/>
+          <dgm:constr type="w" for="ch" forName="sibTrans" refType="w" refFor="ch" refForName="compNode" fact="0.175"/>
+          <dgm:constr type="sp" refType="w" refFor="ch" refForName="compNode" op="equ" fact="0.25"/>
+          <dgm:constr type="primFontSz" for="des" ptType="node" op="equ" val="36"/>
+          <dgm:constr type="h" for="des" forName="compNode" op="equ"/>
+          <dgm:constr type="h" for="des" forName="textRect" op="equ"/>
+        </dgm:constrLst>
+      </dgm:if>
+      <dgm:else name="Name6">
+        <dgm:constrLst>
+          <dgm:constr type="h" for="ch" forName="compNode" refType="h" fact="0.4"/>
+          <dgm:constr type="w" for="ch" forName="compNode" refType="w"/>
+          <dgm:constr type="w" for="ch" forName="sibTrans" refType="w" refFor="ch" refForName="compNode" fact="0.175"/>
+          <dgm:constr type="sp" refType="w" refFor="ch" refForName="compNode" op="equ" fact="0.25"/>
+          <dgm:constr type="primFontSz" for="des" ptType="node" op="equ" val="24"/>
+          <dgm:constr type="h" for="des" forName="compNode" op="equ"/>
+          <dgm:constr type="h" for="des" forName="textRect" op="equ"/>
+        </dgm:constrLst>
+      </dgm:else>
+    </dgm:choose>
+    <dgm:ruleLst>
+      <dgm:rule type="w" for="ch" forName="compNode" val="50" fact="NaN" max="NaN"/>
+    </dgm:ruleLst>
+    <dgm:forEach name="Name7" axis="ch" ptType="node">
+      <dgm:layoutNode name="compNode">
+        <dgm:alg type="composite"/>
+        <dgm:shape xmlns:r="http://schemas.openxmlformats.org/officeDocument/2006/relationships" r:blip="">
+          <dgm:adjLst/>
+        </dgm:shape>
+        <dgm:presOf axis="self"/>
+        <dgm:constrLst>
+          <dgm:constr type="w" for="ch" forName="iconRect" refType="w" fact="0.45"/>
+          <dgm:constr type="h" for="ch" forName="iconRect" refType="w" refFor="ch" refForName="iconRect"/>
+          <dgm:constr type="ctrX" for="ch" forName="iconRect" refType="w" fact="0.5"/>
+          <dgm:constr type="t" for="ch" forName="iconRect"/>
+          <dgm:constr type="h" for="ch" forName="spaceRect" refType="h" fact="0.15"/>
+          <dgm:constr type="w" for="ch" forName="spaceRect" refType="w"/>
+          <dgm:constr type="l" for="ch" forName="spaceRect"/>
+          <dgm:constr type="t" for="ch" forName="spaceRect" refType="b" refFor="ch" refForName="iconRect"/>
+          <dgm:constr type="h" for="ch" forName="textRect" val="20"/>
+          <dgm:constr type="w" for="ch" forName="textRect" refType="w"/>
+          <dgm:constr type="l" for="ch" forName="textRect"/>
+          <dgm:constr type="t" for="ch" forName="textRect" refType="b" refFor="ch" refForName="spaceRect"/>
+        </dgm:constrLst>
+        <dgm:ruleLst>
+          <dgm:rule type="h" val="INF" fact="NaN" max="NaN"/>
+        </dgm:ruleLst>
+        <dgm:layoutNode name="iconRect" styleLbl="node1">
+          <dgm:alg type="sp"/>
+          <dgm:shape xmlns:r="http://schemas.openxmlformats.org/officeDocument/2006/relationships" type="rect" r:blip="" blipPhldr="1">
+            <dgm:adjLst/>
+          </dgm:shape>
+          <dgm:presOf/>
+          <dgm:constrLst/>
+          <dgm:ruleLst/>
+        </dgm:layoutNode>
+        <dgm:layoutNode name="spaceRect">
+          <dgm:alg type="sp"/>
+          <dgm:shape xmlns:r="http://schemas.openxmlformats.org/officeDocument/2006/relationships" r:blip="">
+            <dgm:adjLst/>
+          </dgm:shape>
+          <dgm:presOf/>
+          <dgm:constrLst/>
+          <dgm:ruleLst/>
+        </dgm:layoutNode>
+        <dgm:layoutNode name="textRect" styleLbl="revTx">
+          <dgm:varLst>
+            <dgm:chMax val="1"/>
+            <dgm:chPref val="1"/>
+          </dgm:varLst>
+          <dgm:alg type="tx">
+            <dgm:param type="txAnchorVert" val="t"/>
+          </dgm:alg>
+          <dgm:shape xmlns:r="http://schemas.openxmlformats.org/officeDocument/2006/relationships" type="rect" r:blip="">
+            <dgm:adjLst/>
+          </dgm:shape>
+          <dgm:presOf axis="self" ptType="node"/>
+          <dgm:constrLst>
+            <dgm:constr type="lMarg"/>
+            <dgm:constr type="rMarg"/>
+            <dgm:constr type="tMarg"/>
+            <dgm:constr type="bMarg"/>
+          </dgm:constrLst>
+          <dgm:ruleLst>
+            <dgm:rule type="primFontSz" val="11" fact="NaN" max="NaN"/>
+            <dgm:rule type="h" val="INF" fact="NaN" max="NaN"/>
+          </dgm:ruleLst>
+        </dgm:layoutNode>
+      </dgm:layoutNode>
+      <dgm:forEach name="Name8" axis="followSib" ptType="sibTrans" cnt="1">
+        <dgm:layoutNode name="sibTrans">
+          <dgm:alg type="sp"/>
+          <dgm:shape xmlns:r="http://schemas.openxmlformats.org/officeDocument/2006/relationships" r:blip="">
+            <dgm:adjLst/>
+          </dgm:shape>
+          <dgm:presOf axis="self"/>
+          <dgm:constrLst/>
+          <dgm:ruleLst/>
+        </dgm:layoutNode>
+      </dgm:forEach>
+    </dgm:forEach>
+  </dgm:layoutNode>
+  <dgm:extLst>
+    <a:ext uri="{68A01E43-0DF5-4B5B-8FA6-DAF915123BFB}">
+      <dgm1612:lstStyle xmlns:dgm1612="http://schemas.microsoft.com/office/drawing/2016/12/diagram">
+        <a:lvl1pPr>
+          <a:lnSpc>
+            <a:spcPct val="100000"/>
+          </a:lnSpc>
+        </a:lvl1pPr>
+      </dgm1612:lstStyle>
+    </a:ext>
+  </dgm:extLst>
+</dgm:layoutDef>
+</file>
+
+<file path=ppt/diagrams/quickStyle1.xml><?xml version="1.0" encoding="utf-8"?>
+<dgm:styleDef xmlns:dgm="http://schemas.openxmlformats.org/drawingml/2006/diagram" xmlns:a="http://schemas.openxmlformats.org/drawingml/2006/main" uniqueId="urn:microsoft.com/office/officeart/2005/8/quickstyle/simple1">
+  <dgm:title val=""/>
+  <dgm:desc val=""/>
+  <dgm:catLst>
+    <dgm:cat type="simple" pri="10100"/>
+  </dgm:catLst>
+  <dgm:scene3d>
+    <a:camera prst="orthographicFront"/>
+    <a:lightRig rig="threePt" dir="t"/>
+  </dgm:scene3d>
+  <dgm:styleLbl name="node0">
+    <dgm:scene3d>
+      <a:camera prst="orthographicFront"/>
+      <a:lightRig rig="threePt" dir="t"/>
+    </dgm:scene3d>
+    <dgm:sp3d/>
+    <dgm:txPr/>
+    <dgm:style>
+      <a:lnRef idx="2">
+        <a:scrgbClr r="0" g="0" b="0"/>
+      </a:lnRef>
+      <a:fillRef idx="1">
+        <a:scrgbClr r="0" g="0" b="0"/>
+      </a:fillRef>
+      <a:effectRef idx="0">
+        <a:scrgbClr r="0" g="0" b="0"/>
+      </a:effectRef>
+      <a:fontRef idx="minor">
+        <a:schemeClr val="lt1"/>
+      </a:fontRef>
+    </dgm:style>
+  </dgm:styleLbl>
+  <dgm:styleLbl name="lnNode1">
+    <dgm:scene3d>
+      <a:camera prst="orthographicFront"/>
+      <a:lightRig rig="threePt" dir="t"/>
+    </dgm:scene3d>
+    <dgm:sp3d/>
+    <dgm:txPr/>
+    <dgm:style>
+      <a:lnRef idx="2">
+        <a:scrgbClr r="0" g="0" b="0"/>
+      </a:lnRef>
+      <a:fillRef idx="1">
+        <a:scrgbClr r="0" g="0" b="0"/>
+      </a:fillRef>
+      <a:effectRef idx="0">
+        <a:scrgbClr r="0" g="0" b="0"/>
+      </a:effectRef>
+      <a:fontRef idx="minor">
+        <a:schemeClr val="lt1"/>
+      </a:fontRef>
+    </dgm:style>
+  </dgm:styleLbl>
+  <dgm:styleLbl name="vennNode1">
+    <dgm:scene3d>
+      <a:camera prst="orthographicFront"/>
+      <a:lightRig rig="threePt" dir="t"/>
+    </dgm:scene3d>
+    <dgm:sp3d/>
+    <dgm:txPr/>
+    <dgm:style>
+      <a:lnRef idx="2">
+        <a:scrgbClr r="0" g="0" b="0"/>
+      </a:lnRef>
+      <a:fillRef idx="1">
+        <a:scrgbClr r="0" g="0" b="0"/>
+      </a:fillRef>
+      <a:effectRef idx="0">
+        <a:scrgbClr r="0" g="0" b="0"/>
+      </a:effectRef>
+      <a:fontRef idx="minor">
+        <a:schemeClr val="tx1"/>
+      </a:fontRef>
+    </dgm:style>
+  </dgm:styleLbl>
+  <dgm:styleLbl name="alignNode1">
+    <dgm:scene3d>
+      <a:camera prst="orthographicFront"/>
+      <a:lightRig rig="threePt" dir="t"/>
+    </dgm:scene3d>
+    <dgm:sp3d/>
+    <dgm:txPr/>
+    <dgm:style>
+      <a:lnRef idx="2">
+        <a:scrgbClr r="0" g="0" b="0"/>
+      </a:lnRef>
+      <a:fillRef idx="1">
+        <a:scrgbClr r="0" g="0" b="0"/>
+      </a:fillRef>
+      <a:effectRef idx="0">
+        <a:scrgbClr r="0" g="0" b="0"/>
+      </a:effectRef>
+      <a:fontRef idx="minor">
+        <a:schemeClr val="lt1"/>
+      </a:fontRef>
+    </dgm:style>
+  </dgm:styleLbl>
+  <dgm:styleLbl name="node1">
+    <dgm:scene3d>
+      <a:camera prst="orthographicFront"/>
+      <a:lightRig rig="threePt" dir="t"/>
+    </dgm:scene3d>
+    <dgm:sp3d/>
+    <dgm:txPr/>
+    <dgm:style>
+      <a:lnRef idx="2">
+        <a:scrgbClr r="0" g="0" b="0"/>
+      </a:lnRef>
+      <a:fillRef idx="1">
+        <a:scrgbClr r="0" g="0" b="0"/>
+      </a:fillRef>
+      <a:effectRef idx="0">
+        <a:scrgbClr r="0" g="0" b="0"/>
+      </a:effectRef>
+      <a:fontRef idx="minor">
+        <a:schemeClr val="lt1"/>
+      </a:fontRef>
+    </dgm:style>
+  </dgm:styleLbl>
+  <dgm:styleLbl name="node2">
+    <dgm:scene3d>
+      <a:camera prst="orthographicFront"/>
+      <a:lightRig rig="threePt" dir="t"/>
+    </dgm:scene3d>
+    <dgm:sp3d/>
+    <dgm:txPr/>
+    <dgm:style>
+      <a:lnRef idx="2">
+        <a:scrgbClr r="0" g="0" b="0"/>
+      </a:lnRef>
+      <a:fillRef idx="1">
+        <a:scrgbClr r="0" g="0" b="0"/>
+      </a:fillRef>
+      <a:effectRef idx="0">
+        <a:scrgbClr r="0" g="0" b="0"/>
+      </a:effectRef>
+      <a:fontRef idx="minor">
+        <a:schemeClr val="lt1"/>
+      </a:fontRef>
+    </dgm:style>
+  </dgm:styleLbl>
+  <dgm:styleLbl name="node3">
+    <dgm:scene3d>
+      <a:camera prst="orthographicFront"/>
+      <a:lightRig rig="threePt" dir="t"/>
+    </dgm:scene3d>
+    <dgm:sp3d/>
+    <dgm:txPr/>
+    <dgm:style>
+      <a:lnRef idx="2">
+        <a:scrgbClr r="0" g="0" b="0"/>
+      </a:lnRef>
+      <a:fillRef idx="1">
+        <a:scrgbClr r="0" g="0" b="0"/>
+      </a:fillRef>
+      <a:effectRef idx="0">
+        <a:scrgbClr r="0" g="0" b="0"/>
+      </a:effectRef>
+      <a:fontRef idx="minor">
+        <a:schemeClr val="lt1"/>
+      </a:fontRef>
+    </dgm:style>
+  </dgm:styleLbl>
+  <dgm:styleLbl name="node4">
+    <dgm:scene3d>
+      <a:camera prst="orthographicFront"/>
+      <a:lightRig rig="threePt" dir="t"/>
+    </dgm:scene3d>
+    <dgm:sp3d/>
+    <dgm:txPr/>
+    <dgm:style>
+      <a:lnRef idx="2">
+        <a:scrgbClr r="0" g="0" b="0"/>
+      </a:lnRef>
+      <a:fillRef idx="1">
+        <a:scrgbClr r="0" g="0" b="0"/>
+      </a:fillRef>
+      <a:effectRef idx="0">
+        <a:scrgbClr r="0" g="0" b="0"/>
+      </a:effectRef>
+      <a:fontRef idx="minor">
+        <a:schemeClr val="lt1"/>
+      </a:fontRef>
+    </dgm:style>
+  </dgm:styleLbl>
+  <dgm:styleLbl name="fgImgPlace1">
+    <dgm:scene3d>
+      <a:camera prst="orthographicFront"/>
+      <a:lightRig rig="threePt" dir="t"/>
+    </dgm:scene3d>
+    <dgm:sp3d/>
+    <dgm:txPr/>
+    <dgm:style>
+      <a:lnRef idx="2">
+        <a:scrgbClr r="0" g="0" b="0"/>
+      </a:lnRef>
+      <a:fillRef idx="1">
+        <a:scrgbClr r="0" g="0" b="0"/>
+      </a:fillRef>
+      <a:effectRef idx="0">
+        <a:scrgbClr r="0" g="0" b="0"/>
+      </a:effectRef>
+      <a:fontRef idx="minor"/>
+    </dgm:style>
+  </dgm:styleLbl>
+  <dgm:styleLbl name="alignImgPlace1">
+    <dgm:scene3d>
+      <a:camera prst="orthographicFront"/>
+      <a:lightRig rig="threePt" dir="t"/>
+    </dgm:scene3d>
+    <dgm:sp3d/>
+    <dgm:txPr/>
+    <dgm:style>
+      <a:lnRef idx="2">
+        <a:scrgbClr r="0" g="0" b="0"/>
+      </a:lnRef>
+      <a:fillRef idx="1">
+        <a:scrgbClr r="0" g="0" b="0"/>
+      </a:fillRef>
+      <a:effectRef idx="0">
+        <a:scrgbClr r="0" g="0" b="0"/>
+      </a:effectRef>
+      <a:fontRef idx="minor"/>
+    </dgm:style>
+  </dgm:styleLbl>
+  <dgm:styleLbl name="bgImgPlace1">
+    <dgm:scene3d>
+      <a:camera prst="orthographicFront"/>
+      <a:lightRig rig="threePt" dir="t"/>
+    </dgm:scene3d>
+    <dgm:sp3d/>
+    <dgm:txPr/>
+    <dgm:style>
+      <a:lnRef idx="2">
+        <a:scrgbClr r="0" g="0" b="0"/>
+      </a:lnRef>
+      <a:fillRef idx="1">
+        <a:scrgbClr r="0" g="0" b="0"/>
+      </a:fillRef>
+      <a:effectRef idx="0">
+        <a:scrgbClr r="0" g="0" b="0"/>
+      </a:effectRef>
+      <a:fontRef idx="minor"/>
+    </dgm:style>
+  </dgm:styleLbl>
+  <dgm:styleLbl name="sibTrans2D1">
+    <dgm:scene3d>
+      <a:camera prst="orthographicFront"/>
+      <a:lightRig rig="threePt" dir="t"/>
+    </dgm:scene3d>
+    <dgm:sp3d/>
+    <dgm:txPr/>
+    <dgm:style>
+      <a:lnRef idx="0">
+        <a:scrgbClr r="0" g="0" b="0"/>
+      </a:lnRef>
+      <a:fillRef idx="1">
+        <a:scrgbClr r="0" g="0" b="0"/>
+      </a:fillRef>
+      <a:effectRef idx="0">
+        <a:scrgbClr r="0" g="0" b="0"/>
+      </a:effectRef>
+      <a:fontRef idx="minor">
+        <a:schemeClr val="lt1"/>
+      </a:fontRef>
+    </dgm:style>
+  </dgm:styleLbl>
+  <dgm:styleLbl name="fgSibTrans2D1">
+    <dgm:scene3d>
+      <a:camera prst="orthographicFront"/>
+      <a:lightRig rig="threePt" dir="t"/>
+    </dgm:scene3d>
+    <dgm:sp3d/>
+    <dgm:txPr/>
+    <dgm:style>
+      <a:lnRef idx="0">
+        <a:scrgbClr r="0" g="0" b="0"/>
+      </a:lnRef>
+      <a:fillRef idx="1">
+        <a:scrgbClr r="0" g="0" b="0"/>
+      </a:fillRef>
+      <a:effectRef idx="0">
+        <a:scrgbClr r="0" g="0" b="0"/>
+      </a:effectRef>
+      <a:fontRef idx="minor">
+        <a:schemeClr val="lt1"/>
+      </a:fontRef>
+    </dgm:style>
+  </dgm:styleLbl>
+  <dgm:styleLbl name="bgSibTrans2D1">
+    <dgm:scene3d>
+      <a:camera prst="orthographicFront"/>
+      <a:lightRig rig="threePt" dir="t"/>
+    </dgm:scene3d>
+    <dgm:sp3d/>
+    <dgm:txPr/>
+    <dgm:style>
+      <a:lnRef idx="0">
+        <a:scrgbClr r="0" g="0" b="0"/>
+      </a:lnRef>
+      <a:fillRef idx="1">
+        <a:scrgbClr r="0" g="0" b="0"/>
+      </a:fillRef>
+      <a:effectRef idx="0">
+        <a:scrgbClr r="0" g="0" b="0"/>
+      </a:effectRef>
+      <a:fontRef idx="minor">
+        <a:schemeClr val="lt1"/>
+      </a:fontRef>
+    </dgm:style>
+  </dgm:styleLbl>
+  <dgm:styleLbl name="sibTrans1D1">
+    <dgm:scene3d>
+      <a:camera prst="orthographicFront"/>
+      <a:lightRig rig="threePt" dir="t"/>
+    </dgm:scene3d>
+    <dgm:sp3d/>
+    <dgm:txPr/>
+    <dgm:style>
+      <a:lnRef idx="1">
+        <a:scrgbClr r="0" g="0" b="0"/>
+      </a:lnRef>
+      <a:fillRef idx="0">
+        <a:scrgbClr r="0" g="0" b="0"/>
+      </a:fillRef>
+      <a:effectRef idx="0">
+        <a:scrgbClr r="0" g="0" b="0"/>
+      </a:effectRef>
+      <a:fontRef idx="minor"/>
+    </dgm:style>
+  </dgm:styleLbl>
+  <dgm:styleLbl name="callout">
+    <dgm:scene3d>
+      <a:camera prst="orthographicFront"/>
+      <a:lightRig rig="threePt" dir="t"/>
+    </dgm:scene3d>
+    <dgm:sp3d/>
+    <dgm:txPr/>
+    <dgm:style>
+      <a:lnRef idx="2">
+        <a:scrgbClr r="0" g="0" b="0"/>
+      </a:lnRef>
+      <a:fillRef idx="1">
+        <a:scrgbClr r="0" g="0" b="0"/>
+      </a:fillRef>
+      <a:effectRef idx="0">
+        <a:scrgbClr r="0" g="0" b="0"/>
+      </a:effectRef>
+      <a:fontRef idx="minor"/>
+    </dgm:style>
+  </dgm:styleLbl>
+  <dgm:styleLbl name="asst0">
+    <dgm:scene3d>
+      <a:camera prst="orthographicFront"/>
+      <a:lightRig rig="threePt" dir="t"/>
+    </dgm:scene3d>
+    <dgm:sp3d/>
+    <dgm:txPr/>
+    <dgm:style>
+      <a:lnRef idx="2">
+        <a:scrgbClr r="0" g="0" b="0"/>
+      </a:lnRef>
+      <a:fillRef idx="1">
+        <a:scrgbClr r="0" g="0" b="0"/>
+      </a:fillRef>
+      <a:effectRef idx="0">
+        <a:scrgbClr r="0" g="0" b="0"/>
+      </a:effectRef>
+      <a:fontRef idx="minor">
+        <a:schemeClr val="lt1"/>
+      </a:fontRef>
+    </dgm:style>
+  </dgm:styleLbl>
+  <dgm:styleLbl name="asst1">
+    <dgm:scene3d>
+      <a:camera prst="orthographicFront"/>
+      <a:lightRig rig="threePt" dir="t"/>
+    </dgm:scene3d>
+    <dgm:sp3d/>
+    <dgm:txPr/>
+    <dgm:style>
+      <a:lnRef idx="2">
+        <a:scrgbClr r="0" g="0" b="0"/>
+      </a:lnRef>
+      <a:fillRef idx="1">
+        <a:scrgbClr r="0" g="0" b="0"/>
+      </a:fillRef>
+      <a:effectRef idx="0">
+        <a:scrgbClr r="0" g="0" b="0"/>
+      </a:effectRef>
+      <a:fontRef idx="minor">
+        <a:schemeClr val="lt1"/>
+      </a:fontRef>
+    </dgm:style>
+  </dgm:styleLbl>
+  <dgm:styleLbl name="asst2">
+    <dgm:scene3d>
+      <a:camera prst="orthographicFront"/>
+      <a:lightRig rig="threePt" dir="t"/>
+    </dgm:scene3d>
+    <dgm:sp3d/>
+    <dgm:txPr/>
+    <dgm:style>
+      <a:lnRef idx="2">
+        <a:scrgbClr r="0" g="0" b="0"/>
+      </a:lnRef>
+      <a:fillRef idx="1">
+        <a:scrgbClr r="0" g="0" b="0"/>
+      </a:fillRef>
+      <a:effectRef idx="0">
+        <a:scrgbClr r="0" g="0" b="0"/>
+      </a:effectRef>
+      <a:fontRef idx="minor">
+        <a:schemeClr val="lt1"/>
+      </a:fontRef>
+    </dgm:style>
+  </dgm:styleLbl>
+  <dgm:styleLbl name="asst3">
+    <dgm:scene3d>
+      <a:camera prst="orthographicFront"/>
+      <a:lightRig rig="threePt" dir="t"/>
+    </dgm:scene3d>
+    <dgm:sp3d/>
+    <dgm:txPr/>
+    <dgm:style>
+      <a:lnRef idx="2">
+        <a:scrgbClr r="0" g="0" b="0"/>
+      </a:lnRef>
+      <a:fillRef idx="1">
+        <a:scrgbClr r="0" g="0" b="0"/>
+      </a:fillRef>
+      <a:effectRef idx="0">
+        <a:scrgbClr r="0" g="0" b="0"/>
+      </a:effectRef>
+      <a:fontRef idx="minor">
+        <a:schemeClr val="lt1"/>
+      </a:fontRef>
+    </dgm:style>
+  </dgm:styleLbl>
+  <dgm:styleLbl name="asst4">
+    <dgm:scene3d>
+      <a:camera prst="orthographicFront"/>
+      <a:lightRig rig="threePt" dir="t"/>
+    </dgm:scene3d>
+    <dgm:sp3d/>
+    <dgm:txPr/>
+    <dgm:style>
+      <a:lnRef idx="2">
+        <a:scrgbClr r="0" g="0" b="0"/>
+      </a:lnRef>
+      <a:fillRef idx="1">
+        <a:scrgbClr r="0" g="0" b="0"/>
+      </a:fillRef>
+      <a:effectRef idx="0">
+        <a:scrgbClr r="0" g="0" b="0"/>
+      </a:effectRef>
+      <a:fontRef idx="minor">
+        <a:schemeClr val="lt1"/>
+      </a:fontRef>
+    </dgm:style>
+  </dgm:styleLbl>
+  <dgm:styleLbl name="parChTrans2D1">
+    <dgm:scene3d>
+      <a:camera prst="orthographicFront"/>
+      <a:lightRig rig="threePt" dir="t"/>
+    </dgm:scene3d>
+    <dgm:sp3d/>
+    <dgm:txPr/>
+    <dgm:style>
+      <a:lnRef idx="2">
+        <a:scrgbClr r="0" g="0" b="0"/>
+      </a:lnRef>
+      <a:fillRef idx="1">
+        <a:scrgbClr r="0" g="0" b="0"/>
+      </a:fillRef>
+      <a:effectRef idx="0">
+        <a:scrgbClr r="0" g="0" b="0"/>
+      </a:effectRef>
+      <a:fontRef idx="minor">
+        <a:schemeClr val="lt1"/>
+      </a:fontRef>
+    </dgm:style>
+  </dgm:styleLbl>
+  <dgm:styleLbl name="parChTrans2D2">
+    <dgm:scene3d>
+      <a:camera prst="orthographicFront"/>
+      <a:lightRig rig="threePt" dir="t"/>
+    </dgm:scene3d>
+    <dgm:sp3d/>
+    <dgm:txPr/>
+    <dgm:style>
+      <a:lnRef idx="2">
+        <a:scrgbClr r="0" g="0" b="0"/>
+      </a:lnRef>
+      <a:fillRef idx="1">
+        <a:scrgbClr r="0" g="0" b="0"/>
+      </a:fillRef>
+      <a:effectRef idx="0">
+        <a:scrgbClr r="0" g="0" b="0"/>
+      </a:effectRef>
+      <a:fontRef idx="minor">
+        <a:schemeClr val="lt1"/>
+      </a:fontRef>
+    </dgm:style>
+  </dgm:styleLbl>
+  <dgm:styleLbl name="parChTrans2D3">
+    <dgm:scene3d>
+      <a:camera prst="orthographicFront"/>
+      <a:lightRig rig="threePt" dir="t"/>
+    </dgm:scene3d>
+    <dgm:sp3d/>
+    <dgm:txPr/>
+    <dgm:style>
+      <a:lnRef idx="2">
+        <a:scrgbClr r="0" g="0" b="0"/>
+      </a:lnRef>
+      <a:fillRef idx="1">
+        <a:scrgbClr r="0" g="0" b="0"/>
+      </a:fillRef>
+      <a:effectRef idx="0">
+        <a:scrgbClr r="0" g="0" b="0"/>
+      </a:effectRef>
+      <a:fontRef idx="minor">
+        <a:schemeClr val="lt1"/>
+      </a:fontRef>
+    </dgm:style>
+  </dgm:styleLbl>
+  <dgm:styleLbl name="parChTrans2D4">
+    <dgm:scene3d>
+      <a:camera prst="orthographicFront"/>
+      <a:lightRig rig="threePt" dir="t"/>
+    </dgm:scene3d>
+    <dgm:sp3d/>
+    <dgm:txPr/>
+    <dgm:style>
+      <a:lnRef idx="2">
+        <a:scrgbClr r="0" g="0" b="0"/>
+      </a:lnRef>
+      <a:fillRef idx="1">
+        <a:scrgbClr r="0" g="0" b="0"/>
+      </a:fillRef>
+      <a:effectRef idx="0">
+        <a:scrgbClr r="0" g="0" b="0"/>
+      </a:effectRef>
+      <a:fontRef idx="minor">
+        <a:schemeClr val="lt1"/>
+      </a:fontRef>
+    </dgm:style>
+  </dgm:styleLbl>
+  <dgm:styleLbl name="parChTrans1D1">
+    <dgm:scene3d>
+      <a:camera prst="orthographicFront"/>
+      <a:lightRig rig="threePt" dir="t"/>
+    </dgm:scene3d>
+    <dgm:sp3d/>
+    <dgm:txPr/>
+    <dgm:style>
+      <a:lnRef idx="2">
+        <a:scrgbClr r="0" g="0" b="0"/>
+      </a:lnRef>
+      <a:fillRef idx="0">
+        <a:scrgbClr r="0" g="0" b="0"/>
+      </a:fillRef>
+      <a:effectRef idx="0">
+        <a:scrgbClr r="0" g="0" b="0"/>
+      </a:effectRef>
+      <a:fontRef idx="minor"/>
+    </dgm:style>
+  </dgm:styleLbl>
+  <dgm:styleLbl name="parChTrans1D2">
+    <dgm:scene3d>
+      <a:camera prst="orthographicFront"/>
+      <a:lightRig rig="threePt" dir="t"/>
+    </dgm:scene3d>
+    <dgm:sp3d/>
+    <dgm:txPr/>
+    <dgm:style>
+      <a:lnRef idx="2">
+        <a:scrgbClr r="0" g="0" b="0"/>
+      </a:lnRef>
+      <a:fillRef idx="0">
+        <a:scrgbClr r="0" g="0" b="0"/>
+      </a:fillRef>
+      <a:effectRef idx="0">
+        <a:scrgbClr r="0" g="0" b="0"/>
+      </a:effectRef>
+      <a:fontRef idx="minor"/>
+    </dgm:style>
+  </dgm:styleLbl>
+  <dgm:styleLbl name="parChTrans1D3">
+    <dgm:scene3d>
+      <a:camera prst="orthographicFront"/>
+      <a:lightRig rig="threePt" dir="t"/>
+    </dgm:scene3d>
+    <dgm:sp3d/>
+    <dgm:txPr/>
+    <dgm:style>
+      <a:lnRef idx="2">
+        <a:scrgbClr r="0" g="0" b="0"/>
+      </a:lnRef>
+      <a:fillRef idx="0">
+        <a:scrgbClr r="0" g="0" b="0"/>
+      </a:fillRef>
+      <a:effectRef idx="0">
+        <a:scrgbClr r="0" g="0" b="0"/>
+      </a:effectRef>
+      <a:fontRef idx="minor"/>
+    </dgm:style>
+  </dgm:styleLbl>
+  <dgm:styleLbl name="parChTrans1D4">
+    <dgm:scene3d>
+      <a:camera prst="orthographicFront"/>
+      <a:lightRig rig="threePt" dir="t"/>
+    </dgm:scene3d>
+    <dgm:sp3d/>
+    <dgm:txPr/>
+    <dgm:style>
+      <a:lnRef idx="2">
+        <a:scrgbClr r="0" g="0" b="0"/>
+      </a:lnRef>
+      <a:fillRef idx="0">
+        <a:scrgbClr r="0" g="0" b="0"/>
+      </a:fillRef>
+      <a:effectRef idx="0">
+        <a:scrgbClr r="0" g="0" b="0"/>
+      </a:effectRef>
+      <a:fontRef idx="minor"/>
+    </dgm:style>
+  </dgm:styleLbl>
+  <dgm:styleLbl name="fgAcc1">
+    <dgm:scene3d>
+      <a:camera prst="orthographicFront"/>
+      <a:lightRig rig="threePt" dir="t"/>
+    </dgm:scene3d>
+    <dgm:sp3d/>
+    <dgm:txPr/>
+    <dgm:style>
+      <a:lnRef idx="2">
+        <a:scrgbClr r="0" g="0" b="0"/>
+      </a:lnRef>
+      <a:fillRef idx="1">
+        <a:scrgbClr r="0" g="0" b="0"/>
+      </a:fillRef>
+      <a:effectRef idx="0">
+        <a:scrgbClr r="0" g="0" b="0"/>
+      </a:effectRef>
+      <a:fontRef idx="minor"/>
+    </dgm:style>
+  </dgm:styleLbl>
+  <dgm:styleLbl name="conFgAcc1">
+    <dgm:scene3d>
+      <a:camera prst="orthographicFront"/>
+      <a:lightRig rig="threePt" dir="t"/>
+    </dgm:scene3d>
+    <dgm:sp3d/>
+    <dgm:txPr/>
+    <dgm:style>
+      <a:lnRef idx="2">
+        <a:scrgbClr r="0" g="0" b="0"/>
+      </a:lnRef>
+      <a:fillRef idx="1">
+        <a:scrgbClr r="0" g="0" b="0"/>
+      </a:fillRef>
+      <a:effectRef idx="0">
+        <a:scrgbClr r="0" g="0" b="0"/>
+      </a:effectRef>
+      <a:fontRef idx="minor"/>
+    </dgm:style>
+  </dgm:styleLbl>
+  <dgm:styleLbl name="alignAcc1">
+    <dgm:scene3d>
+      <a:camera prst="orthographicFront"/>
+      <a:lightRig rig="threePt" dir="t"/>
+    </dgm:scene3d>
+    <dgm:sp3d/>
+    <dgm:txPr/>
+    <dgm:style>
+      <a:lnRef idx="2">
+        <a:scrgbClr r="0" g="0" b="0"/>
+      </a:lnRef>
+      <a:fillRef idx="1">
+        <a:scrgbClr r="0" g="0" b="0"/>
+      </a:fillRef>
+      <a:effectRef idx="0">
+        <a:scrgbClr r="0" g="0" b="0"/>
+      </a:effectRef>
+      <a:fontRef idx="minor"/>
+    </dgm:style>
+  </dgm:styleLbl>
+  <dgm:styleLbl name="trAlignAcc1">
+    <dgm:scene3d>
+      <a:camera prst="orthographicFront"/>
+      <a:lightRig rig="threePt" dir="t"/>
+    </dgm:scene3d>
+    <dgm:sp3d/>
+    <dgm:txPr/>
+    <dgm:style>
+      <a:lnRef idx="1">
+        <a:scrgbClr r="0" g="0" b="0"/>
+      </a:lnRef>
+      <a:fillRef idx="1">
+        <a:scrgbClr r="0" g="0" b="0"/>
+      </a:fillRef>
+      <a:effectRef idx="0">
+        <a:scrgbClr r="0" g="0" b="0"/>
+      </a:effectRef>
+      <a:fontRef idx="minor"/>
+    </dgm:style>
+  </dgm:styleLbl>
+  <dgm:styleLbl name="bgAcc1">
+    <dgm:scene3d>
+      <a:camera prst="orthographicFront"/>
+      <a:lightRig rig="threePt" dir="t"/>
+    </dgm:scene3d>
+    <dgm:sp3d/>
+    <dgm:txPr/>
+    <dgm:style>
+      <a:lnRef idx="2">
+        <a:scrgbClr r="0" g="0" b="0"/>
+      </a:lnRef>
+      <a:fillRef idx="1">
+        <a:scrgbClr r="0" g="0" b="0"/>
+      </a:fillRef>
+      <a:effectRef idx="0">
+        <a:scrgbClr r="0" g="0" b="0"/>
+      </a:effectRef>
+      <a:fontRef idx="minor"/>
+    </dgm:style>
+  </dgm:styleLbl>
+  <dgm:styleLbl name="solidFgAcc1">
+    <dgm:scene3d>
+      <a:camera prst="orthographicFront"/>
+      <a:lightRig rig="threePt" dir="t"/>
+    </dgm:scene3d>
+    <dgm:sp3d/>
+    <dgm:txPr/>
+    <dgm:style>
+      <a:lnRef idx="2">
+        <a:scrgbClr r="0" g="0" b="0"/>
+      </a:lnRef>
+      <a:fillRef idx="1">
+        <a:scrgbClr r="0" g="0" b="0"/>
+      </a:fillRef>
+      <a:effectRef idx="0">
+        <a:scrgbClr r="0" g="0" b="0"/>
+      </a:effectRef>
+      <a:fontRef idx="minor"/>
+    </dgm:style>
+  </dgm:styleLbl>
+  <dgm:styleLbl name="solidAlignAcc1">
+    <dgm:scene3d>
+      <a:camera prst="orthographicFront"/>
+      <a:lightRig rig="threePt" dir="t"/>
+    </dgm:scene3d>
+    <dgm:sp3d/>
+    <dgm:txPr/>
+    <dgm:style>
+      <a:lnRef idx="2">
+        <a:scrgbClr r="0" g="0" b="0"/>
+      </a:lnRef>
+      <a:fillRef idx="1">
+        <a:scrgbClr r="0" g="0" b="0"/>
+      </a:fillRef>
+      <a:effectRef idx="0">
+        <a:scrgbClr r="0" g="0" b="0"/>
+      </a:effectRef>
+      <a:fontRef idx="minor"/>
+    </dgm:style>
+  </dgm:styleLbl>
+  <dgm:styleLbl name="solidBgAcc1">
+    <dgm:scene3d>
+      <a:camera prst="orthographicFront"/>
+      <a:lightRig rig="threePt" dir="t"/>
+    </dgm:scene3d>
+    <dgm:sp3d/>
+    <dgm:txPr/>
+    <dgm:style>
+      <a:lnRef idx="2">
+        <a:scrgbClr r="0" g="0" b="0"/>
+      </a:lnRef>
+      <a:fillRef idx="1">
+        <a:scrgbClr r="0" g="0" b="0"/>
+      </a:fillRef>
+      <a:effectRef idx="0">
+        <a:scrgbClr r="0" g="0" b="0"/>
+      </a:effectRef>
+      <a:fontRef idx="minor"/>
+    </dgm:style>
+  </dgm:styleLbl>
+  <dgm:styleLbl name="fgAccFollowNode1">
+    <dgm:scene3d>
+      <a:camera prst="orthographicFront"/>
+      <a:lightRig rig="threePt" dir="t"/>
+    </dgm:scene3d>
+    <dgm:sp3d/>
+    <dgm:txPr/>
+    <dgm:style>
+      <a:lnRef idx="2">
+        <a:scrgbClr r="0" g="0" b="0"/>
+      </a:lnRef>
+      <a:fillRef idx="1">
+        <a:scrgbClr r="0" g="0" b="0"/>
+      </a:fillRef>
+      <a:effectRef idx="0">
+        <a:scrgbClr r="0" g="0" b="0"/>
+      </a:effectRef>
+      <a:fontRef idx="minor"/>
+    </dgm:style>
+  </dgm:styleLbl>
+  <dgm:styleLbl name="alignAccFollowNode1">
+    <dgm:scene3d>
+      <a:camera prst="orthographicFront"/>
+      <a:lightRig rig="threePt" dir="t"/>
+    </dgm:scene3d>
+    <dgm:sp3d/>
+    <dgm:txPr/>
+    <dgm:style>
+      <a:lnRef idx="2">
+        <a:scrgbClr r="0" g="0" b="0"/>
+      </a:lnRef>
+      <a:fillRef idx="1">
+        <a:scrgbClr r="0" g="0" b="0"/>
+      </a:fillRef>
+      <a:effectRef idx="0">
+        <a:scrgbClr r="0" g="0" b="0"/>
+      </a:effectRef>
+      <a:fontRef idx="minor"/>
+    </dgm:style>
+  </dgm:styleLbl>
+  <dgm:styleLbl name="bgAccFollowNode1">
+    <dgm:scene3d>
+      <a:camera prst="orthographicFront"/>
+      <a:lightRig rig="threePt" dir="t"/>
+    </dgm:scene3d>
+    <dgm:sp3d/>
+    <dgm:txPr/>
+    <dgm:style>
+      <a:lnRef idx="2">
+        <a:scrgbClr r="0" g="0" b="0"/>
+      </a:lnRef>
+      <a:fillRef idx="1">
+        <a:scrgbClr r="0" g="0" b="0"/>
+      </a:fillRef>
+      <a:effectRef idx="0">
+        <a:scrgbClr r="0" g="0" b="0"/>
+      </a:effectRef>
+      <a:fontRef idx="minor"/>
+    </dgm:style>
+  </dgm:styleLbl>
+  <dgm:styleLbl name="fgAcc0">
+    <dgm:scene3d>
+      <a:camera prst="orthographicFront"/>
+      <a:lightRig rig="threePt" dir="t"/>
+    </dgm:scene3d>
+    <dgm:sp3d/>
+    <dgm:txPr/>
+    <dgm:style>
+      <a:lnRef idx="2">
+        <a:scrgbClr r="0" g="0" b="0"/>
+      </a:lnRef>
+      <a:fillRef idx="1">
+        <a:scrgbClr r="0" g="0" b="0"/>
+      </a:fillRef>
+      <a:effectRef idx="0">
+        <a:scrgbClr r="0" g="0" b="0"/>
+      </a:effectRef>
+      <a:fontRef idx="minor"/>
+    </dgm:style>
+  </dgm:styleLbl>
+  <dgm:styleLbl name="fgAcc2">
+    <dgm:scene3d>
+      <a:camera prst="orthographicFront"/>
+      <a:lightRig rig="threePt" dir="t"/>
+    </dgm:scene3d>
+    <dgm:sp3d/>
+    <dgm:txPr/>
+    <dgm:style>
+      <a:lnRef idx="2">
+        <a:scrgbClr r="0" g="0" b="0"/>
+      </a:lnRef>
+      <a:fillRef idx="1">
+        <a:scrgbClr r="0" g="0" b="0"/>
+      </a:fillRef>
+      <a:effectRef idx="0">
+        <a:scrgbClr r="0" g="0" b="0"/>
+      </a:effectRef>
+      <a:fontRef idx="minor"/>
+    </dgm:style>
+  </dgm:styleLbl>
+  <dgm:styleLbl name="fgAcc3">
+    <dgm:scene3d>
+      <a:camera prst="orthographicFront"/>
+      <a:lightRig rig="threePt" dir="t"/>
+    </dgm:scene3d>
+    <dgm:sp3d/>
+    <dgm:txPr/>
+    <dgm:style>
+      <a:lnRef idx="2">
+        <a:scrgbClr r="0" g="0" b="0"/>
+      </a:lnRef>
+      <a:fillRef idx="1">
+        <a:scrgbClr r="0" g="0" b="0"/>
+      </a:fillRef>
+      <a:effectRef idx="0">
+        <a:scrgbClr r="0" g="0" b="0"/>
+      </a:effectRef>
+      <a:fontRef idx="minor"/>
+    </dgm:style>
+  </dgm:styleLbl>
+  <dgm:styleLbl name="fgAcc4">
+    <dgm:scene3d>
+      <a:camera prst="orthographicFront"/>
+      <a:lightRig rig="threePt" dir="t"/>
+    </dgm:scene3d>
+    <dgm:sp3d/>
+    <dgm:txPr/>
+    <dgm:style>
+      <a:lnRef idx="2">
+        <a:scrgbClr r="0" g="0" b="0"/>
+      </a:lnRef>
+      <a:fillRef idx="1">
+        <a:scrgbClr r="0" g="0" b="0"/>
+      </a:fillRef>
+      <a:effectRef idx="0">
+        <a:scrgbClr r="0" g="0" b="0"/>
+      </a:effectRef>
+      <a:fontRef idx="minor"/>
+    </dgm:style>
+  </dgm:styleLbl>
+  <dgm:styleLbl name="bgShp">
+    <dgm:scene3d>
+      <a:camera prst="orthographicFront"/>
+      <a:lightRig rig="threePt" dir="t"/>
+    </dgm:scene3d>
+    <dgm:sp3d/>
+    <dgm:txPr/>
+    <dgm:style>
+      <a:lnRef idx="0">
+        <a:scrgbClr r="0" g="0" b="0"/>
+      </a:lnRef>
+      <a:fillRef idx="1">
+        <a:scrgbClr r="0" g="0" b="0"/>
+      </a:fillRef>
+      <a:effectRef idx="0">
+        <a:scrgbClr r="0" g="0" b="0"/>
+      </a:effectRef>
+      <a:fontRef idx="minor"/>
+    </dgm:style>
+  </dgm:styleLbl>
+  <dgm:styleLbl name="dkBgShp">
+    <dgm:scene3d>
+      <a:camera prst="orthographicFront"/>
+      <a:lightRig rig="threePt" dir="t"/>
+    </dgm:scene3d>
+    <dgm:sp3d/>
+    <dgm:txPr/>
+    <dgm:style>
+      <a:lnRef idx="0">
+        <a:scrgbClr r="0" g="0" b="0"/>
+      </a:lnRef>
+      <a:fillRef idx="1">
+        <a:scrgbClr r="0" g="0" b="0"/>
+      </a:fillRef>
+      <a:effectRef idx="0">
+        <a:scrgbClr r="0" g="0" b="0"/>
+      </a:effectRef>
+      <a:fontRef idx="minor"/>
+    </dgm:style>
+  </dgm:styleLbl>
+  <dgm:styleLbl name="trBgShp">
+    <dgm:scene3d>
+      <a:camera prst="orthographicFront"/>
+      <a:lightRig rig="threePt" dir="t"/>
+    </dgm:scene3d>
+    <dgm:sp3d/>
+    <dgm:txPr/>
+    <dgm:style>
+      <a:lnRef idx="0">
+        <a:scrgbClr r="0" g="0" b="0"/>
+      </a:lnRef>
+      <a:fillRef idx="1">
+        <a:scrgbClr r="0" g="0" b="0"/>
+      </a:fillRef>
+      <a:effectRef idx="0">
+        <a:scrgbClr r="0" g="0" b="0"/>
+      </a:effectRef>
+      <a:fontRef idx="minor"/>
+    </dgm:style>
+  </dgm:styleLbl>
+  <dgm:styleLbl name="fgShp">
+    <dgm:scene3d>
+      <a:camera prst="orthographicFront"/>
+      <a:lightRig rig="threePt" dir="t"/>
+    </dgm:scene3d>
+    <dgm:sp3d/>
+    <dgm:txPr/>
+    <dgm:style>
+      <a:lnRef idx="2">
+        <a:scrgbClr r="0" g="0" b="0"/>
+      </a:lnRef>
+      <a:fillRef idx="1">
+        <a:scrgbClr r="0" g="0" b="0"/>
+      </a:fillRef>
+      <a:effectRef idx="0">
+        <a:scrgbClr r="0" g="0" b="0"/>
+      </a:effectRef>
+      <a:fontRef idx="minor"/>
+    </dgm:style>
+  </dgm:styleLbl>
+  <dgm:styleLbl name="revTx">
+    <dgm:scene3d>
+      <a:camera prst="orthographicFront"/>
+      <a:lightRig rig="threePt" dir="t"/>
+    </dgm:scene3d>
+    <dgm:sp3d/>
+    <dgm:txPr/>
+    <dgm:style>
+      <a:lnRef idx="0">
+        <a:scrgbClr r="0" g="0" b="0"/>
+      </a:lnRef>
+      <a:fillRef idx="0">
+        <a:scrgbClr r="0" g="0" b="0"/>
+      </a:fillRef>
+      <a:effectRef idx="0">
+        <a:scrgbClr r="0" g="0" b="0"/>
+      </a:effectRef>
+      <a:fontRef idx="minor"/>
+    </dgm:style>
+  </dgm:styleLbl>
+</dgm:styleDef>
+</file>
+
 <file path=ppt/slideLayouts/slideLayout1.xml><?xml version="1.0" encoding="utf-8"?>
 <p:sldLayout xmlns:a="http://schemas.openxmlformats.org/drawingml/2006/main" xmlns:r="http://schemas.openxmlformats.org/officeDocument/2006/relationships" xmlns:p="http://schemas.openxmlformats.org/presentationml/2006/main" type="title" preserve="1">
   <p:cSld name="Title Slide">
@@ -285,7 +2972,7 @@
           <a:p>
             <a:fld id="{72EA7947-E287-4738-8C82-07CE4F01EF03}" type="datetime2">
               <a:rPr lang="en-US" smtClean="0"/>
-              <a:t>Saturday, November 23, 2024</a:t>
+              <a:t>Wednesday, December 18, 2024</a:t>
             </a:fld>
             <a:endParaRPr lang="en-US" dirty="0"/>
           </a:p>
@@ -1321,7 +4008,7 @@
           <a:p>
             <a:fld id="{EE2EBD84-71F4-4271-8C46-0D47C0A9B12E}" type="datetime2">
               <a:rPr lang="en-US" smtClean="0"/>
-              <a:t>Saturday, November 23, 2024</a:t>
+              <a:t>Wednesday, December 18, 2024</a:t>
             </a:fld>
             <a:endParaRPr lang="en-US"/>
           </a:p>
@@ -1532,7 +4219,7 @@
           <a:p>
             <a:fld id="{ABAE0CE1-F450-4107-B2CB-17B18F8A3F4A}" type="datetime2">
               <a:rPr lang="en-US" smtClean="0"/>
-              <a:t>Saturday, November 23, 2024</a:t>
+              <a:t>Wednesday, December 18, 2024</a:t>
             </a:fld>
             <a:endParaRPr lang="en-US"/>
           </a:p>
@@ -2197,7 +4884,7 @@
           <a:p>
             <a:fld id="{6FE8C025-CD7A-4966-867E-81CF82B15267}" type="datetime2">
               <a:rPr lang="en-US" smtClean="0"/>
-              <a:t>Saturday, November 23, 2024</a:t>
+              <a:t>Wednesday, December 18, 2024</a:t>
             </a:fld>
             <a:endParaRPr lang="en-US"/>
           </a:p>
@@ -2817,7 +5504,7 @@
           <a:p>
             <a:fld id="{FE809929-0719-4517-94D6-FDF7F99E70F6}" type="datetime2">
               <a:rPr lang="en-US" smtClean="0"/>
-              <a:t>Saturday, November 23, 2024</a:t>
+              <a:t>Wednesday, December 18, 2024</a:t>
             </a:fld>
             <a:endParaRPr lang="en-US"/>
           </a:p>
@@ -3935,7 +6622,7 @@
           <a:p>
             <a:fld id="{20E95673-5512-4AAA-9AEB-E00C61EC65D5}" type="datetime2">
               <a:rPr lang="en-US" smtClean="0"/>
-              <a:t>Saturday, November 23, 2024</a:t>
+              <a:t>Wednesday, December 18, 2024</a:t>
             </a:fld>
             <a:endParaRPr lang="en-US"/>
           </a:p>
@@ -4482,7 +7169,7 @@
           <a:p>
             <a:fld id="{C13138FA-2E87-4873-8BBA-13E447C9A99A}" type="datetime2">
               <a:rPr lang="en-US" smtClean="0"/>
-              <a:t>Saturday, November 23, 2024</a:t>
+              <a:t>Wednesday, December 18, 2024</a:t>
             </a:fld>
             <a:endParaRPr lang="en-US"/>
           </a:p>
@@ -4643,7 +7330,7 @@
           <a:p>
             <a:fld id="{D75BB40A-97BD-4BFB-B639-0BFF95FDE8B7}" type="datetime2">
               <a:rPr lang="en-US" smtClean="0"/>
-              <a:t>Saturday, November 23, 2024</a:t>
+              <a:t>Wednesday, December 18, 2024</a:t>
             </a:fld>
             <a:endParaRPr lang="en-US"/>
           </a:p>
@@ -5678,7 +8365,7 @@
           <a:p>
             <a:fld id="{9EE9E0E3-ECF6-4CFE-8698-AEFEBCECC3C0}" type="datetime2">
               <a:rPr lang="en-US" smtClean="0"/>
-              <a:t>Saturday, November 23, 2024</a:t>
+              <a:t>Wednesday, December 18, 2024</a:t>
             </a:fld>
             <a:endParaRPr lang="en-US"/>
           </a:p>
@@ -6324,7 +9011,7 @@
           <a:p>
             <a:fld id="{251462FC-960E-4740-921F-B36862979F21}" type="datetime2">
               <a:rPr lang="en-US" smtClean="0"/>
-              <a:t>Saturday, November 23, 2024</a:t>
+              <a:t>Wednesday, December 18, 2024</a:t>
             </a:fld>
             <a:endParaRPr lang="en-US"/>
           </a:p>
@@ -7088,7 +9775,7 @@
           <a:p>
             <a:fld id="{E50BC9E2-CB44-4C05-9BB5-496C18A241E0}" type="datetime2">
               <a:rPr lang="en-US" smtClean="0"/>
-              <a:t>Saturday, November 23, 2024</a:t>
+              <a:t>Wednesday, December 18, 2024</a:t>
             </a:fld>
             <a:endParaRPr lang="en-US"/>
           </a:p>
@@ -7341,7 +10028,7 @@
           <a:p>
             <a:fld id="{246CB39B-5F4C-4A7E-9BE3-AAFD45576D16}" type="datetime2">
               <a:rPr lang="en-US" smtClean="0"/>
-              <a:t>Saturday, November 23, 2024</a:t>
+              <a:t>Wednesday, December 18, 2024</a:t>
             </a:fld>
             <a:endParaRPr lang="en-US" dirty="0"/>
           </a:p>
@@ -7896,7 +10583,7 @@
         <p:spPr>
           <a:xfrm>
             <a:off x="550863" y="549275"/>
-            <a:ext cx="5437187" cy="2986234"/>
+            <a:ext cx="5697537" cy="2986234"/>
           </a:xfrm>
         </p:spPr>
         <p:txBody>
@@ -7961,6 +10648,18 @@
                 </a:solidFill>
               </a:rPr>
               <a:t>Monika Etrych</a:t>
+            </a:r>
+          </a:p>
+          <a:p>
+            <a:r>
+              <a:rPr lang="pl-PL" dirty="0">
+                <a:solidFill>
+                  <a:schemeClr val="tx1">
+                    <a:alpha val="60000"/>
+                  </a:schemeClr>
+                </a:solidFill>
+              </a:rPr>
+              <a:t>Opiekun: prof. Bogdan Kwolek</a:t>
             </a:r>
           </a:p>
         </p:txBody>
@@ -8629,6 +11328,70 @@
                       </p:childTnLst>
                     </p:cTn>
                   </p:par>
+                  <p:par>
+                    <p:cTn id="11" fill="hold">
+                      <p:stCondLst>
+                        <p:cond delay="indefinite"/>
+                      </p:stCondLst>
+                      <p:childTnLst>
+                        <p:par>
+                          <p:cTn id="12" fill="hold">
+                            <p:stCondLst>
+                              <p:cond delay="0"/>
+                            </p:stCondLst>
+                            <p:childTnLst>
+                              <p:par>
+                                <p:cTn id="13" presetID="10" presetClass="entr" presetSubtype="0" fill="hold" grpId="0" nodeType="clickEffect">
+                                  <p:stCondLst>
+                                    <p:cond delay="2000"/>
+                                  </p:stCondLst>
+                                  <p:iterate type="lt">
+                                    <p:tmPct val="10000"/>
+                                  </p:iterate>
+                                  <p:childTnLst>
+                                    <p:set>
+                                      <p:cBhvr>
+                                        <p:cTn id="14" dur="1" fill="hold">
+                                          <p:stCondLst>
+                                            <p:cond delay="0"/>
+                                          </p:stCondLst>
+                                        </p:cTn>
+                                        <p:tgtEl>
+                                          <p:spTgt spid="3">
+                                            <p:txEl>
+                                              <p:pRg st="1" end="1"/>
+                                            </p:txEl>
+                                          </p:spTgt>
+                                        </p:tgtEl>
+                                        <p:attrNameLst>
+                                          <p:attrName>style.visibility</p:attrName>
+                                        </p:attrNameLst>
+                                      </p:cBhvr>
+                                      <p:to>
+                                        <p:strVal val="visible"/>
+                                      </p:to>
+                                    </p:set>
+                                    <p:animEffect transition="in" filter="fade">
+                                      <p:cBhvr>
+                                        <p:cTn id="15" dur="400"/>
+                                        <p:tgtEl>
+                                          <p:spTgt spid="3">
+                                            <p:txEl>
+                                              <p:pRg st="1" end="1"/>
+                                            </p:txEl>
+                                          </p:spTgt>
+                                        </p:tgtEl>
+                                      </p:cBhvr>
+                                    </p:animEffect>
+                                  </p:childTnLst>
+                                </p:cTn>
+                              </p:par>
+                            </p:childTnLst>
+                          </p:cTn>
+                        </p:par>
+                      </p:childTnLst>
+                    </p:cTn>
+                  </p:par>
                 </p:childTnLst>
               </p:cTn>
               <p:prevCondLst>
@@ -8658,7 +11421,7 @@
 </p:sld>
 </file>
 
-<file path=ppt/slides/slide2.xml><?xml version="1.0" encoding="utf-8"?>
+<file path=ppt/slides/slide10.xml><?xml version="1.0" encoding="utf-8"?>
 <p:sld xmlns:a="http://schemas.openxmlformats.org/drawingml/2006/main" xmlns:r="http://schemas.openxmlformats.org/officeDocument/2006/relationships" xmlns:p="http://schemas.openxmlformats.org/presentationml/2006/main">
   <p:cSld>
     <p:bg>
@@ -8685,7 +11448,7 @@
       </p:grpSpPr>
       <p:sp useBgFill="1">
         <p:nvSpPr>
-          <p:cNvPr id="24" name="Rectangle 23">
+          <p:cNvPr id="10" name="Rectangle 9">
             <a:extLst>
               <a:ext uri="{FF2B5EF4-FFF2-40B4-BE49-F238E27FC236}">
                 <a16:creationId xmlns:a16="http://schemas.microsoft.com/office/drawing/2014/main" id="{A5931BE0-4B93-4D6C-878E-ACC59D6B4587}"/>
@@ -8764,7 +11527,7 @@
           <p:cNvPr id="2" name="Tytuł 1">
             <a:extLst>
               <a:ext uri="{FF2B5EF4-FFF2-40B4-BE49-F238E27FC236}">
-                <a16:creationId xmlns:a16="http://schemas.microsoft.com/office/drawing/2014/main" id="{561A910C-578D-03E4-20C9-3F997110ADDB}"/>
+                <a16:creationId xmlns:a16="http://schemas.microsoft.com/office/drawing/2014/main" id="{C37287BA-0F04-F2B4-4B5A-DE5FCD47B826}"/>
               </a:ext>
             </a:extLst>
           </p:cNvPr>
@@ -8777,34 +11540,392 @@
         </p:nvSpPr>
         <p:spPr>
           <a:xfrm>
-            <a:off x="550864" y="549275"/>
-            <a:ext cx="5083991" cy="1046061"/>
+            <a:off x="550862" y="580363"/>
+            <a:ext cx="5437188" cy="1333055"/>
           </a:xfrm>
         </p:spPr>
         <p:txBody>
-          <a:bodyPr wrap="square" anchor="b">
+          <a:bodyPr wrap="square" anchor="t">
             <a:normAutofit/>
           </a:bodyPr>
           <a:lstStyle/>
           <a:p>
-            <a:r>
-              <a:rPr lang="pl-PL" sz="6400" dirty="0"/>
-              <a:t>Cel pracy</a:t>
-            </a:r>
+            <a:pPr>
+              <a:lnSpc>
+                <a:spcPct val="90000"/>
+              </a:lnSpc>
+            </a:pPr>
+            <a:r>
+              <a:rPr lang="pl-PL" dirty="0" err="1"/>
+              <a:t>Rainbow</a:t>
+            </a:r>
+            <a:r>
+              <a:rPr lang="pl-PL" dirty="0"/>
+              <a:t> </a:t>
+            </a:r>
+            <a:r>
+              <a:rPr lang="pl-PL" dirty="0" err="1"/>
+              <a:t>memory</a:t>
+            </a:r>
+            <a:br>
+              <a:rPr lang="pl-PL" dirty="0"/>
+            </a:br>
+            <a:endParaRPr lang="pl-PL"/>
           </a:p>
         </p:txBody>
       </p:sp>
+      <p:grpSp>
+        <p:nvGrpSpPr>
+          <p:cNvPr id="12" name="Group 11">
+            <a:extLst>
+              <a:ext uri="{FF2B5EF4-FFF2-40B4-BE49-F238E27FC236}">
+                <a16:creationId xmlns:a16="http://schemas.microsoft.com/office/drawing/2014/main" id="{11F8F457-0192-4F9A-9EEF-D784521FAC11}"/>
+              </a:ext>
+              <a:ext uri="{C183D7F6-B498-43B3-948B-1728B52AA6E4}">
+                <adec:decorative xmlns:adec="http://schemas.microsoft.com/office/drawing/2017/decorative" val="1"/>
+              </a:ext>
+            </a:extLst>
+          </p:cNvPr>
+          <p:cNvGrpSpPr>
+            <a:grpSpLocks noGrp="1" noUngrp="1" noRot="1" noChangeAspect="1" noMove="1" noResize="1"/>
+          </p:cNvGrpSpPr>
+          <p:nvPr>
+            <p:extLst>
+              <p:ext uri="{386F3935-93C4-4BCD-93E2-E3B085C9AB24}">
+                <p16:designElem xmlns:p16="http://schemas.microsoft.com/office/powerpoint/2015/main" val="1"/>
+              </p:ext>
+            </p:extLst>
+          </p:nvPr>
+        </p:nvGrpSpPr>
+        <p:grpSpPr>
+          <a:xfrm>
+            <a:off x="11102932" y="412017"/>
+            <a:ext cx="667800" cy="631474"/>
+            <a:chOff x="8069541" y="1262702"/>
+            <a:chExt cx="667800" cy="631474"/>
+          </a:xfrm>
+        </p:grpSpPr>
+        <p:sp>
+          <p:nvSpPr>
+            <p:cNvPr id="13" name="Freeform: Shape 12">
+              <a:extLst>
+                <a:ext uri="{FF2B5EF4-FFF2-40B4-BE49-F238E27FC236}">
+                  <a16:creationId xmlns:a16="http://schemas.microsoft.com/office/drawing/2014/main" id="{811A27EA-330C-4F31-9051-19CBAE97885C}"/>
+                </a:ext>
+                <a:ext uri="{C183D7F6-B498-43B3-948B-1728B52AA6E4}">
+                  <adec:decorative xmlns:adec="http://schemas.microsoft.com/office/drawing/2017/decorative" val="1"/>
+                </a:ext>
+              </a:extLst>
+            </p:cNvPr>
+            <p:cNvSpPr>
+              <a:spLocks noChangeAspect="1"/>
+            </p:cNvSpPr>
+            <p:nvPr>
+              <p:extLst>
+                <p:ext uri="{386F3935-93C4-4BCD-93E2-E3B085C9AB24}">
+                  <p16:designElem xmlns:p16="http://schemas.microsoft.com/office/powerpoint/2015/main" val="1"/>
+                </p:ext>
+              </p:extLst>
+            </p:nvPr>
+          </p:nvSpPr>
+          <p:spPr>
+            <a:xfrm rot="18900000">
+              <a:off x="8069541" y="1262702"/>
+              <a:ext cx="540000" cy="631474"/>
+            </a:xfrm>
+            <a:custGeom>
+              <a:avLst/>
+              <a:gdLst>
+                <a:gd name="connsiteX0" fmla="*/ 540000 w 1080000"/>
+                <a:gd name="connsiteY0" fmla="*/ 0 h 1262947"/>
+                <a:gd name="connsiteX1" fmla="*/ 1080000 w 1080000"/>
+                <a:gd name="connsiteY1" fmla="*/ 931034 h 1262947"/>
+                <a:gd name="connsiteX2" fmla="*/ 1064374 w 1080000"/>
+                <a:gd name="connsiteY2" fmla="*/ 931034 h 1262947"/>
+                <a:gd name="connsiteX3" fmla="*/ 1069029 w 1080000"/>
+                <a:gd name="connsiteY3" fmla="*/ 938533 h 1262947"/>
+                <a:gd name="connsiteX4" fmla="*/ 1080000 w 1080000"/>
+                <a:gd name="connsiteY4" fmla="*/ 992947 h 1262947"/>
+                <a:gd name="connsiteX5" fmla="*/ 540000 w 1080000"/>
+                <a:gd name="connsiteY5" fmla="*/ 1262947 h 1262947"/>
+                <a:gd name="connsiteX6" fmla="*/ 0 w 1080000"/>
+                <a:gd name="connsiteY6" fmla="*/ 992947 h 1262947"/>
+                <a:gd name="connsiteX7" fmla="*/ 10971 w 1080000"/>
+                <a:gd name="connsiteY7" fmla="*/ 938533 h 1262947"/>
+                <a:gd name="connsiteX8" fmla="*/ 15626 w 1080000"/>
+                <a:gd name="connsiteY8" fmla="*/ 931034 h 1262947"/>
+                <a:gd name="connsiteX9" fmla="*/ 0 w 1080000"/>
+                <a:gd name="connsiteY9" fmla="*/ 931034 h 1262947"/>
+                <a:gd name="connsiteX0" fmla="*/ 540000 w 1080000"/>
+                <a:gd name="connsiteY0" fmla="*/ 0 h 1262947"/>
+                <a:gd name="connsiteX1" fmla="*/ 1080000 w 1080000"/>
+                <a:gd name="connsiteY1" fmla="*/ 931034 h 1262947"/>
+                <a:gd name="connsiteX2" fmla="*/ 1064374 w 1080000"/>
+                <a:gd name="connsiteY2" fmla="*/ 931034 h 1262947"/>
+                <a:gd name="connsiteX3" fmla="*/ 1069029 w 1080000"/>
+                <a:gd name="connsiteY3" fmla="*/ 938533 h 1262947"/>
+                <a:gd name="connsiteX4" fmla="*/ 1080000 w 1080000"/>
+                <a:gd name="connsiteY4" fmla="*/ 992947 h 1262947"/>
+                <a:gd name="connsiteX5" fmla="*/ 540000 w 1080000"/>
+                <a:gd name="connsiteY5" fmla="*/ 1262947 h 1262947"/>
+                <a:gd name="connsiteX6" fmla="*/ 0 w 1080000"/>
+                <a:gd name="connsiteY6" fmla="*/ 992947 h 1262947"/>
+                <a:gd name="connsiteX7" fmla="*/ 10971 w 1080000"/>
+                <a:gd name="connsiteY7" fmla="*/ 938533 h 1262947"/>
+                <a:gd name="connsiteX8" fmla="*/ 15626 w 1080000"/>
+                <a:gd name="connsiteY8" fmla="*/ 931034 h 1262947"/>
+                <a:gd name="connsiteX9" fmla="*/ 540000 w 1080000"/>
+                <a:gd name="connsiteY9" fmla="*/ 0 h 1262947"/>
+                <a:gd name="connsiteX0" fmla="*/ 540000 w 1080000"/>
+                <a:gd name="connsiteY0" fmla="*/ 0 h 1262947"/>
+                <a:gd name="connsiteX1" fmla="*/ 1064374 w 1080000"/>
+                <a:gd name="connsiteY1" fmla="*/ 931034 h 1262947"/>
+                <a:gd name="connsiteX2" fmla="*/ 1069029 w 1080000"/>
+                <a:gd name="connsiteY2" fmla="*/ 938533 h 1262947"/>
+                <a:gd name="connsiteX3" fmla="*/ 1080000 w 1080000"/>
+                <a:gd name="connsiteY3" fmla="*/ 992947 h 1262947"/>
+                <a:gd name="connsiteX4" fmla="*/ 540000 w 1080000"/>
+                <a:gd name="connsiteY4" fmla="*/ 1262947 h 1262947"/>
+                <a:gd name="connsiteX5" fmla="*/ 0 w 1080000"/>
+                <a:gd name="connsiteY5" fmla="*/ 992947 h 1262947"/>
+                <a:gd name="connsiteX6" fmla="*/ 10971 w 1080000"/>
+                <a:gd name="connsiteY6" fmla="*/ 938533 h 1262947"/>
+                <a:gd name="connsiteX7" fmla="*/ 15626 w 1080000"/>
+                <a:gd name="connsiteY7" fmla="*/ 931034 h 1262947"/>
+                <a:gd name="connsiteX8" fmla="*/ 540000 w 1080000"/>
+                <a:gd name="connsiteY8" fmla="*/ 0 h 1262947"/>
+              </a:gdLst>
+              <a:ahLst/>
+              <a:cxnLst>
+                <a:cxn ang="0">
+                  <a:pos x="connsiteX0" y="connsiteY0"/>
+                </a:cxn>
+                <a:cxn ang="0">
+                  <a:pos x="connsiteX1" y="connsiteY1"/>
+                </a:cxn>
+                <a:cxn ang="0">
+                  <a:pos x="connsiteX2" y="connsiteY2"/>
+                </a:cxn>
+                <a:cxn ang="0">
+                  <a:pos x="connsiteX3" y="connsiteY3"/>
+                </a:cxn>
+                <a:cxn ang="0">
+                  <a:pos x="connsiteX4" y="connsiteY4"/>
+                </a:cxn>
+                <a:cxn ang="0">
+                  <a:pos x="connsiteX5" y="connsiteY5"/>
+                </a:cxn>
+                <a:cxn ang="0">
+                  <a:pos x="connsiteX6" y="connsiteY6"/>
+                </a:cxn>
+                <a:cxn ang="0">
+                  <a:pos x="connsiteX7" y="connsiteY7"/>
+                </a:cxn>
+                <a:cxn ang="0">
+                  <a:pos x="connsiteX8" y="connsiteY8"/>
+                </a:cxn>
+              </a:cxnLst>
+              <a:rect l="l" t="t" r="r" b="b"/>
+              <a:pathLst>
+                <a:path w="1080000" h="1262947">
+                  <a:moveTo>
+                    <a:pt x="540000" y="0"/>
+                  </a:moveTo>
+                  <a:lnTo>
+                    <a:pt x="1064374" y="931034"/>
+                  </a:lnTo>
+                  <a:lnTo>
+                    <a:pt x="1069029" y="938533"/>
+                  </a:lnTo>
+                  <a:cubicBezTo>
+                    <a:pt x="1076223" y="956109"/>
+                    <a:pt x="1080000" y="974307"/>
+                    <a:pt x="1080000" y="992947"/>
+                  </a:cubicBezTo>
+                  <a:cubicBezTo>
+                    <a:pt x="1080000" y="1142064"/>
+                    <a:pt x="838234" y="1262947"/>
+                    <a:pt x="540000" y="1262947"/>
+                  </a:cubicBezTo>
+                  <a:cubicBezTo>
+                    <a:pt x="241766" y="1262947"/>
+                    <a:pt x="0" y="1142064"/>
+                    <a:pt x="0" y="992947"/>
+                  </a:cubicBezTo>
+                  <a:cubicBezTo>
+                    <a:pt x="0" y="974307"/>
+                    <a:pt x="3778" y="956109"/>
+                    <a:pt x="10971" y="938533"/>
+                  </a:cubicBezTo>
+                  <a:lnTo>
+                    <a:pt x="15626" y="931034"/>
+                  </a:lnTo>
+                  <a:lnTo>
+                    <a:pt x="540000" y="0"/>
+                  </a:lnTo>
+                  <a:close/>
+                </a:path>
+              </a:pathLst>
+            </a:custGeom>
+            <a:gradFill>
+              <a:gsLst>
+                <a:gs pos="60000">
+                  <a:schemeClr val="bg2">
+                    <a:lumMod val="90000"/>
+                    <a:lumOff val="10000"/>
+                  </a:schemeClr>
+                </a:gs>
+                <a:gs pos="30000">
+                  <a:schemeClr val="bg2">
+                    <a:lumMod val="90000"/>
+                    <a:lumOff val="10000"/>
+                  </a:schemeClr>
+                </a:gs>
+                <a:gs pos="40000">
+                  <a:schemeClr val="bg2">
+                    <a:lumMod val="75000"/>
+                    <a:lumOff val="25000"/>
+                  </a:schemeClr>
+                </a:gs>
+                <a:gs pos="100000">
+                  <a:schemeClr val="bg2"/>
+                </a:gs>
+              </a:gsLst>
+              <a:lin ang="10200000" scaled="0"/>
+            </a:gradFill>
+            <a:ln>
+              <a:noFill/>
+            </a:ln>
+            <a:effectLst>
+              <a:innerShdw blurRad="127000" dist="50800" dir="4200000">
+                <a:schemeClr val="accent1">
+                  <a:lumMod val="60000"/>
+                  <a:lumOff val="40000"/>
+                  <a:alpha val="20000"/>
+                </a:schemeClr>
+              </a:innerShdw>
+            </a:effectLst>
+          </p:spPr>
+          <p:style>
+            <a:lnRef idx="2">
+              <a:schemeClr val="accent1">
+                <a:shade val="50000"/>
+              </a:schemeClr>
+            </a:lnRef>
+            <a:fillRef idx="1">
+              <a:schemeClr val="accent1"/>
+            </a:fillRef>
+            <a:effectRef idx="0">
+              <a:schemeClr val="accent1"/>
+            </a:effectRef>
+            <a:fontRef idx="minor">
+              <a:schemeClr val="lt1"/>
+            </a:fontRef>
+          </p:style>
+          <p:txBody>
+            <a:bodyPr rot="0" spcFirstLastPara="0" vertOverflow="overflow" horzOverflow="overflow" vert="horz" wrap="square" lIns="91440" tIns="45720" rIns="91440" bIns="45720" numCol="1" spcCol="0" rtlCol="0" fromWordArt="0" anchor="ctr" anchorCtr="0" forceAA="0" compatLnSpc="1">
+              <a:prstTxWarp prst="textNoShape">
+                <a:avLst/>
+              </a:prstTxWarp>
+              <a:noAutofit/>
+            </a:bodyPr>
+            <a:lstStyle/>
+            <a:p>
+              <a:pPr algn="ctr"/>
+              <a:endParaRPr lang="en-US"/>
+            </a:p>
+          </p:txBody>
+        </p:sp>
+        <p:sp>
+          <p:nvSpPr>
+            <p:cNvPr id="14" name="Oval 13">
+              <a:extLst>
+                <a:ext uri="{FF2B5EF4-FFF2-40B4-BE49-F238E27FC236}">
+                  <a16:creationId xmlns:a16="http://schemas.microsoft.com/office/drawing/2014/main" id="{786FC59F-EC76-4A7A-AF75-507FBE3B52D7}"/>
+                </a:ext>
+                <a:ext uri="{C183D7F6-B498-43B3-948B-1728B52AA6E4}">
+                  <adec:decorative xmlns:adec="http://schemas.microsoft.com/office/drawing/2017/decorative" val="1"/>
+                </a:ext>
+              </a:extLst>
+            </p:cNvPr>
+            <p:cNvSpPr/>
+            <p:nvPr>
+              <p:extLst>
+                <p:ext uri="{386F3935-93C4-4BCD-93E2-E3B085C9AB24}">
+                  <p16:designElem xmlns:p16="http://schemas.microsoft.com/office/powerpoint/2015/main" val="1"/>
+                </p:ext>
+              </p:extLst>
+            </p:nvPr>
+          </p:nvSpPr>
+          <p:spPr>
+            <a:xfrm rot="2700000">
+              <a:off x="8332341" y="1436239"/>
+              <a:ext cx="270000" cy="540000"/>
+            </a:xfrm>
+            <a:prstGeom prst="ellipse">
+              <a:avLst/>
+            </a:prstGeom>
+            <a:solidFill>
+              <a:schemeClr val="bg2">
+                <a:lumMod val="90000"/>
+                <a:lumOff val="10000"/>
+              </a:schemeClr>
+            </a:solidFill>
+            <a:ln>
+              <a:noFill/>
+            </a:ln>
+            <a:effectLst>
+              <a:innerShdw blurRad="1270000" dist="2540000">
+                <a:schemeClr val="accent1">
+                  <a:lumMod val="60000"/>
+                  <a:lumOff val="40000"/>
+                  <a:alpha val="0"/>
+                </a:schemeClr>
+              </a:innerShdw>
+            </a:effectLst>
+          </p:spPr>
+          <p:style>
+            <a:lnRef idx="2">
+              <a:schemeClr val="accent1">
+                <a:shade val="50000"/>
+              </a:schemeClr>
+            </a:lnRef>
+            <a:fillRef idx="1">
+              <a:schemeClr val="accent1"/>
+            </a:fillRef>
+            <a:effectRef idx="0">
+              <a:schemeClr val="accent1"/>
+            </a:effectRef>
+            <a:fontRef idx="minor">
+              <a:schemeClr val="lt1"/>
+            </a:fontRef>
+          </p:style>
+          <p:txBody>
+            <a:bodyPr rot="0" spcFirstLastPara="0" vertOverflow="overflow" horzOverflow="overflow" vert="horz" wrap="square" lIns="91440" tIns="45720" rIns="91440" bIns="45720" numCol="1" spcCol="0" rtlCol="0" fromWordArt="0" anchor="ctr" anchorCtr="0" forceAA="0" compatLnSpc="1">
+              <a:prstTxWarp prst="textNoShape">
+                <a:avLst/>
+              </a:prstTxWarp>
+              <a:noAutofit/>
+            </a:bodyPr>
+            <a:lstStyle/>
+            <a:p>
+              <a:pPr algn="ctr"/>
+              <a:endParaRPr lang="en-US"/>
+            </a:p>
+          </p:txBody>
+        </p:sp>
+      </p:grpSp>
       <p:pic>
         <p:nvPicPr>
-          <p:cNvPr id="5" name="Picture 2">
+          <p:cNvPr id="5" name="Obraz 4" descr="Obraz zawierający ptak, zabawka, oczy&#10;&#10;Opis wygenerowany automatycznie przy średnim poziomie pewności">
             <a:extLst>
               <a:ext uri="{FF2B5EF4-FFF2-40B4-BE49-F238E27FC236}">
-                <a16:creationId xmlns:a16="http://schemas.microsoft.com/office/drawing/2014/main" id="{0BA1D9FF-41D3-4E37-CABF-9EE3440E16A0}"/>
+                <a16:creationId xmlns:a16="http://schemas.microsoft.com/office/drawing/2014/main" id="{47E64E18-FF06-885E-2915-544D7E2B941B}"/>
               </a:ext>
             </a:extLst>
           </p:cNvPr>
           <p:cNvPicPr>
-            <a:picLocks noChangeAspect="1" noChangeArrowheads="1"/>
+            <a:picLocks noChangeAspect="1"/>
           </p:cNvPicPr>
           <p:nvPr/>
         </p:nvPicPr>
@@ -8816,13 +11937,13 @@
               </a:ext>
             </a:extLst>
           </a:blip>
-          <a:srcRect l="9518" r="9584"/>
+          <a:srcRect t="702" r="-2" b="33830"/>
           <a:stretch/>
         </p:blipFill>
-        <p:spPr bwMode="auto">
+        <p:spPr>
           <a:xfrm>
-            <a:off x="6557146" y="1"/>
-            <a:ext cx="5632453" cy="3428999"/>
+            <a:off x="550862" y="2127340"/>
+            <a:ext cx="5773738" cy="3779838"/>
           </a:xfrm>
           <a:custGeom>
             <a:avLst/>
@@ -8831,78 +11952,18 @@
             <a:cxnLst/>
             <a:rect l="l" t="t" r="r" b="b"/>
             <a:pathLst>
-              <a:path w="5632453" h="3428999">
+              <a:path w="5773738" h="3779838">
                 <a:moveTo>
                   <a:pt x="0" y="0"/>
                 </a:moveTo>
                 <a:lnTo>
-                  <a:pt x="5632453" y="0"/>
+                  <a:pt x="5773738" y="0"/>
                 </a:lnTo>
                 <a:lnTo>
-                  <a:pt x="5632453" y="3428999"/>
+                  <a:pt x="5773738" y="3779838"/>
                 </a:lnTo>
                 <a:lnTo>
-                  <a:pt x="0" y="3428999"/>
-                </a:lnTo>
-                <a:close/>
-              </a:path>
-            </a:pathLst>
-          </a:custGeom>
-          <a:noFill/>
-          <a:extLst>
-            <a:ext uri="{909E8E84-426E-40DD-AFC4-6F175D3DCCD1}">
-              <a14:hiddenFill xmlns:a14="http://schemas.microsoft.com/office/drawing/2010/main">
-                <a:solidFill>
-                  <a:srgbClr val="FFFFFF"/>
-                </a:solidFill>
-              </a14:hiddenFill>
-            </a:ext>
-          </a:extLst>
-        </p:spPr>
-      </p:pic>
-      <p:pic>
-        <p:nvPicPr>
-          <p:cNvPr id="4" name="Obraz 3">
-            <a:extLst>
-              <a:ext uri="{FF2B5EF4-FFF2-40B4-BE49-F238E27FC236}">
-                <a16:creationId xmlns:a16="http://schemas.microsoft.com/office/drawing/2014/main" id="{2D68D1FE-091F-5EAA-49F1-EB48F26F9C13}"/>
-              </a:ext>
-            </a:extLst>
-          </p:cNvPr>
-          <p:cNvPicPr>
-            <a:picLocks noChangeAspect="1"/>
-          </p:cNvPicPr>
-          <p:nvPr/>
-        </p:nvPicPr>
-        <p:blipFill>
-          <a:blip r:embed="rId3"/>
-          <a:srcRect l="1558" r="1484" b="3"/>
-          <a:stretch/>
-        </p:blipFill>
-        <p:spPr>
-          <a:xfrm>
-            <a:off x="6557147" y="3429002"/>
-            <a:ext cx="5632453" cy="3428999"/>
-          </a:xfrm>
-          <a:custGeom>
-            <a:avLst/>
-            <a:gdLst/>
-            <a:ahLst/>
-            <a:cxnLst/>
-            <a:rect l="l" t="t" r="r" b="b"/>
-            <a:pathLst>
-              <a:path w="5632453" h="3428999">
-                <a:moveTo>
-                  <a:pt x="0" y="0"/>
-                </a:moveTo>
-                <a:lnTo>
-                  <a:pt x="5632453" y="0"/>
-                </a:lnTo>
-                <a:lnTo>
-                  <a:pt x="5632453" y="3428999"/>
-                </a:lnTo>
-                <a:lnTo>
-                  <a:pt x="0" y="3428999"/>
+                  <a:pt x="0" y="3779838"/>
                 </a:lnTo>
                 <a:close/>
               </a:path>
@@ -8912,10 +11973,127 @@
       </p:pic>
       <p:sp>
         <p:nvSpPr>
-          <p:cNvPr id="26" name="Rectangle 25">
+          <p:cNvPr id="3" name="Symbol zastępczy zawartości 2">
             <a:extLst>
               <a:ext uri="{FF2B5EF4-FFF2-40B4-BE49-F238E27FC236}">
-                <a16:creationId xmlns:a16="http://schemas.microsoft.com/office/drawing/2014/main" id="{A16EB032-3F37-4641-A90D-DC9B574EBCB1}"/>
+                <a16:creationId xmlns:a16="http://schemas.microsoft.com/office/drawing/2014/main" id="{147937BA-BC39-658D-B385-F0664F3C4653}"/>
+              </a:ext>
+            </a:extLst>
+          </p:cNvPr>
+          <p:cNvSpPr>
+            <a:spLocks noGrp="1"/>
+          </p:cNvSpPr>
+          <p:nvPr>
+            <p:ph idx="1"/>
+          </p:nvPr>
+        </p:nvSpPr>
+        <p:spPr>
+          <a:xfrm>
+            <a:off x="6614810" y="2127340"/>
+            <a:ext cx="5026328" cy="4572000"/>
+          </a:xfrm>
+        </p:spPr>
+        <p:txBody>
+          <a:bodyPr anchor="t">
+            <a:normAutofit/>
+          </a:bodyPr>
+          <a:lstStyle/>
+          <a:p>
+            <a:pPr algn="just">
+              <a:lnSpc>
+                <a:spcPct val="100000"/>
+              </a:lnSpc>
+            </a:pPr>
+            <a:r>
+              <a:rPr lang="pl-PL" sz="1700" dirty="0"/>
+              <a:t>Scenariusz (</a:t>
+            </a:r>
+            <a:r>
+              <a:rPr lang="pl-PL" sz="1700" b="1" dirty="0" err="1"/>
+              <a:t>blurry</a:t>
+            </a:r>
+            <a:r>
+              <a:rPr lang="pl-PL" sz="1700" b="1" dirty="0"/>
+              <a:t>-CIL</a:t>
+            </a:r>
+            <a:r>
+              <a:rPr lang="pl-PL" sz="1700" dirty="0"/>
+              <a:t>)</a:t>
+            </a:r>
+          </a:p>
+          <a:p>
+            <a:pPr algn="just">
+              <a:lnSpc>
+                <a:spcPct val="100000"/>
+              </a:lnSpc>
+            </a:pPr>
+            <a:r>
+              <a:rPr lang="pl-PL" sz="1700" b="1" dirty="0" err="1"/>
+              <a:t>CutMix</a:t>
+            </a:r>
+            <a:r>
+              <a:rPr lang="pl-PL" sz="1700" dirty="0"/>
+              <a:t> pozwala na uzyskanie próbek do powtórzenia modelu poprzez pomieszanie klas i etykiet.</a:t>
+            </a:r>
+          </a:p>
+          <a:p>
+            <a:pPr algn="just">
+              <a:lnSpc>
+                <a:spcPct val="100000"/>
+              </a:lnSpc>
+            </a:pPr>
+            <a:r>
+              <a:rPr lang="pl-PL" sz="1700" b="1" dirty="0" err="1"/>
+              <a:t>AutoAugmentation</a:t>
+            </a:r>
+            <a:r>
+              <a:rPr lang="pl-PL" sz="1700" dirty="0"/>
+              <a:t> automatycznie zmienia obrazy, tak aby były lepiej rozpoznawane przez model.</a:t>
+            </a:r>
+          </a:p>
+          <a:p>
+            <a:pPr algn="just">
+              <a:lnSpc>
+                <a:spcPct val="100000"/>
+              </a:lnSpc>
+            </a:pPr>
+            <a:r>
+              <a:rPr lang="pl-PL" sz="1700" b="1" dirty="0" err="1"/>
+              <a:t>Diversity</a:t>
+            </a:r>
+            <a:r>
+              <a:rPr lang="pl-PL" sz="1700" b="1" dirty="0"/>
+              <a:t> </a:t>
+            </a:r>
+            <a:r>
+              <a:rPr lang="pl-PL" sz="1700" b="1" dirty="0" err="1"/>
+              <a:t>Aware</a:t>
+            </a:r>
+            <a:r>
+              <a:rPr lang="pl-PL" sz="1700" b="1" dirty="0"/>
+              <a:t> </a:t>
+            </a:r>
+            <a:r>
+              <a:rPr lang="pl-PL" sz="1700" b="1" dirty="0" err="1"/>
+              <a:t>Sampling</a:t>
+            </a:r>
+            <a:r>
+              <a:rPr lang="pl-PL" sz="1700" b="1" dirty="0"/>
+              <a:t> </a:t>
+            </a:r>
+            <a:r>
+              <a:rPr lang="pl-PL" sz="1700" dirty="0"/>
+              <a:t>na podstawie niepewności klasyfikacji (prawdopodobieństwa należenia do danej klasy) wybiera obserwacje, które mają wysokie prawdopodobieństwo przynależności do wielu klas jednocześnie.  </a:t>
+            </a:r>
+          </a:p>
+        </p:txBody>
+      </p:sp>
+      <p:sp>
+        <p:nvSpPr>
+          <p:cNvPr id="16" name="Freeform: Shape 15">
+            <a:extLst>
+              <a:ext uri="{FF2B5EF4-FFF2-40B4-BE49-F238E27FC236}">
+                <a16:creationId xmlns:a16="http://schemas.microsoft.com/office/drawing/2014/main" id="{3E6AA126-9DDC-4FBE-AEE6-8D0E982B0E2C}"/>
               </a:ext>
               <a:ext uri="{C183D7F6-B498-43B3-948B-1728B52AA6E4}">
                 <adec:decorative xmlns:adec="http://schemas.microsoft.com/office/drawing/2017/decorative" val="1"/>
@@ -8935,31 +12113,127 @@
         </p:nvSpPr>
         <p:spPr>
           <a:xfrm>
-            <a:off x="0" y="5773729"/>
-            <a:ext cx="12192000" cy="1084271"/>
+            <a:off x="4892295" y="6121100"/>
+            <a:ext cx="1080000" cy="736900"/>
           </a:xfrm>
-          <a:prstGeom prst="rect">
+          <a:custGeom>
             <a:avLst/>
-          </a:prstGeom>
+            <a:gdLst>
+              <a:gd name="connsiteX0" fmla="*/ 540000 w 1080000"/>
+              <a:gd name="connsiteY0" fmla="*/ 0 h 736900"/>
+              <a:gd name="connsiteX1" fmla="*/ 1080000 w 1080000"/>
+              <a:gd name="connsiteY1" fmla="*/ 540000 h 736900"/>
+              <a:gd name="connsiteX2" fmla="*/ 1069029 w 1080000"/>
+              <a:gd name="connsiteY2" fmla="*/ 648829 h 736900"/>
+              <a:gd name="connsiteX3" fmla="*/ 1041691 w 1080000"/>
+              <a:gd name="connsiteY3" fmla="*/ 736900 h 736900"/>
+              <a:gd name="connsiteX4" fmla="*/ 38310 w 1080000"/>
+              <a:gd name="connsiteY4" fmla="*/ 736900 h 736900"/>
+              <a:gd name="connsiteX5" fmla="*/ 10971 w 1080000"/>
+              <a:gd name="connsiteY5" fmla="*/ 648829 h 736900"/>
+              <a:gd name="connsiteX6" fmla="*/ 0 w 1080000"/>
+              <a:gd name="connsiteY6" fmla="*/ 540000 h 736900"/>
+              <a:gd name="connsiteX7" fmla="*/ 540000 w 1080000"/>
+              <a:gd name="connsiteY7" fmla="*/ 0 h 736900"/>
+            </a:gdLst>
+            <a:ahLst/>
+            <a:cxnLst>
+              <a:cxn ang="0">
+                <a:pos x="connsiteX0" y="connsiteY0"/>
+              </a:cxn>
+              <a:cxn ang="0">
+                <a:pos x="connsiteX1" y="connsiteY1"/>
+              </a:cxn>
+              <a:cxn ang="0">
+                <a:pos x="connsiteX2" y="connsiteY2"/>
+              </a:cxn>
+              <a:cxn ang="0">
+                <a:pos x="connsiteX3" y="connsiteY3"/>
+              </a:cxn>
+              <a:cxn ang="0">
+                <a:pos x="connsiteX4" y="connsiteY4"/>
+              </a:cxn>
+              <a:cxn ang="0">
+                <a:pos x="connsiteX5" y="connsiteY5"/>
+              </a:cxn>
+              <a:cxn ang="0">
+                <a:pos x="connsiteX6" y="connsiteY6"/>
+              </a:cxn>
+              <a:cxn ang="0">
+                <a:pos x="connsiteX7" y="connsiteY7"/>
+              </a:cxn>
+            </a:cxnLst>
+            <a:rect l="l" t="t" r="r" b="b"/>
+            <a:pathLst>
+              <a:path w="1080000" h="736900">
+                <a:moveTo>
+                  <a:pt x="540000" y="0"/>
+                </a:moveTo>
+                <a:cubicBezTo>
+                  <a:pt x="838234" y="0"/>
+                  <a:pt x="1080000" y="241766"/>
+                  <a:pt x="1080000" y="540000"/>
+                </a:cubicBezTo>
+                <a:cubicBezTo>
+                  <a:pt x="1080000" y="577280"/>
+                  <a:pt x="1076223" y="613676"/>
+                  <a:pt x="1069029" y="648829"/>
+                </a:cubicBezTo>
+                <a:lnTo>
+                  <a:pt x="1041691" y="736900"/>
+                </a:lnTo>
+                <a:lnTo>
+                  <a:pt x="38310" y="736900"/>
+                </a:lnTo>
+                <a:lnTo>
+                  <a:pt x="10971" y="648829"/>
+                </a:lnTo>
+                <a:cubicBezTo>
+                  <a:pt x="3778" y="613676"/>
+                  <a:pt x="0" y="577280"/>
+                  <a:pt x="0" y="540000"/>
+                </a:cubicBezTo>
+                <a:cubicBezTo>
+                  <a:pt x="0" y="241766"/>
+                  <a:pt x="241766" y="0"/>
+                  <a:pt x="540000" y="0"/>
+                </a:cubicBezTo>
+                <a:close/>
+              </a:path>
+            </a:pathLst>
+          </a:custGeom>
           <a:gradFill flip="none" rotWithShape="1">
             <a:gsLst>
               <a:gs pos="100000">
                 <a:schemeClr val="bg2">
-                  <a:alpha val="60000"/>
+                  <a:lumMod val="50000"/>
+                  <a:lumOff val="50000"/>
                 </a:schemeClr>
               </a:gs>
-              <a:gs pos="40000">
+              <a:gs pos="60000">
                 <a:schemeClr val="bg2">
-                  <a:alpha val="0"/>
+                  <a:lumMod val="100000"/>
                 </a:schemeClr>
               </a:gs>
             </a:gsLst>
-            <a:lin ang="5400000" scaled="0"/>
-            <a:tileRect/>
+            <a:path path="circle">
+              <a:fillToRect l="100000" b="100000"/>
+            </a:path>
+            <a:tileRect t="-100000" r="-100000"/>
           </a:gradFill>
           <a:ln>
             <a:noFill/>
           </a:ln>
+          <a:effectLst>
+            <a:innerShdw blurRad="254000" dist="76200" dir="19260000">
+              <a:schemeClr val="accent1">
+                <a:lumMod val="60000"/>
+                <a:lumOff val="40000"/>
+                <a:alpha val="40000"/>
+              </a:schemeClr>
+            </a:innerShdw>
+            <a:softEdge rad="0"/>
+          </a:effectLst>
         </p:spPr>
         <p:style>
           <a:lnRef idx="2">
@@ -8978,11 +12252,483 @@
           </a:fontRef>
         </p:style>
         <p:txBody>
-          <a:bodyPr rtlCol="0" anchor="ctr"/>
+          <a:bodyPr rot="0" spcFirstLastPara="0" vertOverflow="overflow" horzOverflow="overflow" vert="horz" wrap="square" lIns="91440" tIns="45720" rIns="91440" bIns="45720" numCol="1" spcCol="0" rtlCol="0" fromWordArt="0" anchor="ctr" anchorCtr="0" forceAA="0" compatLnSpc="1">
+            <a:prstTxWarp prst="textNoShape">
+              <a:avLst/>
+            </a:prstTxWarp>
+            <a:noAutofit/>
+          </a:bodyPr>
           <a:lstStyle/>
           <a:p>
             <a:pPr algn="ctr"/>
             <a:endParaRPr lang="en-US"/>
+          </a:p>
+        </p:txBody>
+      </p:sp>
+    </p:spTree>
+    <p:extLst>
+      <p:ext uri="{BB962C8B-B14F-4D97-AF65-F5344CB8AC3E}">
+        <p14:creationId xmlns:p14="http://schemas.microsoft.com/office/powerpoint/2010/main" val="2055869368"/>
+      </p:ext>
+    </p:extLst>
+  </p:cSld>
+  <p:clrMapOvr>
+    <a:masterClrMapping/>
+  </p:clrMapOvr>
+</p:sld>
+</file>
+
+<file path=ppt/slides/slide11.xml><?xml version="1.0" encoding="utf-8"?>
+<p:sld xmlns:a="http://schemas.openxmlformats.org/drawingml/2006/main" xmlns:r="http://schemas.openxmlformats.org/officeDocument/2006/relationships" xmlns:p="http://schemas.openxmlformats.org/presentationml/2006/main">
+  <p:cSld>
+    <p:spTree>
+      <p:nvGrpSpPr>
+        <p:cNvPr id="1" name=""/>
+        <p:cNvGrpSpPr/>
+        <p:nvPr/>
+      </p:nvGrpSpPr>
+      <p:grpSpPr>
+        <a:xfrm>
+          <a:off x="0" y="0"/>
+          <a:ext cx="0" cy="0"/>
+          <a:chOff x="0" y="0"/>
+          <a:chExt cx="0" cy="0"/>
+        </a:xfrm>
+      </p:grpSpPr>
+      <p:sp>
+        <p:nvSpPr>
+          <p:cNvPr id="2" name="Tytuł 1">
+            <a:extLst>
+              <a:ext uri="{FF2B5EF4-FFF2-40B4-BE49-F238E27FC236}">
+                <a16:creationId xmlns:a16="http://schemas.microsoft.com/office/drawing/2014/main" id="{E099E631-1735-6462-279E-CB150D79B7A5}"/>
+              </a:ext>
+            </a:extLst>
+          </p:cNvPr>
+          <p:cNvSpPr>
+            <a:spLocks noGrp="1"/>
+          </p:cNvSpPr>
+          <p:nvPr>
+            <p:ph type="title"/>
+          </p:nvPr>
+        </p:nvSpPr>
+        <p:spPr/>
+        <p:txBody>
+          <a:bodyPr/>
+          <a:lstStyle/>
+          <a:p>
+            <a:r>
+              <a:rPr lang="pl-PL" dirty="0"/>
+              <a:t>Przegląd publikacji</a:t>
+            </a:r>
+          </a:p>
+        </p:txBody>
+      </p:sp>
+      <p:sp>
+        <p:nvSpPr>
+          <p:cNvPr id="5" name="Rectangle 2">
+            <a:extLst>
+              <a:ext uri="{FF2B5EF4-FFF2-40B4-BE49-F238E27FC236}">
+                <a16:creationId xmlns:a16="http://schemas.microsoft.com/office/drawing/2014/main" id="{A3178428-F2A7-2BBF-DE84-124F478D64E5}"/>
+              </a:ext>
+            </a:extLst>
+          </p:cNvPr>
+          <p:cNvSpPr>
+            <a:spLocks noGrp="1" noChangeArrowheads="1"/>
+          </p:cNvSpPr>
+          <p:nvPr>
+            <p:ph idx="1"/>
+          </p:nvPr>
+        </p:nvSpPr>
+        <p:spPr bwMode="auto">
+          <a:xfrm>
+            <a:off x="261192" y="1804556"/>
+            <a:ext cx="11669615" cy="4677755"/>
+          </a:xfrm>
+          <a:prstGeom prst="rect">
+            <a:avLst/>
+          </a:prstGeom>
+          <a:noFill/>
+          <a:ln>
+            <a:noFill/>
+          </a:ln>
+          <a:effectLst/>
+          <a:extLst>
+            <a:ext uri="{909E8E84-426E-40DD-AFC4-6F175D3DCCD1}">
+              <a14:hiddenFill xmlns:a14="http://schemas.microsoft.com/office/drawing/2010/main">
+                <a:solidFill>
+                  <a:schemeClr val="accent1"/>
+                </a:solidFill>
+              </a14:hiddenFill>
+            </a:ext>
+            <a:ext uri="{91240B29-F687-4F45-9708-019B960494DF}">
+              <a14:hiddenLine xmlns:a14="http://schemas.microsoft.com/office/drawing/2010/main" w="9525">
+                <a:solidFill>
+                  <a:schemeClr val="tx1"/>
+                </a:solidFill>
+                <a:miter lim="800000"/>
+                <a:headEnd/>
+                <a:tailEnd/>
+              </a14:hiddenLine>
+            </a:ext>
+            <a:ext uri="{AF507438-7753-43E0-B8FC-AC1667EBCBE1}">
+              <a14:hiddenEffects xmlns:a14="http://schemas.microsoft.com/office/drawing/2010/main">
+                <a:effectLst>
+                  <a:outerShdw dist="35921" dir="2700000" algn="ctr" rotWithShape="0">
+                    <a:schemeClr val="bg2"/>
+                  </a:outerShdw>
+                </a:effectLst>
+              </a14:hiddenEffects>
+            </a:ext>
+          </a:extLst>
+        </p:spPr>
+        <p:txBody>
+          <a:bodyPr vert="horz" wrap="square" lIns="91440" tIns="45720" rIns="91440" bIns="45720" numCol="1" anchor="ctr" anchorCtr="0" compatLnSpc="1">
+            <a:prstTxWarp prst="textNoShape">
+              <a:avLst/>
+            </a:prstTxWarp>
+            <a:spAutoFit/>
+          </a:bodyPr>
+          <a:lstStyle/>
+          <a:p>
+            <a:pPr marL="0" marR="0" lvl="0" indent="0" algn="just" defTabSz="914400" rtl="0" eaLnBrk="0" fontAlgn="base" latinLnBrk="0" hangingPunct="0">
+              <a:lnSpc>
+                <a:spcPct val="100000"/>
+              </a:lnSpc>
+              <a:spcBef>
+                <a:spcPct val="0"/>
+              </a:spcBef>
+              <a:spcAft>
+                <a:spcPct val="0"/>
+              </a:spcAft>
+              <a:buClrTx/>
+              <a:buSzTx/>
+              <a:buNone/>
+              <a:tabLst/>
+            </a:pPr>
+            <a:r>
+              <a:rPr lang="pl-PL" altLang="pl-PL" sz="1800" b="1" dirty="0"/>
+              <a:t>[1]„</a:t>
+            </a:r>
+            <a:r>
+              <a:rPr lang="en-US" altLang="pl-PL" sz="1800" b="1" dirty="0"/>
+              <a:t>When continual learning meets robotic grasp detection: a novel benchmark on the Jacquard dataset</a:t>
+            </a:r>
+            <a:r>
+              <a:rPr lang="pl-PL" altLang="pl-PL" sz="1800" b="1" dirty="0"/>
+              <a:t>”, (2023);</a:t>
+            </a:r>
+          </a:p>
+          <a:p>
+            <a:pPr marL="0" marR="0" lvl="0" indent="0" algn="just" fontAlgn="base">
+              <a:buClrTx/>
+              <a:buSzTx/>
+              <a:buNone/>
+              <a:tabLst/>
+            </a:pPr>
+            <a:r>
+              <a:rPr lang="pl-PL" altLang="pl-PL" sz="1400" dirty="0"/>
+              <a:t>W badaniu przeprowadzono analizę porównawczą metod uczenia ciągłego, z pamięcią i bez pamięci. Metody z pamięcią, takie jak Memory Replay i A-GEM, osiągnęły znacznie wyższą skuteczność (ponad 90%) w porównaniu do metod bez pamięci (50-75%), co potwierdzono na benchmarku wykrywania uchwytów w zbiorze </a:t>
+            </a:r>
+            <a:r>
+              <a:rPr lang="pl-PL" altLang="pl-PL" sz="1400" dirty="0" err="1"/>
+              <a:t>Jaquard</a:t>
+            </a:r>
+            <a:r>
+              <a:rPr lang="pl-PL" altLang="pl-PL" sz="1400" dirty="0"/>
+              <a:t>. Wyniki pokazują istotną przewagę pamięci w poprawie wyników modeli.</a:t>
+            </a:r>
+          </a:p>
+          <a:p>
+            <a:pPr marL="0" marR="0" lvl="0" indent="0" algn="just" defTabSz="914400" rtl="0" eaLnBrk="0" fontAlgn="base" latinLnBrk="0" hangingPunct="0">
+              <a:lnSpc>
+                <a:spcPct val="100000"/>
+              </a:lnSpc>
+              <a:spcBef>
+                <a:spcPct val="0"/>
+              </a:spcBef>
+              <a:spcAft>
+                <a:spcPct val="0"/>
+              </a:spcAft>
+              <a:buClrTx/>
+              <a:buSzTx/>
+              <a:buNone/>
+              <a:tabLst/>
+            </a:pPr>
+            <a:endParaRPr kumimoji="0" lang="pl-PL" altLang="pl-PL" sz="1600" b="1" i="0" u="none" strike="noStrike" cap="none" normalizeH="0" baseline="0" dirty="0">
+              <a:ln>
+                <a:noFill/>
+              </a:ln>
+              <a:solidFill>
+                <a:schemeClr val="tx2"/>
+              </a:solidFill>
+              <a:effectLst/>
+              <a:latin typeface="+mj-lt"/>
+            </a:endParaRPr>
+          </a:p>
+          <a:p>
+            <a:pPr marL="0" marR="0" lvl="0" indent="0" algn="just" defTabSz="914400" rtl="0" eaLnBrk="0" fontAlgn="base" latinLnBrk="0" hangingPunct="0">
+              <a:lnSpc>
+                <a:spcPct val="100000"/>
+              </a:lnSpc>
+              <a:spcBef>
+                <a:spcPct val="0"/>
+              </a:spcBef>
+              <a:spcAft>
+                <a:spcPct val="0"/>
+              </a:spcAft>
+              <a:buClrTx/>
+              <a:buSzTx/>
+              <a:buNone/>
+              <a:tabLst/>
+            </a:pPr>
+            <a:r>
+              <a:rPr lang="pl-PL" altLang="pl-PL" sz="1800" b="1" dirty="0"/>
+              <a:t>[2]„</a:t>
+            </a:r>
+            <a:r>
+              <a:rPr lang="en-US" altLang="pl-PL" sz="1800" b="1" dirty="0"/>
+              <a:t>Rainbow Memory: Continual Learning with a Memory of Diverse Samples</a:t>
+            </a:r>
+            <a:r>
+              <a:rPr lang="pl-PL" altLang="pl-PL" sz="1800" b="1" dirty="0"/>
+              <a:t>”, (2019);</a:t>
+            </a:r>
+          </a:p>
+          <a:p>
+            <a:pPr marL="0" marR="0" lvl="0" indent="0" algn="just" fontAlgn="base">
+              <a:buClrTx/>
+              <a:buSzTx/>
+              <a:buNone/>
+              <a:tabLst/>
+            </a:pPr>
+            <a:r>
+              <a:rPr lang="pl-PL" altLang="pl-PL" sz="1400" dirty="0"/>
+              <a:t> Artykuł wprowadza </a:t>
+            </a:r>
+            <a:r>
+              <a:rPr lang="pl-PL" altLang="pl-PL" sz="1400" dirty="0" err="1"/>
+              <a:t>Rainbow</a:t>
+            </a:r>
+            <a:r>
+              <a:rPr lang="pl-PL" altLang="pl-PL" sz="1400" dirty="0"/>
+              <a:t> Memory, metodę zaprojektowaną do rozwiązywania problemów w scenariuszach </a:t>
+            </a:r>
+            <a:r>
+              <a:rPr lang="pl-PL" altLang="pl-PL" sz="1400" dirty="0" err="1"/>
+              <a:t>blurry-class</a:t>
+            </a:r>
+            <a:r>
+              <a:rPr lang="pl-PL" altLang="pl-PL" sz="1400" dirty="0"/>
+              <a:t> </a:t>
+            </a:r>
+            <a:r>
+              <a:rPr lang="pl-PL" altLang="pl-PL" sz="1400" dirty="0" err="1"/>
+              <a:t>incremental</a:t>
+            </a:r>
+            <a:r>
+              <a:rPr lang="pl-PL" altLang="pl-PL" sz="1400" dirty="0"/>
+              <a:t> learning (</a:t>
+            </a:r>
+            <a:r>
+              <a:rPr lang="pl-PL" altLang="pl-PL" sz="1400" dirty="0" err="1"/>
+              <a:t>blurry</a:t>
+            </a:r>
+            <a:r>
+              <a:rPr lang="pl-PL" altLang="pl-PL" sz="1400" dirty="0"/>
+              <a:t>-CIL), gdzie zadania nakładają się klasami. Kluczowe strategie, takie jak </a:t>
+            </a:r>
+            <a:r>
+              <a:rPr lang="pl-PL" altLang="pl-PL" sz="1400" dirty="0" err="1"/>
+              <a:t>Diversity</a:t>
+            </a:r>
+            <a:r>
+              <a:rPr lang="pl-PL" altLang="pl-PL" sz="1400" dirty="0"/>
+              <a:t> </a:t>
+            </a:r>
+            <a:r>
+              <a:rPr lang="pl-PL" altLang="pl-PL" sz="1400" dirty="0" err="1"/>
+              <a:t>Aware</a:t>
+            </a:r>
+            <a:r>
+              <a:rPr lang="pl-PL" altLang="pl-PL" sz="1400" dirty="0"/>
+              <a:t> </a:t>
+            </a:r>
+            <a:r>
+              <a:rPr lang="pl-PL" altLang="pl-PL" sz="1400" dirty="0" err="1"/>
+              <a:t>Sampling</a:t>
+            </a:r>
+            <a:r>
+              <a:rPr lang="pl-PL" altLang="pl-PL" sz="1400" dirty="0"/>
+              <a:t> i Mixed-</a:t>
+            </a:r>
+            <a:r>
+              <a:rPr lang="pl-PL" altLang="pl-PL" sz="1400" dirty="0" err="1"/>
+              <a:t>Label</a:t>
+            </a:r>
+            <a:r>
+              <a:rPr lang="pl-PL" altLang="pl-PL" sz="1400" dirty="0"/>
+              <a:t> Data </a:t>
+            </a:r>
+            <a:r>
+              <a:rPr lang="pl-PL" altLang="pl-PL" sz="1400" dirty="0" err="1"/>
+              <a:t>Augmentation</a:t>
+            </a:r>
+            <a:r>
+              <a:rPr lang="pl-PL" altLang="pl-PL" sz="1400" dirty="0"/>
+              <a:t> (</a:t>
+            </a:r>
+            <a:r>
+              <a:rPr lang="pl-PL" altLang="pl-PL" sz="1400" dirty="0" err="1"/>
+              <a:t>CutMix</a:t>
+            </a:r>
+            <a:r>
+              <a:rPr lang="pl-PL" altLang="pl-PL" sz="1400" dirty="0"/>
+              <a:t>), znacząco poprawiają skuteczność metody, która przewyższa istniejące podejścia na testowanych zbiorach danych.</a:t>
+            </a:r>
+          </a:p>
+          <a:p>
+            <a:pPr marL="0" marR="0" lvl="0" indent="0" algn="just" defTabSz="914400" rtl="0" eaLnBrk="0" fontAlgn="base" latinLnBrk="0" hangingPunct="0">
+              <a:lnSpc>
+                <a:spcPct val="100000"/>
+              </a:lnSpc>
+              <a:spcBef>
+                <a:spcPct val="0"/>
+              </a:spcBef>
+              <a:spcAft>
+                <a:spcPct val="0"/>
+              </a:spcAft>
+              <a:buClrTx/>
+              <a:buSzTx/>
+              <a:buNone/>
+              <a:tabLst/>
+            </a:pPr>
+            <a:endParaRPr kumimoji="0" lang="pl-PL" altLang="pl-PL" sz="1600" b="1" i="0" u="none" strike="noStrike" cap="none" normalizeH="0" baseline="0" dirty="0">
+              <a:ln>
+                <a:noFill/>
+              </a:ln>
+              <a:solidFill>
+                <a:schemeClr val="tx2"/>
+              </a:solidFill>
+              <a:effectLst/>
+              <a:latin typeface="+mj-lt"/>
+            </a:endParaRPr>
+          </a:p>
+          <a:p>
+            <a:pPr marL="0" marR="0" lvl="0" indent="0" algn="just" defTabSz="914400" rtl="0" eaLnBrk="0" fontAlgn="base" latinLnBrk="0" hangingPunct="0">
+              <a:lnSpc>
+                <a:spcPct val="100000"/>
+              </a:lnSpc>
+              <a:spcBef>
+                <a:spcPct val="0"/>
+              </a:spcBef>
+              <a:spcAft>
+                <a:spcPct val="0"/>
+              </a:spcAft>
+              <a:buClrTx/>
+              <a:buSzTx/>
+              <a:buNone/>
+              <a:tabLst/>
+            </a:pPr>
+            <a:r>
+              <a:rPr lang="pl-PL" altLang="pl-PL" sz="1800" b="1" dirty="0"/>
+              <a:t>[3]„</a:t>
+            </a:r>
+            <a:r>
+              <a:rPr lang="en-US" altLang="pl-PL" sz="1800" b="1" dirty="0"/>
+              <a:t>Imbalanced data robust online continual learning based on evolving class aware memory selection and built-in contrastive representation learning</a:t>
+            </a:r>
+            <a:r>
+              <a:rPr lang="pl-PL" altLang="pl-PL" sz="1800" b="1" dirty="0"/>
+              <a:t>”, (2024);</a:t>
+            </a:r>
+          </a:p>
+          <a:p>
+            <a:pPr marL="0" marR="0" lvl="0" indent="0" algn="just" fontAlgn="base">
+              <a:buClrTx/>
+              <a:buSzTx/>
+              <a:buNone/>
+              <a:tabLst/>
+            </a:pPr>
+            <a:r>
+              <a:rPr lang="pl-PL" altLang="pl-PL" sz="1400" dirty="0"/>
+              <a:t>Praca analizuje metody pamięciowe w uczeniu na niezbalansowanych danych, wskazując MSCL jako najskuteczniejsze rozwiązanie. Dzięki mechanizmowi wyboru próbek opartemu na odległości w przestrzeni cech oraz integracji IWL (</a:t>
+            </a:r>
+            <a:r>
+              <a:rPr lang="pl-PL" altLang="pl-PL" sz="1400" dirty="0" err="1"/>
+              <a:t>Contrastive</a:t>
+            </a:r>
+            <a:r>
+              <a:rPr lang="pl-PL" altLang="pl-PL" sz="1400" dirty="0"/>
+              <a:t> Learning </a:t>
+            </a:r>
+            <a:r>
+              <a:rPr lang="pl-PL" altLang="pl-PL" sz="1400" dirty="0" err="1"/>
+              <a:t>Loss</a:t>
+            </a:r>
+            <a:r>
+              <a:rPr lang="pl-PL" altLang="pl-PL" sz="1400" dirty="0"/>
+              <a:t>), MSCL zapewnia wysoką różnorodność i skuteczność, szczególnie w scenariuszach z niezbalansowanymi danymi.</a:t>
+            </a:r>
+          </a:p>
+        </p:txBody>
+      </p:sp>
+    </p:spTree>
+    <p:extLst>
+      <p:ext uri="{BB962C8B-B14F-4D97-AF65-F5344CB8AC3E}">
+        <p14:creationId xmlns:p14="http://schemas.microsoft.com/office/powerpoint/2010/main" val="4025270418"/>
+      </p:ext>
+    </p:extLst>
+  </p:cSld>
+  <p:clrMapOvr>
+    <a:masterClrMapping/>
+  </p:clrMapOvr>
+</p:sld>
+</file>
+
+<file path=ppt/slides/slide12.xml><?xml version="1.0" encoding="utf-8"?>
+<p:sld xmlns:a="http://schemas.openxmlformats.org/drawingml/2006/main" xmlns:r="http://schemas.openxmlformats.org/officeDocument/2006/relationships" xmlns:p="http://schemas.openxmlformats.org/presentationml/2006/main">
+  <p:cSld>
+    <p:spTree>
+      <p:nvGrpSpPr>
+        <p:cNvPr id="1" name=""/>
+        <p:cNvGrpSpPr/>
+        <p:nvPr/>
+      </p:nvGrpSpPr>
+      <p:grpSpPr>
+        <a:xfrm>
+          <a:off x="0" y="0"/>
+          <a:ext cx="0" cy="0"/>
+          <a:chOff x="0" y="0"/>
+          <a:chExt cx="0" cy="0"/>
+        </a:xfrm>
+      </p:grpSpPr>
+      <p:sp>
+        <p:nvSpPr>
+          <p:cNvPr id="2" name="Tytuł 1">
+            <a:extLst>
+              <a:ext uri="{FF2B5EF4-FFF2-40B4-BE49-F238E27FC236}">
+                <a16:creationId xmlns:a16="http://schemas.microsoft.com/office/drawing/2014/main" id="{0A0CC2F2-7C3D-57E3-13A9-FC0B0B0E5AC0}"/>
+              </a:ext>
+            </a:extLst>
+          </p:cNvPr>
+          <p:cNvSpPr>
+            <a:spLocks noGrp="1"/>
+          </p:cNvSpPr>
+          <p:nvPr>
+            <p:ph type="title"/>
+          </p:nvPr>
+        </p:nvSpPr>
+        <p:spPr/>
+        <p:txBody>
+          <a:bodyPr>
+            <a:normAutofit/>
+          </a:bodyPr>
+          <a:lstStyle/>
+          <a:p>
+            <a:r>
+              <a:rPr lang="pl-PL" dirty="0"/>
+              <a:t>Źródła:</a:t>
+            </a:r>
           </a:p>
         </p:txBody>
       </p:sp>
@@ -8991,7 +12737,7 @@
           <p:cNvPr id="3" name="Symbol zastępczy zawartości 2">
             <a:extLst>
               <a:ext uri="{FF2B5EF4-FFF2-40B4-BE49-F238E27FC236}">
-                <a16:creationId xmlns:a16="http://schemas.microsoft.com/office/drawing/2014/main" id="{17D2FB97-7D16-0B08-CF98-363B325E9A5E}"/>
+                <a16:creationId xmlns:a16="http://schemas.microsoft.com/office/drawing/2014/main" id="{9B08F21B-9AD6-B711-7F44-14F533D67D8C}"/>
               </a:ext>
             </a:extLst>
           </p:cNvPr>
@@ -9002,160 +12748,256 @@
             <p:ph idx="1"/>
           </p:nvPr>
         </p:nvSpPr>
-        <p:spPr>
-          <a:xfrm>
-            <a:off x="550863" y="1712068"/>
-            <a:ext cx="5545137" cy="4380757"/>
-          </a:xfrm>
-        </p:spPr>
+        <p:spPr/>
         <p:txBody>
-          <a:bodyPr anchor="t">
-            <a:normAutofit fontScale="92500" lnSpcReduction="10000"/>
+          <a:bodyPr>
+            <a:normAutofit/>
           </a:bodyPr>
           <a:lstStyle/>
           <a:p>
-            <a:pPr marL="0" indent="0">
-              <a:lnSpc>
-                <a:spcPct val="100000"/>
-              </a:lnSpc>
+            <a:pPr marL="0" indent="0" algn="just">
               <a:buNone/>
             </a:pPr>
             <a:r>
               <a:rPr lang="pl-PL" sz="2000" dirty="0"/>
-              <a:t>Porównanie konwencjonalnych i </a:t>
-            </a:r>
-            <a:r>
-              <a:rPr lang="pl-PL" sz="2000" dirty="0" err="1"/>
-              <a:t>najnowcześnie-jszych</a:t>
+              <a:t>[1]</a:t>
+            </a:r>
+            <a:r>
+              <a:rPr lang="en-US" sz="2000" dirty="0"/>
+              <a:t> </a:t>
             </a:r>
             <a:r>
               <a:rPr lang="pl-PL" sz="2000" dirty="0"/>
-              <a:t> metod uczenia ciągłego na standardowych i rzeczywistych zbiorach danych.</a:t>
-            </a:r>
+              <a:t>„</a:t>
+            </a:r>
+            <a:r>
+              <a:rPr lang="en-US" sz="2000" b="1" dirty="0"/>
+              <a:t>When continual learning meets robotic grasp detection: a novel benchmark on the Jacquard dataset</a:t>
+            </a:r>
+            <a:r>
+              <a:rPr lang="pl-PL" sz="2000" dirty="0"/>
+              <a:t>” (2023) </a:t>
+            </a:r>
+            <a:r>
+              <a:rPr lang="sv-SE" sz="2000" dirty="0"/>
+              <a:t>Rui Yang, Matthieu Grard, Emmanuel Dellandréa, Liming Chen</a:t>
+            </a:r>
+            <a:endParaRPr lang="pl-PL" sz="2000" dirty="0"/>
           </a:p>
           <a:p>
             <a:pPr marL="0" indent="0">
-              <a:lnSpc>
-                <a:spcPct val="100000"/>
-              </a:lnSpc>
               <a:buNone/>
             </a:pPr>
             <a:r>
-              <a:rPr lang="pl-PL" sz="2000" b="1" dirty="0"/>
-              <a:t>Metody:</a:t>
-            </a:r>
+              <a:rPr lang="pl-PL" sz="2000" dirty="0"/>
+              <a:t>[2] „</a:t>
+            </a:r>
+            <a:r>
+              <a:rPr lang="en-US" sz="2000" b="1" dirty="0"/>
+              <a:t>Rainbow Memory: Continual Learning with a Memory of Diverse Samples</a:t>
+            </a:r>
+            <a:r>
+              <a:rPr lang="pl-PL" sz="2000" dirty="0"/>
+              <a:t>” (2021) </a:t>
+            </a:r>
+            <a:r>
+              <a:rPr lang="pl-PL" sz="2000" dirty="0" err="1"/>
+              <a:t>Jihwan</a:t>
+            </a:r>
+            <a:r>
+              <a:rPr lang="pl-PL" sz="2000" dirty="0"/>
+              <a:t> </a:t>
+            </a:r>
+            <a:r>
+              <a:rPr lang="pl-PL" sz="2000" dirty="0" err="1"/>
+              <a:t>Bang</a:t>
+            </a:r>
+            <a:r>
+              <a:rPr lang="pl-PL" sz="2000" dirty="0"/>
+              <a:t>, </a:t>
+            </a:r>
+            <a:r>
+              <a:rPr lang="pl-PL" sz="2000" dirty="0" err="1"/>
+              <a:t>Heesu</a:t>
+            </a:r>
+            <a:r>
+              <a:rPr lang="pl-PL" sz="2000" dirty="0"/>
+              <a:t> Kim, </a:t>
+            </a:r>
+            <a:r>
+              <a:rPr lang="pl-PL" sz="2000" dirty="0" err="1"/>
+              <a:t>YoungJoon</a:t>
+            </a:r>
+            <a:r>
+              <a:rPr lang="pl-PL" sz="2000" dirty="0"/>
+              <a:t> </a:t>
+            </a:r>
+            <a:r>
+              <a:rPr lang="pl-PL" sz="2000" dirty="0" err="1"/>
+              <a:t>Yoo</a:t>
+            </a:r>
+            <a:r>
+              <a:rPr lang="pl-PL" sz="2000" dirty="0"/>
+              <a:t>, Jung-</a:t>
+            </a:r>
+            <a:r>
+              <a:rPr lang="pl-PL" sz="2000" dirty="0" err="1"/>
+              <a:t>Woo</a:t>
+            </a:r>
+            <a:r>
+              <a:rPr lang="pl-PL" sz="2000" dirty="0"/>
+              <a:t> Ha, </a:t>
+            </a:r>
+            <a:r>
+              <a:rPr lang="pl-PL" sz="2000" dirty="0" err="1"/>
+              <a:t>Jonghyun</a:t>
+            </a:r>
+            <a:r>
+              <a:rPr lang="pl-PL" sz="2000" dirty="0"/>
+              <a:t> </a:t>
+            </a:r>
+            <a:r>
+              <a:rPr lang="pl-PL" sz="2000" dirty="0" err="1"/>
+              <a:t>Choi</a:t>
+            </a:r>
+            <a:endParaRPr lang="pl-PL" sz="2000" dirty="0"/>
           </a:p>
           <a:p>
             <a:pPr marL="0" indent="0">
-              <a:lnSpc>
-                <a:spcPct val="100000"/>
-              </a:lnSpc>
               <a:buNone/>
             </a:pPr>
             <a:r>
               <a:rPr lang="pl-PL" sz="2000" dirty="0"/>
-              <a:t>Klasyczne: np. mrożenie dużych wag, doszkalanie tylko małych</a:t>
-            </a:r>
-          </a:p>
-          <a:p>
-            <a:pPr marL="0" indent="0">
-              <a:lnSpc>
-                <a:spcPct val="100000"/>
-              </a:lnSpc>
-              <a:buNone/>
-            </a:pPr>
+              <a:t>[3] „</a:t>
+            </a:r>
+            <a:r>
+              <a:rPr lang="en-US" sz="2000" b="1" dirty="0"/>
+              <a:t>Imbalanced data robust online continual learning based on evolving class aware memory selection and built-in contrastive representation learning</a:t>
+            </a:r>
             <a:r>
               <a:rPr lang="pl-PL" sz="2000" dirty="0"/>
-              <a:t>Nowoczesne: będą znalezione</a:t>
-            </a:r>
-          </a:p>
-          <a:p>
-            <a:pPr marL="0" indent="0">
-              <a:lnSpc>
-                <a:spcPct val="100000"/>
-              </a:lnSpc>
-              <a:buNone/>
-            </a:pPr>
-            <a:r>
-              <a:rPr lang="pl-PL" sz="2000" b="1" dirty="0"/>
-              <a:t>Dane:</a:t>
-            </a:r>
-          </a:p>
-          <a:p>
-            <a:pPr marL="0" indent="0">
-              <a:lnSpc>
-                <a:spcPct val="100000"/>
-              </a:lnSpc>
-              <a:buNone/>
-            </a:pPr>
-            <a:r>
-              <a:rPr lang="pl-PL" sz="2000" dirty="0"/>
-              <a:t>Klasyczne: MNIST, CIFAR</a:t>
-            </a:r>
-          </a:p>
-          <a:p>
-            <a:pPr marL="0" indent="0">
-              <a:lnSpc>
-                <a:spcPct val="100000"/>
-              </a:lnSpc>
-              <a:buNone/>
-            </a:pPr>
-            <a:r>
-              <a:rPr lang="pl-PL" sz="2000" dirty="0"/>
-              <a:t>Rzeczywiste: dane pomieszczeń, punkty blisko położone obok danego</a:t>
-            </a:r>
-          </a:p>
-        </p:txBody>
-      </p:sp>
-      <p:sp>
-        <p:nvSpPr>
-          <p:cNvPr id="6" name="AutoShape 2" descr="An abstract representation of the concept 'catastrophic forgetting.' The image features a fragmented brain losing colorful memories represented as vivid shapes and symbols, dissolving into the background. The colors gradually fade from bright to dull, illustrating the loss of information. The overall mood is a blend of confusion and melancholy, with a surreal and artistic style.">
-            <a:extLst>
-              <a:ext uri="{FF2B5EF4-FFF2-40B4-BE49-F238E27FC236}">
-                <a16:creationId xmlns:a16="http://schemas.microsoft.com/office/drawing/2014/main" id="{F2ADBC72-5FC1-1135-E4EA-494D55BD2A6F}"/>
-              </a:ext>
-            </a:extLst>
-          </p:cNvPr>
-          <p:cNvSpPr>
-            <a:spLocks noChangeAspect="1" noChangeArrowheads="1"/>
-          </p:cNvSpPr>
-          <p:nvPr/>
-        </p:nvSpPr>
-        <p:spPr bwMode="auto">
-          <a:xfrm>
-            <a:off x="5943600" y="3276600"/>
-            <a:ext cx="304800" cy="304800"/>
-          </a:xfrm>
-          <a:prstGeom prst="rect">
-            <a:avLst/>
-          </a:prstGeom>
-          <a:noFill/>
-          <a:extLst>
-            <a:ext uri="{909E8E84-426E-40DD-AFC4-6F175D3DCCD1}">
-              <a14:hiddenFill xmlns:a14="http://schemas.microsoft.com/office/drawing/2010/main">
-                <a:solidFill>
-                  <a:srgbClr val="FFFFFF"/>
-                </a:solidFill>
-              </a14:hiddenFill>
-            </a:ext>
-          </a:extLst>
-        </p:spPr>
-        <p:txBody>
-          <a:bodyPr vert="horz" wrap="square" lIns="91440" tIns="45720" rIns="91440" bIns="45720" numCol="1" anchor="t" anchorCtr="0" compatLnSpc="1">
-            <a:prstTxWarp prst="textNoShape">
-              <a:avLst/>
-            </a:prstTxWarp>
-          </a:bodyPr>
-          <a:lstStyle/>
-          <a:p>
-            <a:endParaRPr lang="pl-PL"/>
+              <a:t>” (2024) </a:t>
+            </a:r>
+            <a:r>
+              <a:rPr lang="en-US" sz="2000" dirty="0"/>
+              <a:t>Rui Yang and Matthieu Grard and Emmanuel </a:t>
+            </a:r>
+            <a:r>
+              <a:rPr lang="en-US" sz="2000" dirty="0" err="1"/>
+              <a:t>Dellandréa</a:t>
+            </a:r>
+            <a:r>
+              <a:rPr lang="en-US" sz="2000" dirty="0"/>
+              <a:t> and Liming Chen</a:t>
+            </a:r>
+            <a:endParaRPr lang="pl-PL" sz="2000" dirty="0"/>
           </a:p>
         </p:txBody>
       </p:sp>
     </p:spTree>
     <p:extLst>
       <p:ext uri="{BB962C8B-B14F-4D97-AF65-F5344CB8AC3E}">
-        <p14:creationId xmlns:p14="http://schemas.microsoft.com/office/powerpoint/2010/main" val="4119522592"/>
+        <p14:creationId xmlns:p14="http://schemas.microsoft.com/office/powerpoint/2010/main" val="1559685266"/>
+      </p:ext>
+    </p:extLst>
+  </p:cSld>
+  <p:clrMapOvr>
+    <a:masterClrMapping/>
+  </p:clrMapOvr>
+</p:sld>
+</file>
+
+<file path=ppt/slides/slide2.xml><?xml version="1.0" encoding="utf-8"?>
+<p:sld xmlns:a="http://schemas.openxmlformats.org/drawingml/2006/main" xmlns:r="http://schemas.openxmlformats.org/officeDocument/2006/relationships" xmlns:p="http://schemas.openxmlformats.org/presentationml/2006/main">
+  <p:cSld>
+    <p:spTree>
+      <p:nvGrpSpPr>
+        <p:cNvPr id="1" name=""/>
+        <p:cNvGrpSpPr/>
+        <p:nvPr/>
+      </p:nvGrpSpPr>
+      <p:grpSpPr>
+        <a:xfrm>
+          <a:off x="0" y="0"/>
+          <a:ext cx="0" cy="0"/>
+          <a:chOff x="0" y="0"/>
+          <a:chExt cx="0" cy="0"/>
+        </a:xfrm>
+      </p:grpSpPr>
+      <p:sp>
+        <p:nvSpPr>
+          <p:cNvPr id="2" name="Tytuł 1">
+            <a:extLst>
+              <a:ext uri="{FF2B5EF4-FFF2-40B4-BE49-F238E27FC236}">
+                <a16:creationId xmlns:a16="http://schemas.microsoft.com/office/drawing/2014/main" id="{641296C2-3B26-7181-AA22-93C8530BCFC7}"/>
+              </a:ext>
+            </a:extLst>
+          </p:cNvPr>
+          <p:cNvSpPr>
+            <a:spLocks noGrp="1"/>
+          </p:cNvSpPr>
+          <p:nvPr>
+            <p:ph type="title"/>
+          </p:nvPr>
+        </p:nvSpPr>
+        <p:spPr/>
+        <p:txBody>
+          <a:bodyPr/>
+          <a:lstStyle/>
+          <a:p>
+            <a:r>
+              <a:rPr lang="pl-PL" dirty="0"/>
+              <a:t>Motywacja</a:t>
+            </a:r>
+          </a:p>
+        </p:txBody>
+      </p:sp>
+      <p:sp>
+        <p:nvSpPr>
+          <p:cNvPr id="3" name="Symbol zastępczy zawartości 2">
+            <a:extLst>
+              <a:ext uri="{FF2B5EF4-FFF2-40B4-BE49-F238E27FC236}">
+                <a16:creationId xmlns:a16="http://schemas.microsoft.com/office/drawing/2014/main" id="{9A0F9BC9-7E4E-1085-82C6-1B0D56256D44}"/>
+              </a:ext>
+            </a:extLst>
+          </p:cNvPr>
+          <p:cNvSpPr>
+            <a:spLocks noGrp="1"/>
+          </p:cNvSpPr>
+          <p:nvPr>
+            <p:ph idx="1"/>
+          </p:nvPr>
+        </p:nvSpPr>
+        <p:spPr/>
+        <p:txBody>
+          <a:bodyPr>
+            <a:normAutofit/>
+          </a:bodyPr>
+          <a:lstStyle/>
+          <a:p>
+            <a:pPr marL="0" indent="0" algn="just">
+              <a:buNone/>
+            </a:pPr>
+            <a:r>
+              <a:rPr lang="pl-PL" dirty="0"/>
+              <a:t>Uczenie ciągłe daje możliwość douczania modeli, a nie trenowania ich od początku za każdym razem kiedy pojawi się nowa klasa, co pozwala uzyskać dostosowany model do nowych klas znacznie szybciej i zużywając mniej zasobów.</a:t>
+            </a:r>
+          </a:p>
+          <a:p>
+            <a:pPr marL="0" indent="0" algn="just">
+              <a:buNone/>
+            </a:pPr>
+            <a:r>
+              <a:rPr lang="pl-PL" dirty="0"/>
+              <a:t>Badania pokazują, że uczenie ciągłe daje bardzo dobre rezultaty na benchmarkach, jednak brakuje badań potwierdzających działanie na rzeczywistych danych, gdzie liczba klas jest znacznie większa.</a:t>
+            </a:r>
+          </a:p>
+        </p:txBody>
+      </p:sp>
+    </p:spTree>
+    <p:extLst>
+      <p:ext uri="{BB962C8B-B14F-4D97-AF65-F5344CB8AC3E}">
+        <p14:creationId xmlns:p14="http://schemas.microsoft.com/office/powerpoint/2010/main" val="2612884524"/>
       </p:ext>
     </p:extLst>
   </p:cSld>
@@ -9192,7 +13034,7 @@
       </p:grpSpPr>
       <p:sp useBgFill="1">
         <p:nvSpPr>
-          <p:cNvPr id="21" name="Rectangle 12">
+          <p:cNvPr id="1031" name="Rectangle 1030">
             <a:extLst>
               <a:ext uri="{FF2B5EF4-FFF2-40B4-BE49-F238E27FC236}">
                 <a16:creationId xmlns:a16="http://schemas.microsoft.com/office/drawing/2014/main" id="{A5931BE0-4B93-4D6C-878E-ACC59D6B4587}"/>
@@ -9271,7 +13113,7 @@
           <p:cNvPr id="2" name="Tytuł 1">
             <a:extLst>
               <a:ext uri="{FF2B5EF4-FFF2-40B4-BE49-F238E27FC236}">
-                <a16:creationId xmlns:a16="http://schemas.microsoft.com/office/drawing/2014/main" id="{ABBB68D0-439C-370A-DC8C-0C18936935FC}"/>
+                <a16:creationId xmlns:a16="http://schemas.microsoft.com/office/drawing/2014/main" id="{561A910C-578D-03E4-20C9-3F997110ADDB}"/>
               </a:ext>
             </a:extLst>
           </p:cNvPr>
@@ -9284,8 +13126,8 @@
         </p:nvSpPr>
         <p:spPr>
           <a:xfrm>
-            <a:off x="550864" y="549275"/>
-            <a:ext cx="3418021" cy="1230887"/>
+            <a:off x="550862" y="380888"/>
+            <a:ext cx="4352733" cy="1096219"/>
           </a:xfrm>
         </p:spPr>
         <p:txBody>
@@ -9296,8 +13138,725 @@
           <a:p>
             <a:r>
               <a:rPr lang="pl-PL" dirty="0"/>
-              <a:t>Problemy</a:t>
-            </a:r>
+              <a:t>C</a:t>
+            </a:r>
+            <a:r>
+              <a:rPr lang="pl-PL" sz="6000" dirty="0"/>
+              <a:t>el pracy</a:t>
+            </a:r>
+          </a:p>
+        </p:txBody>
+      </p:sp>
+      <p:pic>
+        <p:nvPicPr>
+          <p:cNvPr id="1026" name="Picture 2">
+            <a:extLst>
+              <a:ext uri="{FF2B5EF4-FFF2-40B4-BE49-F238E27FC236}">
+                <a16:creationId xmlns:a16="http://schemas.microsoft.com/office/drawing/2014/main" id="{0808EA78-1F77-4336-1697-3EBCC78061D7}"/>
+              </a:ext>
+            </a:extLst>
+          </p:cNvPr>
+          <p:cNvPicPr>
+            <a:picLocks noChangeAspect="1" noChangeArrowheads="1"/>
+          </p:cNvPicPr>
+          <p:nvPr/>
+        </p:nvPicPr>
+        <p:blipFill>
+          <a:blip r:embed="rId2">
+            <a:extLst>
+              <a:ext uri="{28A0092B-C50C-407E-A947-70E740481C1C}">
+                <a14:useLocalDpi xmlns:a14="http://schemas.microsoft.com/office/drawing/2010/main" val="0"/>
+              </a:ext>
+            </a:extLst>
+          </a:blip>
+          <a:srcRect/>
+          <a:stretch/>
+        </p:blipFill>
+        <p:spPr bwMode="auto">
+          <a:xfrm>
+            <a:off x="6766591" y="1177052"/>
+            <a:ext cx="5132388" cy="5132388"/>
+          </a:xfrm>
+          <a:custGeom>
+            <a:avLst/>
+            <a:gdLst/>
+            <a:ahLst/>
+            <a:cxnLst/>
+            <a:rect l="l" t="t" r="r" b="b"/>
+            <a:pathLst>
+              <a:path w="5132388" h="5132388">
+                <a:moveTo>
+                  <a:pt x="2566194" y="0"/>
+                </a:moveTo>
+                <a:cubicBezTo>
+                  <a:pt x="3983464" y="0"/>
+                  <a:pt x="5132388" y="1148924"/>
+                  <a:pt x="5132388" y="2566194"/>
+                </a:cubicBezTo>
+                <a:cubicBezTo>
+                  <a:pt x="5132388" y="3983464"/>
+                  <a:pt x="3983464" y="5132388"/>
+                  <a:pt x="2566194" y="5132388"/>
+                </a:cubicBezTo>
+                <a:cubicBezTo>
+                  <a:pt x="1148924" y="5132388"/>
+                  <a:pt x="0" y="3983464"/>
+                  <a:pt x="0" y="2566194"/>
+                </a:cubicBezTo>
+                <a:cubicBezTo>
+                  <a:pt x="0" y="1148924"/>
+                  <a:pt x="1148924" y="0"/>
+                  <a:pt x="2566194" y="0"/>
+                </a:cubicBezTo>
+                <a:close/>
+              </a:path>
+            </a:pathLst>
+          </a:custGeom>
+          <a:noFill/>
+          <a:extLst>
+            <a:ext uri="{909E8E84-426E-40DD-AFC4-6F175D3DCCD1}">
+              <a14:hiddenFill xmlns:a14="http://schemas.microsoft.com/office/drawing/2010/main">
+                <a:solidFill>
+                  <a:srgbClr val="FFFFFF"/>
+                </a:solidFill>
+              </a14:hiddenFill>
+            </a:ext>
+          </a:extLst>
+        </p:spPr>
+      </p:pic>
+      <p:grpSp>
+        <p:nvGrpSpPr>
+          <p:cNvPr id="1033" name="Group 1032">
+            <a:extLst>
+              <a:ext uri="{FF2B5EF4-FFF2-40B4-BE49-F238E27FC236}">
+                <a16:creationId xmlns:a16="http://schemas.microsoft.com/office/drawing/2014/main" id="{183B29DA-9BB8-4BA8-B8E1-8C2B544078C7}"/>
+              </a:ext>
+              <a:ext uri="{C183D7F6-B498-43B3-948B-1728B52AA6E4}">
+                <adec:decorative xmlns:adec="http://schemas.microsoft.com/office/drawing/2017/decorative" val="1"/>
+              </a:ext>
+            </a:extLst>
+          </p:cNvPr>
+          <p:cNvGrpSpPr>
+            <a:grpSpLocks noGrp="1" noUngrp="1" noRot="1" noChangeAspect="1" noMove="1" noResize="1"/>
+          </p:cNvGrpSpPr>
+          <p:nvPr>
+            <p:extLst>
+              <p:ext uri="{386F3935-93C4-4BCD-93E2-E3B085C9AB24}">
+                <p16:designElem xmlns:p16="http://schemas.microsoft.com/office/powerpoint/2015/main" val="1"/>
+              </p:ext>
+            </p:extLst>
+          </p:nvPr>
+        </p:nvGrpSpPr>
+        <p:grpSpPr>
+          <a:xfrm>
+            <a:off x="10822156" y="4143453"/>
+            <a:ext cx="734257" cy="760506"/>
+            <a:chOff x="5243759" y="1363788"/>
+            <a:chExt cx="734257" cy="760506"/>
+          </a:xfrm>
+        </p:grpSpPr>
+        <p:sp>
+          <p:nvSpPr>
+            <p:cNvPr id="1034" name="Freeform 5">
+              <a:extLst>
+                <a:ext uri="{FF2B5EF4-FFF2-40B4-BE49-F238E27FC236}">
+                  <a16:creationId xmlns:a16="http://schemas.microsoft.com/office/drawing/2014/main" id="{D02496F8-166D-469A-8040-08608013BF72}"/>
+                </a:ext>
+                <a:ext uri="{C183D7F6-B498-43B3-948B-1728B52AA6E4}">
+                  <adec:decorative xmlns:adec="http://schemas.microsoft.com/office/drawing/2017/decorative" val="1"/>
+                </a:ext>
+              </a:extLst>
+            </p:cNvPr>
+            <p:cNvSpPr>
+              <a:spLocks/>
+            </p:cNvSpPr>
+            <p:nvPr>
+              <p:extLst>
+                <p:ext uri="{386F3935-93C4-4BCD-93E2-E3B085C9AB24}">
+                  <p16:designElem xmlns:p16="http://schemas.microsoft.com/office/powerpoint/2015/main" val="1"/>
+                </p:ext>
+              </p:extLst>
+            </p:nvPr>
+          </p:nvSpPr>
+          <p:spPr bwMode="auto">
+            <a:xfrm rot="1800000">
+              <a:off x="5356930" y="1363788"/>
+              <a:ext cx="621086" cy="364601"/>
+            </a:xfrm>
+            <a:custGeom>
+              <a:avLst/>
+              <a:gdLst>
+                <a:gd name="T0" fmla="*/ 266 w 540"/>
+                <a:gd name="T1" fmla="*/ 0 h 317"/>
+                <a:gd name="T2" fmla="*/ 0 w 540"/>
+                <a:gd name="T3" fmla="*/ 158 h 317"/>
+                <a:gd name="T4" fmla="*/ 266 w 540"/>
+                <a:gd name="T5" fmla="*/ 317 h 317"/>
+                <a:gd name="T6" fmla="*/ 540 w 540"/>
+                <a:gd name="T7" fmla="*/ 158 h 317"/>
+                <a:gd name="T8" fmla="*/ 266 w 540"/>
+                <a:gd name="T9" fmla="*/ 0 h 317"/>
+              </a:gdLst>
+              <a:ahLst/>
+              <a:cxnLst>
+                <a:cxn ang="0">
+                  <a:pos x="T0" y="T1"/>
+                </a:cxn>
+                <a:cxn ang="0">
+                  <a:pos x="T2" y="T3"/>
+                </a:cxn>
+                <a:cxn ang="0">
+                  <a:pos x="T4" y="T5"/>
+                </a:cxn>
+                <a:cxn ang="0">
+                  <a:pos x="T6" y="T7"/>
+                </a:cxn>
+                <a:cxn ang="0">
+                  <a:pos x="T8" y="T9"/>
+                </a:cxn>
+              </a:cxnLst>
+              <a:rect l="0" t="0" r="r" b="b"/>
+              <a:pathLst>
+                <a:path w="540" h="317">
+                  <a:moveTo>
+                    <a:pt x="266" y="0"/>
+                  </a:moveTo>
+                  <a:lnTo>
+                    <a:pt x="0" y="158"/>
+                  </a:lnTo>
+                  <a:lnTo>
+                    <a:pt x="266" y="317"/>
+                  </a:lnTo>
+                  <a:lnTo>
+                    <a:pt x="540" y="158"/>
+                  </a:lnTo>
+                  <a:lnTo>
+                    <a:pt x="266" y="0"/>
+                  </a:lnTo>
+                  <a:close/>
+                </a:path>
+              </a:pathLst>
+            </a:custGeom>
+            <a:gradFill flip="none" rotWithShape="1">
+              <a:gsLst>
+                <a:gs pos="20000">
+                  <a:schemeClr val="bg2">
+                    <a:lumMod val="90000"/>
+                    <a:lumOff val="10000"/>
+                    <a:alpha val="20000"/>
+                  </a:schemeClr>
+                </a:gs>
+                <a:gs pos="100000">
+                  <a:schemeClr val="accent1">
+                    <a:lumMod val="60000"/>
+                    <a:lumOff val="40000"/>
+                    <a:alpha val="20000"/>
+                  </a:schemeClr>
+                </a:gs>
+              </a:gsLst>
+              <a:lin ang="0" scaled="0"/>
+              <a:tileRect/>
+            </a:gradFill>
+            <a:ln>
+              <a:noFill/>
+            </a:ln>
+            <a:effectLst>
+              <a:innerShdw blurRad="254000">
+                <a:schemeClr val="bg2">
+                  <a:lumMod val="90000"/>
+                  <a:lumOff val="10000"/>
+                </a:schemeClr>
+              </a:innerShdw>
+            </a:effectLst>
+          </p:spPr>
+          <p:style>
+            <a:lnRef idx="2">
+              <a:schemeClr val="accent1">
+                <a:shade val="50000"/>
+              </a:schemeClr>
+            </a:lnRef>
+            <a:fillRef idx="1">
+              <a:schemeClr val="accent1"/>
+            </a:fillRef>
+            <a:effectRef idx="0">
+              <a:schemeClr val="accent1"/>
+            </a:effectRef>
+            <a:fontRef idx="minor">
+              <a:schemeClr val="lt1"/>
+            </a:fontRef>
+          </p:style>
+          <p:txBody>
+            <a:bodyPr rot="0" spcFirstLastPara="0" vertOverflow="overflow" horzOverflow="overflow" vert="horz" wrap="square" lIns="91440" tIns="45720" rIns="91440" bIns="45720" numCol="1" spcCol="0" rtlCol="0" fromWordArt="0" anchor="ctr" anchorCtr="0" forceAA="0" compatLnSpc="1">
+              <a:prstTxWarp prst="textNoShape">
+                <a:avLst/>
+              </a:prstTxWarp>
+              <a:noAutofit/>
+            </a:bodyPr>
+            <a:lstStyle/>
+            <a:p>
+              <a:pPr algn="ctr"/>
+              <a:endParaRPr lang="en-US"/>
+            </a:p>
+          </p:txBody>
+        </p:sp>
+        <p:sp>
+          <p:nvSpPr>
+            <p:cNvPr id="1035" name="Freeform 6">
+              <a:extLst>
+                <a:ext uri="{FF2B5EF4-FFF2-40B4-BE49-F238E27FC236}">
+                  <a16:creationId xmlns:a16="http://schemas.microsoft.com/office/drawing/2014/main" id="{23E648A7-A02A-4DC7-9FEC-489F1BA6F77F}"/>
+                </a:ext>
+                <a:ext uri="{C183D7F6-B498-43B3-948B-1728B52AA6E4}">
+                  <adec:decorative xmlns:adec="http://schemas.microsoft.com/office/drawing/2017/decorative" val="1"/>
+                </a:ext>
+              </a:extLst>
+            </p:cNvPr>
+            <p:cNvSpPr>
+              <a:spLocks/>
+            </p:cNvSpPr>
+            <p:nvPr>
+              <p:extLst>
+                <p:ext uri="{386F3935-93C4-4BCD-93E2-E3B085C9AB24}">
+                  <p16:designElem xmlns:p16="http://schemas.microsoft.com/office/powerpoint/2015/main" val="1"/>
+                </p:ext>
+              </p:extLst>
+            </p:nvPr>
+          </p:nvSpPr>
+          <p:spPr bwMode="auto">
+            <a:xfrm rot="1800000">
+              <a:off x="5243759" y="1430747"/>
+              <a:ext cx="305942" cy="538275"/>
+            </a:xfrm>
+            <a:custGeom>
+              <a:avLst/>
+              <a:gdLst>
+                <a:gd name="T0" fmla="*/ 266 w 266"/>
+                <a:gd name="T1" fmla="*/ 468 h 468"/>
+                <a:gd name="T2" fmla="*/ 0 w 266"/>
+                <a:gd name="T3" fmla="*/ 310 h 468"/>
+                <a:gd name="T4" fmla="*/ 0 w 266"/>
+                <a:gd name="T5" fmla="*/ 310 h 468"/>
+                <a:gd name="T6" fmla="*/ 0 w 266"/>
+                <a:gd name="T7" fmla="*/ 0 h 468"/>
+                <a:gd name="T8" fmla="*/ 0 w 266"/>
+                <a:gd name="T9" fmla="*/ 0 h 468"/>
+                <a:gd name="T10" fmla="*/ 266 w 266"/>
+                <a:gd name="T11" fmla="*/ 159 h 468"/>
+                <a:gd name="T12" fmla="*/ 266 w 266"/>
+                <a:gd name="T13" fmla="*/ 468 h 468"/>
+              </a:gdLst>
+              <a:ahLst/>
+              <a:cxnLst>
+                <a:cxn ang="0">
+                  <a:pos x="T0" y="T1"/>
+                </a:cxn>
+                <a:cxn ang="0">
+                  <a:pos x="T2" y="T3"/>
+                </a:cxn>
+                <a:cxn ang="0">
+                  <a:pos x="T4" y="T5"/>
+                </a:cxn>
+                <a:cxn ang="0">
+                  <a:pos x="T6" y="T7"/>
+                </a:cxn>
+                <a:cxn ang="0">
+                  <a:pos x="T8" y="T9"/>
+                </a:cxn>
+                <a:cxn ang="0">
+                  <a:pos x="T10" y="T11"/>
+                </a:cxn>
+                <a:cxn ang="0">
+                  <a:pos x="T12" y="T13"/>
+                </a:cxn>
+              </a:cxnLst>
+              <a:rect l="0" t="0" r="r" b="b"/>
+              <a:pathLst>
+                <a:path w="266" h="468">
+                  <a:moveTo>
+                    <a:pt x="266" y="468"/>
+                  </a:moveTo>
+                  <a:lnTo>
+                    <a:pt x="0" y="310"/>
+                  </a:lnTo>
+                  <a:lnTo>
+                    <a:pt x="0" y="310"/>
+                  </a:lnTo>
+                  <a:lnTo>
+                    <a:pt x="0" y="0"/>
+                  </a:lnTo>
+                  <a:lnTo>
+                    <a:pt x="0" y="0"/>
+                  </a:lnTo>
+                  <a:lnTo>
+                    <a:pt x="266" y="159"/>
+                  </a:lnTo>
+                  <a:lnTo>
+                    <a:pt x="266" y="468"/>
+                  </a:lnTo>
+                  <a:close/>
+                </a:path>
+              </a:pathLst>
+            </a:custGeom>
+            <a:gradFill flip="none" rotWithShape="1">
+              <a:gsLst>
+                <a:gs pos="20000">
+                  <a:schemeClr val="bg2">
+                    <a:lumMod val="90000"/>
+                    <a:lumOff val="10000"/>
+                    <a:alpha val="20000"/>
+                  </a:schemeClr>
+                </a:gs>
+                <a:gs pos="100000">
+                  <a:schemeClr val="accent1">
+                    <a:lumMod val="60000"/>
+                    <a:lumOff val="40000"/>
+                    <a:alpha val="20000"/>
+                  </a:schemeClr>
+                </a:gs>
+              </a:gsLst>
+              <a:lin ang="19800000" scaled="0"/>
+              <a:tileRect/>
+            </a:gradFill>
+            <a:ln>
+              <a:noFill/>
+            </a:ln>
+            <a:effectLst>
+              <a:innerShdw blurRad="254000">
+                <a:schemeClr val="bg2">
+                  <a:lumMod val="90000"/>
+                  <a:lumOff val="10000"/>
+                </a:schemeClr>
+              </a:innerShdw>
+            </a:effectLst>
+          </p:spPr>
+          <p:style>
+            <a:lnRef idx="2">
+              <a:schemeClr val="accent1">
+                <a:shade val="50000"/>
+              </a:schemeClr>
+            </a:lnRef>
+            <a:fillRef idx="1">
+              <a:schemeClr val="accent1"/>
+            </a:fillRef>
+            <a:effectRef idx="0">
+              <a:schemeClr val="accent1"/>
+            </a:effectRef>
+            <a:fontRef idx="minor">
+              <a:schemeClr val="lt1"/>
+            </a:fontRef>
+          </p:style>
+          <p:txBody>
+            <a:bodyPr rot="0" spcFirstLastPara="0" vertOverflow="overflow" horzOverflow="overflow" vert="horz" wrap="square" lIns="91440" tIns="45720" rIns="91440" bIns="45720" numCol="1" spcCol="0" rtlCol="0" fromWordArt="0" anchor="ctr" anchorCtr="0" forceAA="0" compatLnSpc="1">
+              <a:prstTxWarp prst="textNoShape">
+                <a:avLst/>
+              </a:prstTxWarp>
+              <a:noAutofit/>
+            </a:bodyPr>
+            <a:lstStyle/>
+            <a:p>
+              <a:pPr algn="ctr"/>
+              <a:endParaRPr lang="en-US"/>
+            </a:p>
+          </p:txBody>
+        </p:sp>
+        <p:sp>
+          <p:nvSpPr>
+            <p:cNvPr id="1036" name="Freeform 8">
+              <a:extLst>
+                <a:ext uri="{FF2B5EF4-FFF2-40B4-BE49-F238E27FC236}">
+                  <a16:creationId xmlns:a16="http://schemas.microsoft.com/office/drawing/2014/main" id="{4EF573B1-38BC-4C7B-894C-BE3864A04ADD}"/>
+                </a:ext>
+                <a:ext uri="{C183D7F6-B498-43B3-948B-1728B52AA6E4}">
+                  <adec:decorative xmlns:adec="http://schemas.microsoft.com/office/drawing/2017/decorative" val="1"/>
+                </a:ext>
+              </a:extLst>
+            </p:cNvPr>
+            <p:cNvSpPr>
+              <a:spLocks/>
+            </p:cNvSpPr>
+            <p:nvPr>
+              <p:extLst>
+                <p:ext uri="{386F3935-93C4-4BCD-93E2-E3B085C9AB24}">
+                  <p16:designElem xmlns:p16="http://schemas.microsoft.com/office/powerpoint/2015/main" val="1"/>
+                </p:ext>
+              </p:extLst>
+            </p:nvPr>
+          </p:nvSpPr>
+          <p:spPr bwMode="auto">
+            <a:xfrm rot="1800000">
+              <a:off x="5508097" y="1586019"/>
+              <a:ext cx="315144" cy="538275"/>
+            </a:xfrm>
+            <a:custGeom>
+              <a:avLst/>
+              <a:gdLst>
+                <a:gd name="T0" fmla="*/ 274 w 274"/>
+                <a:gd name="T1" fmla="*/ 0 h 468"/>
+                <a:gd name="T2" fmla="*/ 274 w 274"/>
+                <a:gd name="T3" fmla="*/ 310 h 468"/>
+                <a:gd name="T4" fmla="*/ 274 w 274"/>
+                <a:gd name="T5" fmla="*/ 310 h 468"/>
+                <a:gd name="T6" fmla="*/ 0 w 274"/>
+                <a:gd name="T7" fmla="*/ 468 h 468"/>
+                <a:gd name="T8" fmla="*/ 0 w 274"/>
+                <a:gd name="T9" fmla="*/ 159 h 468"/>
+                <a:gd name="T10" fmla="*/ 274 w 274"/>
+                <a:gd name="T11" fmla="*/ 0 h 468"/>
+                <a:gd name="T12" fmla="*/ 274 w 274"/>
+                <a:gd name="T13" fmla="*/ 0 h 468"/>
+              </a:gdLst>
+              <a:ahLst/>
+              <a:cxnLst>
+                <a:cxn ang="0">
+                  <a:pos x="T0" y="T1"/>
+                </a:cxn>
+                <a:cxn ang="0">
+                  <a:pos x="T2" y="T3"/>
+                </a:cxn>
+                <a:cxn ang="0">
+                  <a:pos x="T4" y="T5"/>
+                </a:cxn>
+                <a:cxn ang="0">
+                  <a:pos x="T6" y="T7"/>
+                </a:cxn>
+                <a:cxn ang="0">
+                  <a:pos x="T8" y="T9"/>
+                </a:cxn>
+                <a:cxn ang="0">
+                  <a:pos x="T10" y="T11"/>
+                </a:cxn>
+                <a:cxn ang="0">
+                  <a:pos x="T12" y="T13"/>
+                </a:cxn>
+              </a:cxnLst>
+              <a:rect l="0" t="0" r="r" b="b"/>
+              <a:pathLst>
+                <a:path w="274" h="468">
+                  <a:moveTo>
+                    <a:pt x="274" y="0"/>
+                  </a:moveTo>
+                  <a:lnTo>
+                    <a:pt x="274" y="310"/>
+                  </a:lnTo>
+                  <a:lnTo>
+                    <a:pt x="274" y="310"/>
+                  </a:lnTo>
+                  <a:lnTo>
+                    <a:pt x="0" y="468"/>
+                  </a:lnTo>
+                  <a:lnTo>
+                    <a:pt x="0" y="159"/>
+                  </a:lnTo>
+                  <a:lnTo>
+                    <a:pt x="274" y="0"/>
+                  </a:lnTo>
+                  <a:lnTo>
+                    <a:pt x="274" y="0"/>
+                  </a:lnTo>
+                  <a:close/>
+                </a:path>
+              </a:pathLst>
+            </a:custGeom>
+            <a:gradFill flip="none" rotWithShape="1">
+              <a:gsLst>
+                <a:gs pos="20000">
+                  <a:schemeClr val="bg2">
+                    <a:lumMod val="90000"/>
+                    <a:lumOff val="10000"/>
+                    <a:alpha val="20000"/>
+                  </a:schemeClr>
+                </a:gs>
+                <a:gs pos="100000">
+                  <a:schemeClr val="accent1">
+                    <a:lumMod val="60000"/>
+                    <a:lumOff val="40000"/>
+                    <a:alpha val="20000"/>
+                  </a:schemeClr>
+                </a:gs>
+              </a:gsLst>
+              <a:lin ang="18000000" scaled="0"/>
+              <a:tileRect/>
+            </a:gradFill>
+            <a:ln>
+              <a:noFill/>
+            </a:ln>
+            <a:effectLst>
+              <a:innerShdw blurRad="254000">
+                <a:schemeClr val="accent1">
+                  <a:lumMod val="60000"/>
+                  <a:lumOff val="40000"/>
+                  <a:alpha val="60000"/>
+                </a:schemeClr>
+              </a:innerShdw>
+            </a:effectLst>
+          </p:spPr>
+          <p:style>
+            <a:lnRef idx="2">
+              <a:schemeClr val="accent1">
+                <a:shade val="50000"/>
+              </a:schemeClr>
+            </a:lnRef>
+            <a:fillRef idx="1">
+              <a:schemeClr val="accent1"/>
+            </a:fillRef>
+            <a:effectRef idx="0">
+              <a:schemeClr val="accent1"/>
+            </a:effectRef>
+            <a:fontRef idx="minor">
+              <a:schemeClr val="lt1"/>
+            </a:fontRef>
+          </p:style>
+          <p:txBody>
+            <a:bodyPr rot="0" spcFirstLastPara="0" vertOverflow="overflow" horzOverflow="overflow" vert="horz" wrap="square" lIns="91440" tIns="45720" rIns="91440" bIns="45720" numCol="1" spcCol="0" rtlCol="0" fromWordArt="0" anchor="ctr" anchorCtr="0" forceAA="0" compatLnSpc="1">
+              <a:prstTxWarp prst="textNoShape">
+                <a:avLst/>
+              </a:prstTxWarp>
+              <a:noAutofit/>
+            </a:bodyPr>
+            <a:lstStyle/>
+            <a:p>
+              <a:pPr algn="ctr"/>
+              <a:endParaRPr lang="en-US"/>
+            </a:p>
+          </p:txBody>
+        </p:sp>
+      </p:grpSp>
+      <p:sp>
+        <p:nvSpPr>
+          <p:cNvPr id="1038" name="Oval 1037">
+            <a:extLst>
+              <a:ext uri="{FF2B5EF4-FFF2-40B4-BE49-F238E27FC236}">
+                <a16:creationId xmlns:a16="http://schemas.microsoft.com/office/drawing/2014/main" id="{647A77D8-817B-4A9F-86AA-FE781E813DBC}"/>
+              </a:ext>
+              <a:ext uri="{C183D7F6-B498-43B3-948B-1728B52AA6E4}">
+                <adec:decorative xmlns:adec="http://schemas.microsoft.com/office/drawing/2017/decorative" val="1"/>
+              </a:ext>
+            </a:extLst>
+          </p:cNvPr>
+          <p:cNvSpPr>
+            <a:spLocks noGrp="1" noRot="1" noChangeAspect="1" noMove="1" noResize="1" noEditPoints="1" noAdjustHandles="1" noChangeArrowheads="1" noChangeShapeType="1" noTextEdit="1"/>
+          </p:cNvSpPr>
+          <p:nvPr>
+            <p:extLst>
+              <p:ext uri="{386F3935-93C4-4BCD-93E2-E3B085C9AB24}">
+                <p16:designElem xmlns:p16="http://schemas.microsoft.com/office/powerpoint/2015/main" val="1"/>
+              </p:ext>
+            </p:extLst>
+          </p:nvPr>
+        </p:nvSpPr>
+        <p:spPr>
+          <a:xfrm>
+            <a:off x="5668780" y="5059009"/>
+            <a:ext cx="1080000" cy="1080000"/>
+          </a:xfrm>
+          <a:prstGeom prst="ellipse">
+            <a:avLst/>
+          </a:prstGeom>
+          <a:gradFill flip="none" rotWithShape="1">
+            <a:gsLst>
+              <a:gs pos="100000">
+                <a:schemeClr val="bg2">
+                  <a:lumMod val="50000"/>
+                  <a:lumOff val="50000"/>
+                </a:schemeClr>
+              </a:gs>
+              <a:gs pos="60000">
+                <a:schemeClr val="bg2">
+                  <a:lumMod val="100000"/>
+                </a:schemeClr>
+              </a:gs>
+            </a:gsLst>
+            <a:path path="circle">
+              <a:fillToRect l="100000" b="100000"/>
+            </a:path>
+            <a:tileRect t="-100000" r="-100000"/>
+          </a:gradFill>
+          <a:ln>
+            <a:noFill/>
+          </a:ln>
+          <a:effectLst>
+            <a:innerShdw blurRad="254000" dist="127000" dir="2700000">
+              <a:schemeClr val="accent1">
+                <a:lumMod val="60000"/>
+                <a:lumOff val="40000"/>
+                <a:alpha val="40000"/>
+              </a:schemeClr>
+            </a:innerShdw>
+            <a:softEdge rad="0"/>
+          </a:effectLst>
+        </p:spPr>
+        <p:style>
+          <a:lnRef idx="2">
+            <a:schemeClr val="accent1">
+              <a:shade val="50000"/>
+            </a:schemeClr>
+          </a:lnRef>
+          <a:fillRef idx="1">
+            <a:schemeClr val="accent1"/>
+          </a:fillRef>
+          <a:effectRef idx="0">
+            <a:schemeClr val="accent1"/>
+          </a:effectRef>
+          <a:fontRef idx="minor">
+            <a:schemeClr val="lt1"/>
+          </a:fontRef>
+        </p:style>
+        <p:txBody>
+          <a:bodyPr rot="0" spcFirstLastPara="0" vertOverflow="overflow" horzOverflow="overflow" vert="horz" wrap="square" lIns="91440" tIns="45720" rIns="91440" bIns="45720" numCol="1" spcCol="0" rtlCol="0" fromWordArt="0" anchor="ctr" anchorCtr="0" forceAA="0" compatLnSpc="1">
+            <a:prstTxWarp prst="textNoShape">
+              <a:avLst/>
+            </a:prstTxWarp>
+            <a:noAutofit/>
+          </a:bodyPr>
+          <a:lstStyle/>
+          <a:p>
+            <a:pPr algn="ctr"/>
+            <a:endParaRPr lang="en-US"/>
+          </a:p>
+        </p:txBody>
+      </p:sp>
+      <p:sp>
+        <p:nvSpPr>
+          <p:cNvPr id="6" name="AutoShape 2" descr="An abstract representation of the concept 'catastrophic forgetting.' The image features a fragmented brain losing colorful memories represented as vivid shapes and symbols, dissolving into the background. The colors gradually fade from bright to dull, illustrating the loss of information. The overall mood is a blend of confusion and melancholy, with a surreal and artistic style.">
+            <a:extLst>
+              <a:ext uri="{FF2B5EF4-FFF2-40B4-BE49-F238E27FC236}">
+                <a16:creationId xmlns:a16="http://schemas.microsoft.com/office/drawing/2014/main" id="{F2ADBC72-5FC1-1135-E4EA-494D55BD2A6F}"/>
+              </a:ext>
+            </a:extLst>
+          </p:cNvPr>
+          <p:cNvSpPr>
+            <a:spLocks noChangeAspect="1" noChangeArrowheads="1"/>
+          </p:cNvSpPr>
+          <p:nvPr/>
+        </p:nvSpPr>
+        <p:spPr bwMode="auto">
+          <a:xfrm>
+            <a:off x="5943600" y="3276600"/>
+            <a:ext cx="304800" cy="304800"/>
+          </a:xfrm>
+          <a:prstGeom prst="rect">
+            <a:avLst/>
+          </a:prstGeom>
+          <a:noFill/>
+          <a:extLst>
+            <a:ext uri="{909E8E84-426E-40DD-AFC4-6F175D3DCCD1}">
+              <a14:hiddenFill xmlns:a14="http://schemas.microsoft.com/office/drawing/2010/main">
+                <a:solidFill>
+                  <a:srgbClr val="FFFFFF"/>
+                </a:solidFill>
+              </a14:hiddenFill>
+            </a:ext>
+          </a:extLst>
+        </p:spPr>
+        <p:txBody>
+          <a:bodyPr vert="horz" wrap="square" lIns="91440" tIns="45720" rIns="91440" bIns="45720" numCol="1" anchor="t" anchorCtr="0" compatLnSpc="1">
+            <a:prstTxWarp prst="textNoShape">
+              <a:avLst/>
+            </a:prstTxWarp>
+          </a:bodyPr>
+          <a:lstStyle/>
+          <a:p>
+            <a:endParaRPr lang="pl-PL"/>
           </a:p>
         </p:txBody>
       </p:sp>
@@ -9306,7 +13865,7 @@
           <p:cNvPr id="3" name="Symbol zastępczy zawartości 2">
             <a:extLst>
               <a:ext uri="{FF2B5EF4-FFF2-40B4-BE49-F238E27FC236}">
-                <a16:creationId xmlns:a16="http://schemas.microsoft.com/office/drawing/2014/main" id="{04938F45-0ECD-7EE7-4E98-D688F929109C}"/>
+                <a16:creationId xmlns:a16="http://schemas.microsoft.com/office/drawing/2014/main" id="{17D2FB97-7D16-0B08-CF98-363B325E9A5E}"/>
               </a:ext>
             </a:extLst>
           </p:cNvPr>
@@ -9319,8 +13878,8 @@
         </p:nvSpPr>
         <p:spPr>
           <a:xfrm>
-            <a:off x="550863" y="1916350"/>
-            <a:ext cx="3534754" cy="4176476"/>
+            <a:off x="490038" y="1872097"/>
+            <a:ext cx="5922709" cy="4281015"/>
           </a:xfrm>
         </p:spPr>
         <p:txBody>
@@ -9330,36 +13889,452 @@
           <a:lstStyle/>
           <a:p>
             <a:pPr marL="0" indent="0" algn="just">
+              <a:lnSpc>
+                <a:spcPct val="100000"/>
+              </a:lnSpc>
               <a:buNone/>
             </a:pPr>
             <a:r>
-              <a:rPr lang="pl-PL" sz="2000" dirty="0"/>
-              <a:t>Głównym problemem jest katastrofalne zapominanie (</a:t>
-            </a:r>
-            <a:r>
-              <a:rPr lang="pl-PL" sz="2000" dirty="0" err="1"/>
-              <a:t>catastrophic</a:t>
-            </a:r>
-            <a:r>
-              <a:rPr lang="pl-PL" sz="2000" dirty="0"/>
-              <a:t> </a:t>
-            </a:r>
-            <a:r>
-              <a:rPr lang="pl-PL" sz="2000" dirty="0" err="1"/>
-              <a:t>forgetting</a:t>
-            </a:r>
-            <a:r>
-              <a:rPr lang="pl-PL" sz="2000" dirty="0"/>
-              <a:t>) – wraz z nauką nowych danych, model zapomina stare.</a:t>
-            </a:r>
-          </a:p>
+              <a:rPr lang="pl-PL" sz="1800" dirty="0"/>
+              <a:t>Nierozwiązanym problemem w uczeniu ciągłym jest brak potwierdzenia skuteczności na rzeczywistych danych, dlatego to będzie głównym wyzwaniem w mojej pracy.</a:t>
+            </a:r>
+          </a:p>
+          <a:p>
+            <a:pPr marL="0" indent="0" algn="just">
+              <a:lnSpc>
+                <a:spcPct val="100000"/>
+              </a:lnSpc>
+              <a:buNone/>
+            </a:pPr>
+            <a:r>
+              <a:rPr lang="pl-PL" sz="1800" dirty="0"/>
+              <a:t>Próba dopasowania modelu do rzeczywistego zbioru danych.</a:t>
+            </a:r>
+          </a:p>
+          <a:p>
+            <a:pPr marL="0" indent="0" algn="just">
+              <a:lnSpc>
+                <a:spcPct val="100000"/>
+              </a:lnSpc>
+              <a:buNone/>
+            </a:pPr>
+            <a:r>
+              <a:rPr lang="pl-PL" sz="1800" dirty="0"/>
+              <a:t>Próba udowodnienia, że uczenie ciągłe nadaje się w rozwiązywaniu rzeczywistych problemów (działa nie tylko na benchmarkach).</a:t>
+            </a:r>
+          </a:p>
+          <a:p>
+            <a:pPr marL="0" indent="0" algn="just">
+              <a:lnSpc>
+                <a:spcPct val="100000"/>
+              </a:lnSpc>
+              <a:buNone/>
+            </a:pPr>
+            <a:r>
+              <a:rPr lang="pl-PL" sz="1800" b="1" dirty="0"/>
+              <a:t>Dane:</a:t>
+            </a:r>
+          </a:p>
+          <a:p>
+            <a:pPr marL="0" indent="0" algn="just">
+              <a:lnSpc>
+                <a:spcPct val="100000"/>
+              </a:lnSpc>
+              <a:buNone/>
+            </a:pPr>
+            <a:r>
+              <a:rPr lang="pl-PL" sz="1800" dirty="0"/>
+              <a:t>dane pomieszczeń, punkty blisko położone obok danego</a:t>
+            </a:r>
+          </a:p>
+        </p:txBody>
+      </p:sp>
+    </p:spTree>
+    <p:extLst>
+      <p:ext uri="{BB962C8B-B14F-4D97-AF65-F5344CB8AC3E}">
+        <p14:creationId xmlns:p14="http://schemas.microsoft.com/office/powerpoint/2010/main" val="4119522592"/>
+      </p:ext>
+    </p:extLst>
+  </p:cSld>
+  <p:clrMapOvr>
+    <a:masterClrMapping/>
+  </p:clrMapOvr>
+</p:sld>
+</file>
+
+<file path=ppt/slides/slide4.xml><?xml version="1.0" encoding="utf-8"?>
+<p:sld xmlns:a="http://schemas.openxmlformats.org/drawingml/2006/main" xmlns:r="http://schemas.openxmlformats.org/officeDocument/2006/relationships" xmlns:p="http://schemas.openxmlformats.org/presentationml/2006/main">
+  <p:cSld>
+    <p:spTree>
+      <p:nvGrpSpPr>
+        <p:cNvPr id="1" name=""/>
+        <p:cNvGrpSpPr/>
+        <p:nvPr/>
+      </p:nvGrpSpPr>
+      <p:grpSpPr>
+        <a:xfrm>
+          <a:off x="0" y="0"/>
+          <a:ext cx="0" cy="0"/>
+          <a:chOff x="0" y="0"/>
+          <a:chExt cx="0" cy="0"/>
+        </a:xfrm>
+      </p:grpSpPr>
+      <p:sp>
+        <p:nvSpPr>
+          <p:cNvPr id="2" name="Tytuł 1">
+            <a:extLst>
+              <a:ext uri="{FF2B5EF4-FFF2-40B4-BE49-F238E27FC236}">
+                <a16:creationId xmlns:a16="http://schemas.microsoft.com/office/drawing/2014/main" id="{99E9B62F-5D44-4D93-3AB6-B83BC0D9D43D}"/>
+              </a:ext>
+            </a:extLst>
+          </p:cNvPr>
+          <p:cNvSpPr>
+            <a:spLocks noGrp="1"/>
+          </p:cNvSpPr>
+          <p:nvPr>
+            <p:ph type="title"/>
+          </p:nvPr>
+        </p:nvSpPr>
+        <p:spPr/>
+        <p:txBody>
+          <a:bodyPr/>
+          <a:lstStyle/>
+          <a:p>
+            <a:r>
+              <a:rPr lang="pl-PL" dirty="0"/>
+              <a:t>Trzy główne podejścia do problemu:</a:t>
+            </a:r>
+          </a:p>
+        </p:txBody>
+      </p:sp>
+      <p:graphicFrame>
+        <p:nvGraphicFramePr>
+          <p:cNvPr id="2052" name="Symbol zastępczy zawartości 2">
+            <a:extLst>
+              <a:ext uri="{FF2B5EF4-FFF2-40B4-BE49-F238E27FC236}">
+                <a16:creationId xmlns:a16="http://schemas.microsoft.com/office/drawing/2014/main" id="{37C43E6F-05C6-DAC4-6E42-1594A74466F2}"/>
+              </a:ext>
+            </a:extLst>
+          </p:cNvPr>
+          <p:cNvGraphicFramePr>
+            <a:graphicFrameLocks noGrp="1"/>
+          </p:cNvGraphicFramePr>
+          <p:nvPr>
+            <p:ph idx="1"/>
+            <p:extLst>
+              <p:ext uri="{D42A27DB-BD31-4B8C-83A1-F6EECF244321}">
+                <p14:modId xmlns:p14="http://schemas.microsoft.com/office/powerpoint/2010/main" val="3634099080"/>
+              </p:ext>
+            </p:extLst>
+          </p:nvPr>
+        </p:nvGraphicFramePr>
+        <p:xfrm>
+          <a:off x="550863" y="2113199"/>
+          <a:ext cx="11090274" cy="3979625"/>
+        </p:xfrm>
+        <a:graphic>
+          <a:graphicData uri="http://schemas.openxmlformats.org/drawingml/2006/diagram">
+            <dgm:relIds xmlns:dgm="http://schemas.openxmlformats.org/drawingml/2006/diagram" xmlns:r="http://schemas.openxmlformats.org/officeDocument/2006/relationships" r:dm="rId2" r:lo="rId3" r:qs="rId4" r:cs="rId5"/>
+          </a:graphicData>
+        </a:graphic>
+      </p:graphicFrame>
+      <p:pic>
+        <p:nvPicPr>
+          <p:cNvPr id="2050" name="Picture 2">
+            <a:extLst>
+              <a:ext uri="{FF2B5EF4-FFF2-40B4-BE49-F238E27FC236}">
+                <a16:creationId xmlns:a16="http://schemas.microsoft.com/office/drawing/2014/main" id="{25EF1F14-80D1-C82C-847B-7048A38145DD}"/>
+              </a:ext>
+            </a:extLst>
+          </p:cNvPr>
+          <p:cNvPicPr>
+            <a:picLocks noChangeAspect="1" noChangeArrowheads="1"/>
+          </p:cNvPicPr>
+          <p:nvPr/>
+        </p:nvPicPr>
+        <p:blipFill>
+          <a:blip r:embed="rId7">
+            <a:extLst>
+              <a:ext uri="{28A0092B-C50C-407E-A947-70E740481C1C}">
+                <a14:useLocalDpi xmlns:a14="http://schemas.microsoft.com/office/drawing/2010/main" val="0"/>
+              </a:ext>
+            </a:extLst>
+          </a:blip>
+          <a:srcRect/>
+          <a:stretch>
+            <a:fillRect/>
+          </a:stretch>
+        </p:blipFill>
+        <p:spPr bwMode="auto">
+          <a:xfrm>
+            <a:off x="9122159" y="2801666"/>
+            <a:ext cx="1570892" cy="1570892"/>
+          </a:xfrm>
+          <a:prstGeom prst="rect">
+            <a:avLst/>
+          </a:prstGeom>
+          <a:noFill/>
+          <a:extLst>
+            <a:ext uri="{909E8E84-426E-40DD-AFC4-6F175D3DCCD1}">
+              <a14:hiddenFill xmlns:a14="http://schemas.microsoft.com/office/drawing/2010/main">
+                <a:solidFill>
+                  <a:srgbClr val="FFFFFF"/>
+                </a:solidFill>
+              </a14:hiddenFill>
+            </a:ext>
+          </a:extLst>
+        </p:spPr>
+      </p:pic>
+      <p:pic>
+        <p:nvPicPr>
+          <p:cNvPr id="4" name="Picture 4">
+            <a:extLst>
+              <a:ext uri="{FF2B5EF4-FFF2-40B4-BE49-F238E27FC236}">
+                <a16:creationId xmlns:a16="http://schemas.microsoft.com/office/drawing/2014/main" id="{E36FF9CE-11BA-9075-2545-7A0676D21B6A}"/>
+              </a:ext>
+            </a:extLst>
+          </p:cNvPr>
+          <p:cNvPicPr>
+            <a:picLocks noChangeAspect="1" noChangeArrowheads="1"/>
+          </p:cNvPicPr>
+          <p:nvPr/>
+        </p:nvPicPr>
+        <p:blipFill>
+          <a:blip r:embed="rId8">
+            <a:extLst>
+              <a:ext uri="{28A0092B-C50C-407E-A947-70E740481C1C}">
+                <a14:useLocalDpi xmlns:a14="http://schemas.microsoft.com/office/drawing/2010/main" val="0"/>
+              </a:ext>
+            </a:extLst>
+          </a:blip>
+          <a:srcRect/>
+          <a:stretch>
+            <a:fillRect/>
+          </a:stretch>
+        </p:blipFill>
+        <p:spPr bwMode="auto">
+          <a:xfrm>
+            <a:off x="1498950" y="2801666"/>
+            <a:ext cx="1570892" cy="1570892"/>
+          </a:xfrm>
+          <a:prstGeom prst="rect">
+            <a:avLst/>
+          </a:prstGeom>
+          <a:noFill/>
+          <a:extLst>
+            <a:ext uri="{909E8E84-426E-40DD-AFC4-6F175D3DCCD1}">
+              <a14:hiddenFill xmlns:a14="http://schemas.microsoft.com/office/drawing/2010/main">
+                <a:solidFill>
+                  <a:srgbClr val="FFFFFF"/>
+                </a:solidFill>
+              </a14:hiddenFill>
+            </a:ext>
+          </a:extLst>
+        </p:spPr>
+      </p:pic>
+      <p:pic>
+        <p:nvPicPr>
+          <p:cNvPr id="2056" name="Picture 8">
+            <a:extLst>
+              <a:ext uri="{FF2B5EF4-FFF2-40B4-BE49-F238E27FC236}">
+                <a16:creationId xmlns:a16="http://schemas.microsoft.com/office/drawing/2014/main" id="{EE4D1466-58A9-677B-3DC6-F492E7DDBD69}"/>
+              </a:ext>
+            </a:extLst>
+          </p:cNvPr>
+          <p:cNvPicPr>
+            <a:picLocks noChangeAspect="1" noChangeArrowheads="1"/>
+          </p:cNvPicPr>
+          <p:nvPr/>
+        </p:nvPicPr>
+        <p:blipFill>
+          <a:blip r:embed="rId9">
+            <a:extLst>
+              <a:ext uri="{28A0092B-C50C-407E-A947-70E740481C1C}">
+                <a14:useLocalDpi xmlns:a14="http://schemas.microsoft.com/office/drawing/2010/main" val="0"/>
+              </a:ext>
+            </a:extLst>
+          </a:blip>
+          <a:srcRect/>
+          <a:stretch>
+            <a:fillRect/>
+          </a:stretch>
+        </p:blipFill>
+        <p:spPr bwMode="auto">
+          <a:xfrm>
+            <a:off x="5310554" y="2801666"/>
+            <a:ext cx="1570892" cy="1570892"/>
+          </a:xfrm>
+          <a:prstGeom prst="rect">
+            <a:avLst/>
+          </a:prstGeom>
+          <a:noFill/>
+          <a:extLst>
+            <a:ext uri="{909E8E84-426E-40DD-AFC4-6F175D3DCCD1}">
+              <a14:hiddenFill xmlns:a14="http://schemas.microsoft.com/office/drawing/2010/main">
+                <a:solidFill>
+                  <a:srgbClr val="FFFFFF"/>
+                </a:solidFill>
+              </a14:hiddenFill>
+            </a:ext>
+          </a:extLst>
+        </p:spPr>
+      </p:pic>
+    </p:spTree>
+    <p:extLst>
+      <p:ext uri="{BB962C8B-B14F-4D97-AF65-F5344CB8AC3E}">
+        <p14:creationId xmlns:p14="http://schemas.microsoft.com/office/powerpoint/2010/main" val="42329109"/>
+      </p:ext>
+    </p:extLst>
+  </p:cSld>
+  <p:clrMapOvr>
+    <a:masterClrMapping/>
+  </p:clrMapOvr>
+</p:sld>
+</file>
+
+<file path=ppt/slides/slide5.xml><?xml version="1.0" encoding="utf-8"?>
+<p:sld xmlns:a="http://schemas.openxmlformats.org/drawingml/2006/main" xmlns:r="http://schemas.openxmlformats.org/officeDocument/2006/relationships" xmlns:p="http://schemas.openxmlformats.org/presentationml/2006/main">
+  <p:cSld>
+    <p:bg>
+      <p:bgPr>
+        <a:solidFill>
+          <a:schemeClr val="bg2"/>
+        </a:solidFill>
+        <a:effectLst/>
+      </p:bgPr>
+    </p:bg>
+    <p:spTree>
+      <p:nvGrpSpPr>
+        <p:cNvPr id="1" name=""/>
+        <p:cNvGrpSpPr/>
+        <p:nvPr/>
+      </p:nvGrpSpPr>
+      <p:grpSpPr>
+        <a:xfrm>
+          <a:off x="0" y="0"/>
+          <a:ext cx="0" cy="0"/>
+          <a:chOff x="0" y="0"/>
+          <a:chExt cx="0" cy="0"/>
+        </a:xfrm>
+      </p:grpSpPr>
+      <p:sp useBgFill="1">
+        <p:nvSpPr>
+          <p:cNvPr id="21" name="Rectangle 12">
+            <a:extLst>
+              <a:ext uri="{FF2B5EF4-FFF2-40B4-BE49-F238E27FC236}">
+                <a16:creationId xmlns:a16="http://schemas.microsoft.com/office/drawing/2014/main" id="{A5931BE0-4B93-4D6C-878E-ACC59D6B4587}"/>
+              </a:ext>
+              <a:ext uri="{C183D7F6-B498-43B3-948B-1728B52AA6E4}">
+                <adec:decorative xmlns:adec="http://schemas.microsoft.com/office/drawing/2017/decorative" val="1"/>
+              </a:ext>
+            </a:extLst>
+          </p:cNvPr>
+          <p:cNvSpPr>
+            <a:spLocks noGrp="1" noRot="1" noChangeAspect="1" noMove="1" noResize="1" noEditPoints="1" noAdjustHandles="1" noChangeArrowheads="1" noChangeShapeType="1" noTextEdit="1"/>
+          </p:cNvSpPr>
+          <p:nvPr>
+            <p:extLst>
+              <p:ext uri="{386F3935-93C4-4BCD-93E2-E3B085C9AB24}">
+                <p16:designElem xmlns:p16="http://schemas.microsoft.com/office/powerpoint/2015/main" val="1"/>
+              </p:ext>
+            </p:extLst>
+          </p:nvPr>
+        </p:nvSpPr>
+        <p:spPr>
+          <a:xfrm>
+            <a:off x="0" y="0"/>
+            <a:ext cx="12192000" cy="6858000"/>
+          </a:xfrm>
+          <a:prstGeom prst="rect">
+            <a:avLst/>
+          </a:prstGeom>
+          <a:ln w="12700" cap="flat" cmpd="sng" algn="ctr">
+            <a:noFill/>
+            <a:prstDash val="solid"/>
+            <a:miter lim="800000"/>
+          </a:ln>
+          <a:effectLst/>
+          <a:extLst>
+            <a:ext uri="{91240B29-F687-4F45-9708-019B960494DF}">
+              <a14:hiddenLine xmlns:a14="http://schemas.microsoft.com/office/drawing/2010/main" w="12700" cap="flat" cmpd="sng" algn="ctr">
+                <a:solidFill>
+                  <a:schemeClr val="accent1">
+                    <a:shade val="50000"/>
+                  </a:schemeClr>
+                </a:solidFill>
+                <a:prstDash val="solid"/>
+                <a:miter lim="800000"/>
+              </a14:hiddenLine>
+            </a:ext>
+          </a:extLst>
+        </p:spPr>
+        <p:style>
+          <a:lnRef idx="2">
+            <a:schemeClr val="accent1">
+              <a:shade val="50000"/>
+            </a:schemeClr>
+          </a:lnRef>
+          <a:fillRef idx="1">
+            <a:schemeClr val="accent1"/>
+          </a:fillRef>
+          <a:effectRef idx="0">
+            <a:schemeClr val="accent1"/>
+          </a:effectRef>
+          <a:fontRef idx="minor">
+            <a:schemeClr val="lt1"/>
+          </a:fontRef>
+        </p:style>
+        <p:txBody>
+          <a:bodyPr rtlCol="0" anchor="ctr"/>
+          <a:lstStyle/>
+          <a:p>
+            <a:pPr algn="ctr"/>
+            <a:endParaRPr lang="en-US"/>
+          </a:p>
+        </p:txBody>
+      </p:sp>
+      <p:sp>
+        <p:nvSpPr>
+          <p:cNvPr id="3" name="Symbol zastępczy zawartości 2">
+            <a:extLst>
+              <a:ext uri="{FF2B5EF4-FFF2-40B4-BE49-F238E27FC236}">
+                <a16:creationId xmlns:a16="http://schemas.microsoft.com/office/drawing/2014/main" id="{04938F45-0ECD-7EE7-4E98-D688F929109C}"/>
+              </a:ext>
+            </a:extLst>
+          </p:cNvPr>
+          <p:cNvSpPr>
+            <a:spLocks noGrp="1"/>
+          </p:cNvSpPr>
+          <p:nvPr>
+            <p:ph idx="1"/>
+          </p:nvPr>
+        </p:nvSpPr>
+        <p:spPr>
+          <a:xfrm>
+            <a:off x="511130" y="3725693"/>
+            <a:ext cx="3807128" cy="1783998"/>
+          </a:xfrm>
+        </p:spPr>
+        <p:txBody>
+          <a:bodyPr anchor="t">
+            <a:normAutofit/>
+          </a:bodyPr>
+          <a:lstStyle/>
           <a:p>
             <a:pPr marL="0" indent="0" algn="just">
               <a:buNone/>
             </a:pPr>
             <a:r>
               <a:rPr lang="pl-PL" sz="2000" dirty="0"/>
-              <a:t>Nierozwiązanym problemem w uczeniu ciągłym jest brak skuteczności na rzeczywistych danych, dlatego to będzie głównym wyzwaniem w mojej pracy.</a:t>
+              <a:t>Problem dotyka głównie metody oparte o </a:t>
+            </a:r>
+            <a:r>
+              <a:rPr lang="pl-PL" sz="2000" dirty="0" err="1"/>
+              <a:t>regularyzację</a:t>
+            </a:r>
+            <a:r>
+              <a:rPr lang="pl-PL" sz="2000" dirty="0"/>
+              <a:t>. Modele wraz z treningiem nowych klas zapominają starych.</a:t>
             </a:r>
           </a:p>
         </p:txBody>
@@ -9490,6 +14465,55 @@
           </a:p>
         </p:txBody>
       </p:sp>
+      <p:sp>
+        <p:nvSpPr>
+          <p:cNvPr id="2" name="Tytuł 1">
+            <a:extLst>
+              <a:ext uri="{FF2B5EF4-FFF2-40B4-BE49-F238E27FC236}">
+                <a16:creationId xmlns:a16="http://schemas.microsoft.com/office/drawing/2014/main" id="{ABBB68D0-439C-370A-DC8C-0C18936935FC}"/>
+              </a:ext>
+            </a:extLst>
+          </p:cNvPr>
+          <p:cNvSpPr>
+            <a:spLocks noGrp="1"/>
+          </p:cNvSpPr>
+          <p:nvPr>
+            <p:ph type="title"/>
+          </p:nvPr>
+        </p:nvSpPr>
+        <p:spPr>
+          <a:xfrm>
+            <a:off x="647317" y="1348309"/>
+            <a:ext cx="3534754" cy="1783998"/>
+          </a:xfrm>
+        </p:spPr>
+        <p:txBody>
+          <a:bodyPr wrap="square" anchor="b">
+            <a:noAutofit/>
+          </a:bodyPr>
+          <a:lstStyle/>
+          <a:p>
+            <a:pPr algn="ctr"/>
+            <a:r>
+              <a:rPr lang="pl-PL" sz="3600" dirty="0"/>
+              <a:t>Problem </a:t>
+            </a:r>
+            <a:r>
+              <a:rPr lang="pl-PL" sz="3600" dirty="0" err="1"/>
+              <a:t>catastrophic</a:t>
+            </a:r>
+            <a:r>
+              <a:rPr lang="pl-PL" sz="3600" dirty="0"/>
+              <a:t> </a:t>
+            </a:r>
+            <a:r>
+              <a:rPr lang="pl-PL" sz="3600" dirty="0" err="1"/>
+              <a:t>forgetting</a:t>
+            </a:r>
+            <a:endParaRPr lang="pl-PL" sz="3600" dirty="0"/>
+          </a:p>
+        </p:txBody>
+      </p:sp>
     </p:spTree>
     <p:extLst>
       <p:ext uri="{BB962C8B-B14F-4D97-AF65-F5344CB8AC3E}">
@@ -9503,7 +14527,2130 @@
 </p:sld>
 </file>
 
-<file path=ppt/slides/slide4.xml><?xml version="1.0" encoding="utf-8"?>
+<file path=ppt/slides/slide6.xml><?xml version="1.0" encoding="utf-8"?>
+<p:sld xmlns:a="http://schemas.openxmlformats.org/drawingml/2006/main" xmlns:r="http://schemas.openxmlformats.org/officeDocument/2006/relationships" xmlns:p="http://schemas.openxmlformats.org/presentationml/2006/main">
+  <p:cSld>
+    <p:bg>
+      <p:bgPr>
+        <a:solidFill>
+          <a:schemeClr val="bg2"/>
+        </a:solidFill>
+        <a:effectLst/>
+      </p:bgPr>
+    </p:bg>
+    <p:spTree>
+      <p:nvGrpSpPr>
+        <p:cNvPr id="1" name=""/>
+        <p:cNvGrpSpPr/>
+        <p:nvPr/>
+      </p:nvGrpSpPr>
+      <p:grpSpPr>
+        <a:xfrm>
+          <a:off x="0" y="0"/>
+          <a:ext cx="0" cy="0"/>
+          <a:chOff x="0" y="0"/>
+          <a:chExt cx="0" cy="0"/>
+        </a:xfrm>
+      </p:grpSpPr>
+      <p:sp>
+        <p:nvSpPr>
+          <p:cNvPr id="12" name="Freeform: Shape 11">
+            <a:extLst>
+              <a:ext uri="{FF2B5EF4-FFF2-40B4-BE49-F238E27FC236}">
+                <a16:creationId xmlns:a16="http://schemas.microsoft.com/office/drawing/2014/main" id="{82184FF4-7029-4ED7-813A-192E60608764}"/>
+              </a:ext>
+              <a:ext uri="{C183D7F6-B498-43B3-948B-1728B52AA6E4}">
+                <adec:decorative xmlns:adec="http://schemas.microsoft.com/office/drawing/2017/decorative" val="1"/>
+              </a:ext>
+            </a:extLst>
+          </p:cNvPr>
+          <p:cNvSpPr>
+            <a:spLocks noGrp="1" noRot="1" noChangeAspect="1" noMove="1" noResize="1" noEditPoints="1" noAdjustHandles="1" noChangeArrowheads="1" noChangeShapeType="1" noTextEdit="1"/>
+          </p:cNvSpPr>
+          <p:nvPr>
+            <p:extLst>
+              <p:ext uri="{386F3935-93C4-4BCD-93E2-E3B085C9AB24}">
+                <p16:designElem xmlns:p16="http://schemas.microsoft.com/office/powerpoint/2015/main" val="1"/>
+              </p:ext>
+            </p:extLst>
+          </p:nvPr>
+        </p:nvSpPr>
+        <p:spPr>
+          <a:xfrm rot="2700000">
+            <a:off x="612445" y="481888"/>
+            <a:ext cx="1080000" cy="1262947"/>
+          </a:xfrm>
+          <a:custGeom>
+            <a:avLst/>
+            <a:gdLst/>
+            <a:ahLst/>
+            <a:cxnLst/>
+            <a:rect l="l" t="t" r="r" b="b"/>
+            <a:pathLst>
+              <a:path w="1080000" h="1262947">
+                <a:moveTo>
+                  <a:pt x="540000" y="0"/>
+                </a:moveTo>
+                <a:lnTo>
+                  <a:pt x="1064374" y="931034"/>
+                </a:lnTo>
+                <a:lnTo>
+                  <a:pt x="1069029" y="938533"/>
+                </a:lnTo>
+                <a:cubicBezTo>
+                  <a:pt x="1076223" y="956109"/>
+                  <a:pt x="1080000" y="974307"/>
+                  <a:pt x="1080000" y="992947"/>
+                </a:cubicBezTo>
+                <a:cubicBezTo>
+                  <a:pt x="1080000" y="1142064"/>
+                  <a:pt x="838234" y="1262947"/>
+                  <a:pt x="540000" y="1262947"/>
+                </a:cubicBezTo>
+                <a:cubicBezTo>
+                  <a:pt x="241766" y="1262947"/>
+                  <a:pt x="0" y="1142064"/>
+                  <a:pt x="0" y="992947"/>
+                </a:cubicBezTo>
+                <a:cubicBezTo>
+                  <a:pt x="0" y="974307"/>
+                  <a:pt x="3778" y="956109"/>
+                  <a:pt x="10971" y="938533"/>
+                </a:cubicBezTo>
+                <a:lnTo>
+                  <a:pt x="15626" y="931034"/>
+                </a:lnTo>
+                <a:lnTo>
+                  <a:pt x="540000" y="0"/>
+                </a:lnTo>
+                <a:close/>
+              </a:path>
+            </a:pathLst>
+          </a:custGeom>
+          <a:gradFill>
+            <a:gsLst>
+              <a:gs pos="60000">
+                <a:schemeClr val="bg2">
+                  <a:lumMod val="90000"/>
+                  <a:lumOff val="10000"/>
+                </a:schemeClr>
+              </a:gs>
+              <a:gs pos="30000">
+                <a:schemeClr val="bg2">
+                  <a:lumMod val="90000"/>
+                  <a:lumOff val="10000"/>
+                </a:schemeClr>
+              </a:gs>
+              <a:gs pos="40000">
+                <a:schemeClr val="bg2">
+                  <a:lumMod val="75000"/>
+                  <a:lumOff val="25000"/>
+                </a:schemeClr>
+              </a:gs>
+              <a:gs pos="100000">
+                <a:schemeClr val="bg2"/>
+              </a:gs>
+            </a:gsLst>
+            <a:lin ang="600000" scaled="0"/>
+          </a:gradFill>
+          <a:ln>
+            <a:noFill/>
+          </a:ln>
+          <a:effectLst>
+            <a:innerShdw blurRad="254000" dist="101600" dir="2700000">
+              <a:schemeClr val="accent1">
+                <a:lumMod val="60000"/>
+                <a:lumOff val="40000"/>
+                <a:alpha val="40000"/>
+              </a:schemeClr>
+            </a:innerShdw>
+          </a:effectLst>
+        </p:spPr>
+        <p:style>
+          <a:lnRef idx="2">
+            <a:schemeClr val="accent1">
+              <a:shade val="50000"/>
+            </a:schemeClr>
+          </a:lnRef>
+          <a:fillRef idx="1">
+            <a:schemeClr val="accent1"/>
+          </a:fillRef>
+          <a:effectRef idx="0">
+            <a:schemeClr val="accent1"/>
+          </a:effectRef>
+          <a:fontRef idx="minor">
+            <a:schemeClr val="lt1"/>
+          </a:fontRef>
+        </p:style>
+        <p:txBody>
+          <a:bodyPr rot="0" spcFirstLastPara="0" vertOverflow="overflow" horzOverflow="overflow" vert="horz" wrap="square" lIns="91440" tIns="45720" rIns="91440" bIns="45720" numCol="1" spcCol="0" rtlCol="0" fromWordArt="0" anchor="ctr" anchorCtr="0" forceAA="0" compatLnSpc="1">
+            <a:prstTxWarp prst="textNoShape">
+              <a:avLst/>
+            </a:prstTxWarp>
+            <a:noAutofit/>
+          </a:bodyPr>
+          <a:lstStyle/>
+          <a:p>
+            <a:pPr algn="ctr"/>
+            <a:endParaRPr lang="en-US"/>
+          </a:p>
+        </p:txBody>
+      </p:sp>
+      <p:sp>
+        <p:nvSpPr>
+          <p:cNvPr id="14" name="Oval 13">
+            <a:extLst>
+              <a:ext uri="{FF2B5EF4-FFF2-40B4-BE49-F238E27FC236}">
+                <a16:creationId xmlns:a16="http://schemas.microsoft.com/office/drawing/2014/main" id="{AAA7AB09-557C-41AD-9113-FF9F68FA1035}"/>
+              </a:ext>
+              <a:ext uri="{C183D7F6-B498-43B3-948B-1728B52AA6E4}">
+                <adec:decorative xmlns:adec="http://schemas.microsoft.com/office/drawing/2017/decorative" val="1"/>
+              </a:ext>
+            </a:extLst>
+          </p:cNvPr>
+          <p:cNvSpPr>
+            <a:spLocks noGrp="1" noRot="1" noChangeAspect="1" noMove="1" noResize="1" noEditPoints="1" noAdjustHandles="1" noChangeArrowheads="1" noChangeShapeType="1" noTextEdit="1"/>
+          </p:cNvSpPr>
+          <p:nvPr>
+            <p:extLst>
+              <p:ext uri="{386F3935-93C4-4BCD-93E2-E3B085C9AB24}">
+                <p16:designElem xmlns:p16="http://schemas.microsoft.com/office/powerpoint/2015/main" val="1"/>
+              </p:ext>
+            </p:extLst>
+          </p:nvPr>
+        </p:nvSpPr>
+        <p:spPr>
+          <a:xfrm rot="8100000">
+            <a:off x="626845" y="828962"/>
+            <a:ext cx="540000" cy="1080000"/>
+          </a:xfrm>
+          <a:prstGeom prst="ellipse">
+            <a:avLst/>
+          </a:prstGeom>
+          <a:gradFill>
+            <a:gsLst>
+              <a:gs pos="100000">
+                <a:schemeClr val="bg2">
+                  <a:lumMod val="90000"/>
+                  <a:lumOff val="10000"/>
+                </a:schemeClr>
+              </a:gs>
+              <a:gs pos="50000">
+                <a:schemeClr val="bg2">
+                  <a:lumMod val="95000"/>
+                  <a:lumOff val="5000"/>
+                </a:schemeClr>
+              </a:gs>
+            </a:gsLst>
+            <a:lin ang="5400000" scaled="0"/>
+          </a:gradFill>
+          <a:ln>
+            <a:noFill/>
+          </a:ln>
+          <a:effectLst>
+            <a:innerShdw blurRad="1270000" dist="2540000">
+              <a:schemeClr val="accent1">
+                <a:lumMod val="60000"/>
+                <a:lumOff val="40000"/>
+                <a:alpha val="0"/>
+              </a:schemeClr>
+            </a:innerShdw>
+          </a:effectLst>
+        </p:spPr>
+        <p:style>
+          <a:lnRef idx="2">
+            <a:schemeClr val="accent1">
+              <a:shade val="50000"/>
+            </a:schemeClr>
+          </a:lnRef>
+          <a:fillRef idx="1">
+            <a:schemeClr val="accent1"/>
+          </a:fillRef>
+          <a:effectRef idx="0">
+            <a:schemeClr val="accent1"/>
+          </a:effectRef>
+          <a:fontRef idx="minor">
+            <a:schemeClr val="lt1"/>
+          </a:fontRef>
+        </p:style>
+        <p:txBody>
+          <a:bodyPr rot="0" spcFirstLastPara="0" vertOverflow="overflow" horzOverflow="overflow" vert="horz" wrap="square" lIns="91440" tIns="45720" rIns="91440" bIns="45720" numCol="1" spcCol="0" rtlCol="0" fromWordArt="0" anchor="ctr" anchorCtr="0" forceAA="0" compatLnSpc="1">
+            <a:prstTxWarp prst="textNoShape">
+              <a:avLst/>
+            </a:prstTxWarp>
+            <a:noAutofit/>
+          </a:bodyPr>
+          <a:lstStyle/>
+          <a:p>
+            <a:pPr algn="ctr"/>
+            <a:endParaRPr lang="en-US"/>
+          </a:p>
+        </p:txBody>
+      </p:sp>
+      <p:sp>
+        <p:nvSpPr>
+          <p:cNvPr id="16" name="Oval 15">
+            <a:extLst>
+              <a:ext uri="{FF2B5EF4-FFF2-40B4-BE49-F238E27FC236}">
+                <a16:creationId xmlns:a16="http://schemas.microsoft.com/office/drawing/2014/main" id="{EF99ECAA-1F11-4937-BBA6-51935AB44C9D}"/>
+              </a:ext>
+              <a:ext uri="{C183D7F6-B498-43B3-948B-1728B52AA6E4}">
+                <adec:decorative xmlns:adec="http://schemas.microsoft.com/office/drawing/2017/decorative" val="1"/>
+              </a:ext>
+            </a:extLst>
+          </p:cNvPr>
+          <p:cNvSpPr>
+            <a:spLocks noGrp="1" noRot="1" noChangeAspect="1" noMove="1" noResize="1" noEditPoints="1" noAdjustHandles="1" noChangeArrowheads="1" noChangeShapeType="1" noTextEdit="1"/>
+          </p:cNvSpPr>
+          <p:nvPr>
+            <p:extLst>
+              <p:ext uri="{386F3935-93C4-4BCD-93E2-E3B085C9AB24}">
+                <p16:designElem xmlns:p16="http://schemas.microsoft.com/office/powerpoint/2015/main" val="1"/>
+              </p:ext>
+            </p:extLst>
+          </p:nvPr>
+        </p:nvSpPr>
+        <p:spPr>
+          <a:xfrm>
+            <a:off x="1800802" y="2472855"/>
+            <a:ext cx="360000" cy="360000"/>
+          </a:xfrm>
+          <a:prstGeom prst="ellipse">
+            <a:avLst/>
+          </a:prstGeom>
+          <a:gradFill flip="none" rotWithShape="1">
+            <a:gsLst>
+              <a:gs pos="100000">
+                <a:schemeClr val="bg2">
+                  <a:lumMod val="50000"/>
+                  <a:lumOff val="50000"/>
+                </a:schemeClr>
+              </a:gs>
+              <a:gs pos="60000">
+                <a:schemeClr val="bg2"/>
+              </a:gs>
+            </a:gsLst>
+            <a:path path="circle">
+              <a:fillToRect l="100000" b="100000"/>
+            </a:path>
+            <a:tileRect t="-100000" r="-100000"/>
+          </a:gradFill>
+          <a:ln>
+            <a:noFill/>
+          </a:ln>
+          <a:effectLst>
+            <a:innerShdw blurRad="127000" dist="63500" dir="2700000">
+              <a:schemeClr val="accent1">
+                <a:lumMod val="60000"/>
+                <a:lumOff val="40000"/>
+                <a:alpha val="20000"/>
+              </a:schemeClr>
+            </a:innerShdw>
+            <a:softEdge rad="0"/>
+          </a:effectLst>
+        </p:spPr>
+        <p:style>
+          <a:lnRef idx="2">
+            <a:schemeClr val="accent1">
+              <a:shade val="50000"/>
+            </a:schemeClr>
+          </a:lnRef>
+          <a:fillRef idx="1">
+            <a:schemeClr val="accent1"/>
+          </a:fillRef>
+          <a:effectRef idx="0">
+            <a:schemeClr val="accent1"/>
+          </a:effectRef>
+          <a:fontRef idx="minor">
+            <a:schemeClr val="lt1"/>
+          </a:fontRef>
+        </p:style>
+        <p:txBody>
+          <a:bodyPr rot="0" spcFirstLastPara="0" vertOverflow="overflow" horzOverflow="overflow" vert="horz" wrap="square" lIns="91440" tIns="45720" rIns="91440" bIns="45720" numCol="1" spcCol="0" rtlCol="0" fromWordArt="0" anchor="ctr" anchorCtr="0" forceAA="0" compatLnSpc="1">
+            <a:prstTxWarp prst="textNoShape">
+              <a:avLst/>
+            </a:prstTxWarp>
+            <a:noAutofit/>
+          </a:bodyPr>
+          <a:lstStyle/>
+          <a:p>
+            <a:pPr algn="ctr"/>
+            <a:endParaRPr lang="en-US"/>
+          </a:p>
+        </p:txBody>
+      </p:sp>
+      <p:grpSp>
+        <p:nvGrpSpPr>
+          <p:cNvPr id="18" name="Group 17">
+            <a:extLst>
+              <a:ext uri="{FF2B5EF4-FFF2-40B4-BE49-F238E27FC236}">
+                <a16:creationId xmlns:a16="http://schemas.microsoft.com/office/drawing/2014/main" id="{79DE9FAB-6BBA-4CFE-B67D-77B47F01ECA4}"/>
+              </a:ext>
+              <a:ext uri="{C183D7F6-B498-43B3-948B-1728B52AA6E4}">
+                <adec:decorative xmlns:adec="http://schemas.microsoft.com/office/drawing/2017/decorative" val="1"/>
+              </a:ext>
+            </a:extLst>
+          </p:cNvPr>
+          <p:cNvGrpSpPr>
+            <a:grpSpLocks noGrp="1" noUngrp="1" noRot="1" noChangeAspect="1" noMove="1" noResize="1"/>
+          </p:cNvGrpSpPr>
+          <p:nvPr>
+            <p:extLst>
+              <p:ext uri="{386F3935-93C4-4BCD-93E2-E3B085C9AB24}">
+                <p16:designElem xmlns:p16="http://schemas.microsoft.com/office/powerpoint/2015/main" val="1"/>
+              </p:ext>
+            </p:extLst>
+          </p:nvPr>
+        </p:nvGrpSpPr>
+        <p:grpSpPr>
+          <a:xfrm>
+            <a:off x="1329952" y="4524379"/>
+            <a:ext cx="1980001" cy="1363916"/>
+            <a:chOff x="4879602" y="3781429"/>
+            <a:chExt cx="1980001" cy="1363916"/>
+          </a:xfrm>
+        </p:grpSpPr>
+        <p:sp>
+          <p:nvSpPr>
+            <p:cNvPr id="19" name="Freeform: Shape 18">
+              <a:extLst>
+                <a:ext uri="{FF2B5EF4-FFF2-40B4-BE49-F238E27FC236}">
+                  <a16:creationId xmlns:a16="http://schemas.microsoft.com/office/drawing/2014/main" id="{79FAC916-D9BB-4794-81B4-7C47C67E850D}"/>
+                </a:ext>
+                <a:ext uri="{C183D7F6-B498-43B3-948B-1728B52AA6E4}">
+                  <adec:decorative xmlns:adec="http://schemas.microsoft.com/office/drawing/2017/decorative" val="1"/>
+                </a:ext>
+              </a:extLst>
+            </p:cNvPr>
+            <p:cNvSpPr>
+              <a:spLocks noChangeAspect="1"/>
+            </p:cNvSpPr>
+            <p:nvPr>
+              <p:extLst>
+                <p:ext uri="{386F3935-93C4-4BCD-93E2-E3B085C9AB24}">
+                  <p16:designElem xmlns:p16="http://schemas.microsoft.com/office/powerpoint/2015/main" val="1"/>
+                </p:ext>
+              </p:extLst>
+            </p:nvPr>
+          </p:nvSpPr>
+          <p:spPr>
+            <a:xfrm rot="18900000" flipV="1">
+              <a:off x="5005634" y="4191206"/>
+              <a:ext cx="1853969" cy="926985"/>
+            </a:xfrm>
+            <a:custGeom>
+              <a:avLst/>
+              <a:gdLst>
+                <a:gd name="connsiteX0" fmla="*/ 1329373 w 2658746"/>
+                <a:gd name="connsiteY0" fmla="*/ 0 h 1329373"/>
+                <a:gd name="connsiteX1" fmla="*/ 2658746 w 2658746"/>
+                <a:gd name="connsiteY1" fmla="*/ 1329373 h 1329373"/>
+                <a:gd name="connsiteX2" fmla="*/ 1994059 w 2658746"/>
+                <a:gd name="connsiteY2" fmla="*/ 1329373 h 1329373"/>
+                <a:gd name="connsiteX3" fmla="*/ 1329373 w 2658746"/>
+                <a:gd name="connsiteY3" fmla="*/ 664687 h 1329373"/>
+                <a:gd name="connsiteX4" fmla="*/ 664687 w 2658746"/>
+                <a:gd name="connsiteY4" fmla="*/ 1329373 h 1329373"/>
+                <a:gd name="connsiteX5" fmla="*/ 0 w 2658746"/>
+                <a:gd name="connsiteY5" fmla="*/ 1329373 h 1329373"/>
+                <a:gd name="connsiteX6" fmla="*/ 1329373 w 2658746"/>
+                <a:gd name="connsiteY6" fmla="*/ 0 h 1329373"/>
+              </a:gdLst>
+              <a:ahLst/>
+              <a:cxnLst>
+                <a:cxn ang="0">
+                  <a:pos x="connsiteX0" y="connsiteY0"/>
+                </a:cxn>
+                <a:cxn ang="0">
+                  <a:pos x="connsiteX1" y="connsiteY1"/>
+                </a:cxn>
+                <a:cxn ang="0">
+                  <a:pos x="connsiteX2" y="connsiteY2"/>
+                </a:cxn>
+                <a:cxn ang="0">
+                  <a:pos x="connsiteX3" y="connsiteY3"/>
+                </a:cxn>
+                <a:cxn ang="0">
+                  <a:pos x="connsiteX4" y="connsiteY4"/>
+                </a:cxn>
+                <a:cxn ang="0">
+                  <a:pos x="connsiteX5" y="connsiteY5"/>
+                </a:cxn>
+                <a:cxn ang="0">
+                  <a:pos x="connsiteX6" y="connsiteY6"/>
+                </a:cxn>
+              </a:cxnLst>
+              <a:rect l="l" t="t" r="r" b="b"/>
+              <a:pathLst>
+                <a:path w="2658746" h="1329373">
+                  <a:moveTo>
+                    <a:pt x="1329373" y="0"/>
+                  </a:moveTo>
+                  <a:cubicBezTo>
+                    <a:pt x="2063565" y="0"/>
+                    <a:pt x="2658746" y="595181"/>
+                    <a:pt x="2658746" y="1329373"/>
+                  </a:cubicBezTo>
+                  <a:lnTo>
+                    <a:pt x="1994059" y="1329373"/>
+                  </a:lnTo>
+                  <a:cubicBezTo>
+                    <a:pt x="1994059" y="962277"/>
+                    <a:pt x="1696469" y="664687"/>
+                    <a:pt x="1329373" y="664687"/>
+                  </a:cubicBezTo>
+                  <a:cubicBezTo>
+                    <a:pt x="962277" y="664687"/>
+                    <a:pt x="664687" y="962277"/>
+                    <a:pt x="664687" y="1329373"/>
+                  </a:cubicBezTo>
+                  <a:lnTo>
+                    <a:pt x="0" y="1329373"/>
+                  </a:lnTo>
+                  <a:cubicBezTo>
+                    <a:pt x="0" y="595181"/>
+                    <a:pt x="595181" y="0"/>
+                    <a:pt x="1329373" y="0"/>
+                  </a:cubicBezTo>
+                  <a:close/>
+                </a:path>
+              </a:pathLst>
+            </a:custGeom>
+            <a:solidFill>
+              <a:schemeClr val="bg2"/>
+            </a:solidFill>
+            <a:ln>
+              <a:noFill/>
+            </a:ln>
+            <a:effectLst>
+              <a:innerShdw blurRad="254000" dist="50800" dir="16200000">
+                <a:schemeClr val="accent1">
+                  <a:lumMod val="40000"/>
+                  <a:lumOff val="60000"/>
+                  <a:alpha val="40000"/>
+                </a:schemeClr>
+              </a:innerShdw>
+            </a:effectLst>
+          </p:spPr>
+          <p:style>
+            <a:lnRef idx="2">
+              <a:schemeClr val="accent1">
+                <a:shade val="50000"/>
+              </a:schemeClr>
+            </a:lnRef>
+            <a:fillRef idx="1">
+              <a:schemeClr val="accent1"/>
+            </a:fillRef>
+            <a:effectRef idx="0">
+              <a:schemeClr val="accent1"/>
+            </a:effectRef>
+            <a:fontRef idx="minor">
+              <a:schemeClr val="lt1"/>
+            </a:fontRef>
+          </p:style>
+          <p:txBody>
+            <a:bodyPr rtlCol="0" anchor="ctr"/>
+            <a:lstStyle/>
+            <a:p>
+              <a:pPr algn="ctr"/>
+              <a:endParaRPr lang="en-US" dirty="0"/>
+            </a:p>
+          </p:txBody>
+        </p:sp>
+        <p:sp>
+          <p:nvSpPr>
+            <p:cNvPr id="20" name="Freeform: Shape 19">
+              <a:extLst>
+                <a:ext uri="{FF2B5EF4-FFF2-40B4-BE49-F238E27FC236}">
+                  <a16:creationId xmlns:a16="http://schemas.microsoft.com/office/drawing/2014/main" id="{B5CA2231-7A65-4D16-8400-A210CC41DB73}"/>
+                </a:ext>
+                <a:ext uri="{C183D7F6-B498-43B3-948B-1728B52AA6E4}">
+                  <adec:decorative xmlns:adec="http://schemas.microsoft.com/office/drawing/2017/decorative" val="1"/>
+                </a:ext>
+              </a:extLst>
+            </p:cNvPr>
+            <p:cNvSpPr>
+              <a:spLocks noChangeAspect="1"/>
+            </p:cNvSpPr>
+            <p:nvPr>
+              <p:extLst>
+                <p:ext uri="{386F3935-93C4-4BCD-93E2-E3B085C9AB24}">
+                  <p16:designElem xmlns:p16="http://schemas.microsoft.com/office/powerpoint/2015/main" val="1"/>
+                </p:ext>
+              </p:extLst>
+            </p:nvPr>
+          </p:nvSpPr>
+          <p:spPr>
+            <a:xfrm rot="18900000" flipV="1">
+              <a:off x="4957101" y="4052255"/>
+              <a:ext cx="1853969" cy="1093090"/>
+            </a:xfrm>
+            <a:custGeom>
+              <a:avLst/>
+              <a:gdLst>
+                <a:gd name="connsiteX0" fmla="*/ 1329373 w 2658746"/>
+                <a:gd name="connsiteY0" fmla="*/ 0 h 1329373"/>
+                <a:gd name="connsiteX1" fmla="*/ 2658746 w 2658746"/>
+                <a:gd name="connsiteY1" fmla="*/ 1329373 h 1329373"/>
+                <a:gd name="connsiteX2" fmla="*/ 1994059 w 2658746"/>
+                <a:gd name="connsiteY2" fmla="*/ 1329373 h 1329373"/>
+                <a:gd name="connsiteX3" fmla="*/ 1329373 w 2658746"/>
+                <a:gd name="connsiteY3" fmla="*/ 664687 h 1329373"/>
+                <a:gd name="connsiteX4" fmla="*/ 664687 w 2658746"/>
+                <a:gd name="connsiteY4" fmla="*/ 1329373 h 1329373"/>
+                <a:gd name="connsiteX5" fmla="*/ 0 w 2658746"/>
+                <a:gd name="connsiteY5" fmla="*/ 1329373 h 1329373"/>
+                <a:gd name="connsiteX6" fmla="*/ 1329373 w 2658746"/>
+                <a:gd name="connsiteY6" fmla="*/ 0 h 1329373"/>
+              </a:gdLst>
+              <a:ahLst/>
+              <a:cxnLst>
+                <a:cxn ang="0">
+                  <a:pos x="connsiteX0" y="connsiteY0"/>
+                </a:cxn>
+                <a:cxn ang="0">
+                  <a:pos x="connsiteX1" y="connsiteY1"/>
+                </a:cxn>
+                <a:cxn ang="0">
+                  <a:pos x="connsiteX2" y="connsiteY2"/>
+                </a:cxn>
+                <a:cxn ang="0">
+                  <a:pos x="connsiteX3" y="connsiteY3"/>
+                </a:cxn>
+                <a:cxn ang="0">
+                  <a:pos x="connsiteX4" y="connsiteY4"/>
+                </a:cxn>
+                <a:cxn ang="0">
+                  <a:pos x="connsiteX5" y="connsiteY5"/>
+                </a:cxn>
+                <a:cxn ang="0">
+                  <a:pos x="connsiteX6" y="connsiteY6"/>
+                </a:cxn>
+              </a:cxnLst>
+              <a:rect l="l" t="t" r="r" b="b"/>
+              <a:pathLst>
+                <a:path w="2658746" h="1329373">
+                  <a:moveTo>
+                    <a:pt x="1329373" y="0"/>
+                  </a:moveTo>
+                  <a:cubicBezTo>
+                    <a:pt x="2063565" y="0"/>
+                    <a:pt x="2658746" y="595181"/>
+                    <a:pt x="2658746" y="1329373"/>
+                  </a:cubicBezTo>
+                  <a:lnTo>
+                    <a:pt x="1994059" y="1329373"/>
+                  </a:lnTo>
+                  <a:cubicBezTo>
+                    <a:pt x="1994059" y="962277"/>
+                    <a:pt x="1696469" y="664687"/>
+                    <a:pt x="1329373" y="664687"/>
+                  </a:cubicBezTo>
+                  <a:cubicBezTo>
+                    <a:pt x="962277" y="664687"/>
+                    <a:pt x="664687" y="962277"/>
+                    <a:pt x="664687" y="1329373"/>
+                  </a:cubicBezTo>
+                  <a:lnTo>
+                    <a:pt x="0" y="1329373"/>
+                  </a:lnTo>
+                  <a:cubicBezTo>
+                    <a:pt x="0" y="595181"/>
+                    <a:pt x="595181" y="0"/>
+                    <a:pt x="1329373" y="0"/>
+                  </a:cubicBezTo>
+                  <a:close/>
+                </a:path>
+              </a:pathLst>
+            </a:custGeom>
+            <a:solidFill>
+              <a:schemeClr val="bg2">
+                <a:lumMod val="50000"/>
+                <a:lumOff val="50000"/>
+                <a:alpha val="40000"/>
+              </a:schemeClr>
+            </a:solidFill>
+            <a:ln>
+              <a:noFill/>
+            </a:ln>
+            <a:effectLst>
+              <a:softEdge rad="190500"/>
+            </a:effectLst>
+          </p:spPr>
+          <p:style>
+            <a:lnRef idx="2">
+              <a:schemeClr val="accent1">
+                <a:shade val="50000"/>
+              </a:schemeClr>
+            </a:lnRef>
+            <a:fillRef idx="1">
+              <a:schemeClr val="accent1"/>
+            </a:fillRef>
+            <a:effectRef idx="0">
+              <a:schemeClr val="accent1"/>
+            </a:effectRef>
+            <a:fontRef idx="minor">
+              <a:schemeClr val="lt1"/>
+            </a:fontRef>
+          </p:style>
+          <p:txBody>
+            <a:bodyPr rtlCol="0" anchor="ctr"/>
+            <a:lstStyle/>
+            <a:p>
+              <a:pPr algn="ctr"/>
+              <a:endParaRPr lang="en-US" dirty="0">
+                <a:solidFill>
+                  <a:schemeClr val="tx1"/>
+                </a:solidFill>
+              </a:endParaRPr>
+            </a:p>
+          </p:txBody>
+        </p:sp>
+        <p:sp>
+          <p:nvSpPr>
+            <p:cNvPr id="21" name="Oval 20">
+              <a:extLst>
+                <a:ext uri="{FF2B5EF4-FFF2-40B4-BE49-F238E27FC236}">
+                  <a16:creationId xmlns:a16="http://schemas.microsoft.com/office/drawing/2014/main" id="{4B089C8C-B82B-4704-88E2-E857A5E21529}"/>
+                </a:ext>
+                <a:ext uri="{C183D7F6-B498-43B3-948B-1728B52AA6E4}">
+                  <adec:decorative xmlns:adec="http://schemas.microsoft.com/office/drawing/2017/decorative" val="1"/>
+                </a:ext>
+              </a:extLst>
+            </p:cNvPr>
+            <p:cNvSpPr/>
+            <p:nvPr>
+              <p:extLst>
+                <p:ext uri="{386F3935-93C4-4BCD-93E2-E3B085C9AB24}">
+                  <p16:designElem xmlns:p16="http://schemas.microsoft.com/office/powerpoint/2015/main" val="1"/>
+                </p:ext>
+              </p:extLst>
+            </p:nvPr>
+          </p:nvSpPr>
+          <p:spPr>
+            <a:xfrm rot="13500000" flipV="1">
+              <a:off x="6040374" y="3601683"/>
+              <a:ext cx="107098" cy="466589"/>
+            </a:xfrm>
+            <a:prstGeom prst="ellipse">
+              <a:avLst/>
+            </a:prstGeom>
+            <a:solidFill>
+              <a:schemeClr val="bg2">
+                <a:lumMod val="90000"/>
+                <a:lumOff val="10000"/>
+              </a:schemeClr>
+            </a:solidFill>
+            <a:ln>
+              <a:noFill/>
+            </a:ln>
+            <a:effectLst>
+              <a:innerShdw blurRad="63500" dist="2540000">
+                <a:schemeClr val="accent1">
+                  <a:lumMod val="60000"/>
+                  <a:lumOff val="40000"/>
+                  <a:alpha val="0"/>
+                </a:schemeClr>
+              </a:innerShdw>
+            </a:effectLst>
+          </p:spPr>
+          <p:style>
+            <a:lnRef idx="2">
+              <a:schemeClr val="accent1">
+                <a:shade val="50000"/>
+              </a:schemeClr>
+            </a:lnRef>
+            <a:fillRef idx="1">
+              <a:schemeClr val="accent1"/>
+            </a:fillRef>
+            <a:effectRef idx="0">
+              <a:schemeClr val="accent1"/>
+            </a:effectRef>
+            <a:fontRef idx="minor">
+              <a:schemeClr val="lt1"/>
+            </a:fontRef>
+          </p:style>
+          <p:txBody>
+            <a:bodyPr rot="0" spcFirstLastPara="0" vertOverflow="overflow" horzOverflow="overflow" vert="horz" wrap="square" lIns="91440" tIns="45720" rIns="91440" bIns="45720" numCol="1" spcCol="0" rtlCol="0" fromWordArt="0" anchor="ctr" anchorCtr="0" forceAA="0" compatLnSpc="1">
+              <a:prstTxWarp prst="textNoShape">
+                <a:avLst/>
+              </a:prstTxWarp>
+              <a:noAutofit/>
+            </a:bodyPr>
+            <a:lstStyle/>
+            <a:p>
+              <a:pPr algn="ctr"/>
+              <a:endParaRPr lang="en-US"/>
+            </a:p>
+          </p:txBody>
+        </p:sp>
+        <p:sp>
+          <p:nvSpPr>
+            <p:cNvPr id="22" name="Oval 21">
+              <a:extLst>
+                <a:ext uri="{FF2B5EF4-FFF2-40B4-BE49-F238E27FC236}">
+                  <a16:creationId xmlns:a16="http://schemas.microsoft.com/office/drawing/2014/main" id="{434B90C8-5B4D-456E-AD99-80EF748FDD72}"/>
+                </a:ext>
+                <a:ext uri="{C183D7F6-B498-43B3-948B-1728B52AA6E4}">
+                  <adec:decorative xmlns:adec="http://schemas.microsoft.com/office/drawing/2017/decorative" val="1"/>
+                </a:ext>
+              </a:extLst>
+            </p:cNvPr>
+            <p:cNvSpPr/>
+            <p:nvPr>
+              <p:extLst>
+                <p:ext uri="{386F3935-93C4-4BCD-93E2-E3B085C9AB24}">
+                  <p16:designElem xmlns:p16="http://schemas.microsoft.com/office/powerpoint/2015/main" val="1"/>
+                </p:ext>
+              </p:extLst>
+            </p:nvPr>
+          </p:nvSpPr>
+          <p:spPr>
+            <a:xfrm rot="13500000" flipV="1">
+              <a:off x="5059348" y="4582709"/>
+              <a:ext cx="107098" cy="466589"/>
+            </a:xfrm>
+            <a:prstGeom prst="ellipse">
+              <a:avLst/>
+            </a:prstGeom>
+            <a:solidFill>
+              <a:schemeClr val="bg2">
+                <a:lumMod val="90000"/>
+                <a:lumOff val="10000"/>
+              </a:schemeClr>
+            </a:solidFill>
+            <a:ln>
+              <a:noFill/>
+            </a:ln>
+            <a:effectLst>
+              <a:innerShdw blurRad="63500" dist="2540000">
+                <a:schemeClr val="accent1">
+                  <a:lumMod val="60000"/>
+                  <a:lumOff val="40000"/>
+                  <a:alpha val="0"/>
+                </a:schemeClr>
+              </a:innerShdw>
+            </a:effectLst>
+          </p:spPr>
+          <p:style>
+            <a:lnRef idx="2">
+              <a:schemeClr val="accent1">
+                <a:shade val="50000"/>
+              </a:schemeClr>
+            </a:lnRef>
+            <a:fillRef idx="1">
+              <a:schemeClr val="accent1"/>
+            </a:fillRef>
+            <a:effectRef idx="0">
+              <a:schemeClr val="accent1"/>
+            </a:effectRef>
+            <a:fontRef idx="minor">
+              <a:schemeClr val="lt1"/>
+            </a:fontRef>
+          </p:style>
+          <p:txBody>
+            <a:bodyPr rot="0" spcFirstLastPara="0" vertOverflow="overflow" horzOverflow="overflow" vert="horz" wrap="square" lIns="91440" tIns="45720" rIns="91440" bIns="45720" numCol="1" spcCol="0" rtlCol="0" fromWordArt="0" anchor="ctr" anchorCtr="0" forceAA="0" compatLnSpc="1">
+              <a:prstTxWarp prst="textNoShape">
+                <a:avLst/>
+              </a:prstTxWarp>
+              <a:noAutofit/>
+            </a:bodyPr>
+            <a:lstStyle/>
+            <a:p>
+              <a:pPr algn="ctr"/>
+              <a:endParaRPr lang="en-US"/>
+            </a:p>
+          </p:txBody>
+        </p:sp>
+      </p:grpSp>
+      <p:sp useBgFill="1">
+        <p:nvSpPr>
+          <p:cNvPr id="24" name="Rectangle 23">
+            <a:extLst>
+              <a:ext uri="{FF2B5EF4-FFF2-40B4-BE49-F238E27FC236}">
+                <a16:creationId xmlns:a16="http://schemas.microsoft.com/office/drawing/2014/main" id="{1DB043B4-68C6-45B9-82AC-A5800EADB8DB}"/>
+              </a:ext>
+              <a:ext uri="{C183D7F6-B498-43B3-948B-1728B52AA6E4}">
+                <adec:decorative xmlns:adec="http://schemas.microsoft.com/office/drawing/2017/decorative" val="1"/>
+              </a:ext>
+            </a:extLst>
+          </p:cNvPr>
+          <p:cNvSpPr>
+            <a:spLocks noGrp="1" noRot="1" noChangeAspect="1" noMove="1" noResize="1" noEditPoints="1" noAdjustHandles="1" noChangeArrowheads="1" noChangeShapeType="1" noTextEdit="1"/>
+          </p:cNvSpPr>
+          <p:nvPr>
+            <p:extLst>
+              <p:ext uri="{386F3935-93C4-4BCD-93E2-E3B085C9AB24}">
+                <p16:designElem xmlns:p16="http://schemas.microsoft.com/office/powerpoint/2015/main" val="1"/>
+              </p:ext>
+            </p:extLst>
+          </p:nvPr>
+        </p:nvSpPr>
+        <p:spPr>
+          <a:xfrm>
+            <a:off x="0" y="0"/>
+            <a:ext cx="12192000" cy="6858000"/>
+          </a:xfrm>
+          <a:prstGeom prst="rect">
+            <a:avLst/>
+          </a:prstGeom>
+          <a:ln w="12700" cap="flat" cmpd="sng" algn="ctr">
+            <a:noFill/>
+            <a:prstDash val="solid"/>
+            <a:miter lim="800000"/>
+          </a:ln>
+          <a:effectLst/>
+          <a:extLst>
+            <a:ext uri="{91240B29-F687-4F45-9708-019B960494DF}">
+              <a14:hiddenLine xmlns:a14="http://schemas.microsoft.com/office/drawing/2010/main" w="12700" cap="flat" cmpd="sng" algn="ctr">
+                <a:solidFill>
+                  <a:schemeClr val="accent1">
+                    <a:shade val="50000"/>
+                  </a:schemeClr>
+                </a:solidFill>
+                <a:prstDash val="solid"/>
+                <a:miter lim="800000"/>
+              </a14:hiddenLine>
+            </a:ext>
+          </a:extLst>
+        </p:spPr>
+        <p:style>
+          <a:lnRef idx="2">
+            <a:schemeClr val="accent1">
+              <a:shade val="50000"/>
+            </a:schemeClr>
+          </a:lnRef>
+          <a:fillRef idx="1">
+            <a:schemeClr val="accent1"/>
+          </a:fillRef>
+          <a:effectRef idx="0">
+            <a:schemeClr val="accent1"/>
+          </a:effectRef>
+          <a:fontRef idx="minor">
+            <a:schemeClr val="lt1"/>
+          </a:fontRef>
+        </p:style>
+        <p:txBody>
+          <a:bodyPr rtlCol="0" anchor="ctr"/>
+          <a:lstStyle/>
+          <a:p>
+            <a:pPr algn="ctr"/>
+            <a:endParaRPr lang="en-US"/>
+          </a:p>
+        </p:txBody>
+      </p:sp>
+      <p:sp>
+        <p:nvSpPr>
+          <p:cNvPr id="26" name="Oval 25">
+            <a:extLst>
+              <a:ext uri="{FF2B5EF4-FFF2-40B4-BE49-F238E27FC236}">
+                <a16:creationId xmlns:a16="http://schemas.microsoft.com/office/drawing/2014/main" id="{28A00A08-E4E6-4184-B484-E0E034072AE0}"/>
+              </a:ext>
+              <a:ext uri="{C183D7F6-B498-43B3-948B-1728B52AA6E4}">
+                <adec:decorative xmlns:adec="http://schemas.microsoft.com/office/drawing/2017/decorative" val="1"/>
+              </a:ext>
+            </a:extLst>
+          </p:cNvPr>
+          <p:cNvSpPr>
+            <a:spLocks noGrp="1" noRot="1" noChangeAspect="1" noMove="1" noResize="1" noEditPoints="1" noAdjustHandles="1" noChangeArrowheads="1" noChangeShapeType="1" noTextEdit="1"/>
+          </p:cNvSpPr>
+          <p:nvPr>
+            <p:extLst>
+              <p:ext uri="{386F3935-93C4-4BCD-93E2-E3B085C9AB24}">
+                <p16:designElem xmlns:p16="http://schemas.microsoft.com/office/powerpoint/2015/main" val="1"/>
+              </p:ext>
+            </p:extLst>
+          </p:nvPr>
+        </p:nvSpPr>
+        <p:spPr>
+          <a:xfrm>
+            <a:off x="281171" y="1388266"/>
+            <a:ext cx="360000" cy="360000"/>
+          </a:xfrm>
+          <a:prstGeom prst="ellipse">
+            <a:avLst/>
+          </a:prstGeom>
+          <a:gradFill flip="none" rotWithShape="1">
+            <a:gsLst>
+              <a:gs pos="100000">
+                <a:schemeClr val="bg2">
+                  <a:lumMod val="50000"/>
+                  <a:lumOff val="50000"/>
+                </a:schemeClr>
+              </a:gs>
+              <a:gs pos="60000">
+                <a:schemeClr val="bg2"/>
+              </a:gs>
+            </a:gsLst>
+            <a:path path="circle">
+              <a:fillToRect l="100000" b="100000"/>
+            </a:path>
+            <a:tileRect t="-100000" r="-100000"/>
+          </a:gradFill>
+          <a:ln>
+            <a:noFill/>
+          </a:ln>
+          <a:effectLst>
+            <a:innerShdw blurRad="127000" dist="63500" dir="2700000">
+              <a:schemeClr val="accent1">
+                <a:lumMod val="60000"/>
+                <a:lumOff val="40000"/>
+                <a:alpha val="20000"/>
+              </a:schemeClr>
+            </a:innerShdw>
+            <a:softEdge rad="0"/>
+          </a:effectLst>
+        </p:spPr>
+        <p:style>
+          <a:lnRef idx="2">
+            <a:schemeClr val="accent1">
+              <a:shade val="50000"/>
+            </a:schemeClr>
+          </a:lnRef>
+          <a:fillRef idx="1">
+            <a:schemeClr val="accent1"/>
+          </a:fillRef>
+          <a:effectRef idx="0">
+            <a:schemeClr val="accent1"/>
+          </a:effectRef>
+          <a:fontRef idx="minor">
+            <a:schemeClr val="lt1"/>
+          </a:fontRef>
+        </p:style>
+        <p:txBody>
+          <a:bodyPr rot="0" spcFirstLastPara="0" vertOverflow="overflow" horzOverflow="overflow" vert="horz" wrap="square" lIns="91440" tIns="45720" rIns="91440" bIns="45720" numCol="1" spcCol="0" rtlCol="0" fromWordArt="0" anchor="ctr" anchorCtr="0" forceAA="0" compatLnSpc="1">
+            <a:prstTxWarp prst="textNoShape">
+              <a:avLst/>
+            </a:prstTxWarp>
+            <a:noAutofit/>
+          </a:bodyPr>
+          <a:lstStyle/>
+          <a:p>
+            <a:pPr algn="ctr"/>
+            <a:endParaRPr lang="en-US"/>
+          </a:p>
+        </p:txBody>
+      </p:sp>
+      <p:grpSp>
+        <p:nvGrpSpPr>
+          <p:cNvPr id="28" name="Group 27">
+            <a:extLst>
+              <a:ext uri="{FF2B5EF4-FFF2-40B4-BE49-F238E27FC236}">
+                <a16:creationId xmlns:a16="http://schemas.microsoft.com/office/drawing/2014/main" id="{0780E404-3121-4F33-AF2D-65F659A97798}"/>
+              </a:ext>
+              <a:ext uri="{C183D7F6-B498-43B3-948B-1728B52AA6E4}">
+                <adec:decorative xmlns:adec="http://schemas.microsoft.com/office/drawing/2017/decorative" val="1"/>
+              </a:ext>
+            </a:extLst>
+          </p:cNvPr>
+          <p:cNvGrpSpPr>
+            <a:grpSpLocks noGrp="1" noUngrp="1" noRot="1" noChangeAspect="1" noMove="1" noResize="1"/>
+          </p:cNvGrpSpPr>
+          <p:nvPr>
+            <p:extLst>
+              <p:ext uri="{386F3935-93C4-4BCD-93E2-E3B085C9AB24}">
+                <p16:designElem xmlns:p16="http://schemas.microsoft.com/office/powerpoint/2015/main" val="1"/>
+              </p:ext>
+            </p:extLst>
+          </p:nvPr>
+        </p:nvGrpSpPr>
+        <p:grpSpPr>
+          <a:xfrm>
+            <a:off x="2727675" y="288981"/>
+            <a:ext cx="1262947" cy="1335600"/>
+            <a:chOff x="2678417" y="2427951"/>
+            <a:chExt cx="1262947" cy="1335600"/>
+          </a:xfrm>
+        </p:grpSpPr>
+        <p:sp>
+          <p:nvSpPr>
+            <p:cNvPr id="29" name="Freeform: Shape 28">
+              <a:extLst>
+                <a:ext uri="{FF2B5EF4-FFF2-40B4-BE49-F238E27FC236}">
+                  <a16:creationId xmlns:a16="http://schemas.microsoft.com/office/drawing/2014/main" id="{2339341D-8322-49F1-91DA-6D115CCAE7AB}"/>
+                </a:ext>
+                <a:ext uri="{C183D7F6-B498-43B3-948B-1728B52AA6E4}">
+                  <adec:decorative xmlns:adec="http://schemas.microsoft.com/office/drawing/2017/decorative" val="1"/>
+                </a:ext>
+              </a:extLst>
+            </p:cNvPr>
+            <p:cNvSpPr>
+              <a:spLocks noChangeAspect="1"/>
+            </p:cNvSpPr>
+            <p:nvPr>
+              <p:extLst>
+                <p:ext uri="{386F3935-93C4-4BCD-93E2-E3B085C9AB24}">
+                  <p16:designElem xmlns:p16="http://schemas.microsoft.com/office/powerpoint/2015/main" val="1"/>
+                </p:ext>
+              </p:extLst>
+            </p:nvPr>
+          </p:nvSpPr>
+          <p:spPr>
+            <a:xfrm rot="2700000">
+              <a:off x="2769891" y="2336477"/>
+              <a:ext cx="1080000" cy="1262947"/>
+            </a:xfrm>
+            <a:custGeom>
+              <a:avLst/>
+              <a:gdLst>
+                <a:gd name="connsiteX0" fmla="*/ 540000 w 1080000"/>
+                <a:gd name="connsiteY0" fmla="*/ 0 h 1262947"/>
+                <a:gd name="connsiteX1" fmla="*/ 1080000 w 1080000"/>
+                <a:gd name="connsiteY1" fmla="*/ 931034 h 1262947"/>
+                <a:gd name="connsiteX2" fmla="*/ 1064374 w 1080000"/>
+                <a:gd name="connsiteY2" fmla="*/ 931034 h 1262947"/>
+                <a:gd name="connsiteX3" fmla="*/ 1069029 w 1080000"/>
+                <a:gd name="connsiteY3" fmla="*/ 938533 h 1262947"/>
+                <a:gd name="connsiteX4" fmla="*/ 1080000 w 1080000"/>
+                <a:gd name="connsiteY4" fmla="*/ 992947 h 1262947"/>
+                <a:gd name="connsiteX5" fmla="*/ 540000 w 1080000"/>
+                <a:gd name="connsiteY5" fmla="*/ 1262947 h 1262947"/>
+                <a:gd name="connsiteX6" fmla="*/ 0 w 1080000"/>
+                <a:gd name="connsiteY6" fmla="*/ 992947 h 1262947"/>
+                <a:gd name="connsiteX7" fmla="*/ 10971 w 1080000"/>
+                <a:gd name="connsiteY7" fmla="*/ 938533 h 1262947"/>
+                <a:gd name="connsiteX8" fmla="*/ 15626 w 1080000"/>
+                <a:gd name="connsiteY8" fmla="*/ 931034 h 1262947"/>
+                <a:gd name="connsiteX9" fmla="*/ 0 w 1080000"/>
+                <a:gd name="connsiteY9" fmla="*/ 931034 h 1262947"/>
+                <a:gd name="connsiteX0" fmla="*/ 540000 w 1080000"/>
+                <a:gd name="connsiteY0" fmla="*/ 0 h 1262947"/>
+                <a:gd name="connsiteX1" fmla="*/ 1080000 w 1080000"/>
+                <a:gd name="connsiteY1" fmla="*/ 931034 h 1262947"/>
+                <a:gd name="connsiteX2" fmla="*/ 1064374 w 1080000"/>
+                <a:gd name="connsiteY2" fmla="*/ 931034 h 1262947"/>
+                <a:gd name="connsiteX3" fmla="*/ 1069029 w 1080000"/>
+                <a:gd name="connsiteY3" fmla="*/ 938533 h 1262947"/>
+                <a:gd name="connsiteX4" fmla="*/ 1080000 w 1080000"/>
+                <a:gd name="connsiteY4" fmla="*/ 992947 h 1262947"/>
+                <a:gd name="connsiteX5" fmla="*/ 540000 w 1080000"/>
+                <a:gd name="connsiteY5" fmla="*/ 1262947 h 1262947"/>
+                <a:gd name="connsiteX6" fmla="*/ 0 w 1080000"/>
+                <a:gd name="connsiteY6" fmla="*/ 992947 h 1262947"/>
+                <a:gd name="connsiteX7" fmla="*/ 10971 w 1080000"/>
+                <a:gd name="connsiteY7" fmla="*/ 938533 h 1262947"/>
+                <a:gd name="connsiteX8" fmla="*/ 15626 w 1080000"/>
+                <a:gd name="connsiteY8" fmla="*/ 931034 h 1262947"/>
+                <a:gd name="connsiteX9" fmla="*/ 540000 w 1080000"/>
+                <a:gd name="connsiteY9" fmla="*/ 0 h 1262947"/>
+                <a:gd name="connsiteX0" fmla="*/ 540000 w 1080000"/>
+                <a:gd name="connsiteY0" fmla="*/ 0 h 1262947"/>
+                <a:gd name="connsiteX1" fmla="*/ 1064374 w 1080000"/>
+                <a:gd name="connsiteY1" fmla="*/ 931034 h 1262947"/>
+                <a:gd name="connsiteX2" fmla="*/ 1069029 w 1080000"/>
+                <a:gd name="connsiteY2" fmla="*/ 938533 h 1262947"/>
+                <a:gd name="connsiteX3" fmla="*/ 1080000 w 1080000"/>
+                <a:gd name="connsiteY3" fmla="*/ 992947 h 1262947"/>
+                <a:gd name="connsiteX4" fmla="*/ 540000 w 1080000"/>
+                <a:gd name="connsiteY4" fmla="*/ 1262947 h 1262947"/>
+                <a:gd name="connsiteX5" fmla="*/ 0 w 1080000"/>
+                <a:gd name="connsiteY5" fmla="*/ 992947 h 1262947"/>
+                <a:gd name="connsiteX6" fmla="*/ 10971 w 1080000"/>
+                <a:gd name="connsiteY6" fmla="*/ 938533 h 1262947"/>
+                <a:gd name="connsiteX7" fmla="*/ 15626 w 1080000"/>
+                <a:gd name="connsiteY7" fmla="*/ 931034 h 1262947"/>
+                <a:gd name="connsiteX8" fmla="*/ 540000 w 1080000"/>
+                <a:gd name="connsiteY8" fmla="*/ 0 h 1262947"/>
+              </a:gdLst>
+              <a:ahLst/>
+              <a:cxnLst>
+                <a:cxn ang="0">
+                  <a:pos x="connsiteX0" y="connsiteY0"/>
+                </a:cxn>
+                <a:cxn ang="0">
+                  <a:pos x="connsiteX1" y="connsiteY1"/>
+                </a:cxn>
+                <a:cxn ang="0">
+                  <a:pos x="connsiteX2" y="connsiteY2"/>
+                </a:cxn>
+                <a:cxn ang="0">
+                  <a:pos x="connsiteX3" y="connsiteY3"/>
+                </a:cxn>
+                <a:cxn ang="0">
+                  <a:pos x="connsiteX4" y="connsiteY4"/>
+                </a:cxn>
+                <a:cxn ang="0">
+                  <a:pos x="connsiteX5" y="connsiteY5"/>
+                </a:cxn>
+                <a:cxn ang="0">
+                  <a:pos x="connsiteX6" y="connsiteY6"/>
+                </a:cxn>
+                <a:cxn ang="0">
+                  <a:pos x="connsiteX7" y="connsiteY7"/>
+                </a:cxn>
+                <a:cxn ang="0">
+                  <a:pos x="connsiteX8" y="connsiteY8"/>
+                </a:cxn>
+              </a:cxnLst>
+              <a:rect l="l" t="t" r="r" b="b"/>
+              <a:pathLst>
+                <a:path w="1080000" h="1262947">
+                  <a:moveTo>
+                    <a:pt x="540000" y="0"/>
+                  </a:moveTo>
+                  <a:lnTo>
+                    <a:pt x="1064374" y="931034"/>
+                  </a:lnTo>
+                  <a:lnTo>
+                    <a:pt x="1069029" y="938533"/>
+                  </a:lnTo>
+                  <a:cubicBezTo>
+                    <a:pt x="1076223" y="956109"/>
+                    <a:pt x="1080000" y="974307"/>
+                    <a:pt x="1080000" y="992947"/>
+                  </a:cubicBezTo>
+                  <a:cubicBezTo>
+                    <a:pt x="1080000" y="1142064"/>
+                    <a:pt x="838234" y="1262947"/>
+                    <a:pt x="540000" y="1262947"/>
+                  </a:cubicBezTo>
+                  <a:cubicBezTo>
+                    <a:pt x="241766" y="1262947"/>
+                    <a:pt x="0" y="1142064"/>
+                    <a:pt x="0" y="992947"/>
+                  </a:cubicBezTo>
+                  <a:cubicBezTo>
+                    <a:pt x="0" y="974307"/>
+                    <a:pt x="3778" y="956109"/>
+                    <a:pt x="10971" y="938533"/>
+                  </a:cubicBezTo>
+                  <a:lnTo>
+                    <a:pt x="15626" y="931034"/>
+                  </a:lnTo>
+                  <a:lnTo>
+                    <a:pt x="540000" y="0"/>
+                  </a:lnTo>
+                  <a:close/>
+                </a:path>
+              </a:pathLst>
+            </a:custGeom>
+            <a:gradFill>
+              <a:gsLst>
+                <a:gs pos="60000">
+                  <a:schemeClr val="bg2">
+                    <a:lumMod val="90000"/>
+                    <a:lumOff val="10000"/>
+                  </a:schemeClr>
+                </a:gs>
+                <a:gs pos="30000">
+                  <a:schemeClr val="bg2">
+                    <a:lumMod val="90000"/>
+                    <a:lumOff val="10000"/>
+                  </a:schemeClr>
+                </a:gs>
+                <a:gs pos="40000">
+                  <a:schemeClr val="bg2">
+                    <a:lumMod val="75000"/>
+                    <a:lumOff val="25000"/>
+                  </a:schemeClr>
+                </a:gs>
+                <a:gs pos="100000">
+                  <a:schemeClr val="bg2"/>
+                </a:gs>
+              </a:gsLst>
+              <a:lin ang="600000" scaled="0"/>
+            </a:gradFill>
+            <a:ln>
+              <a:noFill/>
+            </a:ln>
+            <a:effectLst>
+              <a:innerShdw blurRad="254000" dist="101600" dir="2700000">
+                <a:schemeClr val="accent1">
+                  <a:lumMod val="60000"/>
+                  <a:lumOff val="40000"/>
+                  <a:alpha val="40000"/>
+                </a:schemeClr>
+              </a:innerShdw>
+            </a:effectLst>
+          </p:spPr>
+          <p:style>
+            <a:lnRef idx="2">
+              <a:schemeClr val="accent1">
+                <a:shade val="50000"/>
+              </a:schemeClr>
+            </a:lnRef>
+            <a:fillRef idx="1">
+              <a:schemeClr val="accent1"/>
+            </a:fillRef>
+            <a:effectRef idx="0">
+              <a:schemeClr val="accent1"/>
+            </a:effectRef>
+            <a:fontRef idx="minor">
+              <a:schemeClr val="lt1"/>
+            </a:fontRef>
+          </p:style>
+          <p:txBody>
+            <a:bodyPr rot="0" spcFirstLastPara="0" vertOverflow="overflow" horzOverflow="overflow" vert="horz" wrap="square" lIns="91440" tIns="45720" rIns="91440" bIns="45720" numCol="1" spcCol="0" rtlCol="0" fromWordArt="0" anchor="ctr" anchorCtr="0" forceAA="0" compatLnSpc="1">
+              <a:prstTxWarp prst="textNoShape">
+                <a:avLst/>
+              </a:prstTxWarp>
+              <a:noAutofit/>
+            </a:bodyPr>
+            <a:lstStyle/>
+            <a:p>
+              <a:pPr algn="ctr"/>
+              <a:endParaRPr lang="en-US"/>
+            </a:p>
+          </p:txBody>
+        </p:sp>
+        <p:sp>
+          <p:nvSpPr>
+            <p:cNvPr id="30" name="Oval 29">
+              <a:extLst>
+                <a:ext uri="{FF2B5EF4-FFF2-40B4-BE49-F238E27FC236}">
+                  <a16:creationId xmlns:a16="http://schemas.microsoft.com/office/drawing/2014/main" id="{7EB9DB0E-3B0E-411A-9274-448D565CA491}"/>
+                </a:ext>
+                <a:ext uri="{C183D7F6-B498-43B3-948B-1728B52AA6E4}">
+                  <adec:decorative xmlns:adec="http://schemas.microsoft.com/office/drawing/2017/decorative" val="1"/>
+                </a:ext>
+              </a:extLst>
+            </p:cNvPr>
+            <p:cNvSpPr/>
+            <p:nvPr>
+              <p:extLst>
+                <p:ext uri="{386F3935-93C4-4BCD-93E2-E3B085C9AB24}">
+                  <p16:designElem xmlns:p16="http://schemas.microsoft.com/office/powerpoint/2015/main" val="1"/>
+                </p:ext>
+              </p:extLst>
+            </p:nvPr>
+          </p:nvSpPr>
+          <p:spPr>
+            <a:xfrm rot="8100000">
+              <a:off x="2784291" y="2683551"/>
+              <a:ext cx="540000" cy="1080000"/>
+            </a:xfrm>
+            <a:prstGeom prst="ellipse">
+              <a:avLst/>
+            </a:prstGeom>
+            <a:gradFill>
+              <a:gsLst>
+                <a:gs pos="100000">
+                  <a:schemeClr val="bg2">
+                    <a:lumMod val="90000"/>
+                    <a:lumOff val="10000"/>
+                  </a:schemeClr>
+                </a:gs>
+                <a:gs pos="50000">
+                  <a:schemeClr val="bg2">
+                    <a:lumMod val="95000"/>
+                    <a:lumOff val="5000"/>
+                  </a:schemeClr>
+                </a:gs>
+              </a:gsLst>
+              <a:lin ang="5400000" scaled="0"/>
+            </a:gradFill>
+            <a:ln>
+              <a:noFill/>
+            </a:ln>
+            <a:effectLst>
+              <a:innerShdw blurRad="1270000" dist="2540000">
+                <a:schemeClr val="accent1">
+                  <a:lumMod val="60000"/>
+                  <a:lumOff val="40000"/>
+                  <a:alpha val="0"/>
+                </a:schemeClr>
+              </a:innerShdw>
+            </a:effectLst>
+          </p:spPr>
+          <p:style>
+            <a:lnRef idx="2">
+              <a:schemeClr val="accent1">
+                <a:shade val="50000"/>
+              </a:schemeClr>
+            </a:lnRef>
+            <a:fillRef idx="1">
+              <a:schemeClr val="accent1"/>
+            </a:fillRef>
+            <a:effectRef idx="0">
+              <a:schemeClr val="accent1"/>
+            </a:effectRef>
+            <a:fontRef idx="minor">
+              <a:schemeClr val="lt1"/>
+            </a:fontRef>
+          </p:style>
+          <p:txBody>
+            <a:bodyPr rot="0" spcFirstLastPara="0" vertOverflow="overflow" horzOverflow="overflow" vert="horz" wrap="square" lIns="91440" tIns="45720" rIns="91440" bIns="45720" numCol="1" spcCol="0" rtlCol="0" fromWordArt="0" anchor="ctr" anchorCtr="0" forceAA="0" compatLnSpc="1">
+              <a:prstTxWarp prst="textNoShape">
+                <a:avLst/>
+              </a:prstTxWarp>
+              <a:noAutofit/>
+            </a:bodyPr>
+            <a:lstStyle/>
+            <a:p>
+              <a:pPr algn="ctr"/>
+              <a:endParaRPr lang="en-US"/>
+            </a:p>
+          </p:txBody>
+        </p:sp>
+      </p:grpSp>
+      <p:sp>
+        <p:nvSpPr>
+          <p:cNvPr id="7" name="Tytuł 6">
+            <a:extLst>
+              <a:ext uri="{FF2B5EF4-FFF2-40B4-BE49-F238E27FC236}">
+                <a16:creationId xmlns:a16="http://schemas.microsoft.com/office/drawing/2014/main" id="{F02F8084-7128-0C65-4D90-BA3F36FBAF52}"/>
+              </a:ext>
+            </a:extLst>
+          </p:cNvPr>
+          <p:cNvSpPr>
+            <a:spLocks noGrp="1"/>
+          </p:cNvSpPr>
+          <p:nvPr>
+            <p:ph type="title"/>
+          </p:nvPr>
+        </p:nvSpPr>
+        <p:spPr>
+          <a:xfrm>
+            <a:off x="550864" y="549275"/>
+            <a:ext cx="3565524" cy="3034657"/>
+          </a:xfrm>
+        </p:spPr>
+        <p:txBody>
+          <a:bodyPr vert="horz" wrap="square" lIns="0" tIns="0" rIns="0" bIns="0" rtlCol="0" anchor="b" anchorCtr="0">
+            <a:normAutofit/>
+          </a:bodyPr>
+          <a:lstStyle/>
+          <a:p>
+            <a:r>
+              <a:rPr lang="en-US"/>
+              <a:t>Fiszki</a:t>
+            </a:r>
+          </a:p>
+        </p:txBody>
+      </p:sp>
+      <p:grpSp>
+        <p:nvGrpSpPr>
+          <p:cNvPr id="32" name="Group 31">
+            <a:extLst>
+              <a:ext uri="{FF2B5EF4-FFF2-40B4-BE49-F238E27FC236}">
+                <a16:creationId xmlns:a16="http://schemas.microsoft.com/office/drawing/2014/main" id="{4B158E9A-DBF4-4AA7-B6B7-8C8EB2FBDD68}"/>
+              </a:ext>
+              <a:ext uri="{C183D7F6-B498-43B3-948B-1728B52AA6E4}">
+                <adec:decorative xmlns:adec="http://schemas.microsoft.com/office/drawing/2017/decorative" val="1"/>
+              </a:ext>
+            </a:extLst>
+          </p:cNvPr>
+          <p:cNvGrpSpPr>
+            <a:grpSpLocks noGrp="1" noUngrp="1" noRot="1" noChangeAspect="1" noMove="1" noResize="1"/>
+          </p:cNvGrpSpPr>
+          <p:nvPr>
+            <p:extLst>
+              <p:ext uri="{386F3935-93C4-4BCD-93E2-E3B085C9AB24}">
+                <p16:designElem xmlns:p16="http://schemas.microsoft.com/office/powerpoint/2015/main" val="1"/>
+              </p:ext>
+            </p:extLst>
+          </p:nvPr>
+        </p:nvGrpSpPr>
+        <p:grpSpPr>
+          <a:xfrm>
+            <a:off x="2125249" y="5435090"/>
+            <a:ext cx="762805" cy="734873"/>
+            <a:chOff x="7950336" y="1300590"/>
+            <a:chExt cx="762805" cy="734873"/>
+          </a:xfrm>
+        </p:grpSpPr>
+        <p:sp>
+          <p:nvSpPr>
+            <p:cNvPr id="33" name="Freeform 5">
+              <a:extLst>
+                <a:ext uri="{FF2B5EF4-FFF2-40B4-BE49-F238E27FC236}">
+                  <a16:creationId xmlns:a16="http://schemas.microsoft.com/office/drawing/2014/main" id="{6150ACFD-AEC6-42A3-A5A7-E7AD6B13E03E}"/>
+                </a:ext>
+                <a:ext uri="{C183D7F6-B498-43B3-948B-1728B52AA6E4}">
+                  <adec:decorative xmlns:adec="http://schemas.microsoft.com/office/drawing/2017/decorative" val="1"/>
+                </a:ext>
+              </a:extLst>
+            </p:cNvPr>
+            <p:cNvSpPr>
+              <a:spLocks/>
+            </p:cNvSpPr>
+            <p:nvPr>
+              <p:extLst>
+                <p:ext uri="{386F3935-93C4-4BCD-93E2-E3B085C9AB24}">
+                  <p16:designElem xmlns:p16="http://schemas.microsoft.com/office/powerpoint/2015/main" val="1"/>
+                </p:ext>
+              </p:extLst>
+            </p:nvPr>
+          </p:nvSpPr>
+          <p:spPr bwMode="auto">
+            <a:xfrm rot="3600000">
+              <a:off x="8220298" y="1428832"/>
+              <a:ext cx="621086" cy="364601"/>
+            </a:xfrm>
+            <a:custGeom>
+              <a:avLst/>
+              <a:gdLst>
+                <a:gd name="T0" fmla="*/ 266 w 540"/>
+                <a:gd name="T1" fmla="*/ 0 h 317"/>
+                <a:gd name="T2" fmla="*/ 0 w 540"/>
+                <a:gd name="T3" fmla="*/ 158 h 317"/>
+                <a:gd name="T4" fmla="*/ 266 w 540"/>
+                <a:gd name="T5" fmla="*/ 317 h 317"/>
+                <a:gd name="T6" fmla="*/ 540 w 540"/>
+                <a:gd name="T7" fmla="*/ 158 h 317"/>
+                <a:gd name="T8" fmla="*/ 266 w 540"/>
+                <a:gd name="T9" fmla="*/ 0 h 317"/>
+              </a:gdLst>
+              <a:ahLst/>
+              <a:cxnLst>
+                <a:cxn ang="0">
+                  <a:pos x="T0" y="T1"/>
+                </a:cxn>
+                <a:cxn ang="0">
+                  <a:pos x="T2" y="T3"/>
+                </a:cxn>
+                <a:cxn ang="0">
+                  <a:pos x="T4" y="T5"/>
+                </a:cxn>
+                <a:cxn ang="0">
+                  <a:pos x="T6" y="T7"/>
+                </a:cxn>
+                <a:cxn ang="0">
+                  <a:pos x="T8" y="T9"/>
+                </a:cxn>
+              </a:cxnLst>
+              <a:rect l="0" t="0" r="r" b="b"/>
+              <a:pathLst>
+                <a:path w="540" h="317">
+                  <a:moveTo>
+                    <a:pt x="266" y="0"/>
+                  </a:moveTo>
+                  <a:lnTo>
+                    <a:pt x="0" y="158"/>
+                  </a:lnTo>
+                  <a:lnTo>
+                    <a:pt x="266" y="317"/>
+                  </a:lnTo>
+                  <a:lnTo>
+                    <a:pt x="540" y="158"/>
+                  </a:lnTo>
+                  <a:lnTo>
+                    <a:pt x="266" y="0"/>
+                  </a:lnTo>
+                  <a:close/>
+                </a:path>
+              </a:pathLst>
+            </a:custGeom>
+            <a:gradFill flip="none" rotWithShape="1">
+              <a:gsLst>
+                <a:gs pos="20000">
+                  <a:schemeClr val="bg2">
+                    <a:lumMod val="90000"/>
+                    <a:lumOff val="10000"/>
+                    <a:alpha val="60000"/>
+                  </a:schemeClr>
+                </a:gs>
+                <a:gs pos="100000">
+                  <a:schemeClr val="accent1">
+                    <a:lumMod val="60000"/>
+                    <a:lumOff val="40000"/>
+                    <a:alpha val="60000"/>
+                  </a:schemeClr>
+                </a:gs>
+              </a:gsLst>
+              <a:lin ang="0" scaled="0"/>
+              <a:tileRect/>
+            </a:gradFill>
+            <a:ln>
+              <a:noFill/>
+            </a:ln>
+            <a:effectLst>
+              <a:innerShdw blurRad="254000">
+                <a:schemeClr val="bg2"/>
+              </a:innerShdw>
+            </a:effectLst>
+          </p:spPr>
+          <p:style>
+            <a:lnRef idx="2">
+              <a:schemeClr val="accent1">
+                <a:shade val="50000"/>
+              </a:schemeClr>
+            </a:lnRef>
+            <a:fillRef idx="1">
+              <a:schemeClr val="accent1"/>
+            </a:fillRef>
+            <a:effectRef idx="0">
+              <a:schemeClr val="accent1"/>
+            </a:effectRef>
+            <a:fontRef idx="minor">
+              <a:schemeClr val="lt1"/>
+            </a:fontRef>
+          </p:style>
+          <p:txBody>
+            <a:bodyPr rot="0" spcFirstLastPara="0" vertOverflow="overflow" horzOverflow="overflow" vert="horz" wrap="square" lIns="91440" tIns="45720" rIns="91440" bIns="45720" numCol="1" spcCol="0" rtlCol="0" fromWordArt="0" anchor="ctr" anchorCtr="0" forceAA="0" compatLnSpc="1">
+              <a:prstTxWarp prst="textNoShape">
+                <a:avLst/>
+              </a:prstTxWarp>
+              <a:noAutofit/>
+            </a:bodyPr>
+            <a:lstStyle/>
+            <a:p>
+              <a:pPr algn="ctr"/>
+              <a:endParaRPr lang="en-US"/>
+            </a:p>
+          </p:txBody>
+        </p:sp>
+        <p:sp>
+          <p:nvSpPr>
+            <p:cNvPr id="34" name="Freeform 6">
+              <a:extLst>
+                <a:ext uri="{FF2B5EF4-FFF2-40B4-BE49-F238E27FC236}">
+                  <a16:creationId xmlns:a16="http://schemas.microsoft.com/office/drawing/2014/main" id="{DB4D1217-FEB1-4D2A-80F4-C227B66D72C6}"/>
+                </a:ext>
+                <a:ext uri="{C183D7F6-B498-43B3-948B-1728B52AA6E4}">
+                  <adec:decorative xmlns:adec="http://schemas.microsoft.com/office/drawing/2017/decorative" val="1"/>
+                </a:ext>
+              </a:extLst>
+            </p:cNvPr>
+            <p:cNvSpPr>
+              <a:spLocks/>
+            </p:cNvSpPr>
+            <p:nvPr>
+              <p:extLst>
+                <p:ext uri="{386F3935-93C4-4BCD-93E2-E3B085C9AB24}">
+                  <p16:designElem xmlns:p16="http://schemas.microsoft.com/office/powerpoint/2015/main" val="1"/>
+                </p:ext>
+              </p:extLst>
+            </p:nvPr>
+          </p:nvSpPr>
+          <p:spPr bwMode="auto">
+            <a:xfrm rot="3600000">
+              <a:off x="8066503" y="1339815"/>
+              <a:ext cx="305942" cy="538275"/>
+            </a:xfrm>
+            <a:custGeom>
+              <a:avLst/>
+              <a:gdLst>
+                <a:gd name="T0" fmla="*/ 266 w 266"/>
+                <a:gd name="T1" fmla="*/ 468 h 468"/>
+                <a:gd name="T2" fmla="*/ 0 w 266"/>
+                <a:gd name="T3" fmla="*/ 310 h 468"/>
+                <a:gd name="T4" fmla="*/ 0 w 266"/>
+                <a:gd name="T5" fmla="*/ 310 h 468"/>
+                <a:gd name="T6" fmla="*/ 0 w 266"/>
+                <a:gd name="T7" fmla="*/ 0 h 468"/>
+                <a:gd name="T8" fmla="*/ 0 w 266"/>
+                <a:gd name="T9" fmla="*/ 0 h 468"/>
+                <a:gd name="T10" fmla="*/ 266 w 266"/>
+                <a:gd name="T11" fmla="*/ 159 h 468"/>
+                <a:gd name="T12" fmla="*/ 266 w 266"/>
+                <a:gd name="T13" fmla="*/ 468 h 468"/>
+              </a:gdLst>
+              <a:ahLst/>
+              <a:cxnLst>
+                <a:cxn ang="0">
+                  <a:pos x="T0" y="T1"/>
+                </a:cxn>
+                <a:cxn ang="0">
+                  <a:pos x="T2" y="T3"/>
+                </a:cxn>
+                <a:cxn ang="0">
+                  <a:pos x="T4" y="T5"/>
+                </a:cxn>
+                <a:cxn ang="0">
+                  <a:pos x="T6" y="T7"/>
+                </a:cxn>
+                <a:cxn ang="0">
+                  <a:pos x="T8" y="T9"/>
+                </a:cxn>
+                <a:cxn ang="0">
+                  <a:pos x="T10" y="T11"/>
+                </a:cxn>
+                <a:cxn ang="0">
+                  <a:pos x="T12" y="T13"/>
+                </a:cxn>
+              </a:cxnLst>
+              <a:rect l="0" t="0" r="r" b="b"/>
+              <a:pathLst>
+                <a:path w="266" h="468">
+                  <a:moveTo>
+                    <a:pt x="266" y="468"/>
+                  </a:moveTo>
+                  <a:lnTo>
+                    <a:pt x="0" y="310"/>
+                  </a:lnTo>
+                  <a:lnTo>
+                    <a:pt x="0" y="310"/>
+                  </a:lnTo>
+                  <a:lnTo>
+                    <a:pt x="0" y="0"/>
+                  </a:lnTo>
+                  <a:lnTo>
+                    <a:pt x="0" y="0"/>
+                  </a:lnTo>
+                  <a:lnTo>
+                    <a:pt x="266" y="159"/>
+                  </a:lnTo>
+                  <a:lnTo>
+                    <a:pt x="266" y="468"/>
+                  </a:lnTo>
+                  <a:close/>
+                </a:path>
+              </a:pathLst>
+            </a:custGeom>
+            <a:gradFill flip="none" rotWithShape="1">
+              <a:gsLst>
+                <a:gs pos="20000">
+                  <a:schemeClr val="bg2">
+                    <a:lumMod val="90000"/>
+                    <a:lumOff val="10000"/>
+                    <a:alpha val="60000"/>
+                  </a:schemeClr>
+                </a:gs>
+                <a:gs pos="100000">
+                  <a:schemeClr val="accent1">
+                    <a:lumMod val="60000"/>
+                    <a:lumOff val="40000"/>
+                  </a:schemeClr>
+                </a:gs>
+              </a:gsLst>
+              <a:lin ang="18000000" scaled="0"/>
+              <a:tileRect/>
+            </a:gradFill>
+            <a:ln>
+              <a:noFill/>
+            </a:ln>
+            <a:effectLst>
+              <a:innerShdw blurRad="254000">
+                <a:schemeClr val="bg2">
+                  <a:lumMod val="90000"/>
+                  <a:lumOff val="10000"/>
+                </a:schemeClr>
+              </a:innerShdw>
+            </a:effectLst>
+          </p:spPr>
+          <p:style>
+            <a:lnRef idx="2">
+              <a:schemeClr val="accent1">
+                <a:shade val="50000"/>
+              </a:schemeClr>
+            </a:lnRef>
+            <a:fillRef idx="1">
+              <a:schemeClr val="accent1"/>
+            </a:fillRef>
+            <a:effectRef idx="0">
+              <a:schemeClr val="accent1"/>
+            </a:effectRef>
+            <a:fontRef idx="minor">
+              <a:schemeClr val="lt1"/>
+            </a:fontRef>
+          </p:style>
+          <p:txBody>
+            <a:bodyPr rot="0" spcFirstLastPara="0" vertOverflow="overflow" horzOverflow="overflow" vert="horz" wrap="square" lIns="91440" tIns="45720" rIns="91440" bIns="45720" numCol="1" spcCol="0" rtlCol="0" fromWordArt="0" anchor="ctr" anchorCtr="0" forceAA="0" compatLnSpc="1">
+              <a:prstTxWarp prst="textNoShape">
+                <a:avLst/>
+              </a:prstTxWarp>
+              <a:noAutofit/>
+            </a:bodyPr>
+            <a:lstStyle/>
+            <a:p>
+              <a:pPr algn="ctr"/>
+              <a:endParaRPr lang="en-US"/>
+            </a:p>
+          </p:txBody>
+        </p:sp>
+        <p:sp>
+          <p:nvSpPr>
+            <p:cNvPr id="35" name="Freeform 8">
+              <a:extLst>
+                <a:ext uri="{FF2B5EF4-FFF2-40B4-BE49-F238E27FC236}">
+                  <a16:creationId xmlns:a16="http://schemas.microsoft.com/office/drawing/2014/main" id="{0BCA7138-22BA-4785-8B3D-9D45213E85C9}"/>
+                </a:ext>
+                <a:ext uri="{C183D7F6-B498-43B3-948B-1728B52AA6E4}">
+                  <adec:decorative xmlns:adec="http://schemas.microsoft.com/office/drawing/2017/decorative" val="1"/>
+                </a:ext>
+              </a:extLst>
+            </p:cNvPr>
+            <p:cNvSpPr>
+              <a:spLocks/>
+            </p:cNvSpPr>
+            <p:nvPr>
+              <p:extLst>
+                <p:ext uri="{386F3935-93C4-4BCD-93E2-E3B085C9AB24}">
+                  <p16:designElem xmlns:p16="http://schemas.microsoft.com/office/powerpoint/2015/main" val="1"/>
+                </p:ext>
+              </p:extLst>
+            </p:nvPr>
+          </p:nvSpPr>
+          <p:spPr bwMode="auto">
+            <a:xfrm rot="3600000">
+              <a:off x="8217173" y="1608753"/>
+              <a:ext cx="315144" cy="538275"/>
+            </a:xfrm>
+            <a:custGeom>
+              <a:avLst/>
+              <a:gdLst>
+                <a:gd name="T0" fmla="*/ 274 w 274"/>
+                <a:gd name="T1" fmla="*/ 0 h 468"/>
+                <a:gd name="T2" fmla="*/ 274 w 274"/>
+                <a:gd name="T3" fmla="*/ 310 h 468"/>
+                <a:gd name="T4" fmla="*/ 274 w 274"/>
+                <a:gd name="T5" fmla="*/ 310 h 468"/>
+                <a:gd name="T6" fmla="*/ 0 w 274"/>
+                <a:gd name="T7" fmla="*/ 468 h 468"/>
+                <a:gd name="T8" fmla="*/ 0 w 274"/>
+                <a:gd name="T9" fmla="*/ 159 h 468"/>
+                <a:gd name="T10" fmla="*/ 274 w 274"/>
+                <a:gd name="T11" fmla="*/ 0 h 468"/>
+                <a:gd name="T12" fmla="*/ 274 w 274"/>
+                <a:gd name="T13" fmla="*/ 0 h 468"/>
+              </a:gdLst>
+              <a:ahLst/>
+              <a:cxnLst>
+                <a:cxn ang="0">
+                  <a:pos x="T0" y="T1"/>
+                </a:cxn>
+                <a:cxn ang="0">
+                  <a:pos x="T2" y="T3"/>
+                </a:cxn>
+                <a:cxn ang="0">
+                  <a:pos x="T4" y="T5"/>
+                </a:cxn>
+                <a:cxn ang="0">
+                  <a:pos x="T6" y="T7"/>
+                </a:cxn>
+                <a:cxn ang="0">
+                  <a:pos x="T8" y="T9"/>
+                </a:cxn>
+                <a:cxn ang="0">
+                  <a:pos x="T10" y="T11"/>
+                </a:cxn>
+                <a:cxn ang="0">
+                  <a:pos x="T12" y="T13"/>
+                </a:cxn>
+              </a:cxnLst>
+              <a:rect l="0" t="0" r="r" b="b"/>
+              <a:pathLst>
+                <a:path w="274" h="468">
+                  <a:moveTo>
+                    <a:pt x="274" y="0"/>
+                  </a:moveTo>
+                  <a:lnTo>
+                    <a:pt x="274" y="310"/>
+                  </a:lnTo>
+                  <a:lnTo>
+                    <a:pt x="274" y="310"/>
+                  </a:lnTo>
+                  <a:lnTo>
+                    <a:pt x="0" y="468"/>
+                  </a:lnTo>
+                  <a:lnTo>
+                    <a:pt x="0" y="159"/>
+                  </a:lnTo>
+                  <a:lnTo>
+                    <a:pt x="274" y="0"/>
+                  </a:lnTo>
+                  <a:lnTo>
+                    <a:pt x="274" y="0"/>
+                  </a:lnTo>
+                  <a:close/>
+                </a:path>
+              </a:pathLst>
+            </a:custGeom>
+            <a:gradFill flip="none" rotWithShape="1">
+              <a:gsLst>
+                <a:gs pos="20000">
+                  <a:schemeClr val="bg2">
+                    <a:lumMod val="90000"/>
+                    <a:lumOff val="10000"/>
+                    <a:alpha val="60000"/>
+                  </a:schemeClr>
+                </a:gs>
+                <a:gs pos="100000">
+                  <a:schemeClr val="accent1">
+                    <a:lumMod val="60000"/>
+                    <a:lumOff val="40000"/>
+                    <a:alpha val="60000"/>
+                  </a:schemeClr>
+                </a:gs>
+              </a:gsLst>
+              <a:lin ang="18000000" scaled="0"/>
+              <a:tileRect/>
+            </a:gradFill>
+            <a:ln>
+              <a:noFill/>
+            </a:ln>
+            <a:effectLst>
+              <a:innerShdw blurRad="508000">
+                <a:schemeClr val="bg2"/>
+              </a:innerShdw>
+            </a:effectLst>
+          </p:spPr>
+          <p:style>
+            <a:lnRef idx="2">
+              <a:schemeClr val="accent1">
+                <a:shade val="50000"/>
+              </a:schemeClr>
+            </a:lnRef>
+            <a:fillRef idx="1">
+              <a:schemeClr val="accent1"/>
+            </a:fillRef>
+            <a:effectRef idx="0">
+              <a:schemeClr val="accent1"/>
+            </a:effectRef>
+            <a:fontRef idx="minor">
+              <a:schemeClr val="lt1"/>
+            </a:fontRef>
+          </p:style>
+          <p:txBody>
+            <a:bodyPr rot="0" spcFirstLastPara="0" vertOverflow="overflow" horzOverflow="overflow" vert="horz" wrap="square" lIns="91440" tIns="45720" rIns="91440" bIns="45720" numCol="1" spcCol="0" rtlCol="0" fromWordArt="0" anchor="ctr" anchorCtr="0" forceAA="0" compatLnSpc="1">
+              <a:prstTxWarp prst="textNoShape">
+                <a:avLst/>
+              </a:prstTxWarp>
+              <a:noAutofit/>
+            </a:bodyPr>
+            <a:lstStyle/>
+            <a:p>
+              <a:pPr algn="ctr"/>
+              <a:endParaRPr lang="en-US"/>
+            </a:p>
+          </p:txBody>
+        </p:sp>
+      </p:grpSp>
+      <p:pic>
+        <p:nvPicPr>
+          <p:cNvPr id="5" name="Obraz 4">
+            <a:extLst>
+              <a:ext uri="{FF2B5EF4-FFF2-40B4-BE49-F238E27FC236}">
+                <a16:creationId xmlns:a16="http://schemas.microsoft.com/office/drawing/2014/main" id="{51D527DE-7BEB-8854-0C9E-F1BEA5CCF48F}"/>
+              </a:ext>
+            </a:extLst>
+          </p:cNvPr>
+          <p:cNvPicPr>
+            <a:picLocks noChangeAspect="1"/>
+          </p:cNvPicPr>
+          <p:nvPr/>
+        </p:nvPicPr>
+        <p:blipFill>
+          <a:blip r:embed="rId2"/>
+          <a:stretch>
+            <a:fillRect/>
+          </a:stretch>
+        </p:blipFill>
+        <p:spPr>
+          <a:xfrm>
+            <a:off x="4295776" y="1262911"/>
+            <a:ext cx="7345363" cy="4333764"/>
+          </a:xfrm>
+          <a:custGeom>
+            <a:avLst/>
+            <a:gdLst/>
+            <a:ahLst/>
+            <a:cxnLst/>
+            <a:rect l="l" t="t" r="r" b="b"/>
+            <a:pathLst>
+              <a:path w="7345363" h="5761037">
+                <a:moveTo>
+                  <a:pt x="0" y="0"/>
+                </a:moveTo>
+                <a:lnTo>
+                  <a:pt x="7345363" y="0"/>
+                </a:lnTo>
+                <a:lnTo>
+                  <a:pt x="7345363" y="5761037"/>
+                </a:lnTo>
+                <a:lnTo>
+                  <a:pt x="0" y="5761037"/>
+                </a:lnTo>
+                <a:close/>
+              </a:path>
+            </a:pathLst>
+          </a:custGeom>
+        </p:spPr>
+      </p:pic>
+    </p:spTree>
+    <p:extLst>
+      <p:ext uri="{BB962C8B-B14F-4D97-AF65-F5344CB8AC3E}">
+        <p14:creationId xmlns:p14="http://schemas.microsoft.com/office/powerpoint/2010/main" val="3989032595"/>
+      </p:ext>
+    </p:extLst>
+  </p:cSld>
+  <p:clrMapOvr>
+    <a:masterClrMapping/>
+  </p:clrMapOvr>
+</p:sld>
+</file>
+
+<file path=ppt/slides/slide7.xml><?xml version="1.0" encoding="utf-8"?>
+<p:sld xmlns:a="http://schemas.openxmlformats.org/drawingml/2006/main" xmlns:r="http://schemas.openxmlformats.org/officeDocument/2006/relationships" xmlns:p="http://schemas.openxmlformats.org/presentationml/2006/main">
+  <p:cSld>
+    <p:spTree>
+      <p:nvGrpSpPr>
+        <p:cNvPr id="1" name=""/>
+        <p:cNvGrpSpPr/>
+        <p:nvPr/>
+      </p:nvGrpSpPr>
+      <p:grpSpPr>
+        <a:xfrm>
+          <a:off x="0" y="0"/>
+          <a:ext cx="0" cy="0"/>
+          <a:chOff x="0" y="0"/>
+          <a:chExt cx="0" cy="0"/>
+        </a:xfrm>
+      </p:grpSpPr>
+      <p:sp>
+        <p:nvSpPr>
+          <p:cNvPr id="2" name="Tytuł 1">
+            <a:extLst>
+              <a:ext uri="{FF2B5EF4-FFF2-40B4-BE49-F238E27FC236}">
+                <a16:creationId xmlns:a16="http://schemas.microsoft.com/office/drawing/2014/main" id="{D49D20BC-298D-C571-CC54-0BC184A76ED8}"/>
+              </a:ext>
+            </a:extLst>
+          </p:cNvPr>
+          <p:cNvSpPr>
+            <a:spLocks noGrp="1"/>
+          </p:cNvSpPr>
+          <p:nvPr>
+            <p:ph type="title"/>
+          </p:nvPr>
+        </p:nvSpPr>
+        <p:spPr/>
+        <p:txBody>
+          <a:bodyPr/>
+          <a:lstStyle/>
+          <a:p>
+            <a:r>
+              <a:rPr lang="pl-PL" dirty="0"/>
+              <a:t>Problemy podejścia </a:t>
+            </a:r>
+            <a:r>
+              <a:rPr lang="pl-PL" dirty="0" err="1"/>
+              <a:t>memory-base</a:t>
+            </a:r>
+            <a:r>
+              <a:rPr lang="pl-PL" dirty="0"/>
+              <a:t>:</a:t>
+            </a:r>
+          </a:p>
+        </p:txBody>
+      </p:sp>
+      <p:sp>
+        <p:nvSpPr>
+          <p:cNvPr id="3" name="Symbol zastępczy zawartości 2">
+            <a:extLst>
+              <a:ext uri="{FF2B5EF4-FFF2-40B4-BE49-F238E27FC236}">
+                <a16:creationId xmlns:a16="http://schemas.microsoft.com/office/drawing/2014/main" id="{F775CB74-8541-04E6-FB1A-9F6BA5233820}"/>
+              </a:ext>
+            </a:extLst>
+          </p:cNvPr>
+          <p:cNvSpPr>
+            <a:spLocks noGrp="1"/>
+          </p:cNvSpPr>
+          <p:nvPr>
+            <p:ph idx="1"/>
+          </p:nvPr>
+        </p:nvSpPr>
+        <p:spPr>
+          <a:xfrm>
+            <a:off x="550863" y="2113199"/>
+            <a:ext cx="7578253" cy="3979625"/>
+          </a:xfrm>
+        </p:spPr>
+        <p:txBody>
+          <a:bodyPr/>
+          <a:lstStyle/>
+          <a:p>
+            <a:pPr marL="0" indent="0" algn="just">
+              <a:buNone/>
+            </a:pPr>
+            <a:r>
+              <a:rPr lang="pl-PL" dirty="0"/>
+              <a:t>Przechowywanie tylko wartościowych (trudnych) danych, które będą faktycznie coś zmieniać w naszym modelu:</a:t>
+            </a:r>
+          </a:p>
+          <a:p>
+            <a:pPr algn="just">
+              <a:buFontTx/>
+              <a:buChar char="-"/>
+            </a:pPr>
+            <a:r>
+              <a:rPr lang="pl-PL" dirty="0"/>
+              <a:t>problem wyboru istotnych danych do powtórek</a:t>
+            </a:r>
+          </a:p>
+          <a:p>
+            <a:pPr algn="just">
+              <a:buFontTx/>
+              <a:buChar char="-"/>
+            </a:pPr>
+            <a:r>
+              <a:rPr lang="pl-PL" dirty="0"/>
+              <a:t>problem zarządzania danymi</a:t>
+            </a:r>
+          </a:p>
+          <a:p>
+            <a:pPr algn="just">
+              <a:buFontTx/>
+              <a:buChar char="-"/>
+            </a:pPr>
+            <a:r>
+              <a:rPr lang="pl-PL" dirty="0"/>
+              <a:t>słaba jakość danych</a:t>
+            </a:r>
+          </a:p>
+        </p:txBody>
+      </p:sp>
+      <p:pic>
+        <p:nvPicPr>
+          <p:cNvPr id="3074" name="Picture 2">
+            <a:extLst>
+              <a:ext uri="{FF2B5EF4-FFF2-40B4-BE49-F238E27FC236}">
+                <a16:creationId xmlns:a16="http://schemas.microsoft.com/office/drawing/2014/main" id="{06133994-10A3-F323-DCE0-A6BE018422BE}"/>
+              </a:ext>
+            </a:extLst>
+          </p:cNvPr>
+          <p:cNvPicPr>
+            <a:picLocks noChangeAspect="1" noChangeArrowheads="1"/>
+          </p:cNvPicPr>
+          <p:nvPr/>
+        </p:nvPicPr>
+        <p:blipFill>
+          <a:blip r:embed="rId2">
+            <a:extLst>
+              <a:ext uri="{28A0092B-C50C-407E-A947-70E740481C1C}">
+                <a14:useLocalDpi xmlns:a14="http://schemas.microsoft.com/office/drawing/2010/main" val="0"/>
+              </a:ext>
+            </a:extLst>
+          </a:blip>
+          <a:srcRect/>
+          <a:stretch>
+            <a:fillRect/>
+          </a:stretch>
+        </p:blipFill>
+        <p:spPr bwMode="auto">
+          <a:xfrm>
+            <a:off x="8605574" y="2014842"/>
+            <a:ext cx="3144297" cy="3144297"/>
+          </a:xfrm>
+          <a:prstGeom prst="rect">
+            <a:avLst/>
+          </a:prstGeom>
+          <a:noFill/>
+          <a:extLst>
+            <a:ext uri="{909E8E84-426E-40DD-AFC4-6F175D3DCCD1}">
+              <a14:hiddenFill xmlns:a14="http://schemas.microsoft.com/office/drawing/2010/main">
+                <a:solidFill>
+                  <a:srgbClr val="FFFFFF"/>
+                </a:solidFill>
+              </a14:hiddenFill>
+            </a:ext>
+          </a:extLst>
+        </p:spPr>
+      </p:pic>
+    </p:spTree>
+    <p:extLst>
+      <p:ext uri="{BB962C8B-B14F-4D97-AF65-F5344CB8AC3E}">
+        <p14:creationId xmlns:p14="http://schemas.microsoft.com/office/powerpoint/2010/main" val="3159621508"/>
+      </p:ext>
+    </p:extLst>
+  </p:cSld>
+  <p:clrMapOvr>
+    <a:masterClrMapping/>
+  </p:clrMapOvr>
+</p:sld>
+</file>
+
+<file path=ppt/slides/slide8.xml><?xml version="1.0" encoding="utf-8"?>
 <p:sld xmlns:a="http://schemas.openxmlformats.org/drawingml/2006/main" xmlns:r="http://schemas.openxmlformats.org/officeDocument/2006/relationships" xmlns:p="http://schemas.openxmlformats.org/presentationml/2006/main">
   <p:cSld>
     <p:spTree>
@@ -9545,23 +16692,7 @@
           <a:p>
             <a:r>
               <a:rPr lang="pl-PL" dirty="0"/>
-              <a:t>Trzy typy </a:t>
-            </a:r>
-            <a:r>
-              <a:rPr lang="pl-PL" dirty="0" err="1"/>
-              <a:t>class</a:t>
-            </a:r>
-            <a:r>
-              <a:rPr lang="pl-PL" dirty="0"/>
-              <a:t> </a:t>
-            </a:r>
-            <a:r>
-              <a:rPr lang="pl-PL" dirty="0" err="1"/>
-              <a:t>incremental</a:t>
-            </a:r>
-            <a:r>
-              <a:rPr lang="pl-PL" dirty="0"/>
-              <a:t>:</a:t>
+              <a:t>Trzy scenariusze uczenia ciągłego:</a:t>
             </a:r>
             <a:br>
               <a:rPr lang="pl-PL" dirty="0"/>
@@ -9589,16 +16720,26 @@
         <p:spPr>
           <a:xfrm>
             <a:off x="549538" y="1636949"/>
-            <a:ext cx="11090274" cy="3979625"/>
+            <a:ext cx="11090274" cy="4987587"/>
           </a:xfrm>
         </p:spPr>
         <p:txBody>
-          <a:bodyPr/>
+          <a:bodyPr>
+            <a:normAutofit fontScale="85000" lnSpcReduction="20000"/>
+          </a:bodyPr>
           <a:lstStyle/>
           <a:p>
             <a:r>
               <a:rPr lang="pl-PL" dirty="0"/>
-              <a:t>Class-IL</a:t>
+              <a:t>Class </a:t>
+            </a:r>
+            <a:r>
+              <a:rPr lang="pl-PL" dirty="0" err="1"/>
+              <a:t>Incremental</a:t>
+            </a:r>
+            <a:r>
+              <a:rPr lang="pl-PL" dirty="0"/>
+              <a:t> Learning (CIL)</a:t>
             </a:r>
           </a:p>
           <a:p>
@@ -9608,12 +16749,6 @@
             <a:endParaRPr lang="pl-PL" dirty="0"/>
           </a:p>
           <a:p>
-            <a:r>
-              <a:rPr lang="pl-PL" dirty="0"/>
-              <a:t>Task-IL</a:t>
-            </a:r>
-          </a:p>
-          <a:p>
             <a:pPr marL="0" indent="0">
               <a:buNone/>
             </a:pPr>
@@ -9621,12 +16756,68 @@
           </a:p>
           <a:p>
             <a:r>
+              <a:rPr lang="pl-PL" dirty="0"/>
+              <a:t>Task </a:t>
+            </a:r>
+            <a:r>
+              <a:rPr lang="pl-PL" dirty="0" err="1"/>
+              <a:t>Incremental</a:t>
+            </a:r>
+            <a:r>
+              <a:rPr lang="pl-PL" dirty="0"/>
+              <a:t> Learning (TIL)</a:t>
+            </a:r>
+          </a:p>
+          <a:p>
+            <a:pPr marL="0" indent="0">
+              <a:buNone/>
+            </a:pPr>
+            <a:endParaRPr lang="pl-PL" dirty="0"/>
+          </a:p>
+          <a:p>
+            <a:pPr marL="0" indent="0">
+              <a:buNone/>
+            </a:pPr>
+            <a:endParaRPr lang="pl-PL" dirty="0"/>
+          </a:p>
+          <a:p>
+            <a:r>
               <a:rPr lang="pl-PL" dirty="0" err="1"/>
               <a:t>Domain</a:t>
             </a:r>
             <a:r>
               <a:rPr lang="pl-PL" dirty="0"/>
-              <a:t>-IL</a:t>
+              <a:t> </a:t>
+            </a:r>
+            <a:r>
+              <a:rPr lang="pl-PL" dirty="0" err="1"/>
+              <a:t>Incremental</a:t>
+            </a:r>
+            <a:r>
+              <a:rPr lang="pl-PL" dirty="0"/>
+              <a:t> Learning (DIL)</a:t>
+            </a:r>
+          </a:p>
+          <a:p>
+            <a:endParaRPr lang="pl-PL" dirty="0"/>
+          </a:p>
+          <a:p>
+            <a:pPr marL="0" indent="0">
+              <a:buNone/>
+            </a:pPr>
+            <a:r>
+              <a:rPr lang="pl-PL" sz="2100" dirty="0"/>
+              <a:t>i czwarty:</a:t>
+            </a:r>
+          </a:p>
+          <a:p>
+            <a:r>
+              <a:rPr lang="pl-PL" sz="2100" dirty="0" err="1"/>
+              <a:t>Blurry</a:t>
+            </a:r>
+            <a:r>
+              <a:rPr lang="pl-PL" sz="2100" dirty="0"/>
+              <a:t>-CIL</a:t>
             </a:r>
           </a:p>
         </p:txBody>
@@ -9734,7 +16925,7 @@
 </p:sld>
 </file>
 
-<file path=ppt/slides/slide5.xml><?xml version="1.0" encoding="utf-8"?>
+<file path=ppt/slides/slide9.xml><?xml version="1.0" encoding="utf-8"?>
 <p:sld xmlns:a="http://schemas.openxmlformats.org/drawingml/2006/main" xmlns:r="http://schemas.openxmlformats.org/officeDocument/2006/relationships" xmlns:p="http://schemas.openxmlformats.org/presentationml/2006/main">
   <p:cSld>
     <p:spTree>
@@ -9799,8 +16990,38 @@
         </p:nvSpPr>
         <p:spPr/>
         <p:txBody>
-          <a:bodyPr/>
+          <a:bodyPr>
+            <a:normAutofit/>
+          </a:bodyPr>
           <a:lstStyle/>
+          <a:p>
+            <a:r>
+              <a:rPr lang="pl-PL" dirty="0" err="1"/>
+              <a:t>Rainbow</a:t>
+            </a:r>
+            <a:r>
+              <a:rPr lang="pl-PL" dirty="0"/>
+              <a:t> </a:t>
+            </a:r>
+            <a:r>
+              <a:rPr lang="pl-PL" dirty="0" err="1"/>
+              <a:t>memory</a:t>
+            </a:r>
+            <a:r>
+              <a:rPr lang="pl-PL" dirty="0"/>
+              <a:t> [2]</a:t>
+            </a:r>
+          </a:p>
+          <a:p>
+            <a:r>
+              <a:rPr lang="en-US" sz="2400" dirty="0"/>
+              <a:t>Memory Selection with Contrastive Learning</a:t>
+            </a:r>
+            <a:r>
+              <a:rPr lang="pl-PL" sz="2400" dirty="0"/>
+              <a:t> (MSCL) [3]</a:t>
+            </a:r>
+          </a:p>
           <a:p>
             <a:r>
               <a:rPr lang="pl-PL" dirty="0" err="1"/>
@@ -9840,55 +17061,6 @@
               <a:rPr lang="pl-PL" dirty="0"/>
               <a:t> (KD)</a:t>
             </a:r>
-          </a:p>
-          <a:p>
-            <a:r>
-              <a:rPr lang="pl-PL" dirty="0"/>
-              <a:t>Fine </a:t>
-            </a:r>
-            <a:r>
-              <a:rPr lang="pl-PL" dirty="0" err="1"/>
-              <a:t>tuning</a:t>
-            </a:r>
-            <a:endParaRPr lang="pl-PL" dirty="0"/>
-          </a:p>
-          <a:p>
-            <a:r>
-              <a:rPr lang="pl-PL" dirty="0"/>
-              <a:t>Learning </a:t>
-            </a:r>
-            <a:r>
-              <a:rPr lang="pl-PL" dirty="0" err="1"/>
-              <a:t>without</a:t>
-            </a:r>
-            <a:r>
-              <a:rPr lang="pl-PL" dirty="0"/>
-              <a:t> </a:t>
-            </a:r>
-            <a:r>
-              <a:rPr lang="pl-PL" dirty="0" err="1"/>
-              <a:t>forgetting</a:t>
-            </a:r>
-            <a:endParaRPr lang="pl-PL" dirty="0"/>
-          </a:p>
-          <a:p>
-            <a:r>
-              <a:rPr lang="pl-PL" dirty="0"/>
-              <a:t>Learning </a:t>
-            </a:r>
-            <a:r>
-              <a:rPr lang="pl-PL" dirty="0" err="1"/>
-              <a:t>without</a:t>
-            </a:r>
-            <a:r>
-              <a:rPr lang="pl-PL" dirty="0"/>
-              <a:t> </a:t>
-            </a:r>
-            <a:r>
-              <a:rPr lang="pl-PL" dirty="0" err="1"/>
-              <a:t>memorizing</a:t>
-            </a:r>
-            <a:endParaRPr lang="pl-PL" dirty="0"/>
           </a:p>
         </p:txBody>
       </p:sp>
@@ -9896,929 +17068,6 @@
     <p:extLst>
       <p:ext uri="{BB962C8B-B14F-4D97-AF65-F5344CB8AC3E}">
         <p14:creationId xmlns:p14="http://schemas.microsoft.com/office/powerpoint/2010/main" val="881907111"/>
-      </p:ext>
-    </p:extLst>
-  </p:cSld>
-  <p:clrMapOvr>
-    <a:masterClrMapping/>
-  </p:clrMapOvr>
-</p:sld>
-</file>
-
-<file path=ppt/slides/slide6.xml><?xml version="1.0" encoding="utf-8"?>
-<p:sld xmlns:a="http://schemas.openxmlformats.org/drawingml/2006/main" xmlns:r="http://schemas.openxmlformats.org/officeDocument/2006/relationships" xmlns:p="http://schemas.openxmlformats.org/presentationml/2006/main">
-  <p:cSld>
-    <p:spTree>
-      <p:nvGrpSpPr>
-        <p:cNvPr id="1" name=""/>
-        <p:cNvGrpSpPr/>
-        <p:nvPr/>
-      </p:nvGrpSpPr>
-      <p:grpSpPr>
-        <a:xfrm>
-          <a:off x="0" y="0"/>
-          <a:ext cx="0" cy="0"/>
-          <a:chOff x="0" y="0"/>
-          <a:chExt cx="0" cy="0"/>
-        </a:xfrm>
-      </p:grpSpPr>
-      <p:sp>
-        <p:nvSpPr>
-          <p:cNvPr id="2" name="Tytuł 1">
-            <a:extLst>
-              <a:ext uri="{FF2B5EF4-FFF2-40B4-BE49-F238E27FC236}">
-                <a16:creationId xmlns:a16="http://schemas.microsoft.com/office/drawing/2014/main" id="{05AA669C-3A0F-D904-ADEC-5725DB7926E9}"/>
-              </a:ext>
-            </a:extLst>
-          </p:cNvPr>
-          <p:cNvSpPr>
-            <a:spLocks noGrp="1"/>
-          </p:cNvSpPr>
-          <p:nvPr>
-            <p:ph type="title"/>
-          </p:nvPr>
-        </p:nvSpPr>
-        <p:spPr/>
-        <p:txBody>
-          <a:bodyPr/>
-          <a:lstStyle/>
-          <a:p>
-            <a:r>
-              <a:rPr lang="pl-PL"/>
-              <a:t>Problem dokładniej, wyzwania</a:t>
-            </a:r>
-          </a:p>
-        </p:txBody>
-      </p:sp>
-      <p:sp>
-        <p:nvSpPr>
-          <p:cNvPr id="3" name="Symbol zastępczy zawartości 2">
-            <a:extLst>
-              <a:ext uri="{FF2B5EF4-FFF2-40B4-BE49-F238E27FC236}">
-                <a16:creationId xmlns:a16="http://schemas.microsoft.com/office/drawing/2014/main" id="{64248597-9E2D-A986-3995-754689FF2F48}"/>
-              </a:ext>
-            </a:extLst>
-          </p:cNvPr>
-          <p:cNvSpPr>
-            <a:spLocks noGrp="1"/>
-          </p:cNvSpPr>
-          <p:nvPr>
-            <p:ph idx="1"/>
-          </p:nvPr>
-        </p:nvSpPr>
-        <p:spPr/>
-        <p:txBody>
-          <a:bodyPr/>
-          <a:lstStyle/>
-          <a:p>
-            <a:endParaRPr lang="pl-PL"/>
-          </a:p>
-        </p:txBody>
-      </p:sp>
-    </p:spTree>
-    <p:extLst>
-      <p:ext uri="{BB962C8B-B14F-4D97-AF65-F5344CB8AC3E}">
-        <p14:creationId xmlns:p14="http://schemas.microsoft.com/office/powerpoint/2010/main" val="1589515699"/>
-      </p:ext>
-    </p:extLst>
-  </p:cSld>
-  <p:clrMapOvr>
-    <a:masterClrMapping/>
-  </p:clrMapOvr>
-</p:sld>
-</file>
-
-<file path=ppt/slides/slide7.xml><?xml version="1.0" encoding="utf-8"?>
-<p:sld xmlns:a="http://schemas.openxmlformats.org/drawingml/2006/main" xmlns:r="http://schemas.openxmlformats.org/officeDocument/2006/relationships" xmlns:p="http://schemas.openxmlformats.org/presentationml/2006/main">
-  <p:cSld>
-    <p:spTree>
-      <p:nvGrpSpPr>
-        <p:cNvPr id="1" name=""/>
-        <p:cNvGrpSpPr/>
-        <p:nvPr/>
-      </p:nvGrpSpPr>
-      <p:grpSpPr>
-        <a:xfrm>
-          <a:off x="0" y="0"/>
-          <a:ext cx="0" cy="0"/>
-          <a:chOff x="0" y="0"/>
-          <a:chExt cx="0" cy="0"/>
-        </a:xfrm>
-      </p:grpSpPr>
-      <p:sp>
-        <p:nvSpPr>
-          <p:cNvPr id="2" name="Tytuł 1">
-            <a:extLst>
-              <a:ext uri="{FF2B5EF4-FFF2-40B4-BE49-F238E27FC236}">
-                <a16:creationId xmlns:a16="http://schemas.microsoft.com/office/drawing/2014/main" id="{ADB6C13A-CBB4-5DFE-7D25-4B99C245D642}"/>
-              </a:ext>
-            </a:extLst>
-          </p:cNvPr>
-          <p:cNvSpPr>
-            <a:spLocks noGrp="1"/>
-          </p:cNvSpPr>
-          <p:nvPr>
-            <p:ph type="title"/>
-          </p:nvPr>
-        </p:nvSpPr>
-        <p:spPr/>
-        <p:txBody>
-          <a:bodyPr>
-            <a:normAutofit/>
-          </a:bodyPr>
-          <a:lstStyle/>
-          <a:p>
-            <a:r>
-              <a:rPr lang="pl-PL" dirty="0"/>
-              <a:t>Przegląd publikacji</a:t>
-            </a:r>
-          </a:p>
-        </p:txBody>
-      </p:sp>
-      <p:sp>
-        <p:nvSpPr>
-          <p:cNvPr id="3" name="Symbol zastępczy zawartości 2">
-            <a:extLst>
-              <a:ext uri="{FF2B5EF4-FFF2-40B4-BE49-F238E27FC236}">
-                <a16:creationId xmlns:a16="http://schemas.microsoft.com/office/drawing/2014/main" id="{8BC0ACFA-B0A5-8BB1-ADE1-12B0E0F6A937}"/>
-              </a:ext>
-            </a:extLst>
-          </p:cNvPr>
-          <p:cNvSpPr>
-            <a:spLocks noGrp="1"/>
-          </p:cNvSpPr>
-          <p:nvPr>
-            <p:ph idx="1"/>
-          </p:nvPr>
-        </p:nvSpPr>
-        <p:spPr/>
-        <p:txBody>
-          <a:bodyPr>
-            <a:normAutofit fontScale="92500" lnSpcReduction="20000"/>
-          </a:bodyPr>
-          <a:lstStyle/>
-          <a:p>
-            <a:pPr indent="449580" algn="just">
-              <a:lnSpc>
-                <a:spcPct val="107000"/>
-              </a:lnSpc>
-              <a:spcAft>
-                <a:spcPts val="800"/>
-              </a:spcAft>
-            </a:pPr>
-            <a:r>
-              <a:rPr lang="pl-PL" sz="1800" kern="100" dirty="0">
-                <a:effectLst/>
-                <a:latin typeface="Aptos" panose="020B0004020202020204" pitchFamily="34" charset="0"/>
-                <a:ea typeface="Aptos" panose="020B0004020202020204" pitchFamily="34" charset="0"/>
-                <a:cs typeface="Times New Roman" panose="02020603050405020304" pitchFamily="18" charset="0"/>
-              </a:rPr>
-              <a:t>Artykuł</a:t>
-            </a:r>
-            <a:r>
-              <a:rPr lang="pl-PL" sz="1800" b="1" kern="100" dirty="0">
-                <a:effectLst/>
-                <a:latin typeface="Aptos" panose="020B0004020202020204" pitchFamily="34" charset="0"/>
-                <a:ea typeface="Aptos" panose="020B0004020202020204" pitchFamily="34" charset="0"/>
-                <a:cs typeface="Times New Roman" panose="02020603050405020304" pitchFamily="18" charset="0"/>
-              </a:rPr>
-              <a:t> „</a:t>
-            </a:r>
-            <a:r>
-              <a:rPr lang="pl-PL" sz="1800" b="1" kern="100" dirty="0" err="1">
-                <a:effectLst/>
-                <a:latin typeface="Aptos" panose="020B0004020202020204" pitchFamily="34" charset="0"/>
-                <a:ea typeface="Aptos" panose="020B0004020202020204" pitchFamily="34" charset="0"/>
-                <a:cs typeface="Times New Roman" panose="02020603050405020304" pitchFamily="18" charset="0"/>
-              </a:rPr>
-              <a:t>Continual</a:t>
-            </a:r>
-            <a:r>
-              <a:rPr lang="pl-PL" sz="1800" b="1" kern="100" dirty="0">
-                <a:effectLst/>
-                <a:latin typeface="Aptos" panose="020B0004020202020204" pitchFamily="34" charset="0"/>
-                <a:ea typeface="Aptos" panose="020B0004020202020204" pitchFamily="34" charset="0"/>
-                <a:cs typeface="Times New Roman" panose="02020603050405020304" pitchFamily="18" charset="0"/>
-              </a:rPr>
-              <a:t> Learning with Knowledge </a:t>
-            </a:r>
-            <a:r>
-              <a:rPr lang="pl-PL" sz="1800" b="1" kern="100" dirty="0" err="1">
-                <a:effectLst/>
-                <a:latin typeface="Aptos" panose="020B0004020202020204" pitchFamily="34" charset="0"/>
-                <a:ea typeface="Aptos" panose="020B0004020202020204" pitchFamily="34" charset="0"/>
-                <a:cs typeface="Times New Roman" panose="02020603050405020304" pitchFamily="18" charset="0"/>
-              </a:rPr>
-              <a:t>Distillation</a:t>
-            </a:r>
-            <a:r>
-              <a:rPr lang="pl-PL" sz="1800" b="1" kern="100" dirty="0">
-                <a:effectLst/>
-                <a:latin typeface="Aptos" panose="020B0004020202020204" pitchFamily="34" charset="0"/>
-                <a:ea typeface="Aptos" panose="020B0004020202020204" pitchFamily="34" charset="0"/>
-                <a:cs typeface="Times New Roman" panose="02020603050405020304" pitchFamily="18" charset="0"/>
-              </a:rPr>
-              <a:t>: A </a:t>
-            </a:r>
-            <a:r>
-              <a:rPr lang="pl-PL" sz="1800" b="1" kern="100" dirty="0" err="1">
-                <a:effectLst/>
-                <a:latin typeface="Aptos" panose="020B0004020202020204" pitchFamily="34" charset="0"/>
-                <a:ea typeface="Aptos" panose="020B0004020202020204" pitchFamily="34" charset="0"/>
-                <a:cs typeface="Times New Roman" panose="02020603050405020304" pitchFamily="18" charset="0"/>
-              </a:rPr>
-              <a:t>Survey</a:t>
-            </a:r>
-            <a:r>
-              <a:rPr lang="pl-PL" sz="1800" b="1" kern="100" dirty="0">
-                <a:effectLst/>
-                <a:latin typeface="Aptos" panose="020B0004020202020204" pitchFamily="34" charset="0"/>
-                <a:ea typeface="Aptos" panose="020B0004020202020204" pitchFamily="34" charset="0"/>
-                <a:cs typeface="Times New Roman" panose="02020603050405020304" pitchFamily="18" charset="0"/>
-              </a:rPr>
-              <a:t>” (2024r.)</a:t>
-            </a:r>
-            <a:r>
-              <a:rPr lang="pl-PL" sz="1800" kern="100" dirty="0">
-                <a:effectLst/>
-                <a:latin typeface="Aptos" panose="020B0004020202020204" pitchFamily="34" charset="0"/>
-                <a:ea typeface="Aptos" panose="020B0004020202020204" pitchFamily="34" charset="0"/>
-                <a:cs typeface="Times New Roman" panose="02020603050405020304" pitchFamily="18" charset="0"/>
-              </a:rPr>
-              <a:t> analizuje metody ciągłego uczenia maszynowego oparte na destylacji wiedzy, które redukują problem katastroficznego zapominania. Autorzy eksperymentalnie potwierdzają skuteczność destylacji wiedzy w kontekście klasyfikacji obrazów, takich jak CIFAR-100, </a:t>
-            </a:r>
-            <a:r>
-              <a:rPr lang="pl-PL" sz="1800" kern="100" dirty="0" err="1">
-                <a:effectLst/>
-                <a:latin typeface="Aptos" panose="020B0004020202020204" pitchFamily="34" charset="0"/>
-                <a:ea typeface="Aptos" panose="020B0004020202020204" pitchFamily="34" charset="0"/>
-                <a:cs typeface="Times New Roman" panose="02020603050405020304" pitchFamily="18" charset="0"/>
-              </a:rPr>
-              <a:t>Tiny-ImageNet</a:t>
-            </a:r>
-            <a:r>
-              <a:rPr lang="pl-PL" sz="1800" kern="100" dirty="0">
-                <a:effectLst/>
-                <a:latin typeface="Aptos" panose="020B0004020202020204" pitchFamily="34" charset="0"/>
-                <a:ea typeface="Aptos" panose="020B0004020202020204" pitchFamily="34" charset="0"/>
-                <a:cs typeface="Times New Roman" panose="02020603050405020304" pitchFamily="18" charset="0"/>
-              </a:rPr>
-              <a:t> i ImageNet-100, gdzie mniej złożony model (student) jest uczony na podstawie wyjść bardziej złożonego modelu (</a:t>
-            </a:r>
-            <a:r>
-              <a:rPr lang="pl-PL" sz="1800" kern="100" dirty="0" err="1">
-                <a:effectLst/>
-                <a:latin typeface="Aptos" panose="020B0004020202020204" pitchFamily="34" charset="0"/>
-                <a:ea typeface="Aptos" panose="020B0004020202020204" pitchFamily="34" charset="0"/>
-                <a:cs typeface="Times New Roman" panose="02020603050405020304" pitchFamily="18" charset="0"/>
-              </a:rPr>
-              <a:t>teacher</a:t>
-            </a:r>
-            <a:r>
-              <a:rPr lang="pl-PL" sz="1800" kern="100" dirty="0">
-                <a:effectLst/>
-                <a:latin typeface="Aptos" panose="020B0004020202020204" pitchFamily="34" charset="0"/>
-                <a:ea typeface="Aptos" panose="020B0004020202020204" pitchFamily="34" charset="0"/>
-                <a:cs typeface="Times New Roman" panose="02020603050405020304" pitchFamily="18" charset="0"/>
-              </a:rPr>
-              <a:t>).</a:t>
-            </a:r>
-          </a:p>
-          <a:p>
-            <a:pPr indent="449580" algn="just">
-              <a:lnSpc>
-                <a:spcPct val="107000"/>
-              </a:lnSpc>
-              <a:spcAft>
-                <a:spcPts val="800"/>
-              </a:spcAft>
-            </a:pPr>
-            <a:r>
-              <a:rPr lang="pl-PL" sz="1800" kern="100" dirty="0">
-                <a:effectLst/>
-                <a:latin typeface="Aptos" panose="020B0004020202020204" pitchFamily="34" charset="0"/>
-                <a:ea typeface="Aptos" panose="020B0004020202020204" pitchFamily="34" charset="0"/>
-                <a:cs typeface="Times New Roman" panose="02020603050405020304" pitchFamily="18" charset="0"/>
-              </a:rPr>
-              <a:t>Przegląd</a:t>
-            </a:r>
-            <a:r>
-              <a:rPr lang="pl-PL" sz="1800" kern="100" dirty="0">
-                <a:effectLst/>
-                <a:latin typeface="Aptos" panose="020B0004020202020204" pitchFamily="34" charset="0"/>
-                <a:ea typeface="NimbusRomNo9L-Regu"/>
-                <a:cs typeface="Times New Roman" panose="02020603050405020304" pitchFamily="18" charset="0"/>
-              </a:rPr>
-              <a:t> „</a:t>
-            </a:r>
-            <a:r>
-              <a:rPr lang="pl-PL" sz="1800" b="1" kern="100" dirty="0">
-                <a:effectLst/>
-                <a:latin typeface="Aptos" panose="020B0004020202020204" pitchFamily="34" charset="0"/>
-                <a:ea typeface="Aptos" panose="020B0004020202020204" pitchFamily="34" charset="0"/>
-                <a:cs typeface="Times New Roman" panose="02020603050405020304" pitchFamily="18" charset="0"/>
-              </a:rPr>
-              <a:t>A Comprehensive </a:t>
-            </a:r>
-            <a:r>
-              <a:rPr lang="pl-PL" sz="1800" b="1" kern="100" dirty="0" err="1">
-                <a:effectLst/>
-                <a:latin typeface="Aptos" panose="020B0004020202020204" pitchFamily="34" charset="0"/>
-                <a:ea typeface="Aptos" panose="020B0004020202020204" pitchFamily="34" charset="0"/>
-                <a:cs typeface="Times New Roman" panose="02020603050405020304" pitchFamily="18" charset="0"/>
-              </a:rPr>
-              <a:t>Survey</a:t>
-            </a:r>
-            <a:r>
-              <a:rPr lang="pl-PL" sz="1800" b="1" kern="100" dirty="0">
-                <a:effectLst/>
-                <a:latin typeface="Aptos" panose="020B0004020202020204" pitchFamily="34" charset="0"/>
-                <a:ea typeface="Aptos" panose="020B0004020202020204" pitchFamily="34" charset="0"/>
-                <a:cs typeface="Times New Roman" panose="02020603050405020304" pitchFamily="18" charset="0"/>
-              </a:rPr>
-              <a:t> of </a:t>
-            </a:r>
-            <a:r>
-              <a:rPr lang="pl-PL" sz="1800" b="1" kern="100" dirty="0" err="1">
-                <a:effectLst/>
-                <a:latin typeface="Aptos" panose="020B0004020202020204" pitchFamily="34" charset="0"/>
-                <a:ea typeface="Aptos" panose="020B0004020202020204" pitchFamily="34" charset="0"/>
-                <a:cs typeface="Times New Roman" panose="02020603050405020304" pitchFamily="18" charset="0"/>
-              </a:rPr>
-              <a:t>Continual</a:t>
-            </a:r>
-            <a:r>
-              <a:rPr lang="pl-PL" sz="1800" b="1" kern="100" dirty="0">
-                <a:effectLst/>
-                <a:latin typeface="Aptos" panose="020B0004020202020204" pitchFamily="34" charset="0"/>
-                <a:ea typeface="Aptos" panose="020B0004020202020204" pitchFamily="34" charset="0"/>
-                <a:cs typeface="Times New Roman" panose="02020603050405020304" pitchFamily="18" charset="0"/>
-              </a:rPr>
-              <a:t> Learning: </a:t>
-            </a:r>
-            <a:r>
-              <a:rPr lang="pl-PL" sz="1800" b="1" kern="100" dirty="0" err="1">
-                <a:effectLst/>
-                <a:latin typeface="Aptos" panose="020B0004020202020204" pitchFamily="34" charset="0"/>
-                <a:ea typeface="Aptos" panose="020B0004020202020204" pitchFamily="34" charset="0"/>
-                <a:cs typeface="Times New Roman" panose="02020603050405020304" pitchFamily="18" charset="0"/>
-              </a:rPr>
-              <a:t>Theory</a:t>
-            </a:r>
-            <a:r>
-              <a:rPr lang="pl-PL" sz="1800" b="1" kern="100" dirty="0">
-                <a:effectLst/>
-                <a:latin typeface="Aptos" panose="020B0004020202020204" pitchFamily="34" charset="0"/>
-                <a:ea typeface="Aptos" panose="020B0004020202020204" pitchFamily="34" charset="0"/>
-                <a:cs typeface="Times New Roman" panose="02020603050405020304" pitchFamily="18" charset="0"/>
-              </a:rPr>
-              <a:t>, Method and Application” (2015r.)</a:t>
-            </a:r>
-            <a:r>
-              <a:rPr lang="pl-PL" sz="1800" kern="100" dirty="0">
-                <a:effectLst/>
-                <a:latin typeface="Aptos" panose="020B0004020202020204" pitchFamily="34" charset="0"/>
-                <a:ea typeface="Aptos" panose="020B0004020202020204" pitchFamily="34" charset="0"/>
-                <a:cs typeface="Times New Roman" panose="02020603050405020304" pitchFamily="18" charset="0"/>
-              </a:rPr>
-              <a:t>  przedstawia połączenie uczenia ciągłego z innymi zagadnieniami sztucznej inteligencji takimi jak: modele dyfuzyjne, modele fundamentowe, architektury oparte na transformerach, uczenie wielomodalne, sztuczna inteligencja osadzona.</a:t>
-            </a:r>
-          </a:p>
-          <a:p>
-            <a:pPr indent="449580" algn="just">
-              <a:lnSpc>
-                <a:spcPct val="107000"/>
-              </a:lnSpc>
-              <a:spcAft>
-                <a:spcPts val="800"/>
-              </a:spcAft>
-            </a:pPr>
-            <a:r>
-              <a:rPr lang="pl-PL" sz="1800" kern="100" dirty="0">
-                <a:effectLst/>
-                <a:latin typeface="Aptos" panose="020B0004020202020204" pitchFamily="34" charset="0"/>
-                <a:ea typeface="Aptos" panose="020B0004020202020204" pitchFamily="34" charset="0"/>
-                <a:cs typeface="Times New Roman" panose="02020603050405020304" pitchFamily="18" charset="0"/>
-              </a:rPr>
-              <a:t>W artykule „</a:t>
-            </a:r>
-            <a:r>
-              <a:rPr lang="pl-PL" sz="1800" b="1" kern="100" dirty="0" err="1">
-                <a:effectLst/>
-                <a:latin typeface="Aptos" panose="020B0004020202020204" pitchFamily="34" charset="0"/>
-                <a:ea typeface="Aptos" panose="020B0004020202020204" pitchFamily="34" charset="0"/>
-                <a:cs typeface="Times New Roman" panose="02020603050405020304" pitchFamily="18" charset="0"/>
-              </a:rPr>
-              <a:t>Continual</a:t>
-            </a:r>
-            <a:r>
-              <a:rPr lang="pl-PL" sz="1800" b="1" kern="100" dirty="0">
-                <a:effectLst/>
-                <a:latin typeface="Aptos" panose="020B0004020202020204" pitchFamily="34" charset="0"/>
-                <a:ea typeface="Aptos" panose="020B0004020202020204" pitchFamily="34" charset="0"/>
-                <a:cs typeface="Times New Roman" panose="02020603050405020304" pitchFamily="18" charset="0"/>
-              </a:rPr>
-              <a:t> </a:t>
-            </a:r>
-            <a:r>
-              <a:rPr lang="pl-PL" sz="1800" b="1" kern="100" dirty="0" err="1">
-                <a:effectLst/>
-                <a:latin typeface="Aptos" panose="020B0004020202020204" pitchFamily="34" charset="0"/>
-                <a:ea typeface="Aptos" panose="020B0004020202020204" pitchFamily="34" charset="0"/>
-                <a:cs typeface="Times New Roman" panose="02020603050405020304" pitchFamily="18" charset="0"/>
-              </a:rPr>
-              <a:t>Lifelong</a:t>
-            </a:r>
-            <a:r>
-              <a:rPr lang="pl-PL" sz="1800" b="1" kern="100" dirty="0">
-                <a:effectLst/>
-                <a:latin typeface="Aptos" panose="020B0004020202020204" pitchFamily="34" charset="0"/>
-                <a:ea typeface="Aptos" panose="020B0004020202020204" pitchFamily="34" charset="0"/>
-                <a:cs typeface="Times New Roman" panose="02020603050405020304" pitchFamily="18" charset="0"/>
-              </a:rPr>
-              <a:t> Learning with </a:t>
-            </a:r>
-            <a:r>
-              <a:rPr lang="pl-PL" sz="1800" b="1" kern="100" dirty="0" err="1">
-                <a:effectLst/>
-                <a:latin typeface="Aptos" panose="020B0004020202020204" pitchFamily="34" charset="0"/>
-                <a:ea typeface="Aptos" panose="020B0004020202020204" pitchFamily="34" charset="0"/>
-                <a:cs typeface="Times New Roman" panose="02020603050405020304" pitchFamily="18" charset="0"/>
-              </a:rPr>
-              <a:t>Neural</a:t>
-            </a:r>
-            <a:r>
-              <a:rPr lang="pl-PL" sz="1800" b="1" kern="100" dirty="0">
-                <a:effectLst/>
-                <a:latin typeface="Aptos" panose="020B0004020202020204" pitchFamily="34" charset="0"/>
-                <a:ea typeface="Aptos" panose="020B0004020202020204" pitchFamily="34" charset="0"/>
-                <a:cs typeface="Times New Roman" panose="02020603050405020304" pitchFamily="18" charset="0"/>
-              </a:rPr>
-              <a:t> Networks: A </a:t>
-            </a:r>
-            <a:r>
-              <a:rPr lang="pl-PL" sz="1800" b="1" kern="100" dirty="0" err="1">
-                <a:effectLst/>
-                <a:latin typeface="Aptos" panose="020B0004020202020204" pitchFamily="34" charset="0"/>
-                <a:ea typeface="Aptos" panose="020B0004020202020204" pitchFamily="34" charset="0"/>
-                <a:cs typeface="Times New Roman" panose="02020603050405020304" pitchFamily="18" charset="0"/>
-              </a:rPr>
-              <a:t>Review</a:t>
-            </a:r>
-            <a:r>
-              <a:rPr lang="pl-PL" sz="1800" b="1" kern="100" dirty="0">
-                <a:effectLst/>
-                <a:latin typeface="Aptos" panose="020B0004020202020204" pitchFamily="34" charset="0"/>
-                <a:ea typeface="Aptos" panose="020B0004020202020204" pitchFamily="34" charset="0"/>
-                <a:cs typeface="Times New Roman" panose="02020603050405020304" pitchFamily="18" charset="0"/>
-              </a:rPr>
-              <a:t>” (2019r.)</a:t>
-            </a:r>
-            <a:r>
-              <a:rPr lang="pl-PL" sz="1800" kern="100" dirty="0">
-                <a:effectLst/>
-                <a:latin typeface="Aptos" panose="020B0004020202020204" pitchFamily="34" charset="0"/>
-                <a:ea typeface="Aptos" panose="020B0004020202020204" pitchFamily="34" charset="0"/>
-                <a:cs typeface="Times New Roman" panose="02020603050405020304" pitchFamily="18" charset="0"/>
-              </a:rPr>
-              <a:t> dokonano porównania wyników wybranych modeli na różnych zbiorach danych obrazowych takich jak MNIST, CUB-200 i CORe50. </a:t>
-            </a:r>
-            <a:r>
-              <a:rPr lang="en-US" sz="1800" kern="100" dirty="0" err="1">
-                <a:effectLst/>
-                <a:latin typeface="Aptos" panose="020B0004020202020204" pitchFamily="34" charset="0"/>
-                <a:ea typeface="Aptos" panose="020B0004020202020204" pitchFamily="34" charset="0"/>
-                <a:cs typeface="Times New Roman" panose="02020603050405020304" pitchFamily="18" charset="0"/>
-              </a:rPr>
-              <a:t>Przedstawione</a:t>
-            </a:r>
-            <a:r>
-              <a:rPr lang="en-US" sz="1800" kern="100" dirty="0">
-                <a:effectLst/>
-                <a:latin typeface="Aptos" panose="020B0004020202020204" pitchFamily="34" charset="0"/>
-                <a:ea typeface="Aptos" panose="020B0004020202020204" pitchFamily="34" charset="0"/>
-                <a:cs typeface="Times New Roman" panose="02020603050405020304" pitchFamily="18" charset="0"/>
-              </a:rPr>
-              <a:t> </a:t>
-            </a:r>
-            <a:r>
-              <a:rPr lang="en-US" sz="1800" kern="100" dirty="0" err="1">
-                <a:effectLst/>
-                <a:latin typeface="Aptos" panose="020B0004020202020204" pitchFamily="34" charset="0"/>
-                <a:ea typeface="Aptos" panose="020B0004020202020204" pitchFamily="34" charset="0"/>
-                <a:cs typeface="Times New Roman" panose="02020603050405020304" pitchFamily="18" charset="0"/>
-              </a:rPr>
-              <a:t>metody</a:t>
-            </a:r>
-            <a:r>
-              <a:rPr lang="en-US" sz="1800" kern="100" dirty="0">
-                <a:effectLst/>
-                <a:latin typeface="Aptos" panose="020B0004020202020204" pitchFamily="34" charset="0"/>
-                <a:ea typeface="Aptos" panose="020B0004020202020204" pitchFamily="34" charset="0"/>
-                <a:cs typeface="Times New Roman" panose="02020603050405020304" pitchFamily="18" charset="0"/>
-              </a:rPr>
-              <a:t> to EWC (Elastic Weight Consolidation), FEL (Forget-Extra Learning), MLP (Multi-Layer Perceptron), </a:t>
-            </a:r>
-            <a:r>
-              <a:rPr lang="en-US" sz="1800" kern="100" dirty="0" err="1">
-                <a:effectLst/>
-                <a:latin typeface="Aptos" panose="020B0004020202020204" pitchFamily="34" charset="0"/>
-                <a:ea typeface="Aptos" panose="020B0004020202020204" pitchFamily="34" charset="0"/>
-                <a:cs typeface="Times New Roman" panose="02020603050405020304" pitchFamily="18" charset="0"/>
-              </a:rPr>
-              <a:t>GeppNet</a:t>
-            </a:r>
-            <a:r>
-              <a:rPr lang="en-US" sz="1800" kern="100" dirty="0">
-                <a:effectLst/>
-                <a:latin typeface="Aptos" panose="020B0004020202020204" pitchFamily="34" charset="0"/>
-                <a:ea typeface="Aptos" panose="020B0004020202020204" pitchFamily="34" charset="0"/>
-                <a:cs typeface="Times New Roman" panose="02020603050405020304" pitchFamily="18" charset="0"/>
-              </a:rPr>
-              <a:t> (Generalized Episodic Parameter Propagation Network) </a:t>
-            </a:r>
-            <a:r>
-              <a:rPr lang="en-US" sz="1800" kern="100" dirty="0" err="1">
-                <a:effectLst/>
-                <a:latin typeface="Aptos" panose="020B0004020202020204" pitchFamily="34" charset="0"/>
-                <a:ea typeface="Aptos" panose="020B0004020202020204" pitchFamily="34" charset="0"/>
-                <a:cs typeface="Times New Roman" panose="02020603050405020304" pitchFamily="18" charset="0"/>
-              </a:rPr>
-              <a:t>oraz</a:t>
-            </a:r>
-            <a:r>
-              <a:rPr lang="en-US" sz="1800" kern="100" dirty="0">
-                <a:effectLst/>
-                <a:latin typeface="Aptos" panose="020B0004020202020204" pitchFamily="34" charset="0"/>
-                <a:ea typeface="Aptos" panose="020B0004020202020204" pitchFamily="34" charset="0"/>
-                <a:cs typeface="Times New Roman" panose="02020603050405020304" pitchFamily="18" charset="0"/>
-              </a:rPr>
-              <a:t> </a:t>
-            </a:r>
-            <a:r>
-              <a:rPr lang="en-US" sz="1800" kern="100" dirty="0" err="1">
-                <a:effectLst/>
-                <a:latin typeface="Aptos" panose="020B0004020202020204" pitchFamily="34" charset="0"/>
-                <a:ea typeface="Aptos" panose="020B0004020202020204" pitchFamily="34" charset="0"/>
-                <a:cs typeface="Times New Roman" panose="02020603050405020304" pitchFamily="18" charset="0"/>
-              </a:rPr>
-              <a:t>GeppNet</a:t>
-            </a:r>
-            <a:r>
-              <a:rPr lang="en-US" sz="1800" kern="100" dirty="0">
-                <a:effectLst/>
-                <a:latin typeface="Aptos" panose="020B0004020202020204" pitchFamily="34" charset="0"/>
-                <a:ea typeface="Aptos" panose="020B0004020202020204" pitchFamily="34" charset="0"/>
-                <a:cs typeface="Times New Roman" panose="02020603050405020304" pitchFamily="18" charset="0"/>
-              </a:rPr>
-              <a:t> + STM (Short-Term Memory). </a:t>
-            </a:r>
-            <a:r>
-              <a:rPr lang="pl-PL" sz="1800" kern="100" dirty="0">
-                <a:effectLst/>
-                <a:latin typeface="Aptos" panose="020B0004020202020204" pitchFamily="34" charset="0"/>
-                <a:ea typeface="Aptos" panose="020B0004020202020204" pitchFamily="34" charset="0"/>
-                <a:cs typeface="Times New Roman" panose="02020603050405020304" pitchFamily="18" charset="0"/>
-              </a:rPr>
-              <a:t>Artykuł wskazuje, że </a:t>
-            </a:r>
-            <a:r>
-              <a:rPr lang="pl-PL" sz="1800" kern="100" dirty="0" err="1">
-                <a:effectLst/>
-                <a:latin typeface="Aptos" panose="020B0004020202020204" pitchFamily="34" charset="0"/>
-                <a:ea typeface="Aptos" panose="020B0004020202020204" pitchFamily="34" charset="0"/>
-                <a:cs typeface="Times New Roman" panose="02020603050405020304" pitchFamily="18" charset="0"/>
-              </a:rPr>
-              <a:t>GeppNet</a:t>
-            </a:r>
-            <a:r>
-              <a:rPr lang="pl-PL" sz="1800" kern="100" dirty="0">
-                <a:effectLst/>
-                <a:latin typeface="Aptos" panose="020B0004020202020204" pitchFamily="34" charset="0"/>
-                <a:ea typeface="Aptos" panose="020B0004020202020204" pitchFamily="34" charset="0"/>
-                <a:cs typeface="Times New Roman" panose="02020603050405020304" pitchFamily="18" charset="0"/>
-              </a:rPr>
-              <a:t> osiąga najlepsze wyniki na zbiorze MNIST, a </a:t>
-            </a:r>
-            <a:r>
-              <a:rPr lang="pl-PL" sz="1800" kern="100" dirty="0" err="1">
-                <a:effectLst/>
-                <a:latin typeface="Aptos" panose="020B0004020202020204" pitchFamily="34" charset="0"/>
-                <a:ea typeface="Aptos" panose="020B0004020202020204" pitchFamily="34" charset="0"/>
-                <a:cs typeface="Times New Roman" panose="02020603050405020304" pitchFamily="18" charset="0"/>
-              </a:rPr>
-              <a:t>GeppNet</a:t>
-            </a:r>
-            <a:r>
-              <a:rPr lang="pl-PL" sz="1800" kern="100" dirty="0">
-                <a:effectLst/>
-                <a:latin typeface="Aptos" panose="020B0004020202020204" pitchFamily="34" charset="0"/>
-                <a:ea typeface="Aptos" panose="020B0004020202020204" pitchFamily="34" charset="0"/>
-                <a:cs typeface="Times New Roman" panose="02020603050405020304" pitchFamily="18" charset="0"/>
-              </a:rPr>
-              <a:t> + STM na zbiorze CUB-200 oraz </a:t>
-            </a:r>
-            <a:r>
-              <a:rPr lang="pl-PL" sz="1800" kern="100" dirty="0" err="1">
-                <a:effectLst/>
-                <a:latin typeface="Aptos" panose="020B0004020202020204" pitchFamily="34" charset="0"/>
-                <a:ea typeface="Aptos" panose="020B0004020202020204" pitchFamily="34" charset="0"/>
-                <a:cs typeface="Times New Roman" panose="02020603050405020304" pitchFamily="18" charset="0"/>
-              </a:rPr>
-              <a:t>AudioSet</a:t>
-            </a:r>
-            <a:r>
-              <a:rPr lang="pl-PL" sz="1800" kern="100" dirty="0">
-                <a:effectLst/>
-                <a:latin typeface="Aptos" panose="020B0004020202020204" pitchFamily="34" charset="0"/>
-                <a:ea typeface="Aptos" panose="020B0004020202020204" pitchFamily="34" charset="0"/>
-                <a:cs typeface="Times New Roman" panose="02020603050405020304" pitchFamily="18" charset="0"/>
-              </a:rPr>
-              <a:t>.</a:t>
-            </a:r>
-          </a:p>
-          <a:p>
-            <a:endParaRPr lang="pl-PL" dirty="0"/>
-          </a:p>
-        </p:txBody>
-      </p:sp>
-    </p:spTree>
-    <p:extLst>
-      <p:ext uri="{BB962C8B-B14F-4D97-AF65-F5344CB8AC3E}">
-        <p14:creationId xmlns:p14="http://schemas.microsoft.com/office/powerpoint/2010/main" val="803108911"/>
-      </p:ext>
-    </p:extLst>
-  </p:cSld>
-  <p:clrMapOvr>
-    <a:masterClrMapping/>
-  </p:clrMapOvr>
-</p:sld>
-</file>
-
-<file path=ppt/slides/slide8.xml><?xml version="1.0" encoding="utf-8"?>
-<p:sld xmlns:a="http://schemas.openxmlformats.org/drawingml/2006/main" xmlns:r="http://schemas.openxmlformats.org/officeDocument/2006/relationships" xmlns:p="http://schemas.openxmlformats.org/presentationml/2006/main">
-  <p:cSld>
-    <p:spTree>
-      <p:nvGrpSpPr>
-        <p:cNvPr id="1" name=""/>
-        <p:cNvGrpSpPr/>
-        <p:nvPr/>
-      </p:nvGrpSpPr>
-      <p:grpSpPr>
-        <a:xfrm>
-          <a:off x="0" y="0"/>
-          <a:ext cx="0" cy="0"/>
-          <a:chOff x="0" y="0"/>
-          <a:chExt cx="0" cy="0"/>
-        </a:xfrm>
-      </p:grpSpPr>
-      <p:sp>
-        <p:nvSpPr>
-          <p:cNvPr id="2" name="Tytuł 1">
-            <a:extLst>
-              <a:ext uri="{FF2B5EF4-FFF2-40B4-BE49-F238E27FC236}">
-                <a16:creationId xmlns:a16="http://schemas.microsoft.com/office/drawing/2014/main" id="{B52E7B5E-0A61-6F69-AEF5-F642D71B5BD8}"/>
-              </a:ext>
-            </a:extLst>
-          </p:cNvPr>
-          <p:cNvSpPr>
-            <a:spLocks noGrp="1"/>
-          </p:cNvSpPr>
-          <p:nvPr>
-            <p:ph type="title"/>
-          </p:nvPr>
-        </p:nvSpPr>
-        <p:spPr/>
-        <p:txBody>
-          <a:bodyPr/>
-          <a:lstStyle/>
-          <a:p>
-            <a:endParaRPr lang="pl-PL"/>
-          </a:p>
-        </p:txBody>
-      </p:sp>
-      <p:sp>
-        <p:nvSpPr>
-          <p:cNvPr id="3" name="Symbol zastępczy zawartości 2">
-            <a:extLst>
-              <a:ext uri="{FF2B5EF4-FFF2-40B4-BE49-F238E27FC236}">
-                <a16:creationId xmlns:a16="http://schemas.microsoft.com/office/drawing/2014/main" id="{E489297B-4EF8-39D4-4B6A-483087E4AE10}"/>
-              </a:ext>
-            </a:extLst>
-          </p:cNvPr>
-          <p:cNvSpPr>
-            <a:spLocks noGrp="1"/>
-          </p:cNvSpPr>
-          <p:nvPr>
-            <p:ph idx="1"/>
-          </p:nvPr>
-        </p:nvSpPr>
-        <p:spPr/>
-        <p:txBody>
-          <a:bodyPr/>
-          <a:lstStyle/>
-          <a:p>
-            <a:endParaRPr lang="pl-PL" dirty="0"/>
-          </a:p>
-        </p:txBody>
-      </p:sp>
-      <p:sp>
-        <p:nvSpPr>
-          <p:cNvPr id="5" name="pole tekstowe 4">
-            <a:extLst>
-              <a:ext uri="{FF2B5EF4-FFF2-40B4-BE49-F238E27FC236}">
-                <a16:creationId xmlns:a16="http://schemas.microsoft.com/office/drawing/2014/main" id="{42EB2CA9-81A1-8B14-CD28-47B165D85B96}"/>
-              </a:ext>
-            </a:extLst>
-          </p:cNvPr>
-          <p:cNvSpPr txBox="1"/>
-          <p:nvPr/>
-        </p:nvSpPr>
-        <p:spPr>
-          <a:xfrm>
-            <a:off x="550862" y="2671795"/>
-            <a:ext cx="6097508" cy="1477328"/>
-          </a:xfrm>
-          <a:prstGeom prst="rect">
-            <a:avLst/>
-          </a:prstGeom>
-          <a:noFill/>
-        </p:spPr>
-        <p:txBody>
-          <a:bodyPr wrap="square">
-            <a:spAutoFit/>
-          </a:bodyPr>
-          <a:lstStyle/>
-          <a:p>
-            <a:pPr algn="l" rtl="0"/>
-            <a:r>
-              <a:rPr lang="pl-PL" dirty="0">
-                <a:effectLst/>
-              </a:rPr>
-              <a:t>Wraz prezentacją proszę o dostarczenie szkiców rozdziałów pracy (w postaci plików PDF):</a:t>
-            </a:r>
-          </a:p>
-          <a:p>
-            <a:pPr>
-              <a:buFont typeface="+mj-lt"/>
-              <a:buAutoNum type="arabicPeriod"/>
-            </a:pPr>
-            <a:r>
-              <a:rPr lang="pl-PL" dirty="0"/>
-              <a:t>Cel i motywacja</a:t>
-            </a:r>
-          </a:p>
-          <a:p>
-            <a:pPr>
-              <a:buFont typeface="+mj-lt"/>
-              <a:buAutoNum type="arabicPeriod"/>
-            </a:pPr>
-            <a:r>
-              <a:rPr lang="pl-PL" dirty="0"/>
-              <a:t>Przedstawienie problemu</a:t>
-            </a:r>
-          </a:p>
-          <a:p>
-            <a:pPr>
-              <a:buFont typeface="+mj-lt"/>
-              <a:buAutoNum type="arabicPeriod"/>
-            </a:pPr>
-            <a:r>
-              <a:rPr lang="pl-PL" dirty="0"/>
-              <a:t>Przegląd literatury tematu </a:t>
-            </a:r>
-          </a:p>
-        </p:txBody>
-      </p:sp>
-    </p:spTree>
-    <p:extLst>
-      <p:ext uri="{BB962C8B-B14F-4D97-AF65-F5344CB8AC3E}">
-        <p14:creationId xmlns:p14="http://schemas.microsoft.com/office/powerpoint/2010/main" val="51280751"/>
-      </p:ext>
-    </p:extLst>
-  </p:cSld>
-  <p:clrMapOvr>
-    <a:masterClrMapping/>
-  </p:clrMapOvr>
-</p:sld>
-</file>
-
-<file path=ppt/slides/slide9.xml><?xml version="1.0" encoding="utf-8"?>
-<p:sld xmlns:a="http://schemas.openxmlformats.org/drawingml/2006/main" xmlns:r="http://schemas.openxmlformats.org/officeDocument/2006/relationships" xmlns:p="http://schemas.openxmlformats.org/presentationml/2006/main">
-  <p:cSld>
-    <p:spTree>
-      <p:nvGrpSpPr>
-        <p:cNvPr id="1" name=""/>
-        <p:cNvGrpSpPr/>
-        <p:nvPr/>
-      </p:nvGrpSpPr>
-      <p:grpSpPr>
-        <a:xfrm>
-          <a:off x="0" y="0"/>
-          <a:ext cx="0" cy="0"/>
-          <a:chOff x="0" y="0"/>
-          <a:chExt cx="0" cy="0"/>
-        </a:xfrm>
-      </p:grpSpPr>
-      <p:sp>
-        <p:nvSpPr>
-          <p:cNvPr id="2" name="Tytuł 1">
-            <a:extLst>
-              <a:ext uri="{FF2B5EF4-FFF2-40B4-BE49-F238E27FC236}">
-                <a16:creationId xmlns:a16="http://schemas.microsoft.com/office/drawing/2014/main" id="{0A0CC2F2-7C3D-57E3-13A9-FC0B0B0E5AC0}"/>
-              </a:ext>
-            </a:extLst>
-          </p:cNvPr>
-          <p:cNvSpPr>
-            <a:spLocks noGrp="1"/>
-          </p:cNvSpPr>
-          <p:nvPr>
-            <p:ph type="title"/>
-          </p:nvPr>
-        </p:nvSpPr>
-        <p:spPr/>
-        <p:txBody>
-          <a:bodyPr>
-            <a:normAutofit/>
-          </a:bodyPr>
-          <a:lstStyle/>
-          <a:p>
-            <a:r>
-              <a:rPr lang="pl-PL" dirty="0"/>
-              <a:t>Źródła:</a:t>
-            </a:r>
-          </a:p>
-        </p:txBody>
-      </p:sp>
-      <p:sp>
-        <p:nvSpPr>
-          <p:cNvPr id="3" name="Symbol zastępczy zawartości 2">
-            <a:extLst>
-              <a:ext uri="{FF2B5EF4-FFF2-40B4-BE49-F238E27FC236}">
-                <a16:creationId xmlns:a16="http://schemas.microsoft.com/office/drawing/2014/main" id="{9B08F21B-9AD6-B711-7F44-14F533D67D8C}"/>
-              </a:ext>
-            </a:extLst>
-          </p:cNvPr>
-          <p:cNvSpPr>
-            <a:spLocks noGrp="1"/>
-          </p:cNvSpPr>
-          <p:nvPr>
-            <p:ph idx="1"/>
-          </p:nvPr>
-        </p:nvSpPr>
-        <p:spPr/>
-        <p:txBody>
-          <a:bodyPr/>
-          <a:lstStyle/>
-          <a:p>
-            <a:r>
-              <a:rPr lang="pl-PL" dirty="0"/>
-              <a:t>Three </a:t>
-            </a:r>
-            <a:r>
-              <a:rPr lang="pl-PL" dirty="0" err="1"/>
-              <a:t>types</a:t>
-            </a:r>
-            <a:r>
-              <a:rPr lang="pl-PL" dirty="0"/>
-              <a:t> of </a:t>
-            </a:r>
-            <a:r>
-              <a:rPr lang="pl-PL" dirty="0" err="1"/>
-              <a:t>incremental</a:t>
-            </a:r>
-            <a:r>
-              <a:rPr lang="pl-PL" dirty="0"/>
-              <a:t> learning: a framework for </a:t>
-            </a:r>
-            <a:r>
-              <a:rPr lang="pl-PL" dirty="0" err="1"/>
-              <a:t>continual</a:t>
-            </a:r>
-            <a:r>
-              <a:rPr lang="pl-PL" dirty="0"/>
-              <a:t> learning – </a:t>
-            </a:r>
-            <a:r>
-              <a:rPr lang="pl-PL" dirty="0" err="1"/>
-              <a:t>Gido</a:t>
-            </a:r>
-            <a:r>
-              <a:rPr lang="pl-PL" dirty="0"/>
-              <a:t> van de </a:t>
-            </a:r>
-            <a:r>
-              <a:rPr lang="pl-PL" dirty="0" err="1"/>
-              <a:t>Ven</a:t>
-            </a:r>
-            <a:endParaRPr lang="pl-PL" dirty="0"/>
-          </a:p>
-        </p:txBody>
-      </p:sp>
-    </p:spTree>
-    <p:extLst>
-      <p:ext uri="{BB962C8B-B14F-4D97-AF65-F5344CB8AC3E}">
-        <p14:creationId xmlns:p14="http://schemas.microsoft.com/office/powerpoint/2010/main" val="1559685266"/>
       </p:ext>
     </p:extLst>
   </p:cSld>
